--- a/SQL-master/SQL [2] Query buildings.pptx
+++ b/SQL-master/SQL [2] Query buildings.pptx
@@ -6,10 +6,10 @@
     <p:sldMasterId id="2147483798" r:id="rId5"/>
   </p:sldMasterIdLst>
   <p:notesMasterIdLst>
-    <p:notesMasterId r:id="rId17"/>
+    <p:notesMasterId r:id="rId19"/>
   </p:notesMasterIdLst>
   <p:handoutMasterIdLst>
-    <p:handoutMasterId r:id="rId18"/>
+    <p:handoutMasterId r:id="rId20"/>
   </p:handoutMasterIdLst>
   <p:sldIdLst>
     <p:sldId id="290" r:id="rId6"/>
@@ -22,7 +22,9 @@
     <p:sldId id="303" r:id="rId13"/>
     <p:sldId id="304" r:id="rId14"/>
     <p:sldId id="288" r:id="rId15"/>
-    <p:sldId id="297" r:id="rId16"/>
+    <p:sldId id="307" r:id="rId16"/>
+    <p:sldId id="308" r:id="rId17"/>
+    <p:sldId id="297" r:id="rId18"/>
   </p:sldIdLst>
   <p:sldSz cx="9144000" cy="6858000" type="screen4x3"/>
   <p:notesSz cx="6858000" cy="9144000"/>
@@ -152,6 +154,27 @@
     </a:lvl9pPr>
   </p:defaultTextStyle>
   <p:extLst>
+    <p:ext uri="{521415D9-36F7-43E2-AB2F-B90AF26B5E84}">
+      <p14:sectionLst xmlns:p14="http://schemas.microsoft.com/office/powerpoint/2010/main">
+        <p14:section name="Default Section" id="{9933A3F5-1FE1-4771-96BA-D0249AC47DE1}">
+          <p14:sldIdLst>
+            <p14:sldId id="290"/>
+            <p14:sldId id="306"/>
+            <p14:sldId id="298"/>
+            <p14:sldId id="299"/>
+            <p14:sldId id="300"/>
+            <p14:sldId id="301"/>
+            <p14:sldId id="302"/>
+            <p14:sldId id="303"/>
+            <p14:sldId id="304"/>
+            <p14:sldId id="288"/>
+            <p14:sldId id="307"/>
+            <p14:sldId id="308"/>
+            <p14:sldId id="297"/>
+          </p14:sldIdLst>
+        </p14:section>
+      </p14:sectionLst>
+    </p:ext>
     <p:ext uri="{EFAFB233-063F-42B5-8137-9DF3F51BA10A}">
       <p15:sldGuideLst xmlns:p15="http://schemas.microsoft.com/office/powerpoint/2012/main">
         <p15:guide id="1" orient="horz" pos="2160">
@@ -266,7 +289,7 @@
           <a:p>
             <a:fld id="{E23C31A4-E588-4D7D-8556-3E7A80E3618E}" type="datetimeFigureOut">
               <a:rPr lang="es-MX" smtClean="0"/>
-              <a:t>28/08/2015</a:t>
+              <a:t>22/11/2016</a:t>
             </a:fld>
             <a:endParaRPr lang="es-MX"/>
           </a:p>
@@ -444,7 +467,7 @@
               <a:pPr>
                 <a:defRPr/>
               </a:pPr>
-              <a:t>28/08/2015</a:t>
+              <a:t>22/11/2016</a:t>
             </a:fld>
             <a:endParaRPr lang="es-MX" dirty="0"/>
           </a:p>
@@ -480,7 +503,7 @@
           <a:lstStyle/>
           <a:p>
             <a:pPr lvl="0"/>
-            <a:endParaRPr lang="es-MX" noProof="0" dirty="0" smtClean="0"/>
+            <a:endParaRPr lang="es-MX" noProof="0" dirty="0"/>
           </a:p>
         </p:txBody>
       </p:sp>
@@ -511,38 +534,38 @@
           <a:p>
             <a:pPr lvl="0"/>
             <a:r>
-              <a:rPr lang="en-US" noProof="0" smtClean="0"/>
+              <a:rPr lang="en-US" noProof="0"/>
               <a:t>Click to edit Master text styles</a:t>
             </a:r>
           </a:p>
           <a:p>
             <a:pPr lvl="1"/>
             <a:r>
-              <a:rPr lang="en-US" noProof="0" smtClean="0"/>
+              <a:rPr lang="en-US" noProof="0"/>
               <a:t>Second level</a:t>
             </a:r>
           </a:p>
           <a:p>
             <a:pPr lvl="2"/>
             <a:r>
-              <a:rPr lang="en-US" noProof="0" smtClean="0"/>
+              <a:rPr lang="en-US" noProof="0"/>
               <a:t>Third level</a:t>
             </a:r>
           </a:p>
           <a:p>
             <a:pPr lvl="3"/>
             <a:r>
-              <a:rPr lang="en-US" noProof="0" smtClean="0"/>
+              <a:rPr lang="en-US" noProof="0"/>
               <a:t>Fourth level</a:t>
             </a:r>
           </a:p>
           <a:p>
             <a:pPr lvl="4"/>
             <a:r>
-              <a:rPr lang="en-US" noProof="0" smtClean="0"/>
+              <a:rPr lang="en-US" noProof="0"/>
               <a:t>Fifth level</a:t>
             </a:r>
-            <a:endParaRPr lang="es-MX" noProof="0" smtClean="0"/>
+            <a:endParaRPr lang="es-MX" noProof="0"/>
           </a:p>
         </p:txBody>
       </p:sp>
@@ -931,10 +954,9 @@
           </a:lstStyle>
           <a:p>
             <a:r>
-              <a:rPr lang="es-MX" noProof="0" smtClean="0"/>
+              <a:rPr lang="es-MX" noProof="0"/>
               <a:t>Click To Edit Master Title Style</a:t>
             </a:r>
-            <a:endParaRPr lang="es-MX" noProof="0"/>
           </a:p>
         </p:txBody>
       </p:sp>
@@ -1003,14 +1025,14 @@
           <a:p>
             <a:pPr lvl="0"/>
             <a:r>
-              <a:rPr lang="en-US" noProof="0" smtClean="0"/>
+              <a:rPr lang="en-US" noProof="0"/>
               <a:t>Click to edit Master text styles</a:t>
             </a:r>
           </a:p>
           <a:p>
             <a:pPr lvl="1"/>
             <a:r>
-              <a:rPr lang="en-US" noProof="0" smtClean="0"/>
+              <a:rPr lang="en-US" noProof="0"/>
               <a:t>Second level</a:t>
             </a:r>
           </a:p>
@@ -1046,7 +1068,7 @@
           <a:p>
             <a:pPr algn="l"/>
             <a:r>
-              <a:rPr lang="es-MX" sz="800" noProof="0" smtClean="0">
+              <a:rPr lang="es-MX" sz="800" noProof="0">
                 <a:solidFill>
                   <a:srgbClr val="FFFFFF"/>
                 </a:solidFill>
@@ -1054,12 +1076,6 @@
               </a:rPr>
               <a:t>Todos los Derechos Reservados © Valores Corporativos Softtek S.A. de C.V. 2015. Interno.</a:t>
             </a:r>
-            <a:endParaRPr lang="es-MX" sz="800" noProof="0">
-              <a:solidFill>
-                <a:srgbClr val="FFFFFF"/>
-              </a:solidFill>
-              <a:cs typeface="Arial" charset="0"/>
-            </a:endParaRPr>
           </a:p>
         </p:txBody>
       </p:sp>
@@ -1142,13 +1158,6 @@
   <p:clrMapOvr>
     <a:masterClrMapping/>
   </p:clrMapOvr>
-  <p:timing>
-    <p:tnLst>
-      <p:par>
-        <p:cTn id="1" dur="indefinite" restart="never" nodeType="tmRoot"/>
-      </p:par>
-    </p:tnLst>
-  </p:timing>
 </p:sldLayout>
 </file>
 
@@ -1209,7 +1218,7 @@
           <a:p>
             <a:pPr lvl="0"/>
             <a:r>
-              <a:rPr lang="es-MX" noProof="0" smtClean="0"/>
+              <a:rPr lang="es-MX" noProof="0"/>
               <a:t>Click to edit Master title style</a:t>
             </a:r>
           </a:p>
@@ -1271,13 +1280,6 @@
   <p:clrMapOvr>
     <a:masterClrMapping/>
   </p:clrMapOvr>
-  <p:timing>
-    <p:tnLst>
-      <p:par>
-        <p:cTn id="1" dur="indefinite" restart="never" nodeType="tmRoot"/>
-      </p:par>
-    </p:tnLst>
-  </p:timing>
 </p:sldLayout>
 </file>
 
@@ -1405,7 +1407,7 @@
               <a:defRPr/>
             </a:pPr>
             <a:r>
-              <a:rPr kumimoji="0" lang="es-MX" sz="1800" b="0" i="0" u="none" strike="noStrike" kern="1200" cap="none" spc="0" normalizeH="0" baseline="0" noProof="0" smtClean="0">
+              <a:rPr kumimoji="0" lang="es-MX" sz="1800" b="0" i="0" u="none" strike="noStrike" kern="1200" cap="none" spc="0" normalizeH="0" baseline="0" noProof="0">
                 <a:ln>
                   <a:noFill/>
                 </a:ln>
@@ -1444,7 +1446,7 @@
               <a:defRPr/>
             </a:pPr>
             <a:r>
-              <a:rPr kumimoji="0" lang="es-MX" sz="1600" b="0" i="0" u="none" strike="noStrike" kern="1200" cap="none" spc="0" normalizeH="0" baseline="0" noProof="0" smtClean="0">
+              <a:rPr kumimoji="0" lang="es-MX" sz="1600" b="0" i="0" u="none" strike="noStrike" kern="1200" cap="none" spc="0" normalizeH="0" baseline="0" noProof="0">
                 <a:ln>
                   <a:noFill/>
                 </a:ln>
@@ -1483,7 +1485,7 @@
               <a:defRPr/>
             </a:pPr>
             <a:r>
-              <a:rPr kumimoji="0" lang="es-MX" sz="1400" b="0" i="0" u="none" strike="noStrike" kern="1200" cap="none" spc="0" normalizeH="0" baseline="0" noProof="0" smtClean="0">
+              <a:rPr kumimoji="0" lang="es-MX" sz="1400" b="0" i="0" u="none" strike="noStrike" kern="1200" cap="none" spc="0" normalizeH="0" baseline="0" noProof="0">
                 <a:ln>
                   <a:noFill/>
                 </a:ln>
@@ -1522,7 +1524,7 @@
               <a:defRPr/>
             </a:pPr>
             <a:r>
-              <a:rPr kumimoji="0" lang="es-MX" sz="1200" b="0" i="0" u="none" strike="noStrike" kern="1200" cap="none" spc="0" normalizeH="0" baseline="0" noProof="0" smtClean="0">
+              <a:rPr kumimoji="0" lang="es-MX" sz="1200" b="0" i="0" u="none" strike="noStrike" kern="1200" cap="none" spc="0" normalizeH="0" baseline="0" noProof="0">
                 <a:ln>
                   <a:noFill/>
                 </a:ln>
@@ -1576,7 +1578,7 @@
           <a:p>
             <a:pPr lvl="0"/>
             <a:r>
-              <a:rPr lang="es-MX" noProof="0" smtClean="0"/>
+              <a:rPr lang="es-MX" noProof="0"/>
               <a:t>Click to edit Master title style</a:t>
             </a:r>
           </a:p>
@@ -1638,13 +1640,6 @@
   <p:clrMapOvr>
     <a:masterClrMapping/>
   </p:clrMapOvr>
-  <p:timing>
-    <p:tnLst>
-      <p:par>
-        <p:cTn id="1" dur="indefinite" restart="never" nodeType="tmRoot"/>
-      </p:par>
-    </p:tnLst>
-  </p:timing>
 </p:sldLayout>
 </file>
 
@@ -1787,7 +1782,7 @@
               <a:defRPr/>
             </a:pPr>
             <a:r>
-              <a:rPr kumimoji="0" lang="es-MX" sz="1800" b="0" i="0" u="none" strike="noStrike" kern="1200" cap="none" spc="0" normalizeH="0" baseline="0" noProof="0" smtClean="0">
+              <a:rPr kumimoji="0" lang="es-MX" sz="1800" b="0" i="0" u="none" strike="noStrike" kern="1200" cap="none" spc="0" normalizeH="0" baseline="0" noProof="0">
                 <a:ln>
                   <a:noFill/>
                 </a:ln>
@@ -1826,7 +1821,7 @@
               <a:defRPr/>
             </a:pPr>
             <a:r>
-              <a:rPr kumimoji="0" lang="es-MX" sz="1600" b="0" i="0" u="none" strike="noStrike" kern="1200" cap="none" spc="0" normalizeH="0" baseline="0" noProof="0" smtClean="0">
+              <a:rPr kumimoji="0" lang="es-MX" sz="1600" b="0" i="0" u="none" strike="noStrike" kern="1200" cap="none" spc="0" normalizeH="0" baseline="0" noProof="0">
                 <a:ln>
                   <a:noFill/>
                 </a:ln>
@@ -1865,7 +1860,7 @@
               <a:defRPr/>
             </a:pPr>
             <a:r>
-              <a:rPr kumimoji="0" lang="es-MX" sz="1400" b="0" i="0" u="none" strike="noStrike" kern="1200" cap="none" spc="0" normalizeH="0" baseline="0" noProof="0" smtClean="0">
+              <a:rPr kumimoji="0" lang="es-MX" sz="1400" b="0" i="0" u="none" strike="noStrike" kern="1200" cap="none" spc="0" normalizeH="0" baseline="0" noProof="0">
                 <a:ln>
                   <a:noFill/>
                 </a:ln>
@@ -1904,7 +1899,7 @@
               <a:defRPr/>
             </a:pPr>
             <a:r>
-              <a:rPr kumimoji="0" lang="es-MX" sz="1200" b="0" i="0" u="none" strike="noStrike" kern="1200" cap="none" spc="0" normalizeH="0" baseline="0" noProof="0" smtClean="0">
+              <a:rPr kumimoji="0" lang="es-MX" sz="1200" b="0" i="0" u="none" strike="noStrike" kern="1200" cap="none" spc="0" normalizeH="0" baseline="0" noProof="0">
                 <a:ln>
                   <a:noFill/>
                 </a:ln>
@@ -1992,28 +1987,28 @@
               <a:defRPr/>
             </a:pPr>
             <a:r>
-              <a:rPr lang="es-MX" noProof="0" smtClean="0"/>
+              <a:rPr lang="es-MX" noProof="0"/>
               <a:t>Click to edit Master text styles</a:t>
             </a:r>
           </a:p>
           <a:p>
             <a:pPr lvl="1"/>
             <a:r>
-              <a:rPr lang="es-MX" noProof="0" smtClean="0"/>
+              <a:rPr lang="es-MX" noProof="0"/>
               <a:t>Second level</a:t>
             </a:r>
           </a:p>
           <a:p>
             <a:pPr lvl="2"/>
             <a:r>
-              <a:rPr lang="es-MX" noProof="0" smtClean="0"/>
+              <a:rPr lang="es-MX" noProof="0"/>
               <a:t>Third level</a:t>
             </a:r>
           </a:p>
           <a:p>
             <a:pPr lvl="3"/>
             <a:r>
-              <a:rPr lang="es-MX" noProof="0" smtClean="0"/>
+              <a:rPr lang="es-MX" noProof="0"/>
               <a:t>Fourth level</a:t>
             </a:r>
           </a:p>
@@ -2059,7 +2054,7 @@
           <a:p>
             <a:pPr lvl="0"/>
             <a:r>
-              <a:rPr lang="es-MX" noProof="0" smtClean="0"/>
+              <a:rPr lang="es-MX" noProof="0"/>
               <a:t>Click to edit Master title style</a:t>
             </a:r>
           </a:p>
@@ -2121,13 +2116,6 @@
   <p:clrMapOvr>
     <a:masterClrMapping/>
   </p:clrMapOvr>
-  <p:timing>
-    <p:tnLst>
-      <p:par>
-        <p:cTn id="1" dur="indefinite" restart="never" nodeType="tmRoot"/>
-      </p:par>
-    </p:tnLst>
-  </p:timing>
 </p:sldLayout>
 </file>
 
@@ -2273,7 +2261,7 @@
           <a:p>
             <a:pPr lvl="0"/>
             <a:r>
-              <a:rPr lang="es-MX" noProof="0" smtClean="0"/>
+              <a:rPr lang="es-MX" noProof="0"/>
               <a:t>Click to edit Master text styles</a:t>
             </a:r>
           </a:p>
@@ -2319,7 +2307,7 @@
           <a:p>
             <a:pPr lvl="0"/>
             <a:r>
-              <a:rPr lang="es-MX" noProof="0" smtClean="0"/>
+              <a:rPr lang="es-MX" noProof="0"/>
               <a:t>Click to edit Master title style</a:t>
             </a:r>
           </a:p>
@@ -2381,13 +2369,6 @@
   <p:clrMapOvr>
     <a:masterClrMapping/>
   </p:clrMapOvr>
-  <p:timing>
-    <p:tnLst>
-      <p:par>
-        <p:cTn id="1" dur="indefinite" restart="never" nodeType="tmRoot"/>
-      </p:par>
-    </p:tnLst>
-  </p:timing>
 </p:sldLayout>
 </file>
 
@@ -2534,7 +2515,7 @@
           <a:p>
             <a:pPr lvl="0"/>
             <a:r>
-              <a:rPr lang="es-MX" noProof="0" smtClean="0"/>
+              <a:rPr lang="es-MX" noProof="0"/>
               <a:t>Click to edit Master text styles</a:t>
             </a:r>
           </a:p>
@@ -2580,7 +2561,7 @@
           <a:p>
             <a:pPr lvl="0"/>
             <a:r>
-              <a:rPr lang="es-MX" noProof="0" smtClean="0"/>
+              <a:rPr lang="es-MX" noProof="0"/>
               <a:t>Click to edit Master title style</a:t>
             </a:r>
           </a:p>
@@ -2642,13 +2623,6 @@
   <p:clrMapOvr>
     <a:masterClrMapping/>
   </p:clrMapOvr>
-  <p:timing>
-    <p:tnLst>
-      <p:par>
-        <p:cTn id="1" dur="indefinite" restart="never" nodeType="tmRoot"/>
-      </p:par>
-    </p:tnLst>
-  </p:timing>
 </p:sldLayout>
 </file>
 
@@ -2731,10 +2705,9 @@
           <a:lstStyle/>
           <a:p>
             <a:r>
-              <a:rPr lang="es-MX" noProof="0" smtClean="0"/>
+              <a:rPr lang="es-MX" noProof="0"/>
               <a:t>Click to edit Master title style</a:t>
             </a:r>
-            <a:endParaRPr lang="es-MX" noProof="0"/>
           </a:p>
         </p:txBody>
       </p:sp>
@@ -2924,7 +2897,7 @@
           </a:lstStyle>
           <a:p>
             <a:pPr lvl="0"/>
-            <a:endParaRPr lang="es-MX" noProof="0" smtClean="0"/>
+            <a:endParaRPr lang="es-MX" noProof="0"/>
           </a:p>
         </p:txBody>
       </p:sp>
@@ -2954,7 +2927,7 @@
           </a:lstStyle>
           <a:p>
             <a:pPr lvl="0"/>
-            <a:endParaRPr lang="es-MX" noProof="0" smtClean="0"/>
+            <a:endParaRPr lang="es-MX" noProof="0"/>
           </a:p>
         </p:txBody>
       </p:sp>
@@ -2984,7 +2957,7 @@
           </a:lstStyle>
           <a:p>
             <a:pPr lvl="0"/>
-            <a:endParaRPr lang="es-MX" noProof="0" smtClean="0"/>
+            <a:endParaRPr lang="es-MX" noProof="0"/>
           </a:p>
         </p:txBody>
       </p:sp>
@@ -3014,7 +2987,7 @@
           </a:lstStyle>
           <a:p>
             <a:pPr lvl="0"/>
-            <a:endParaRPr lang="es-MX" noProof="0" smtClean="0"/>
+            <a:endParaRPr lang="es-MX" noProof="0"/>
           </a:p>
         </p:txBody>
       </p:sp>
@@ -3062,10 +3035,9 @@
           <a:p>
             <a:pPr algn="ctr"/>
             <a:r>
-              <a:rPr lang="es-MX" noProof="0" smtClean="0"/>
+              <a:rPr lang="es-MX" noProof="0"/>
               <a:t> </a:t>
             </a:r>
-            <a:endParaRPr lang="es-MX" noProof="0"/>
           </a:p>
         </p:txBody>
       </p:sp>
@@ -3103,14 +3075,14 @@
           <a:p>
             <a:pPr lvl="0"/>
             <a:r>
-              <a:rPr lang="es-MX" noProof="0" smtClean="0"/>
+              <a:rPr lang="es-MX" noProof="0"/>
               <a:t>Click to edit Master text</a:t>
             </a:r>
             <a:br>
-              <a:rPr lang="es-MX" noProof="0" smtClean="0"/>
+              <a:rPr lang="es-MX" noProof="0"/>
             </a:br>
             <a:r>
-              <a:rPr lang="es-MX" noProof="0" smtClean="0"/>
+              <a:rPr lang="es-MX" noProof="0"/>
               <a:t>styles</a:t>
             </a:r>
           </a:p>
@@ -3126,13 +3098,6 @@
   <p:clrMapOvr>
     <a:masterClrMapping/>
   </p:clrMapOvr>
-  <p:timing>
-    <p:tnLst>
-      <p:par>
-        <p:cTn id="1" dur="indefinite" restart="never" nodeType="tmRoot"/>
-      </p:par>
-    </p:tnLst>
-  </p:timing>
 </p:sldLayout>
 </file>
 
@@ -3260,10 +3225,9 @@
           <a:lstStyle/>
           <a:p>
             <a:r>
-              <a:rPr lang="es-MX" noProof="0" smtClean="0"/>
+              <a:rPr lang="es-MX" noProof="0"/>
               <a:t>Click to edit Master title style</a:t>
             </a:r>
-            <a:endParaRPr lang="es-MX" noProof="0"/>
           </a:p>
         </p:txBody>
       </p:sp>
@@ -3300,7 +3264,7 @@
           <a:p>
             <a:pPr lvl="0"/>
             <a:r>
-              <a:rPr lang="es-MX" noProof="0" smtClean="0"/>
+              <a:rPr lang="es-MX" noProof="0"/>
               <a:t>Click to edit Master text styles</a:t>
             </a:r>
           </a:p>
@@ -3385,7 +3349,7 @@
           <a:p>
             <a:pPr lvl="0"/>
             <a:r>
-              <a:rPr lang="es-MX" noProof="0" smtClean="0"/>
+              <a:rPr lang="es-MX" noProof="0"/>
               <a:t>Click to edit Master text styles</a:t>
             </a:r>
           </a:p>
@@ -3469,7 +3433,7 @@
           <a:p>
             <a:pPr lvl="0"/>
             <a:r>
-              <a:rPr lang="es-MX" noProof="0" smtClean="0"/>
+              <a:rPr lang="es-MX" noProof="0"/>
               <a:t>Click to edit Master text styles</a:t>
             </a:r>
           </a:p>
@@ -3553,7 +3517,7 @@
           <a:p>
             <a:pPr lvl="0"/>
             <a:r>
-              <a:rPr lang="es-MX" noProof="0" smtClean="0"/>
+              <a:rPr lang="es-MX" noProof="0"/>
               <a:t>Click to edit Master text styles</a:t>
             </a:r>
           </a:p>
@@ -3637,7 +3601,7 @@
           <a:p>
             <a:pPr lvl="0"/>
             <a:r>
-              <a:rPr lang="es-MX" noProof="0" smtClean="0"/>
+              <a:rPr lang="es-MX" noProof="0"/>
               <a:t>Click to edit Master text styles</a:t>
             </a:r>
           </a:p>
@@ -3671,7 +3635,7 @@
           <a:p>
             <a:pPr lvl="0"/>
             <a:r>
-              <a:rPr lang="es-MX" noProof="0" smtClean="0"/>
+              <a:rPr lang="es-MX" noProof="0"/>
               <a:t>Click to edit Master text styles</a:t>
             </a:r>
           </a:p>
@@ -3705,7 +3669,7 @@
           <a:p>
             <a:pPr lvl="0"/>
             <a:r>
-              <a:rPr lang="es-MX" noProof="0" smtClean="0"/>
+              <a:rPr lang="es-MX" noProof="0"/>
               <a:t>Click to edit Master text styles</a:t>
             </a:r>
           </a:p>
@@ -3739,7 +3703,7 @@
           <a:p>
             <a:pPr lvl="0"/>
             <a:r>
-              <a:rPr lang="es-MX" noProof="0" smtClean="0"/>
+              <a:rPr lang="es-MX" noProof="0"/>
               <a:t>Click to edit Master text styles</a:t>
             </a:r>
           </a:p>
@@ -3773,7 +3737,7 @@
           <a:p>
             <a:pPr lvl="0"/>
             <a:r>
-              <a:rPr lang="es-MX" noProof="0" smtClean="0"/>
+              <a:rPr lang="es-MX" noProof="0"/>
               <a:t>Click to edit Master text styles</a:t>
             </a:r>
           </a:p>
@@ -3807,7 +3771,7 @@
           <a:p>
             <a:pPr lvl="0"/>
             <a:r>
-              <a:rPr lang="es-MX" noProof="0" smtClean="0"/>
+              <a:rPr lang="es-MX" noProof="0"/>
               <a:t>Click to edit Master text styles</a:t>
             </a:r>
           </a:p>
@@ -3823,13 +3787,6 @@
   <p:clrMapOvr>
     <a:masterClrMapping/>
   </p:clrMapOvr>
-  <p:timing>
-    <p:tnLst>
-      <p:par>
-        <p:cTn id="1" dur="indefinite" restart="never" nodeType="tmRoot"/>
-      </p:par>
-    </p:tnLst>
-  </p:timing>
 </p:sldLayout>
 </file>
 
@@ -4284,10 +4241,9 @@
           <a:lstStyle/>
           <a:p>
             <a:r>
-              <a:rPr lang="es-MX" noProof="0" smtClean="0"/>
+              <a:rPr lang="es-MX" noProof="0"/>
               <a:t>Click to edit Master title style</a:t>
             </a:r>
-            <a:endParaRPr lang="es-MX" noProof="0"/>
           </a:p>
         </p:txBody>
       </p:sp>
@@ -4322,7 +4278,7 @@
           <a:p>
             <a:pPr lvl="0"/>
             <a:r>
-              <a:rPr lang="es-MX" noProof="0" smtClean="0"/>
+              <a:rPr lang="es-MX" noProof="0"/>
               <a:t>Click to edit Master text styles</a:t>
             </a:r>
           </a:p>
@@ -4372,7 +4328,7 @@
           <a:p>
             <a:pPr lvl="0"/>
             <a:r>
-              <a:rPr lang="es-MX" noProof="0" smtClean="0"/>
+              <a:rPr lang="es-MX" noProof="0"/>
               <a:t>Click to edit Master text styles</a:t>
             </a:r>
           </a:p>
@@ -4395,7 +4351,7 @@
               <a:defRPr/>
             </a:pPr>
             <a:r>
-              <a:rPr lang="es-MX" noProof="0" smtClean="0"/>
+              <a:rPr lang="es-MX" noProof="0"/>
               <a:t>Click to edit Master text styles</a:t>
             </a:r>
           </a:p>
@@ -4418,7 +4374,7 @@
               <a:defRPr/>
             </a:pPr>
             <a:r>
-              <a:rPr lang="es-MX" noProof="0" smtClean="0"/>
+              <a:rPr lang="es-MX" noProof="0"/>
               <a:t>Click to edit Master text styles</a:t>
             </a:r>
           </a:p>
@@ -4441,7 +4397,7 @@
               <a:defRPr/>
             </a:pPr>
             <a:r>
-              <a:rPr lang="es-MX" noProof="0" smtClean="0"/>
+              <a:rPr lang="es-MX" noProof="0"/>
               <a:t>Click to edit Master text styles</a:t>
             </a:r>
           </a:p>
@@ -4464,25 +4420,25 @@
               <a:defRPr/>
             </a:pPr>
             <a:r>
-              <a:rPr lang="es-MX" noProof="0" smtClean="0"/>
+              <a:rPr lang="es-MX" noProof="0"/>
               <a:t>Click to edit Master text styles</a:t>
             </a:r>
           </a:p>
           <a:p>
             <a:pPr lvl="0"/>
-            <a:endParaRPr lang="es-MX" noProof="0" smtClean="0"/>
+            <a:endParaRPr lang="es-MX" noProof="0"/>
           </a:p>
           <a:p>
             <a:pPr lvl="0"/>
-            <a:endParaRPr lang="es-MX" noProof="0" smtClean="0"/>
+            <a:endParaRPr lang="es-MX" noProof="0"/>
           </a:p>
           <a:p>
             <a:pPr lvl="0"/>
-            <a:endParaRPr lang="es-MX" noProof="0" smtClean="0"/>
+            <a:endParaRPr lang="es-MX" noProof="0"/>
           </a:p>
           <a:p>
             <a:pPr lvl="0"/>
-            <a:endParaRPr lang="es-MX" noProof="0" smtClean="0"/>
+            <a:endParaRPr lang="es-MX" noProof="0"/>
           </a:p>
         </p:txBody>
       </p:sp>
@@ -4517,7 +4473,7 @@
           <a:p>
             <a:pPr lvl="0"/>
             <a:r>
-              <a:rPr lang="es-MX" noProof="0" smtClean="0"/>
+              <a:rPr lang="es-MX" noProof="0"/>
               <a:t>Click to edit Master text styles</a:t>
             </a:r>
           </a:p>
@@ -4567,7 +4523,7 @@
           <a:p>
             <a:pPr lvl="0"/>
             <a:r>
-              <a:rPr lang="es-MX" noProof="0" smtClean="0"/>
+              <a:rPr lang="es-MX" noProof="0"/>
               <a:t>Click to edit Master text styles</a:t>
             </a:r>
           </a:p>
@@ -4590,7 +4546,7 @@
               <a:defRPr/>
             </a:pPr>
             <a:r>
-              <a:rPr lang="es-MX" noProof="0" smtClean="0"/>
+              <a:rPr lang="es-MX" noProof="0"/>
               <a:t>Click to edit Master text styles</a:t>
             </a:r>
           </a:p>
@@ -4613,7 +4569,7 @@
               <a:defRPr/>
             </a:pPr>
             <a:r>
-              <a:rPr lang="es-MX" noProof="0" smtClean="0"/>
+              <a:rPr lang="es-MX" noProof="0"/>
               <a:t>Click to edit Master text styles</a:t>
             </a:r>
           </a:p>
@@ -4636,7 +4592,7 @@
               <a:defRPr/>
             </a:pPr>
             <a:r>
-              <a:rPr lang="es-MX" noProof="0" smtClean="0"/>
+              <a:rPr lang="es-MX" noProof="0"/>
               <a:t>Click to edit Master text styles</a:t>
             </a:r>
           </a:p>
@@ -4659,25 +4615,25 @@
               <a:defRPr/>
             </a:pPr>
             <a:r>
-              <a:rPr lang="es-MX" noProof="0" smtClean="0"/>
+              <a:rPr lang="es-MX" noProof="0"/>
               <a:t>Click to edit Master text styles</a:t>
             </a:r>
           </a:p>
           <a:p>
             <a:pPr lvl="0"/>
-            <a:endParaRPr lang="es-MX" noProof="0" smtClean="0"/>
+            <a:endParaRPr lang="es-MX" noProof="0"/>
           </a:p>
           <a:p>
             <a:pPr lvl="0"/>
-            <a:endParaRPr lang="es-MX" noProof="0" smtClean="0"/>
+            <a:endParaRPr lang="es-MX" noProof="0"/>
           </a:p>
           <a:p>
             <a:pPr lvl="0"/>
-            <a:endParaRPr lang="es-MX" noProof="0" smtClean="0"/>
+            <a:endParaRPr lang="es-MX" noProof="0"/>
           </a:p>
           <a:p>
             <a:pPr lvl="0"/>
-            <a:endParaRPr lang="es-MX" noProof="0" smtClean="0"/>
+            <a:endParaRPr lang="es-MX" noProof="0"/>
           </a:p>
         </p:txBody>
       </p:sp>
@@ -4712,7 +4668,7 @@
           <a:p>
             <a:pPr lvl="0"/>
             <a:r>
-              <a:rPr lang="es-MX" noProof="0" smtClean="0"/>
+              <a:rPr lang="es-MX" noProof="0"/>
               <a:t>Click to edit Master text styles</a:t>
             </a:r>
           </a:p>
@@ -4762,7 +4718,7 @@
           <a:p>
             <a:pPr lvl="0"/>
             <a:r>
-              <a:rPr lang="es-MX" noProof="0" smtClean="0"/>
+              <a:rPr lang="es-MX" noProof="0"/>
               <a:t>Click to edit Master text styles</a:t>
             </a:r>
           </a:p>
@@ -4785,7 +4741,7 @@
               <a:defRPr/>
             </a:pPr>
             <a:r>
-              <a:rPr lang="es-MX" noProof="0" smtClean="0"/>
+              <a:rPr lang="es-MX" noProof="0"/>
               <a:t>Click to edit Master text styles</a:t>
             </a:r>
           </a:p>
@@ -4808,7 +4764,7 @@
               <a:defRPr/>
             </a:pPr>
             <a:r>
-              <a:rPr lang="es-MX" noProof="0" smtClean="0"/>
+              <a:rPr lang="es-MX" noProof="0"/>
               <a:t>Click to edit Master text styles</a:t>
             </a:r>
           </a:p>
@@ -4831,7 +4787,7 @@
               <a:defRPr/>
             </a:pPr>
             <a:r>
-              <a:rPr lang="es-MX" noProof="0" smtClean="0"/>
+              <a:rPr lang="es-MX" noProof="0"/>
               <a:t>Click to edit Master text styles</a:t>
             </a:r>
           </a:p>
@@ -4854,25 +4810,25 @@
               <a:defRPr/>
             </a:pPr>
             <a:r>
-              <a:rPr lang="es-MX" noProof="0" smtClean="0"/>
+              <a:rPr lang="es-MX" noProof="0"/>
               <a:t>Click to edit Master text styles</a:t>
             </a:r>
           </a:p>
           <a:p>
             <a:pPr lvl="0"/>
-            <a:endParaRPr lang="es-MX" noProof="0" smtClean="0"/>
+            <a:endParaRPr lang="es-MX" noProof="0"/>
           </a:p>
           <a:p>
             <a:pPr lvl="0"/>
-            <a:endParaRPr lang="es-MX" noProof="0" smtClean="0"/>
+            <a:endParaRPr lang="es-MX" noProof="0"/>
           </a:p>
           <a:p>
             <a:pPr lvl="0"/>
-            <a:endParaRPr lang="es-MX" noProof="0" smtClean="0"/>
+            <a:endParaRPr lang="es-MX" noProof="0"/>
           </a:p>
           <a:p>
             <a:pPr lvl="0"/>
-            <a:endParaRPr lang="es-MX" noProof="0" smtClean="0"/>
+            <a:endParaRPr lang="es-MX" noProof="0"/>
           </a:p>
         </p:txBody>
       </p:sp>
@@ -4907,7 +4863,7 @@
           <a:p>
             <a:pPr lvl="0"/>
             <a:r>
-              <a:rPr lang="es-MX" noProof="0" smtClean="0"/>
+              <a:rPr lang="es-MX" noProof="0"/>
               <a:t>Click to edit Master text styles</a:t>
             </a:r>
           </a:p>
@@ -4957,7 +4913,7 @@
           <a:p>
             <a:pPr lvl="0"/>
             <a:r>
-              <a:rPr lang="es-MX" noProof="0" smtClean="0"/>
+              <a:rPr lang="es-MX" noProof="0"/>
               <a:t>Click to edit Master text styles</a:t>
             </a:r>
           </a:p>
@@ -4980,7 +4936,7 @@
               <a:defRPr/>
             </a:pPr>
             <a:r>
-              <a:rPr lang="es-MX" noProof="0" smtClean="0"/>
+              <a:rPr lang="es-MX" noProof="0"/>
               <a:t>Click to edit Master text styles</a:t>
             </a:r>
           </a:p>
@@ -5003,7 +4959,7 @@
               <a:defRPr/>
             </a:pPr>
             <a:r>
-              <a:rPr lang="es-MX" noProof="0" smtClean="0"/>
+              <a:rPr lang="es-MX" noProof="0"/>
               <a:t>Click to edit Master text styles</a:t>
             </a:r>
           </a:p>
@@ -5026,7 +4982,7 @@
               <a:defRPr/>
             </a:pPr>
             <a:r>
-              <a:rPr lang="es-MX" noProof="0" smtClean="0"/>
+              <a:rPr lang="es-MX" noProof="0"/>
               <a:t>Click to edit Master text styles</a:t>
             </a:r>
           </a:p>
@@ -5049,25 +5005,25 @@
               <a:defRPr/>
             </a:pPr>
             <a:r>
-              <a:rPr lang="es-MX" noProof="0" smtClean="0"/>
+              <a:rPr lang="es-MX" noProof="0"/>
               <a:t>Click to edit Master text styles</a:t>
             </a:r>
           </a:p>
           <a:p>
             <a:pPr lvl="0"/>
-            <a:endParaRPr lang="es-MX" noProof="0" smtClean="0"/>
+            <a:endParaRPr lang="es-MX" noProof="0"/>
           </a:p>
           <a:p>
             <a:pPr lvl="0"/>
-            <a:endParaRPr lang="es-MX" noProof="0" smtClean="0"/>
+            <a:endParaRPr lang="es-MX" noProof="0"/>
           </a:p>
           <a:p>
             <a:pPr lvl="0"/>
-            <a:endParaRPr lang="es-MX" noProof="0" smtClean="0"/>
+            <a:endParaRPr lang="es-MX" noProof="0"/>
           </a:p>
           <a:p>
             <a:pPr lvl="0"/>
-            <a:endParaRPr lang="es-MX" noProof="0" smtClean="0"/>
+            <a:endParaRPr lang="es-MX" noProof="0"/>
           </a:p>
         </p:txBody>
       </p:sp>
@@ -5081,13 +5037,6 @@
   <p:clrMapOvr>
     <a:masterClrMapping/>
   </p:clrMapOvr>
-  <p:timing>
-    <p:tnLst>
-      <p:par>
-        <p:cTn id="1" dur="indefinite" restart="never" nodeType="tmRoot"/>
-      </p:par>
-    </p:tnLst>
-  </p:timing>
 </p:sldLayout>
 </file>
 
@@ -5148,7 +5097,7 @@
           <a:p>
             <a:pPr lvl="0"/>
             <a:r>
-              <a:rPr lang="es-MX" noProof="0" smtClean="0"/>
+              <a:rPr lang="es-MX" noProof="0"/>
               <a:t>Click to edit Master title style</a:t>
             </a:r>
           </a:p>
@@ -5427,10 +5376,9 @@
           <a:p>
             <a:pPr lvl="0"/>
             <a:r>
-              <a:rPr lang="es-MX" noProof="0" smtClean="0"/>
+              <a:rPr lang="es-MX" noProof="0"/>
               <a:t>At a Glance</a:t>
             </a:r>
-            <a:endParaRPr lang="es-MX" noProof="0"/>
           </a:p>
         </p:txBody>
       </p:sp>
@@ -5461,10 +5409,9 @@
           <a:p>
             <a:pPr lvl="0"/>
             <a:r>
-              <a:rPr lang="es-MX" noProof="0" smtClean="0"/>
+              <a:rPr lang="es-MX" noProof="0"/>
               <a:t>Challenge</a:t>
             </a:r>
-            <a:endParaRPr lang="es-MX" noProof="0"/>
           </a:p>
         </p:txBody>
       </p:sp>
@@ -5495,10 +5442,9 @@
           <a:p>
             <a:pPr lvl="0"/>
             <a:r>
-              <a:rPr lang="es-MX" noProof="0" smtClean="0"/>
+              <a:rPr lang="es-MX" noProof="0"/>
               <a:t>The Solution</a:t>
             </a:r>
-            <a:endParaRPr lang="es-MX" noProof="0"/>
           </a:p>
         </p:txBody>
       </p:sp>
@@ -5533,10 +5479,9 @@
           <a:p>
             <a:pPr lvl="0"/>
             <a:r>
-              <a:rPr lang="es-MX" noProof="0" smtClean="0"/>
+              <a:rPr lang="es-MX" noProof="0"/>
               <a:t>Voice of the Costumer</a:t>
             </a:r>
-            <a:endParaRPr lang="es-MX" noProof="0"/>
           </a:p>
         </p:txBody>
       </p:sp>
@@ -5566,7 +5511,7 @@
           <a:p>
             <a:pPr lvl="0"/>
             <a:r>
-              <a:rPr lang="es-MX" noProof="0" smtClean="0"/>
+              <a:rPr lang="es-MX" noProof="0"/>
               <a:t>Click to edit Master text styles</a:t>
             </a:r>
           </a:p>
@@ -5598,7 +5543,7 @@
           <a:p>
             <a:pPr lvl="0"/>
             <a:r>
-              <a:rPr lang="es-MX" noProof="0" smtClean="0"/>
+              <a:rPr lang="es-MX" noProof="0"/>
               <a:t>Click to edit Master text styles</a:t>
             </a:r>
           </a:p>
@@ -5732,7 +5677,7 @@
           <a:p>
             <a:pPr lvl="0"/>
             <a:r>
-              <a:rPr lang="es-MX" noProof="0" smtClean="0"/>
+              <a:rPr lang="es-MX" noProof="0"/>
               <a:t>Click to edit Master text styles</a:t>
             </a:r>
           </a:p>
@@ -5765,7 +5710,7 @@
           <a:p>
             <a:pPr lvl="0"/>
             <a:r>
-              <a:rPr lang="es-MX" noProof="0" smtClean="0"/>
+              <a:rPr lang="es-MX" noProof="0"/>
               <a:t>Click to edit Master text styles</a:t>
             </a:r>
           </a:p>
@@ -5802,7 +5747,7 @@
           <a:p>
             <a:pPr lvl="0"/>
             <a:r>
-              <a:rPr lang="es-MX" noProof="0" smtClean="0"/>
+              <a:rPr lang="es-MX" noProof="0"/>
               <a:t>Click to edit Master text styles</a:t>
             </a:r>
           </a:p>
@@ -5818,13 +5763,6 @@
   <p:clrMapOvr>
     <a:masterClrMapping/>
   </p:clrMapOvr>
-  <p:timing>
-    <p:tnLst>
-      <p:par>
-        <p:cTn id="1" dur="indefinite" restart="never" nodeType="tmRoot"/>
-      </p:par>
-    </p:tnLst>
-  </p:timing>
 </p:sldLayout>
 </file>
 
@@ -5885,7 +5823,7 @@
           <a:p>
             <a:pPr lvl="0"/>
             <a:r>
-              <a:rPr lang="es-MX" noProof="0" smtClean="0"/>
+              <a:rPr lang="es-MX" noProof="0"/>
               <a:t>Click to edit Master title style</a:t>
             </a:r>
           </a:p>
@@ -6164,10 +6102,9 @@
           <a:p>
             <a:pPr lvl="0"/>
             <a:r>
-              <a:rPr lang="es-MX" noProof="0" smtClean="0"/>
+              <a:rPr lang="es-MX" noProof="0"/>
               <a:t>At a Glance</a:t>
             </a:r>
-            <a:endParaRPr lang="es-MX" noProof="0"/>
           </a:p>
         </p:txBody>
       </p:sp>
@@ -6198,10 +6135,9 @@
           <a:p>
             <a:pPr lvl="0"/>
             <a:r>
-              <a:rPr lang="es-MX" noProof="0" smtClean="0"/>
+              <a:rPr lang="es-MX" noProof="0"/>
               <a:t>Challenge</a:t>
             </a:r>
-            <a:endParaRPr lang="es-MX" noProof="0"/>
           </a:p>
         </p:txBody>
       </p:sp>
@@ -6232,10 +6168,9 @@
           <a:p>
             <a:pPr lvl="0"/>
             <a:r>
-              <a:rPr lang="es-MX" noProof="0" smtClean="0"/>
+              <a:rPr lang="es-MX" noProof="0"/>
               <a:t>The Solution</a:t>
             </a:r>
-            <a:endParaRPr lang="es-MX" noProof="0"/>
           </a:p>
         </p:txBody>
       </p:sp>
@@ -6265,7 +6200,7 @@
           <a:p>
             <a:pPr lvl="0"/>
             <a:r>
-              <a:rPr lang="es-MX" noProof="0" smtClean="0"/>
+              <a:rPr lang="es-MX" noProof="0"/>
               <a:t>Click to edit Master text styles</a:t>
             </a:r>
           </a:p>
@@ -6297,7 +6232,7 @@
           <a:p>
             <a:pPr lvl="0"/>
             <a:r>
-              <a:rPr lang="es-MX" noProof="0" smtClean="0"/>
+              <a:rPr lang="es-MX" noProof="0"/>
               <a:t>Click to edit Master text styles</a:t>
             </a:r>
           </a:p>
@@ -6431,7 +6366,7 @@
           <a:p>
             <a:pPr lvl="0"/>
             <a:r>
-              <a:rPr lang="es-MX" noProof="0" smtClean="0"/>
+              <a:rPr lang="es-MX" noProof="0"/>
               <a:t>Click to edit Master text styles</a:t>
             </a:r>
           </a:p>
@@ -6566,10 +6501,9 @@
           <a:p>
             <a:pPr lvl="0"/>
             <a:r>
-              <a:rPr lang="es-MX" noProof="0" smtClean="0"/>
+              <a:rPr lang="es-MX" noProof="0"/>
               <a:t>Benefits</a:t>
             </a:r>
-            <a:endParaRPr lang="es-MX" noProof="0"/>
           </a:p>
         </p:txBody>
       </p:sp>
@@ -6599,7 +6533,7 @@
           <a:p>
             <a:pPr lvl="0"/>
             <a:r>
-              <a:rPr lang="es-MX" noProof="0" smtClean="0"/>
+              <a:rPr lang="es-MX" noProof="0"/>
               <a:t>Click to edit Master text styles</a:t>
             </a:r>
           </a:p>
@@ -6615,13 +6549,6 @@
   <p:clrMapOvr>
     <a:masterClrMapping/>
   </p:clrMapOvr>
-  <p:timing>
-    <p:tnLst>
-      <p:par>
-        <p:cTn id="1" dur="indefinite" restart="never" nodeType="tmRoot"/>
-      </p:par>
-    </p:tnLst>
-  </p:timing>
 </p:sldLayout>
 </file>
 
@@ -6798,10 +6725,9 @@
           </a:lstStyle>
           <a:p>
             <a:r>
-              <a:rPr lang="es-MX" noProof="0" smtClean="0"/>
+              <a:rPr lang="es-MX" noProof="0"/>
               <a:t>Click To Edit Master Title Style</a:t>
             </a:r>
-            <a:endParaRPr lang="es-MX" noProof="0"/>
           </a:p>
         </p:txBody>
       </p:sp>
@@ -6870,14 +6796,14 @@
           <a:p>
             <a:pPr lvl="0"/>
             <a:r>
-              <a:rPr lang="en-US" noProof="0" smtClean="0"/>
+              <a:rPr lang="en-US" noProof="0"/>
               <a:t>Click to edit Master text styles</a:t>
             </a:r>
           </a:p>
           <a:p>
             <a:pPr lvl="1"/>
             <a:r>
-              <a:rPr lang="en-US" noProof="0" smtClean="0"/>
+              <a:rPr lang="en-US" noProof="0"/>
               <a:t>Second level</a:t>
             </a:r>
           </a:p>
@@ -6982,7 +6908,7 @@
           <a:p>
             <a:pPr algn="l"/>
             <a:r>
-              <a:rPr lang="es-MX" sz="800" noProof="0" smtClean="0">
+              <a:rPr lang="es-MX" sz="800" noProof="0">
                 <a:solidFill>
                   <a:srgbClr val="FFFFFF"/>
                 </a:solidFill>
@@ -6990,12 +6916,6 @@
               </a:rPr>
               <a:t>Todos los Derechos Reservados © Valores Corporativos Softtek S.A. de C.V. 2015. Interno.</a:t>
             </a:r>
-            <a:endParaRPr lang="es-MX" sz="800" noProof="0">
-              <a:solidFill>
-                <a:srgbClr val="FFFFFF"/>
-              </a:solidFill>
-              <a:cs typeface="Arial" charset="0"/>
-            </a:endParaRPr>
           </a:p>
         </p:txBody>
       </p:sp>
@@ -7009,13 +6929,6 @@
   <p:clrMapOvr>
     <a:masterClrMapping/>
   </p:clrMapOvr>
-  <p:timing>
-    <p:tnLst>
-      <p:par>
-        <p:cTn id="1" dur="indefinite" restart="never" nodeType="tmRoot"/>
-      </p:par>
-    </p:tnLst>
-  </p:timing>
 </p:sldLayout>
 </file>
 
@@ -7192,10 +7105,9 @@
           </a:lstStyle>
           <a:p>
             <a:r>
-              <a:rPr lang="es-MX" noProof="0" smtClean="0"/>
+              <a:rPr lang="es-MX" noProof="0"/>
               <a:t>Click To Edit Master Title Style</a:t>
             </a:r>
-            <a:endParaRPr lang="es-MX" noProof="0"/>
           </a:p>
         </p:txBody>
       </p:sp>
@@ -7264,14 +7176,14 @@
           <a:p>
             <a:pPr lvl="0"/>
             <a:r>
-              <a:rPr lang="en-US" noProof="0" smtClean="0"/>
+              <a:rPr lang="en-US" noProof="0"/>
               <a:t>Click to edit Master text styles</a:t>
             </a:r>
           </a:p>
           <a:p>
             <a:pPr lvl="1"/>
             <a:r>
-              <a:rPr lang="en-US" noProof="0" smtClean="0"/>
+              <a:rPr lang="en-US" noProof="0"/>
               <a:t>Second level</a:t>
             </a:r>
           </a:p>
@@ -7376,7 +7288,7 @@
           <a:p>
             <a:pPr algn="l"/>
             <a:r>
-              <a:rPr lang="es-MX" sz="800" noProof="0" smtClean="0">
+              <a:rPr lang="es-MX" sz="800" noProof="0">
                 <a:solidFill>
                   <a:srgbClr val="FFFFFF"/>
                 </a:solidFill>
@@ -7384,12 +7296,6 @@
               </a:rPr>
               <a:t>Todos los Derechos Reservados © Valores Corporativos Softtek S.A. de C.V. 2015. Interno.</a:t>
             </a:r>
-            <a:endParaRPr lang="es-MX" sz="800" noProof="0">
-              <a:solidFill>
-                <a:srgbClr val="FFFFFF"/>
-              </a:solidFill>
-              <a:cs typeface="Arial" charset="0"/>
-            </a:endParaRPr>
           </a:p>
         </p:txBody>
       </p:sp>
@@ -7403,13 +7309,6 @@
   <p:clrMapOvr>
     <a:masterClrMapping/>
   </p:clrMapOvr>
-  <p:timing>
-    <p:tnLst>
-      <p:par>
-        <p:cTn id="1" dur="indefinite" restart="never" nodeType="tmRoot"/>
-      </p:par>
-    </p:tnLst>
-  </p:timing>
 </p:sldLayout>
 </file>
 
@@ -7556,24 +7455,23 @@
           </a:lstStyle>
           <a:p>
             <a:r>
-              <a:rPr lang="es-MX" noProof="0" smtClean="0"/>
+              <a:rPr lang="es-MX" noProof="0"/>
               <a:t>Click to </a:t>
             </a:r>
             <a:br>
-              <a:rPr lang="es-MX" noProof="0" smtClean="0"/>
+              <a:rPr lang="es-MX" noProof="0"/>
             </a:br>
             <a:r>
-              <a:rPr lang="es-MX" noProof="0" smtClean="0"/>
+              <a:rPr lang="es-MX" noProof="0"/>
               <a:t>edit Master </a:t>
             </a:r>
             <a:br>
-              <a:rPr lang="es-MX" noProof="0" smtClean="0"/>
+              <a:rPr lang="es-MX" noProof="0"/>
             </a:br>
             <a:r>
-              <a:rPr lang="es-MX" noProof="0" smtClean="0"/>
+              <a:rPr lang="es-MX" noProof="0"/>
               <a:t>title style</a:t>
             </a:r>
-            <a:endParaRPr lang="es-MX" noProof="0"/>
           </a:p>
         </p:txBody>
       </p:sp>
@@ -7623,7 +7521,7 @@
               <a:defRPr/>
             </a:pPr>
             <a:r>
-              <a:rPr lang="es-MX" sz="800" noProof="0" smtClean="0">
+              <a:rPr lang="es-MX" sz="800" noProof="0">
                 <a:solidFill>
                   <a:schemeClr val="tx1"/>
                 </a:solidFill>
@@ -7664,7 +7562,7 @@
           <a:noFill/>
           <a:extLst>
             <a:ext uri="{909E8E84-426E-40dd-AFC4-6F175D3DCCD1}">
-              <a14:hiddenFill xmlns="" xmlns:a14="http://schemas.microsoft.com/office/drawing/2010/main">
+              <a14:hiddenFill xmlns:a14="http://schemas.microsoft.com/office/drawing/2010/main" xmlns="">
                 <a:solidFill>
                   <a:srgbClr val="FFFFFF"/>
                 </a:solidFill>
@@ -7722,13 +7620,6 @@
   <p:clrMapOvr>
     <a:masterClrMapping/>
   </p:clrMapOvr>
-  <p:timing>
-    <p:tnLst>
-      <p:par>
-        <p:cTn id="1" dur="indefinite" restart="never" nodeType="tmRoot"/>
-      </p:par>
-    </p:tnLst>
-  </p:timing>
 </p:sldLayout>
 </file>
 
@@ -7833,7 +7724,7 @@
           <a:p>
             <a:pPr lvl="0"/>
             <a:r>
-              <a:rPr lang="en-US" noProof="0" smtClean="0"/>
+              <a:rPr lang="en-US" noProof="0"/>
               <a:t>Click to edit Master text styles</a:t>
             </a:r>
           </a:p>
@@ -7896,7 +7787,7 @@
           <a:p>
             <a:pPr lvl="0"/>
             <a:r>
-              <a:rPr lang="en-US" noProof="0" smtClean="0"/>
+              <a:rPr lang="en-US" noProof="0"/>
               <a:t>Click to edit Master text styles</a:t>
             </a:r>
           </a:p>
@@ -7932,7 +7823,7 @@
           <a:noFill/>
           <a:extLst>
             <a:ext uri="{909E8E84-426E-40dd-AFC4-6F175D3DCCD1}">
-              <a14:hiddenFill xmlns="" xmlns:a14="http://schemas.microsoft.com/office/drawing/2010/main">
+              <a14:hiddenFill xmlns:a14="http://schemas.microsoft.com/office/drawing/2010/main" xmlns="">
                 <a:solidFill>
                   <a:srgbClr val="FFFFFF"/>
                 </a:solidFill>
@@ -8026,7 +7917,7 @@
               <a:defRPr/>
             </a:pPr>
             <a:r>
-              <a:rPr lang="es-MX" sz="800" noProof="0" smtClean="0">
+              <a:rPr lang="es-MX" sz="800" noProof="0">
                 <a:solidFill>
                   <a:schemeClr val="tx1"/>
                 </a:solidFill>
@@ -8047,13 +7938,6 @@
   <p:clrMapOvr>
     <a:masterClrMapping/>
   </p:clrMapOvr>
-  <p:timing>
-    <p:tnLst>
-      <p:par>
-        <p:cTn id="1" dur="indefinite" restart="never" nodeType="tmRoot"/>
-      </p:par>
-    </p:tnLst>
-  </p:timing>
 </p:sldLayout>
 </file>
 
@@ -8158,7 +8042,7 @@
           <a:p>
             <a:pPr lvl="0"/>
             <a:r>
-              <a:rPr lang="en-US" noProof="0" smtClean="0"/>
+              <a:rPr lang="en-US" noProof="0"/>
               <a:t>Click to edit Master text styles</a:t>
             </a:r>
           </a:p>
@@ -8221,7 +8105,7 @@
           <a:p>
             <a:pPr lvl="0"/>
             <a:r>
-              <a:rPr lang="en-US" noProof="0" smtClean="0"/>
+              <a:rPr lang="en-US" noProof="0"/>
               <a:t>Click to edit Master text styles</a:t>
             </a:r>
           </a:p>
@@ -8281,7 +8165,7 @@
           <a:p>
             <a:pPr lvl="0"/>
             <a:r>
-              <a:rPr lang="en-US" noProof="0" smtClean="0"/>
+              <a:rPr lang="en-US" noProof="0"/>
               <a:t>Click to edit Master text styles</a:t>
             </a:r>
           </a:p>
@@ -8344,7 +8228,7 @@
           <a:p>
             <a:pPr lvl="0"/>
             <a:r>
-              <a:rPr lang="en-US" noProof="0" smtClean="0"/>
+              <a:rPr lang="en-US" noProof="0"/>
               <a:t>Click to edit Master text styles</a:t>
             </a:r>
           </a:p>
@@ -8404,7 +8288,7 @@
           <a:p>
             <a:pPr lvl="0"/>
             <a:r>
-              <a:rPr lang="en-US" noProof="0" smtClean="0"/>
+              <a:rPr lang="en-US" noProof="0"/>
               <a:t>Click to edit Master text styles</a:t>
             </a:r>
           </a:p>
@@ -8467,7 +8351,7 @@
           <a:p>
             <a:pPr lvl="0"/>
             <a:r>
-              <a:rPr lang="en-US" noProof="0" smtClean="0"/>
+              <a:rPr lang="en-US" noProof="0"/>
               <a:t>Click to edit Master text styles</a:t>
             </a:r>
           </a:p>
@@ -8588,7 +8472,7 @@
               <a:defRPr/>
             </a:pPr>
             <a:r>
-              <a:rPr lang="es-MX" sz="800" noProof="0" smtClean="0">
+              <a:rPr lang="es-MX" sz="800" noProof="0">
                 <a:solidFill>
                   <a:schemeClr val="tx1"/>
                 </a:solidFill>
@@ -8609,13 +8493,6 @@
   <p:clrMapOvr>
     <a:masterClrMapping/>
   </p:clrMapOvr>
-  <p:timing>
-    <p:tnLst>
-      <p:par>
-        <p:cTn id="1" dur="indefinite" restart="never" nodeType="tmRoot"/>
-      </p:par>
-    </p:tnLst>
-  </p:timing>
 </p:sldLayout>
 </file>
 
@@ -8683,7 +8560,7 @@
           <a:p>
             <a:pPr algn="l"/>
             <a:r>
-              <a:rPr lang="es-MX" sz="800" noProof="0" smtClean="0">
+              <a:rPr lang="es-MX" sz="800" noProof="0">
                 <a:solidFill>
                   <a:srgbClr val="FFFFFF"/>
                 </a:solidFill>
@@ -8692,7 +8569,7 @@
               <a:t>Todos los Derechos </a:t>
             </a:r>
             <a:r>
-              <a:rPr lang="es-MX" sz="800" baseline="0" noProof="0" smtClean="0">
+              <a:rPr lang="es-MX" sz="800" baseline="0" noProof="0">
                 <a:solidFill>
                   <a:srgbClr val="FFFFFF"/>
                 </a:solidFill>
@@ -8701,7 +8578,7 @@
               <a:t>Reserva</a:t>
             </a:r>
             <a:r>
-              <a:rPr lang="es-MX" sz="800" noProof="0" smtClean="0">
+              <a:rPr lang="es-MX" sz="800" noProof="0">
                 <a:solidFill>
                   <a:srgbClr val="FFFFFF"/>
                 </a:solidFill>
@@ -8709,12 +8586,6 @@
               </a:rPr>
               <a:t>dos © Valores Corporativos Softtek S.A. de C.V. 2015. Interno.</a:t>
             </a:r>
-            <a:endParaRPr lang="es-MX" sz="800" noProof="0">
-              <a:solidFill>
-                <a:srgbClr val="FFFFFF"/>
-              </a:solidFill>
-              <a:cs typeface="Arial" charset="0"/>
-            </a:endParaRPr>
           </a:p>
         </p:txBody>
       </p:sp>
@@ -8775,7 +8646,7 @@
           <a:p>
             <a:pPr lvl="0"/>
             <a:r>
-              <a:rPr lang="en-US" noProof="0" smtClean="0"/>
+              <a:rPr lang="en-US" noProof="0"/>
               <a:t>Click to edit Master text styles</a:t>
             </a:r>
           </a:p>
@@ -8835,7 +8706,7 @@
           <a:p>
             <a:pPr lvl="0"/>
             <a:r>
-              <a:rPr lang="en-US" noProof="0" smtClean="0"/>
+              <a:rPr lang="en-US" noProof="0"/>
               <a:t>Click to edit Master text styles</a:t>
             </a:r>
           </a:p>
@@ -8898,7 +8769,7 @@
           <a:p>
             <a:pPr lvl="0"/>
             <a:r>
-              <a:rPr lang="en-US" noProof="0" smtClean="0"/>
+              <a:rPr lang="en-US" noProof="0"/>
               <a:t>Click to edit Master text styles</a:t>
             </a:r>
           </a:p>
@@ -8958,7 +8829,7 @@
           <a:p>
             <a:pPr lvl="0"/>
             <a:r>
-              <a:rPr lang="en-US" noProof="0" smtClean="0"/>
+              <a:rPr lang="en-US" noProof="0"/>
               <a:t>Click to edit Master text styles</a:t>
             </a:r>
           </a:p>
@@ -9021,7 +8892,7 @@
           <a:p>
             <a:pPr lvl="0"/>
             <a:r>
-              <a:rPr lang="en-US" noProof="0" smtClean="0"/>
+              <a:rPr lang="en-US" noProof="0"/>
               <a:t>Click to edit Master text styles</a:t>
             </a:r>
           </a:p>
@@ -9084,7 +8955,7 @@
           <a:p>
             <a:pPr lvl="0"/>
             <a:r>
-              <a:rPr lang="en-US" noProof="0" smtClean="0"/>
+              <a:rPr lang="en-US" noProof="0"/>
               <a:t>Click to edit Master text styles</a:t>
             </a:r>
           </a:p>
@@ -9169,13 +9040,6 @@
   <p:clrMapOvr>
     <a:masterClrMapping/>
   </p:clrMapOvr>
-  <p:timing>
-    <p:tnLst>
-      <p:par>
-        <p:cTn id="1" dur="indefinite" restart="never" nodeType="tmRoot"/>
-      </p:par>
-    </p:tnLst>
-  </p:timing>
 </p:sldLayout>
 </file>
 
@@ -9250,7 +9114,7 @@
           <a:p>
             <a:pPr algn="ctr"/>
             <a:r>
-              <a:rPr lang="es-MX" sz="12000" spc="600" noProof="0" smtClean="0">
+              <a:rPr lang="es-MX" sz="12000" spc="600" noProof="0">
                 <a:solidFill>
                   <a:schemeClr val="bg2"/>
                 </a:solidFill>
@@ -9260,7 +9124,7 @@
               <a:t>Q</a:t>
             </a:r>
             <a:r>
-              <a:rPr lang="es-MX" sz="8000" spc="600" baseline="30000" noProof="0" smtClean="0">
+              <a:rPr lang="es-MX" sz="8000" spc="600" baseline="30000" noProof="0">
                 <a:solidFill>
                   <a:schemeClr val="bg2"/>
                 </a:solidFill>
@@ -9270,7 +9134,7 @@
               <a:t>&amp;</a:t>
             </a:r>
             <a:r>
-              <a:rPr lang="es-MX" sz="12000" spc="600" noProof="0" smtClean="0">
+              <a:rPr lang="es-MX" sz="12000" spc="600" noProof="0">
                 <a:solidFill>
                   <a:schemeClr val="bg2"/>
                 </a:solidFill>
@@ -9279,13 +9143,6 @@
               </a:rPr>
               <a:t>A</a:t>
             </a:r>
-            <a:endParaRPr lang="es-MX" sz="12000" spc="600" noProof="0">
-              <a:solidFill>
-                <a:schemeClr val="bg2"/>
-              </a:solidFill>
-              <a:latin typeface="Arial"/>
-              <a:cs typeface="Arial"/>
-            </a:endParaRPr>
           </a:p>
         </p:txBody>
       </p:sp>
@@ -9319,7 +9176,7 @@
           <a:noFill/>
           <a:extLst>
             <a:ext uri="{909E8E84-426E-40dd-AFC4-6F175D3DCCD1}">
-              <a14:hiddenFill xmlns="" xmlns:a14="http://schemas.microsoft.com/office/drawing/2010/main">
+              <a14:hiddenFill xmlns:a14="http://schemas.microsoft.com/office/drawing/2010/main" xmlns="">
                 <a:solidFill>
                   <a:srgbClr val="FFFFFF"/>
                 </a:solidFill>
@@ -9413,7 +9270,7 @@
               <a:defRPr/>
             </a:pPr>
             <a:r>
-              <a:rPr lang="es-MX" sz="800" noProof="0" smtClean="0">
+              <a:rPr lang="es-MX" sz="800" noProof="0">
                 <a:solidFill>
                   <a:schemeClr val="tx1"/>
                 </a:solidFill>
@@ -9434,13 +9291,6 @@
   <p:clrMapOvr>
     <a:masterClrMapping/>
   </p:clrMapOvr>
-  <p:timing>
-    <p:tnLst>
-      <p:par>
-        <p:cTn id="1" dur="indefinite" restart="never" nodeType="tmRoot"/>
-      </p:par>
-    </p:tnLst>
-  </p:timing>
 </p:sldLayout>
 </file>
 
@@ -9501,7 +9351,7 @@
           <a:p>
             <a:pPr lvl="0"/>
             <a:r>
-              <a:rPr lang="es-MX" noProof="0" smtClean="0"/>
+              <a:rPr lang="es-MX" noProof="0"/>
               <a:t>Click to edit Master title style</a:t>
             </a:r>
           </a:p>
@@ -9563,13 +9413,6 @@
   <p:clrMapOvr>
     <a:masterClrMapping/>
   </p:clrMapOvr>
-  <p:timing>
-    <p:tnLst>
-      <p:par>
-        <p:cTn id="1" dur="indefinite" restart="never" nodeType="tmRoot"/>
-      </p:par>
-    </p:tnLst>
-  </p:timing>
 </p:sldLayout>
 </file>
 
@@ -9609,13 +9452,6 @@
     <p:sldLayoutId id="2147485186" r:id="rId8"/>
     <p:sldLayoutId id="2147485198" r:id="rId9"/>
   </p:sldLayoutIdLst>
-  <p:timing>
-    <p:tnLst>
-      <p:par>
-        <p:cTn id="1" dur="indefinite" restart="never" nodeType="tmRoot"/>
-      </p:par>
-    </p:tnLst>
-  </p:timing>
   <p:hf hdr="0" ftr="0" dt="0"/>
   <p:txStyles>
     <p:titleStyle>
@@ -10052,14 +9888,14 @@
           </a:ln>
           <a:extLst>
             <a:ext uri="{909E8E84-426E-40dd-AFC4-6F175D3DCCD1}">
-              <a14:hiddenFill xmlns="" xmlns:a14="http://schemas.microsoft.com/office/drawing/2010/main">
+              <a14:hiddenFill xmlns:a14="http://schemas.microsoft.com/office/drawing/2010/main" xmlns="">
                 <a:solidFill>
                   <a:srgbClr val="FFFFFF"/>
                 </a:solidFill>
               </a14:hiddenFill>
             </a:ext>
             <a:ext uri="{91240B29-F687-4f45-9708-019B960494DF}">
-              <a14:hiddenLine xmlns="" xmlns:a14="http://schemas.microsoft.com/office/drawing/2010/main" w="9525">
+              <a14:hiddenLine xmlns:a14="http://schemas.microsoft.com/office/drawing/2010/main" xmlns="" w="9525">
                 <a:solidFill>
                   <a:srgbClr val="000000"/>
                 </a:solidFill>
@@ -10080,34 +9916,34 @@
           <a:p>
             <a:pPr lvl="0"/>
             <a:r>
-              <a:rPr lang="es-MX" noProof="0" smtClean="0"/>
+              <a:rPr lang="es-MX" noProof="0"/>
               <a:t>Click to edit Master text styles</a:t>
             </a:r>
           </a:p>
           <a:p>
             <a:pPr lvl="1"/>
             <a:r>
-              <a:rPr lang="es-MX" noProof="0" smtClean="0"/>
+              <a:rPr lang="es-MX" noProof="0"/>
               <a:t>Second level</a:t>
             </a:r>
           </a:p>
           <a:p>
             <a:pPr lvl="2"/>
             <a:r>
-              <a:rPr lang="es-MX" noProof="0" smtClean="0"/>
+              <a:rPr lang="es-MX" noProof="0"/>
               <a:t>Third level</a:t>
             </a:r>
           </a:p>
           <a:p>
             <a:pPr lvl="3"/>
             <a:r>
-              <a:rPr lang="es-MX" noProof="0" smtClean="0"/>
+              <a:rPr lang="es-MX" noProof="0"/>
               <a:t>Fourth level</a:t>
             </a:r>
           </a:p>
           <a:p>
             <a:pPr lvl="2"/>
-            <a:endParaRPr lang="es-MX" noProof="0" smtClean="0"/>
+            <a:endParaRPr lang="es-MX" noProof="0"/>
           </a:p>
         </p:txBody>
       </p:sp>
@@ -10135,14 +9971,14 @@
           </a:ln>
           <a:extLst>
             <a:ext uri="{909E8E84-426E-40dd-AFC4-6F175D3DCCD1}">
-              <a14:hiddenFill xmlns="" xmlns:a14="http://schemas.microsoft.com/office/drawing/2010/main">
+              <a14:hiddenFill xmlns:a14="http://schemas.microsoft.com/office/drawing/2010/main" xmlns="">
                 <a:solidFill>
                   <a:srgbClr val="FFFFFF"/>
                 </a:solidFill>
               </a14:hiddenFill>
             </a:ext>
             <a:ext uri="{91240B29-F687-4f45-9708-019B960494DF}">
-              <a14:hiddenLine xmlns="" xmlns:a14="http://schemas.microsoft.com/office/drawing/2010/main" w="9525">
+              <a14:hiddenLine xmlns:a14="http://schemas.microsoft.com/office/drawing/2010/main" xmlns="" w="9525">
                 <a:solidFill>
                   <a:srgbClr val="000000"/>
                 </a:solidFill>
@@ -10163,7 +9999,7 @@
           <a:p>
             <a:pPr lvl="0"/>
             <a:r>
-              <a:rPr lang="es-MX" noProof="0" smtClean="0"/>
+              <a:rPr lang="es-MX" noProof="0"/>
               <a:t>Click to edit Master title style</a:t>
             </a:r>
           </a:p>
@@ -10201,7 +10037,7 @@
           <a:noFill/>
           <a:extLst>
             <a:ext uri="{909E8E84-426E-40dd-AFC4-6F175D3DCCD1}">
-              <a14:hiddenFill xmlns="" xmlns:a14="http://schemas.microsoft.com/office/drawing/2010/main">
+              <a14:hiddenFill xmlns:a14="http://schemas.microsoft.com/office/drawing/2010/main" xmlns="">
                 <a:solidFill>
                   <a:srgbClr val="FFFFFF"/>
                 </a:solidFill>
@@ -10256,19 +10092,19 @@
               <a:defRPr/>
             </a:pPr>
             <a:r>
-              <a:rPr lang="es-MX" sz="800" noProof="0" smtClean="0">
+              <a:rPr lang="es-MX" sz="800" noProof="0">
                 <a:cs typeface="Arial" charset="0"/>
               </a:rPr>
               <a:t>|</a:t>
             </a:r>
             <a:r>
-              <a:rPr lang="es-MX" sz="800" baseline="0" noProof="0" smtClean="0">
+              <a:rPr lang="es-MX" sz="800" baseline="0" noProof="0">
                 <a:cs typeface="Arial" charset="0"/>
               </a:rPr>
               <a:t>  </a:t>
             </a:r>
             <a:r>
-              <a:rPr lang="es-MX" sz="800" noProof="0" smtClean="0">
+              <a:rPr lang="es-MX" sz="800" noProof="0">
                 <a:cs typeface="Arial" charset="0"/>
               </a:rPr>
               <a:t>Todos los Derechos Reservados © Valores Corporativos Softtek S.A. de C.V. 2015. Interno.</a:t>
@@ -10337,13 +10173,6 @@
     <p:sldLayoutId id="2147485190" r:id="rId9"/>
     <p:sldLayoutId id="2147485191" r:id="rId10"/>
   </p:sldLayoutIdLst>
-  <p:timing>
-    <p:tnLst>
-      <p:par>
-        <p:cTn id="1" dur="indefinite" restart="never" nodeType="tmRoot"/>
-      </p:par>
-    </p:tnLst>
-  </p:timing>
   <p:hf hdr="0" ftr="0" dt="0"/>
   <p:txStyles>
     <p:titleStyle>
@@ -10791,10 +10620,9 @@
           <a:lstStyle/>
           <a:p>
             <a:r>
-              <a:rPr lang="es-MX" dirty="0" smtClean="0"/>
+              <a:rPr lang="es-MX" dirty="0"/>
               <a:t>SQL</a:t>
             </a:r>
-            <a:endParaRPr lang="es-MX" dirty="0"/>
           </a:p>
         </p:txBody>
       </p:sp>
@@ -10814,15 +10642,15 @@
           <a:lstStyle/>
           <a:p>
             <a:r>
-              <a:rPr lang="es-MX" dirty="0" err="1" smtClean="0"/>
+              <a:rPr lang="es-MX" dirty="0" err="1"/>
               <a:t>Query</a:t>
             </a:r>
             <a:r>
-              <a:rPr lang="es-MX" dirty="0" smtClean="0"/>
+              <a:rPr lang="es-MX" dirty="0"/>
               <a:t> </a:t>
             </a:r>
             <a:r>
-              <a:rPr lang="es-MX" dirty="0" err="1" smtClean="0"/>
+              <a:rPr lang="es-MX" dirty="0" err="1"/>
               <a:t>Buildings</a:t>
             </a:r>
             <a:endParaRPr lang="es-MX" dirty="0"/>
@@ -10839,13 +10667,6 @@
   <p:clrMapOvr>
     <a:masterClrMapping/>
   </p:clrMapOvr>
-  <p:timing>
-    <p:tnLst>
-      <p:par>
-        <p:cTn id="1" dur="indefinite" restart="never" nodeType="tmRoot"/>
-      </p:par>
-    </p:tnLst>
-  </p:timing>
 </p:sld>
 </file>
 
@@ -10876,17 +10697,1161 @@
   <p:clrMapOvr>
     <a:masterClrMapping/>
   </p:clrMapOvr>
-  <p:timing>
-    <p:tnLst>
-      <p:par>
-        <p:cTn id="1" dur="indefinite" restart="never" nodeType="tmRoot"/>
-      </p:par>
-    </p:tnLst>
-  </p:timing>
 </p:sld>
 </file>
 
 <file path=ppt/slides/slide11.xml><?xml version="1.0" encoding="utf-8"?>
+<p:sld xmlns:a="http://schemas.openxmlformats.org/drawingml/2006/main" xmlns:r="http://schemas.openxmlformats.org/officeDocument/2006/relationships" xmlns:p="http://schemas.openxmlformats.org/presentationml/2006/main">
+  <p:cSld>
+    <p:spTree>
+      <p:nvGrpSpPr>
+        <p:cNvPr id="1" name=""/>
+        <p:cNvGrpSpPr/>
+        <p:nvPr/>
+      </p:nvGrpSpPr>
+      <p:grpSpPr>
+        <a:xfrm>
+          <a:off x="0" y="0"/>
+          <a:ext cx="0" cy="0"/>
+          <a:chOff x="0" y="0"/>
+          <a:chExt cx="0" cy="0"/>
+        </a:xfrm>
+      </p:grpSpPr>
+      <p:sp>
+        <p:nvSpPr>
+          <p:cNvPr id="7" name="Slide Number Placeholder 3"/>
+          <p:cNvSpPr>
+            <a:spLocks noGrp="1"/>
+          </p:cNvSpPr>
+          <p:nvPr>
+            <p:ph type="sldNum" sz="quarter" idx="4"/>
+          </p:nvPr>
+        </p:nvSpPr>
+        <p:spPr/>
+        <p:txBody>
+          <a:bodyPr/>
+          <a:lstStyle/>
+          <a:p>
+            <a:pPr>
+              <a:defRPr/>
+            </a:pPr>
+            <a:fld id="{4AD834FB-D050-4DAD-A587-98ECF1E1D3D9}" type="slidenum">
+              <a:rPr lang="es-MX" smtClean="0"/>
+              <a:pPr>
+                <a:defRPr/>
+              </a:pPr>
+              <a:t>11</a:t>
+            </a:fld>
+            <a:endParaRPr lang="es-MX"/>
+          </a:p>
+        </p:txBody>
+      </p:sp>
+      <p:sp>
+        <p:nvSpPr>
+          <p:cNvPr id="9" name="Title 8"/>
+          <p:cNvSpPr>
+            <a:spLocks noGrp="1"/>
+          </p:cNvSpPr>
+          <p:nvPr>
+            <p:ph type="title"/>
+          </p:nvPr>
+        </p:nvSpPr>
+        <p:spPr>
+          <a:xfrm>
+            <a:off x="457200" y="192088"/>
+            <a:ext cx="7194430" cy="428600"/>
+          </a:xfrm>
+        </p:spPr>
+        <p:txBody>
+          <a:bodyPr/>
+          <a:lstStyle/>
+          <a:p>
+            <a:r>
+              <a:rPr lang="es-419" sz="2000" dirty="0" err="1">
+                <a:latin typeface="+mn-lt"/>
+              </a:rPr>
+              <a:t>Query</a:t>
+            </a:r>
+            <a:r>
+              <a:rPr lang="es-419" sz="2000" dirty="0">
+                <a:latin typeface="+mn-lt"/>
+              </a:rPr>
+              <a:t> </a:t>
+            </a:r>
+            <a:r>
+              <a:rPr lang="es-419" sz="2000" dirty="0" err="1">
+                <a:latin typeface="+mn-lt"/>
+              </a:rPr>
+              <a:t>Buildings</a:t>
+            </a:r>
+            <a:r>
+              <a:rPr lang="es-419" sz="2000" dirty="0">
+                <a:latin typeface="+mn-lt"/>
+              </a:rPr>
+              <a:t> - </a:t>
+            </a:r>
+            <a:r>
+              <a:rPr lang="es-419" sz="2000" dirty="0" err="1">
+                <a:latin typeface="+mn-lt"/>
+              </a:rPr>
+              <a:t>Exercises</a:t>
+            </a:r>
+            <a:endParaRPr lang="es-419" sz="2000" dirty="0">
+              <a:latin typeface="+mn-lt"/>
+            </a:endParaRPr>
+          </a:p>
+        </p:txBody>
+      </p:sp>
+      <p:grpSp>
+        <p:nvGrpSpPr>
+          <p:cNvPr id="2" name="Group 1"/>
+          <p:cNvGrpSpPr/>
+          <p:nvPr/>
+        </p:nvGrpSpPr>
+        <p:grpSpPr>
+          <a:xfrm>
+            <a:off x="395536" y="909875"/>
+            <a:ext cx="7750278" cy="5151051"/>
+            <a:chOff x="395536" y="909875"/>
+            <a:chExt cx="7750278" cy="5151051"/>
+          </a:xfrm>
+        </p:grpSpPr>
+        <p:sp>
+          <p:nvSpPr>
+            <p:cNvPr id="8" name="TextBox 7"/>
+            <p:cNvSpPr txBox="1"/>
+            <p:nvPr/>
+          </p:nvSpPr>
+          <p:spPr>
+            <a:xfrm>
+              <a:off x="395536" y="909875"/>
+              <a:ext cx="7750278" cy="3277820"/>
+            </a:xfrm>
+            <a:prstGeom prst="rect">
+              <a:avLst/>
+            </a:prstGeom>
+            <a:noFill/>
+          </p:spPr>
+          <p:txBody>
+            <a:bodyPr wrap="square" rtlCol="0">
+              <a:spAutoFit/>
+            </a:bodyPr>
+            <a:lstStyle/>
+            <a:p>
+              <a:r>
+                <a:rPr lang="es-419" sz="900" dirty="0">
+                  <a:cs typeface="Courier New" panose="02070309020205020404" pitchFamily="49" charset="0"/>
+                </a:rPr>
+                <a:t>1. </a:t>
+              </a:r>
+              <a:r>
+                <a:rPr lang="en-US" sz="900" dirty="0">
+                  <a:cs typeface="Courier New" panose="02070309020205020404" pitchFamily="49" charset="0"/>
+                </a:rPr>
+                <a:t>Get all </a:t>
+              </a:r>
+              <a:r>
+                <a:rPr lang="es-419" sz="900" i="1" dirty="0" err="1">
+                  <a:cs typeface="Courier New" panose="02070309020205020404" pitchFamily="49" charset="0"/>
+                </a:rPr>
+                <a:t>Items</a:t>
+              </a:r>
+              <a:r>
+                <a:rPr lang="en-US" sz="900" dirty="0">
+                  <a:cs typeface="Courier New" panose="02070309020205020404" pitchFamily="49" charset="0"/>
+                </a:rPr>
+                <a:t> </a:t>
+              </a:r>
+              <a:r>
+                <a:rPr lang="en-US" sz="900" dirty="0" err="1">
+                  <a:cs typeface="Courier New" panose="02070309020205020404" pitchFamily="49" charset="0"/>
+                </a:rPr>
+                <a:t>containint</a:t>
+              </a:r>
+              <a:r>
+                <a:rPr lang="en-US" sz="900" dirty="0">
+                  <a:cs typeface="Courier New" panose="02070309020205020404" pitchFamily="49" charset="0"/>
+                </a:rPr>
+                <a:t> ‘</a:t>
+              </a:r>
+              <a:r>
+                <a:rPr lang="es-419" sz="900" dirty="0">
+                  <a:cs typeface="Courier New" panose="02070309020205020404" pitchFamily="49" charset="0"/>
+                </a:rPr>
+                <a:t>set</a:t>
+              </a:r>
+              <a:r>
+                <a:rPr lang="en-US" sz="900" dirty="0">
+                  <a:cs typeface="Courier New" panose="02070309020205020404" pitchFamily="49" charset="0"/>
+                </a:rPr>
+                <a:t>’ as description</a:t>
+              </a:r>
+              <a:r>
+                <a:rPr lang="es-419" sz="900" dirty="0">
+                  <a:cs typeface="Courier New" panose="02070309020205020404" pitchFamily="49" charset="0"/>
+                </a:rPr>
+                <a:t> and </a:t>
+              </a:r>
+              <a:r>
+                <a:rPr lang="es-419" sz="900" i="1" dirty="0" err="1">
+                  <a:cs typeface="Courier New" panose="02070309020205020404" pitchFamily="49" charset="0"/>
+                </a:rPr>
+                <a:t>unit_price</a:t>
+              </a:r>
+              <a:r>
+                <a:rPr lang="es-419" sz="900" dirty="0">
+                  <a:cs typeface="Courier New" panose="02070309020205020404" pitchFamily="49" charset="0"/>
+                </a:rPr>
+                <a:t> </a:t>
+              </a:r>
+              <a:r>
+                <a:rPr lang="es-419" sz="900" dirty="0" err="1">
+                  <a:cs typeface="Courier New" panose="02070309020205020404" pitchFamily="49" charset="0"/>
+                </a:rPr>
+                <a:t>between</a:t>
+              </a:r>
+              <a:r>
+                <a:rPr lang="es-419" sz="900" dirty="0">
+                  <a:cs typeface="Courier New" panose="02070309020205020404" pitchFamily="49" charset="0"/>
+                </a:rPr>
+                <a:t> 500 and 23000.</a:t>
+              </a:r>
+              <a:endParaRPr lang="en-US" sz="900" dirty="0">
+                <a:latin typeface="+mn-lt"/>
+                <a:cs typeface="Courier New" panose="02070309020205020404" pitchFamily="49" charset="0"/>
+              </a:endParaRPr>
+            </a:p>
+            <a:p>
+              <a:endParaRPr lang="en-US" sz="900" dirty="0">
+                <a:latin typeface="Courier New" panose="02070309020205020404" pitchFamily="49" charset="0"/>
+                <a:cs typeface="Courier New" panose="02070309020205020404" pitchFamily="49" charset="0"/>
+              </a:endParaRPr>
+            </a:p>
+            <a:p>
+              <a:endParaRPr lang="en-US" sz="900" dirty="0">
+                <a:latin typeface="Courier New" panose="02070309020205020404" pitchFamily="49" charset="0"/>
+                <a:cs typeface="Courier New" panose="02070309020205020404" pitchFamily="49" charset="0"/>
+              </a:endParaRPr>
+            </a:p>
+            <a:p>
+              <a:endParaRPr lang="en-US" sz="900" dirty="0">
+                <a:latin typeface="Courier New" panose="02070309020205020404" pitchFamily="49" charset="0"/>
+                <a:cs typeface="Courier New" panose="02070309020205020404" pitchFamily="49" charset="0"/>
+              </a:endParaRPr>
+            </a:p>
+            <a:p>
+              <a:endParaRPr lang="en-US" sz="900" dirty="0">
+                <a:latin typeface="Courier New" panose="02070309020205020404" pitchFamily="49" charset="0"/>
+                <a:cs typeface="Courier New" panose="02070309020205020404" pitchFamily="49" charset="0"/>
+              </a:endParaRPr>
+            </a:p>
+            <a:p>
+              <a:endParaRPr lang="en-US" sz="900" dirty="0">
+                <a:latin typeface="Courier New" panose="02070309020205020404" pitchFamily="49" charset="0"/>
+                <a:cs typeface="Courier New" panose="02070309020205020404" pitchFamily="49" charset="0"/>
+              </a:endParaRPr>
+            </a:p>
+            <a:p>
+              <a:endParaRPr lang="en-US" sz="900" dirty="0">
+                <a:latin typeface="Courier New" panose="02070309020205020404" pitchFamily="49" charset="0"/>
+                <a:cs typeface="Courier New" panose="02070309020205020404" pitchFamily="49" charset="0"/>
+              </a:endParaRPr>
+            </a:p>
+            <a:p>
+              <a:endParaRPr lang="en-US" sz="900" dirty="0">
+                <a:latin typeface="+mn-lt"/>
+                <a:cs typeface="Courier New" panose="02070309020205020404" pitchFamily="49" charset="0"/>
+              </a:endParaRPr>
+            </a:p>
+            <a:p>
+              <a:endParaRPr lang="es-419" sz="900" dirty="0">
+                <a:latin typeface="+mn-lt"/>
+                <a:cs typeface="Courier New" panose="02070309020205020404" pitchFamily="49" charset="0"/>
+              </a:endParaRPr>
+            </a:p>
+            <a:p>
+              <a:endParaRPr lang="en-US" sz="900" dirty="0">
+                <a:latin typeface="+mn-lt"/>
+                <a:cs typeface="Courier New" panose="02070309020205020404" pitchFamily="49" charset="0"/>
+              </a:endParaRPr>
+            </a:p>
+            <a:p>
+              <a:r>
+                <a:rPr lang="es-419" sz="900" dirty="0">
+                  <a:latin typeface="+mn-lt"/>
+                  <a:cs typeface="Courier New" panose="02070309020205020404" pitchFamily="49" charset="0"/>
+                </a:rPr>
+                <a:t>2</a:t>
+              </a:r>
+              <a:r>
+                <a:rPr lang="en-US" sz="900" dirty="0">
+                  <a:latin typeface="+mn-lt"/>
+                  <a:cs typeface="Courier New" panose="02070309020205020404" pitchFamily="49" charset="0"/>
+                </a:rPr>
+                <a:t>. Get </a:t>
+              </a:r>
+              <a:r>
+                <a:rPr lang="es-419" sz="900" i="1" dirty="0" err="1">
+                  <a:latin typeface="+mn-lt"/>
+                  <a:cs typeface="Courier New" panose="02070309020205020404" pitchFamily="49" charset="0"/>
+                </a:rPr>
+                <a:t>amount</a:t>
+              </a:r>
+              <a:r>
+                <a:rPr lang="es-419" sz="900" i="1" dirty="0">
+                  <a:latin typeface="+mn-lt"/>
+                  <a:cs typeface="Courier New" panose="02070309020205020404" pitchFamily="49" charset="0"/>
+                </a:rPr>
+                <a:t> of </a:t>
+              </a:r>
+              <a:r>
+                <a:rPr lang="es-419" sz="900" i="1" dirty="0" err="1">
+                  <a:latin typeface="+mn-lt"/>
+                  <a:cs typeface="Courier New" panose="02070309020205020404" pitchFamily="49" charset="0"/>
+                </a:rPr>
+                <a:t>carts</a:t>
+              </a:r>
+              <a:r>
+                <a:rPr lang="es-419" sz="900" dirty="0">
+                  <a:latin typeface="+mn-lt"/>
+                  <a:cs typeface="Courier New" panose="02070309020205020404" pitchFamily="49" charset="0"/>
+                </a:rPr>
+                <a:t> per </a:t>
+              </a:r>
+              <a:r>
+                <a:rPr lang="es-419" sz="900" i="1" dirty="0" err="1">
+                  <a:latin typeface="+mn-lt"/>
+                  <a:cs typeface="Courier New" panose="02070309020205020404" pitchFamily="49" charset="0"/>
+                </a:rPr>
+                <a:t>ShipTo</a:t>
+              </a:r>
+              <a:r>
+                <a:rPr lang="en-US" sz="900" dirty="0">
+                  <a:latin typeface="+mn-lt"/>
+                  <a:cs typeface="Courier New" panose="02070309020205020404" pitchFamily="49" charset="0"/>
+                </a:rPr>
+                <a:t> from </a:t>
+              </a:r>
+              <a:r>
+                <a:rPr lang="es-419" sz="900" i="1" dirty="0" err="1">
+                  <a:latin typeface="+mn-lt"/>
+                  <a:cs typeface="Courier New" panose="02070309020205020404" pitchFamily="49" charset="0"/>
+                </a:rPr>
+                <a:t>Cart</a:t>
+              </a:r>
+              <a:r>
+                <a:rPr lang="en-US" sz="900" dirty="0">
+                  <a:latin typeface="+mn-lt"/>
+                  <a:cs typeface="Courier New" panose="02070309020205020404" pitchFamily="49" charset="0"/>
+                </a:rPr>
+                <a:t> </a:t>
+              </a:r>
+              <a:r>
+                <a:rPr lang="es-419" sz="900" dirty="0" err="1">
+                  <a:latin typeface="+mn-lt"/>
+                  <a:cs typeface="Courier New" panose="02070309020205020404" pitchFamily="49" charset="0"/>
+                </a:rPr>
+                <a:t>with</a:t>
+              </a:r>
+              <a:r>
+                <a:rPr lang="es-419" sz="900" dirty="0">
+                  <a:latin typeface="+mn-lt"/>
+                  <a:cs typeface="Courier New" panose="02070309020205020404" pitchFamily="49" charset="0"/>
+                </a:rPr>
+                <a:t> </a:t>
+              </a:r>
+              <a:r>
+                <a:rPr lang="es-419" sz="900" i="1" dirty="0">
+                  <a:latin typeface="+mn-lt"/>
+                  <a:cs typeface="Courier New" panose="02070309020205020404" pitchFamily="49" charset="0"/>
+                </a:rPr>
+                <a:t>Status</a:t>
+              </a:r>
+              <a:r>
+                <a:rPr lang="es-419" sz="900" dirty="0">
+                  <a:latin typeface="+mn-lt"/>
+                  <a:cs typeface="Courier New" panose="02070309020205020404" pitchFamily="49" charset="0"/>
+                </a:rPr>
+                <a:t> </a:t>
+              </a:r>
+              <a:r>
+                <a:rPr lang="es-419" sz="900" dirty="0" err="1">
+                  <a:latin typeface="+mn-lt"/>
+                  <a:cs typeface="Courier New" panose="02070309020205020404" pitchFamily="49" charset="0"/>
+                </a:rPr>
+                <a:t>other</a:t>
+              </a:r>
+              <a:r>
+                <a:rPr lang="es-419" sz="900" dirty="0">
+                  <a:latin typeface="+mn-lt"/>
+                  <a:cs typeface="Courier New" panose="02070309020205020404" pitchFamily="49" charset="0"/>
+                </a:rPr>
+                <a:t> </a:t>
+              </a:r>
+              <a:r>
+                <a:rPr lang="es-419" sz="900" dirty="0" err="1">
+                  <a:latin typeface="+mn-lt"/>
+                  <a:cs typeface="Courier New" panose="02070309020205020404" pitchFamily="49" charset="0"/>
+                </a:rPr>
+                <a:t>than</a:t>
+              </a:r>
+              <a:r>
+                <a:rPr lang="es-419" sz="900" dirty="0">
+                  <a:latin typeface="+mn-lt"/>
+                  <a:cs typeface="Courier New" panose="02070309020205020404" pitchFamily="49" charset="0"/>
+                </a:rPr>
+                <a:t> </a:t>
+              </a:r>
+              <a:r>
+                <a:rPr lang="es-419" sz="900" i="1" dirty="0" err="1">
+                  <a:latin typeface="+mn-lt"/>
+                  <a:cs typeface="Courier New" panose="02070309020205020404" pitchFamily="49" charset="0"/>
+                </a:rPr>
+                <a:t>Created</a:t>
+              </a:r>
+              <a:r>
+                <a:rPr lang="es-419" sz="900" dirty="0">
+                  <a:latin typeface="+mn-lt"/>
+                  <a:cs typeface="Courier New" panose="02070309020205020404" pitchFamily="49" charset="0"/>
+                </a:rPr>
+                <a:t>.</a:t>
+              </a:r>
+              <a:endParaRPr lang="en-US" sz="900" dirty="0">
+                <a:latin typeface="Courier New" panose="02070309020205020404" pitchFamily="49" charset="0"/>
+                <a:cs typeface="Courier New" panose="02070309020205020404" pitchFamily="49" charset="0"/>
+              </a:endParaRPr>
+            </a:p>
+            <a:p>
+              <a:endParaRPr lang="en-US" sz="900" dirty="0">
+                <a:latin typeface="Courier New" panose="02070309020205020404" pitchFamily="49" charset="0"/>
+                <a:cs typeface="Courier New" panose="02070309020205020404" pitchFamily="49" charset="0"/>
+              </a:endParaRPr>
+            </a:p>
+            <a:p>
+              <a:endParaRPr lang="es-419" sz="900" dirty="0">
+                <a:latin typeface="Courier New" panose="02070309020205020404" pitchFamily="49" charset="0"/>
+                <a:cs typeface="Courier New" panose="02070309020205020404" pitchFamily="49" charset="0"/>
+              </a:endParaRPr>
+            </a:p>
+            <a:p>
+              <a:endParaRPr lang="es-419" sz="900" dirty="0">
+                <a:latin typeface="Courier New" panose="02070309020205020404" pitchFamily="49" charset="0"/>
+                <a:cs typeface="Courier New" panose="02070309020205020404" pitchFamily="49" charset="0"/>
+              </a:endParaRPr>
+            </a:p>
+            <a:p>
+              <a:endParaRPr lang="es-419" sz="900" dirty="0">
+                <a:latin typeface="Courier New" panose="02070309020205020404" pitchFamily="49" charset="0"/>
+                <a:cs typeface="Courier New" panose="02070309020205020404" pitchFamily="49" charset="0"/>
+              </a:endParaRPr>
+            </a:p>
+            <a:p>
+              <a:endParaRPr lang="es-419" sz="900" dirty="0">
+                <a:latin typeface="Courier New" panose="02070309020205020404" pitchFamily="49" charset="0"/>
+                <a:cs typeface="Courier New" panose="02070309020205020404" pitchFamily="49" charset="0"/>
+              </a:endParaRPr>
+            </a:p>
+            <a:p>
+              <a:endParaRPr lang="es-419" sz="900" dirty="0">
+                <a:latin typeface="Courier New" panose="02070309020205020404" pitchFamily="49" charset="0"/>
+                <a:cs typeface="Courier New" panose="02070309020205020404" pitchFamily="49" charset="0"/>
+              </a:endParaRPr>
+            </a:p>
+            <a:p>
+              <a:endParaRPr lang="es-419" sz="900" dirty="0">
+                <a:latin typeface="Courier New" panose="02070309020205020404" pitchFamily="49" charset="0"/>
+                <a:cs typeface="Courier New" panose="02070309020205020404" pitchFamily="49" charset="0"/>
+              </a:endParaRPr>
+            </a:p>
+            <a:p>
+              <a:endParaRPr lang="es-419" sz="900" dirty="0">
+                <a:latin typeface="Courier New" panose="02070309020205020404" pitchFamily="49" charset="0"/>
+                <a:cs typeface="Courier New" panose="02070309020205020404" pitchFamily="49" charset="0"/>
+              </a:endParaRPr>
+            </a:p>
+            <a:p>
+              <a:endParaRPr lang="es-419" sz="900" dirty="0">
+                <a:latin typeface="Courier New" panose="02070309020205020404" pitchFamily="49" charset="0"/>
+                <a:cs typeface="Courier New" panose="02070309020205020404" pitchFamily="49" charset="0"/>
+              </a:endParaRPr>
+            </a:p>
+            <a:p>
+              <a:endParaRPr lang="es-419" sz="900" dirty="0">
+                <a:latin typeface="Courier New" panose="02070309020205020404" pitchFamily="49" charset="0"/>
+                <a:cs typeface="Courier New" panose="02070309020205020404" pitchFamily="49" charset="0"/>
+              </a:endParaRPr>
+            </a:p>
+            <a:p>
+              <a:r>
+                <a:rPr lang="es-419" sz="900" dirty="0">
+                  <a:cs typeface="Courier New" panose="02070309020205020404" pitchFamily="49" charset="0"/>
+                </a:rPr>
+                <a:t>3. </a:t>
+              </a:r>
+              <a:r>
+                <a:rPr lang="en-US" sz="900" dirty="0">
+                  <a:cs typeface="Courier New" panose="02070309020205020404" pitchFamily="49" charset="0"/>
+                </a:rPr>
+                <a:t>Get </a:t>
+              </a:r>
+              <a:r>
+                <a:rPr lang="es-419" sz="900" dirty="0" err="1">
+                  <a:cs typeface="Courier New" panose="02070309020205020404" pitchFamily="49" charset="0"/>
+                </a:rPr>
+                <a:t>the</a:t>
+              </a:r>
+              <a:r>
+                <a:rPr lang="es-419" sz="900" dirty="0">
+                  <a:cs typeface="Courier New" panose="02070309020205020404" pitchFamily="49" charset="0"/>
+                </a:rPr>
+                <a:t> </a:t>
+              </a:r>
+              <a:r>
+                <a:rPr lang="es-419" sz="900" dirty="0" err="1">
+                  <a:cs typeface="Courier New" panose="02070309020205020404" pitchFamily="49" charset="0"/>
+                </a:rPr>
+                <a:t>mínimum_line_amount</a:t>
+              </a:r>
+              <a:r>
+                <a:rPr lang="es-419" sz="900" dirty="0">
+                  <a:cs typeface="Courier New" panose="02070309020205020404" pitchFamily="49" charset="0"/>
+                </a:rPr>
+                <a:t> per </a:t>
+              </a:r>
+              <a:r>
+                <a:rPr lang="es-419" sz="900" dirty="0" err="1">
+                  <a:cs typeface="Courier New" panose="02070309020205020404" pitchFamily="49" charset="0"/>
+                </a:rPr>
+                <a:t>Order</a:t>
+              </a:r>
+              <a:r>
+                <a:rPr lang="es-419" sz="900" dirty="0">
+                  <a:cs typeface="Courier New" panose="02070309020205020404" pitchFamily="49" charset="0"/>
+                </a:rPr>
+                <a:t> </a:t>
+              </a:r>
+              <a:r>
+                <a:rPr lang="es-419" sz="900" dirty="0" err="1">
+                  <a:cs typeface="Courier New" panose="02070309020205020404" pitchFamily="49" charset="0"/>
+                </a:rPr>
+                <a:t>from</a:t>
+              </a:r>
+              <a:r>
+                <a:rPr lang="es-419" sz="900" dirty="0">
+                  <a:cs typeface="Courier New" panose="02070309020205020404" pitchFamily="49" charset="0"/>
+                </a:rPr>
+                <a:t> </a:t>
+              </a:r>
+              <a:r>
+                <a:rPr lang="es-419" sz="900" i="1" dirty="0" err="1">
+                  <a:cs typeface="Courier New" panose="02070309020205020404" pitchFamily="49" charset="0"/>
+                </a:rPr>
+                <a:t>OrderLines</a:t>
+              </a:r>
+              <a:r>
+                <a:rPr lang="en-US" sz="900" dirty="0">
+                  <a:cs typeface="Courier New" panose="02070309020205020404" pitchFamily="49" charset="0"/>
+                </a:rPr>
+                <a:t> w</a:t>
+              </a:r>
+              <a:r>
+                <a:rPr lang="es-419" sz="900" dirty="0" err="1">
+                  <a:cs typeface="Courier New" panose="02070309020205020404" pitchFamily="49" charset="0"/>
+                </a:rPr>
+                <a:t>here</a:t>
+              </a:r>
+              <a:r>
+                <a:rPr lang="es-419" sz="900" dirty="0">
+                  <a:cs typeface="Courier New" panose="02070309020205020404" pitchFamily="49" charset="0"/>
+                </a:rPr>
+                <a:t> </a:t>
+              </a:r>
+              <a:r>
+                <a:rPr lang="es-419" sz="900" i="1" dirty="0" err="1">
+                  <a:cs typeface="Courier New" panose="02070309020205020404" pitchFamily="49" charset="0"/>
+                </a:rPr>
+                <a:t>status_id</a:t>
+              </a:r>
+              <a:r>
+                <a:rPr lang="es-419" sz="900" i="1" dirty="0">
+                  <a:cs typeface="Courier New" panose="02070309020205020404" pitchFamily="49" charset="0"/>
+                </a:rPr>
+                <a:t> are </a:t>
+              </a:r>
+              <a:r>
+                <a:rPr lang="es-419" sz="900" dirty="0" err="1">
+                  <a:cs typeface="Courier New" panose="02070309020205020404" pitchFamily="49" charset="0"/>
+                </a:rPr>
+                <a:t>among</a:t>
+              </a:r>
+              <a:r>
+                <a:rPr lang="es-419" sz="900" dirty="0">
+                  <a:cs typeface="Courier New" panose="02070309020205020404" pitchFamily="49" charset="0"/>
+                </a:rPr>
+                <a:t>  (3100, 3300) and </a:t>
+              </a:r>
+              <a:r>
+                <a:rPr lang="es-419" sz="900" dirty="0" err="1">
+                  <a:cs typeface="Courier New" panose="02070309020205020404" pitchFamily="49" charset="0"/>
+                </a:rPr>
+                <a:t>the</a:t>
+              </a:r>
+              <a:r>
+                <a:rPr lang="es-419" sz="900" dirty="0">
+                  <a:cs typeface="Courier New" panose="02070309020205020404" pitchFamily="49" charset="0"/>
+                </a:rPr>
+                <a:t> </a:t>
+              </a:r>
+              <a:r>
+                <a:rPr lang="es-419" sz="900" dirty="0" err="1">
+                  <a:cs typeface="Courier New" panose="02070309020205020404" pitchFamily="49" charset="0"/>
+                </a:rPr>
+                <a:t>minumum_line_amount</a:t>
+              </a:r>
+              <a:r>
+                <a:rPr lang="es-419" sz="900" dirty="0">
+                  <a:cs typeface="Courier New" panose="02070309020205020404" pitchFamily="49" charset="0"/>
+                </a:rPr>
+                <a:t> </a:t>
+              </a:r>
+              <a:r>
+                <a:rPr lang="es-419" sz="900" dirty="0" err="1">
+                  <a:cs typeface="Courier New" panose="02070309020205020404" pitchFamily="49" charset="0"/>
+                </a:rPr>
+                <a:t>is</a:t>
+              </a:r>
+              <a:r>
+                <a:rPr lang="es-419" sz="900" dirty="0">
+                  <a:cs typeface="Courier New" panose="02070309020205020404" pitchFamily="49" charset="0"/>
+                </a:rPr>
+                <a:t> </a:t>
+              </a:r>
+              <a:r>
+                <a:rPr lang="es-419" sz="900" dirty="0" err="1">
+                  <a:cs typeface="Courier New" panose="02070309020205020404" pitchFamily="49" charset="0"/>
+                </a:rPr>
+                <a:t>greater</a:t>
+              </a:r>
+              <a:r>
+                <a:rPr lang="es-419" sz="900" dirty="0">
+                  <a:cs typeface="Courier New" panose="02070309020205020404" pitchFamily="49" charset="0"/>
+                </a:rPr>
+                <a:t> </a:t>
+              </a:r>
+              <a:r>
+                <a:rPr lang="es-419" sz="900" dirty="0" err="1">
+                  <a:cs typeface="Courier New" panose="02070309020205020404" pitchFamily="49" charset="0"/>
+                </a:rPr>
+                <a:t>than</a:t>
+              </a:r>
+              <a:r>
+                <a:rPr lang="es-419" sz="900" dirty="0">
+                  <a:cs typeface="Courier New" panose="02070309020205020404" pitchFamily="49" charset="0"/>
+                </a:rPr>
+                <a:t> 1,500.</a:t>
+              </a:r>
+              <a:endParaRPr lang="en-US" sz="900" dirty="0">
+                <a:latin typeface="Courier New" panose="02070309020205020404" pitchFamily="49" charset="0"/>
+                <a:cs typeface="Courier New" panose="02070309020205020404" pitchFamily="49" charset="0"/>
+              </a:endParaRPr>
+            </a:p>
+          </p:txBody>
+        </p:sp>
+        <p:pic>
+          <p:nvPicPr>
+            <p:cNvPr id="6" name="Picture 5"/>
+            <p:cNvPicPr>
+              <a:picLocks noChangeAspect="1"/>
+            </p:cNvPicPr>
+            <p:nvPr/>
+          </p:nvPicPr>
+          <p:blipFill>
+            <a:blip r:embed="rId2"/>
+            <a:stretch>
+              <a:fillRect/>
+            </a:stretch>
+          </p:blipFill>
+          <p:spPr>
+            <a:xfrm>
+              <a:off x="467544" y="1250315"/>
+              <a:ext cx="7678270" cy="666517"/>
+            </a:xfrm>
+            <a:prstGeom prst="rect">
+              <a:avLst/>
+            </a:prstGeom>
+            <a:ln>
+              <a:solidFill>
+                <a:srgbClr val="318ABE"/>
+              </a:solidFill>
+            </a:ln>
+          </p:spPr>
+        </p:pic>
+        <p:pic>
+          <p:nvPicPr>
+            <p:cNvPr id="11" name="Picture 10"/>
+            <p:cNvPicPr>
+              <a:picLocks noChangeAspect="1"/>
+            </p:cNvPicPr>
+            <p:nvPr/>
+          </p:nvPicPr>
+          <p:blipFill>
+            <a:blip r:embed="rId3"/>
+            <a:stretch>
+              <a:fillRect/>
+            </a:stretch>
+          </p:blipFill>
+          <p:spPr>
+            <a:xfrm>
+              <a:off x="457200" y="2636912"/>
+              <a:ext cx="1790700" cy="733425"/>
+            </a:xfrm>
+            <a:prstGeom prst="rect">
+              <a:avLst/>
+            </a:prstGeom>
+          </p:spPr>
+        </p:pic>
+        <p:pic>
+          <p:nvPicPr>
+            <p:cNvPr id="10" name="Picture 9"/>
+            <p:cNvPicPr>
+              <a:picLocks noChangeAspect="1"/>
+            </p:cNvPicPr>
+            <p:nvPr/>
+          </p:nvPicPr>
+          <p:blipFill>
+            <a:blip r:embed="rId4"/>
+            <a:stretch>
+              <a:fillRect/>
+            </a:stretch>
+          </p:blipFill>
+          <p:spPr>
+            <a:xfrm>
+              <a:off x="474390" y="4293096"/>
+              <a:ext cx="1703545" cy="1767830"/>
+            </a:xfrm>
+            <a:prstGeom prst="rect">
+              <a:avLst/>
+            </a:prstGeom>
+            <a:ln>
+              <a:solidFill>
+                <a:srgbClr val="318ABE"/>
+              </a:solidFill>
+            </a:ln>
+          </p:spPr>
+        </p:pic>
+      </p:grpSp>
+    </p:spTree>
+    <p:extLst>
+      <p:ext uri="{BB962C8B-B14F-4D97-AF65-F5344CB8AC3E}">
+        <p14:creationId xmlns:p14="http://schemas.microsoft.com/office/powerpoint/2010/main" val="916480050"/>
+      </p:ext>
+    </p:extLst>
+  </p:cSld>
+  <p:clrMapOvr>
+    <a:masterClrMapping/>
+  </p:clrMapOvr>
+</p:sld>
+</file>
+
+<file path=ppt/slides/slide12.xml><?xml version="1.0" encoding="utf-8"?>
+<p:sld xmlns:a="http://schemas.openxmlformats.org/drawingml/2006/main" xmlns:r="http://schemas.openxmlformats.org/officeDocument/2006/relationships" xmlns:p="http://schemas.openxmlformats.org/presentationml/2006/main">
+  <p:cSld>
+    <p:spTree>
+      <p:nvGrpSpPr>
+        <p:cNvPr id="1" name=""/>
+        <p:cNvGrpSpPr/>
+        <p:nvPr/>
+      </p:nvGrpSpPr>
+      <p:grpSpPr>
+        <a:xfrm>
+          <a:off x="0" y="0"/>
+          <a:ext cx="0" cy="0"/>
+          <a:chOff x="0" y="0"/>
+          <a:chExt cx="0" cy="0"/>
+        </a:xfrm>
+      </p:grpSpPr>
+      <p:sp>
+        <p:nvSpPr>
+          <p:cNvPr id="7" name="Slide Number Placeholder 3"/>
+          <p:cNvSpPr>
+            <a:spLocks noGrp="1"/>
+          </p:cNvSpPr>
+          <p:nvPr>
+            <p:ph type="sldNum" sz="quarter" idx="4"/>
+          </p:nvPr>
+        </p:nvSpPr>
+        <p:spPr/>
+        <p:txBody>
+          <a:bodyPr/>
+          <a:lstStyle/>
+          <a:p>
+            <a:pPr>
+              <a:defRPr/>
+            </a:pPr>
+            <a:fld id="{4AD834FB-D050-4DAD-A587-98ECF1E1D3D9}" type="slidenum">
+              <a:rPr lang="es-MX" smtClean="0"/>
+              <a:pPr>
+                <a:defRPr/>
+              </a:pPr>
+              <a:t>12</a:t>
+            </a:fld>
+            <a:endParaRPr lang="es-MX"/>
+          </a:p>
+        </p:txBody>
+      </p:sp>
+      <p:sp>
+        <p:nvSpPr>
+          <p:cNvPr id="9" name="Title 8"/>
+          <p:cNvSpPr>
+            <a:spLocks noGrp="1"/>
+          </p:cNvSpPr>
+          <p:nvPr>
+            <p:ph type="title"/>
+          </p:nvPr>
+        </p:nvSpPr>
+        <p:spPr>
+          <a:xfrm>
+            <a:off x="457200" y="192088"/>
+            <a:ext cx="7194430" cy="428600"/>
+          </a:xfrm>
+        </p:spPr>
+        <p:txBody>
+          <a:bodyPr/>
+          <a:lstStyle/>
+          <a:p>
+            <a:r>
+              <a:rPr lang="es-419" sz="2000" dirty="0" err="1">
+                <a:latin typeface="+mn-lt"/>
+              </a:rPr>
+              <a:t>Query</a:t>
+            </a:r>
+            <a:r>
+              <a:rPr lang="es-419" sz="2000" dirty="0">
+                <a:latin typeface="+mn-lt"/>
+              </a:rPr>
+              <a:t> </a:t>
+            </a:r>
+            <a:r>
+              <a:rPr lang="es-419" sz="2000" dirty="0" err="1">
+                <a:latin typeface="+mn-lt"/>
+              </a:rPr>
+              <a:t>Buildings</a:t>
+            </a:r>
+            <a:r>
+              <a:rPr lang="es-419" sz="2000" dirty="0">
+                <a:latin typeface="+mn-lt"/>
+              </a:rPr>
+              <a:t> - </a:t>
+            </a:r>
+            <a:r>
+              <a:rPr lang="es-419" sz="2000" dirty="0" err="1">
+                <a:latin typeface="+mn-lt"/>
+              </a:rPr>
+              <a:t>Exercises</a:t>
+            </a:r>
+            <a:endParaRPr lang="es-419" sz="2000" dirty="0">
+              <a:latin typeface="+mn-lt"/>
+            </a:endParaRPr>
+          </a:p>
+        </p:txBody>
+      </p:sp>
+      <p:grpSp>
+        <p:nvGrpSpPr>
+          <p:cNvPr id="2" name="Group 1"/>
+          <p:cNvGrpSpPr/>
+          <p:nvPr/>
+        </p:nvGrpSpPr>
+        <p:grpSpPr>
+          <a:xfrm>
+            <a:off x="539552" y="1268760"/>
+            <a:ext cx="4896544" cy="1429109"/>
+            <a:chOff x="539552" y="1268760"/>
+            <a:chExt cx="4896544" cy="1429109"/>
+          </a:xfrm>
+        </p:grpSpPr>
+        <p:sp>
+          <p:nvSpPr>
+            <p:cNvPr id="10" name="TextBox 9"/>
+            <p:cNvSpPr txBox="1"/>
+            <p:nvPr/>
+          </p:nvSpPr>
+          <p:spPr>
+            <a:xfrm>
+              <a:off x="539552" y="1268760"/>
+              <a:ext cx="4896544" cy="646331"/>
+            </a:xfrm>
+            <a:prstGeom prst="rect">
+              <a:avLst/>
+            </a:prstGeom>
+            <a:noFill/>
+          </p:spPr>
+          <p:txBody>
+            <a:bodyPr wrap="square" rtlCol="0">
+              <a:spAutoFit/>
+            </a:bodyPr>
+            <a:lstStyle/>
+            <a:p>
+              <a:r>
+                <a:rPr lang="es-419" sz="900" dirty="0">
+                  <a:cs typeface="Courier New" panose="02070309020205020404" pitchFamily="49" charset="0"/>
+                </a:rPr>
+                <a:t>4. </a:t>
+              </a:r>
+              <a:r>
+                <a:rPr lang="es-419" sz="900" dirty="0" err="1">
+                  <a:cs typeface="Courier New" panose="02070309020205020404" pitchFamily="49" charset="0"/>
+                </a:rPr>
+                <a:t>Create</a:t>
+              </a:r>
+              <a:r>
+                <a:rPr lang="es-419" sz="900" dirty="0">
+                  <a:cs typeface="Courier New" panose="02070309020205020404" pitchFamily="49" charset="0"/>
+                </a:rPr>
+                <a:t> a </a:t>
+              </a:r>
+              <a:r>
+                <a:rPr lang="es-419" sz="900" dirty="0" err="1">
+                  <a:cs typeface="Courier New" panose="02070309020205020404" pitchFamily="49" charset="0"/>
+                </a:rPr>
+                <a:t>report</a:t>
+              </a:r>
+              <a:r>
+                <a:rPr lang="es-419" sz="900" dirty="0">
+                  <a:cs typeface="Courier New" panose="02070309020205020404" pitchFamily="49" charset="0"/>
+                </a:rPr>
+                <a:t> </a:t>
+              </a:r>
+              <a:r>
+                <a:rPr lang="es-419" sz="900" dirty="0" err="1">
+                  <a:cs typeface="Courier New" panose="02070309020205020404" pitchFamily="49" charset="0"/>
+                </a:rPr>
+                <a:t>from</a:t>
+              </a:r>
+              <a:r>
+                <a:rPr lang="es-419" sz="900" dirty="0">
+                  <a:cs typeface="Courier New" panose="02070309020205020404" pitchFamily="49" charset="0"/>
+                </a:rPr>
+                <a:t> </a:t>
+              </a:r>
+              <a:r>
+                <a:rPr lang="es-419" sz="900" i="1" dirty="0" err="1">
+                  <a:cs typeface="Courier New" panose="02070309020205020404" pitchFamily="49" charset="0"/>
+                </a:rPr>
+                <a:t>Orders</a:t>
+              </a:r>
+              <a:r>
+                <a:rPr lang="es-419" sz="900" dirty="0">
+                  <a:cs typeface="Courier New" panose="02070309020205020404" pitchFamily="49" charset="0"/>
+                </a:rPr>
+                <a:t> </a:t>
+              </a:r>
+              <a:r>
+                <a:rPr lang="es-419" sz="900" dirty="0" err="1">
+                  <a:cs typeface="Courier New" panose="02070309020205020404" pitchFamily="49" charset="0"/>
+                </a:rPr>
+                <a:t>that</a:t>
+              </a:r>
+              <a:r>
+                <a:rPr lang="es-419" sz="900" dirty="0">
+                  <a:cs typeface="Courier New" panose="02070309020205020404" pitchFamily="49" charset="0"/>
+                </a:rPr>
+                <a:t> </a:t>
+              </a:r>
+              <a:r>
+                <a:rPr lang="es-419" sz="900" dirty="0" err="1">
+                  <a:cs typeface="Courier New" panose="02070309020205020404" pitchFamily="49" charset="0"/>
+                </a:rPr>
+                <a:t>includes</a:t>
+              </a:r>
+              <a:r>
+                <a:rPr lang="es-419" sz="900" dirty="0">
+                  <a:cs typeface="Courier New" panose="02070309020205020404" pitchFamily="49" charset="0"/>
+                </a:rPr>
+                <a:t> per </a:t>
+              </a:r>
+              <a:r>
+                <a:rPr lang="es-419" sz="900" i="1" dirty="0" err="1">
+                  <a:cs typeface="Courier New" panose="02070309020205020404" pitchFamily="49" charset="0"/>
+                </a:rPr>
+                <a:t>payment_method_id</a:t>
+              </a:r>
+              <a:r>
+                <a:rPr lang="es-419" sz="900" dirty="0">
+                  <a:cs typeface="Courier New" panose="02070309020205020404" pitchFamily="49" charset="0"/>
+                </a:rPr>
+                <a:t> </a:t>
+              </a:r>
+              <a:r>
+                <a:rPr lang="es-419" sz="900" dirty="0" err="1">
+                  <a:cs typeface="Courier New" panose="02070309020205020404" pitchFamily="49" charset="0"/>
+                </a:rPr>
+                <a:t>the</a:t>
+              </a:r>
+              <a:r>
+                <a:rPr lang="es-419" sz="900" dirty="0">
+                  <a:cs typeface="Courier New" panose="02070309020205020404" pitchFamily="49" charset="0"/>
+                </a:rPr>
+                <a:t> total of </a:t>
+              </a:r>
+              <a:r>
+                <a:rPr lang="es-419" sz="900" dirty="0" err="1">
+                  <a:cs typeface="Courier New" panose="02070309020205020404" pitchFamily="49" charset="0"/>
+                </a:rPr>
+                <a:t>orders</a:t>
+              </a:r>
+              <a:r>
+                <a:rPr lang="es-419" sz="900" dirty="0">
+                  <a:cs typeface="Courier New" panose="02070309020205020404" pitchFamily="49" charset="0"/>
+                </a:rPr>
+                <a:t> in </a:t>
+              </a:r>
+              <a:r>
+                <a:rPr lang="es-419" sz="900" dirty="0" err="1">
+                  <a:cs typeface="Courier New" panose="02070309020205020404" pitchFamily="49" charset="0"/>
+                </a:rPr>
+                <a:t>each</a:t>
+              </a:r>
+              <a:r>
+                <a:rPr lang="es-419" sz="900" dirty="0">
+                  <a:cs typeface="Courier New" panose="02070309020205020404" pitchFamily="49" charset="0"/>
+                </a:rPr>
+                <a:t> Status. </a:t>
+              </a:r>
+              <a:r>
+                <a:rPr lang="es-419" sz="900" dirty="0" err="1">
+                  <a:cs typeface="Courier New" panose="02070309020205020404" pitchFamily="49" charset="0"/>
+                </a:rPr>
+                <a:t>The</a:t>
+              </a:r>
+              <a:r>
+                <a:rPr lang="es-419" sz="900" dirty="0">
+                  <a:cs typeface="Courier New" panose="02070309020205020404" pitchFamily="49" charset="0"/>
+                </a:rPr>
+                <a:t> </a:t>
+              </a:r>
+              <a:r>
+                <a:rPr lang="es-419" sz="900" dirty="0" err="1">
+                  <a:cs typeface="Courier New" panose="02070309020205020404" pitchFamily="49" charset="0"/>
+                </a:rPr>
+                <a:t>report</a:t>
+              </a:r>
+              <a:r>
+                <a:rPr lang="es-419" sz="900" dirty="0">
+                  <a:cs typeface="Courier New" panose="02070309020205020404" pitchFamily="49" charset="0"/>
+                </a:rPr>
+                <a:t> has to </a:t>
+              </a:r>
+              <a:r>
+                <a:rPr lang="es-419" sz="900" dirty="0" err="1">
+                  <a:cs typeface="Courier New" panose="02070309020205020404" pitchFamily="49" charset="0"/>
+                </a:rPr>
+                <a:t>cosider</a:t>
+              </a:r>
+              <a:r>
+                <a:rPr lang="es-419" sz="900" dirty="0">
+                  <a:cs typeface="Courier New" panose="02070309020205020404" pitchFamily="49" charset="0"/>
+                </a:rPr>
+                <a:t> </a:t>
+              </a:r>
+              <a:r>
+                <a:rPr lang="es-419" sz="900" dirty="0" err="1">
+                  <a:cs typeface="Courier New" panose="02070309020205020404" pitchFamily="49" charset="0"/>
+                </a:rPr>
+                <a:t>only</a:t>
+              </a:r>
+              <a:r>
+                <a:rPr lang="es-419" sz="900" dirty="0">
+                  <a:cs typeface="Courier New" panose="02070309020205020404" pitchFamily="49" charset="0"/>
+                </a:rPr>
+                <a:t> </a:t>
+              </a:r>
+              <a:r>
+                <a:rPr lang="es-419" sz="900" dirty="0" err="1">
+                  <a:cs typeface="Courier New" panose="02070309020205020404" pitchFamily="49" charset="0"/>
+                </a:rPr>
+                <a:t>Order</a:t>
+              </a:r>
+              <a:r>
+                <a:rPr lang="es-419" sz="900" dirty="0">
+                  <a:cs typeface="Courier New" panose="02070309020205020404" pitchFamily="49" charset="0"/>
+                </a:rPr>
+                <a:t> </a:t>
+              </a:r>
+              <a:r>
+                <a:rPr lang="es-419" sz="900" dirty="0" err="1">
+                  <a:cs typeface="Courier New" panose="02070309020205020404" pitchFamily="49" charset="0"/>
+                </a:rPr>
+                <a:t>with</a:t>
+              </a:r>
+              <a:r>
+                <a:rPr lang="es-419" sz="900" dirty="0">
+                  <a:cs typeface="Courier New" panose="02070309020205020404" pitchFamily="49" charset="0"/>
+                </a:rPr>
+                <a:t> dada of 2015.</a:t>
+              </a:r>
+              <a:endParaRPr lang="en-US" sz="900" dirty="0">
+                <a:latin typeface="+mn-lt"/>
+                <a:cs typeface="Courier New" panose="02070309020205020404" pitchFamily="49" charset="0"/>
+              </a:endParaRPr>
+            </a:p>
+            <a:p>
+              <a:endParaRPr lang="en-US" sz="900" dirty="0">
+                <a:latin typeface="Courier New" panose="02070309020205020404" pitchFamily="49" charset="0"/>
+                <a:cs typeface="Courier New" panose="02070309020205020404" pitchFamily="49" charset="0"/>
+              </a:endParaRPr>
+            </a:p>
+            <a:p>
+              <a:endParaRPr lang="en-US" sz="900" dirty="0">
+                <a:latin typeface="Courier New" panose="02070309020205020404" pitchFamily="49" charset="0"/>
+                <a:cs typeface="Courier New" panose="02070309020205020404" pitchFamily="49" charset="0"/>
+              </a:endParaRPr>
+            </a:p>
+          </p:txBody>
+        </p:sp>
+        <p:pic>
+          <p:nvPicPr>
+            <p:cNvPr id="4" name="Picture 3"/>
+            <p:cNvPicPr>
+              <a:picLocks noChangeAspect="1"/>
+            </p:cNvPicPr>
+            <p:nvPr/>
+          </p:nvPicPr>
+          <p:blipFill>
+            <a:blip r:embed="rId2"/>
+            <a:stretch>
+              <a:fillRect/>
+            </a:stretch>
+          </p:blipFill>
+          <p:spPr>
+            <a:xfrm>
+              <a:off x="611560" y="1844824"/>
+              <a:ext cx="4355976" cy="853045"/>
+            </a:xfrm>
+            <a:prstGeom prst="rect">
+              <a:avLst/>
+            </a:prstGeom>
+            <a:ln>
+              <a:solidFill>
+                <a:srgbClr val="276B9B"/>
+              </a:solidFill>
+            </a:ln>
+          </p:spPr>
+        </p:pic>
+      </p:grpSp>
+    </p:spTree>
+    <p:extLst>
+      <p:ext uri="{BB962C8B-B14F-4D97-AF65-F5344CB8AC3E}">
+        <p14:creationId xmlns:p14="http://schemas.microsoft.com/office/powerpoint/2010/main" val="2285333249"/>
+      </p:ext>
+    </p:extLst>
+  </p:cSld>
+  <p:clrMapOvr>
+    <a:masterClrMapping/>
+  </p:clrMapOvr>
+</p:sld>
+</file>
+
+<file path=ppt/slides/slide13.xml><?xml version="1.0" encoding="utf-8"?>
 <p:sld xmlns:a="http://schemas.openxmlformats.org/drawingml/2006/main" xmlns:r="http://schemas.openxmlformats.org/officeDocument/2006/relationships" xmlns:p="http://schemas.openxmlformats.org/presentationml/2006/main">
   <p:cSld>
     <p:spTree>
@@ -11015,13 +11980,6 @@
   <p:clrMapOvr>
     <a:masterClrMapping/>
   </p:clrMapOvr>
-  <p:timing>
-    <p:tnLst>
-      <p:par>
-        <p:cTn id="1" dur="indefinite" restart="never" nodeType="tmRoot"/>
-      </p:par>
-    </p:tnLst>
-  </p:timing>
 </p:sld>
 </file>
 
@@ -11058,19 +12016,19 @@
           <a:lstStyle/>
           <a:p>
             <a:r>
-              <a:rPr lang="es-MX" dirty="0" err="1" smtClean="0">
+              <a:rPr lang="es-MX" dirty="0" err="1">
                 <a:latin typeface="+mj-lt"/>
               </a:rPr>
               <a:t>eCommerce</a:t>
             </a:r>
             <a:r>
-              <a:rPr lang="es-MX" dirty="0" smtClean="0">
+              <a:rPr lang="es-MX" dirty="0">
                 <a:latin typeface="+mj-lt"/>
               </a:rPr>
               <a:t> DB </a:t>
             </a:r>
             <a:r>
-              <a:rPr lang="es-MX" dirty="0" err="1" smtClean="0">
+              <a:rPr lang="es-MX" dirty="0" err="1">
                 <a:latin typeface="+mj-lt"/>
               </a:rPr>
               <a:t>model</a:t>
@@ -11132,8 +12090,8 @@
         </p:blipFill>
         <p:spPr>
           <a:xfrm>
-            <a:off x="336948" y="980728"/>
-            <a:ext cx="8473849" cy="5256584"/>
+            <a:off x="161151" y="1041400"/>
+            <a:ext cx="8803337" cy="4949973"/>
           </a:xfrm>
           <a:prstGeom prst="rect">
             <a:avLst/>
@@ -11155,13 +12113,6 @@
   <p:clrMapOvr>
     <a:masterClrMapping/>
   </p:clrMapOvr>
-  <p:timing>
-    <p:tnLst>
-      <p:par>
-        <p:cTn id="1" dur="indefinite" restart="never" nodeType="tmRoot"/>
-      </p:par>
-    </p:tnLst>
-  </p:timing>
 </p:sld>
 </file>
 
@@ -11204,19 +12155,19 @@
           <a:p>
             <a:pPr algn="l"/>
             <a:r>
-              <a:rPr lang="es-419" sz="2400" dirty="0" err="1" smtClean="0">
+              <a:rPr lang="es-419" sz="2400" dirty="0" err="1">
                 <a:latin typeface="+mn-lt"/>
               </a:rPr>
               <a:t>Query</a:t>
             </a:r>
             <a:r>
-              <a:rPr lang="es-419" sz="2400" dirty="0" smtClean="0">
+              <a:rPr lang="es-419" sz="2400" dirty="0">
                 <a:latin typeface="+mn-lt"/>
               </a:rPr>
               <a:t> Basic </a:t>
             </a:r>
             <a:r>
-              <a:rPr lang="es-419" sz="2400" dirty="0" err="1" smtClean="0">
+              <a:rPr lang="es-419" sz="2400" dirty="0" err="1">
                 <a:latin typeface="+mn-lt"/>
               </a:rPr>
               <a:t>Structure</a:t>
@@ -11283,25 +12234,18 @@
           </a:bodyPr>
           <a:lstStyle/>
           <a:p>
-            <a:endParaRPr lang="en-US" sz="1100" dirty="0" smtClean="0">
+            <a:endParaRPr lang="en-US" sz="1100" dirty="0">
               <a:latin typeface="Courier New" panose="02070309020205020404" pitchFamily="49" charset="0"/>
               <a:cs typeface="Courier New" panose="02070309020205020404" pitchFamily="49" charset="0"/>
             </a:endParaRPr>
           </a:p>
           <a:p>
             <a:r>
-              <a:rPr lang="en-US" sz="1100" dirty="0" smtClean="0">
-                <a:latin typeface="Courier New" panose="02070309020205020404" pitchFamily="49" charset="0"/>
-                <a:cs typeface="Courier New" panose="02070309020205020404" pitchFamily="49" charset="0"/>
-              </a:rPr>
-              <a:t>SELECT</a:t>
-            </a:r>
-            <a:r>
               <a:rPr lang="en-US" sz="1100" dirty="0">
                 <a:latin typeface="Courier New" panose="02070309020205020404" pitchFamily="49" charset="0"/>
                 <a:cs typeface="Courier New" panose="02070309020205020404" pitchFamily="49" charset="0"/>
               </a:rPr>
-              <a:t> </a:t>
+              <a:t>SELECT </a:t>
             </a:r>
             <a:r>
               <a:rPr lang="en-US" sz="1100" i="1" dirty="0">
@@ -11311,122 +12255,112 @@
                 <a:latin typeface="Courier New" panose="02070309020205020404" pitchFamily="49" charset="0"/>
                 <a:cs typeface="Courier New" panose="02070309020205020404" pitchFamily="49" charset="0"/>
               </a:rPr>
-              <a:t> </a:t>
-            </a:r>
-            <a:r>
-              <a:rPr lang="en-US" sz="1100" i="1" dirty="0" smtClean="0">
+              <a:t> column_name1, column_name2</a:t>
+            </a:r>
+          </a:p>
+          <a:p>
+            <a:r>
+              <a:rPr lang="en-US" sz="1100" i="1" dirty="0">
                 <a:solidFill>
                   <a:srgbClr val="00B050"/>
                 </a:solidFill>
                 <a:latin typeface="Courier New" panose="02070309020205020404" pitchFamily="49" charset="0"/>
                 <a:cs typeface="Courier New" panose="02070309020205020404" pitchFamily="49" charset="0"/>
               </a:rPr>
-              <a:t>column_name1, column_name2</a:t>
-            </a:r>
-          </a:p>
-          <a:p>
-            <a:r>
-              <a:rPr lang="en-US" sz="1100" i="1" dirty="0" smtClean="0">
+              <a:t>      , </a:t>
+            </a:r>
+            <a:r>
+              <a:rPr lang="en-US" sz="1100" i="1" dirty="0" err="1">
                 <a:solidFill>
                   <a:srgbClr val="00B050"/>
                 </a:solidFill>
                 <a:latin typeface="Courier New" panose="02070309020205020404" pitchFamily="49" charset="0"/>
                 <a:cs typeface="Courier New" panose="02070309020205020404" pitchFamily="49" charset="0"/>
               </a:rPr>
-              <a:t>      , </a:t>
-            </a:r>
-            <a:r>
-              <a:rPr lang="en-US" sz="1100" i="1" dirty="0" err="1" smtClean="0">
+              <a:t>column_nameN</a:t>
+            </a:r>
+            <a:endParaRPr lang="es-419" sz="1100" dirty="0">
+              <a:latin typeface="Courier New" panose="02070309020205020404" pitchFamily="49" charset="0"/>
+              <a:cs typeface="Courier New" panose="02070309020205020404" pitchFamily="49" charset="0"/>
+            </a:endParaRPr>
+          </a:p>
+          <a:p>
+            <a:r>
+              <a:rPr lang="es-419" sz="1100" dirty="0">
+                <a:latin typeface="Courier New" panose="02070309020205020404" pitchFamily="49" charset="0"/>
+                <a:cs typeface="Courier New" panose="02070309020205020404" pitchFamily="49" charset="0"/>
+              </a:rPr>
+              <a:t>  FROM </a:t>
+            </a:r>
+            <a:r>
+              <a:rPr lang="en-US" sz="1100" dirty="0">
+                <a:latin typeface="Courier New" panose="02070309020205020404" pitchFamily="49" charset="0"/>
+                <a:cs typeface="Courier New" panose="02070309020205020404" pitchFamily="49" charset="0"/>
+              </a:rPr>
+              <a:t> </a:t>
+            </a:r>
+            <a:r>
+              <a:rPr lang="en-US" sz="1100" i="1" dirty="0" err="1">
                 <a:solidFill>
                   <a:srgbClr val="00B050"/>
                 </a:solidFill>
                 <a:latin typeface="Courier New" panose="02070309020205020404" pitchFamily="49" charset="0"/>
                 <a:cs typeface="Courier New" panose="02070309020205020404" pitchFamily="49" charset="0"/>
               </a:rPr>
-              <a:t>column_nameN</a:t>
-            </a:r>
-            <a:endParaRPr lang="es-419" sz="1100" dirty="0" smtClean="0">
+              <a:t>tableName</a:t>
+            </a:r>
+            <a:endParaRPr lang="en-US" sz="1100" dirty="0">
               <a:latin typeface="Courier New" panose="02070309020205020404" pitchFamily="49" charset="0"/>
               <a:cs typeface="Courier New" panose="02070309020205020404" pitchFamily="49" charset="0"/>
             </a:endParaRPr>
           </a:p>
           <a:p>
             <a:r>
-              <a:rPr lang="es-419" sz="1100" dirty="0" smtClean="0">
+              <a:rPr lang="en-US" sz="1100" dirty="0">
                 <a:latin typeface="Courier New" panose="02070309020205020404" pitchFamily="49" charset="0"/>
                 <a:cs typeface="Courier New" panose="02070309020205020404" pitchFamily="49" charset="0"/>
               </a:rPr>
-              <a:t>  FROM </a:t>
-            </a:r>
-            <a:r>
-              <a:rPr lang="en-US" sz="1100" dirty="0" smtClean="0">
-                <a:latin typeface="Courier New" panose="02070309020205020404" pitchFamily="49" charset="0"/>
-                <a:cs typeface="Courier New" panose="02070309020205020404" pitchFamily="49" charset="0"/>
-              </a:rPr>
-              <a:t> </a:t>
-            </a:r>
-            <a:r>
-              <a:rPr lang="en-US" sz="1100" i="1" dirty="0" err="1" smtClean="0">
+              <a:t>  WHERE </a:t>
+            </a:r>
+            <a:r>
+              <a:rPr lang="en-US" sz="1100" i="1" dirty="0" err="1">
                 <a:solidFill>
                   <a:srgbClr val="00B050"/>
                 </a:solidFill>
                 <a:latin typeface="Courier New" panose="02070309020205020404" pitchFamily="49" charset="0"/>
                 <a:cs typeface="Courier New" panose="02070309020205020404" pitchFamily="49" charset="0"/>
               </a:rPr>
-              <a:t>tableName</a:t>
-            </a:r>
-            <a:endParaRPr lang="en-US" sz="1100" dirty="0" smtClean="0">
-              <a:latin typeface="Courier New" panose="02070309020205020404" pitchFamily="49" charset="0"/>
-              <a:cs typeface="Courier New" panose="02070309020205020404" pitchFamily="49" charset="0"/>
-            </a:endParaRPr>
-          </a:p>
-          <a:p>
-            <a:r>
-              <a:rPr lang="en-US" sz="1100" dirty="0" smtClean="0">
-                <a:latin typeface="Courier New" panose="02070309020205020404" pitchFamily="49" charset="0"/>
-                <a:cs typeface="Courier New" panose="02070309020205020404" pitchFamily="49" charset="0"/>
-              </a:rPr>
-              <a:t>  WHERE </a:t>
-            </a:r>
-            <a:r>
-              <a:rPr lang="en-US" sz="1100" i="1" dirty="0" err="1" smtClean="0">
+              <a:t>column_nameN</a:t>
+            </a:r>
+            <a:r>
+              <a:rPr lang="en-US" sz="1100" i="1" dirty="0">
                 <a:solidFill>
                   <a:srgbClr val="00B050"/>
                 </a:solidFill>
                 <a:latin typeface="Courier New" panose="02070309020205020404" pitchFamily="49" charset="0"/>
                 <a:cs typeface="Courier New" panose="02070309020205020404" pitchFamily="49" charset="0"/>
               </a:rPr>
-              <a:t>column_nameN</a:t>
-            </a:r>
-            <a:r>
-              <a:rPr lang="en-US" sz="1100" i="1" dirty="0" smtClean="0">
+              <a:t> </a:t>
+            </a:r>
+            <a:r>
+              <a:rPr lang="en-US" sz="1100" dirty="0">
+                <a:latin typeface="Courier New" panose="02070309020205020404" pitchFamily="49" charset="0"/>
+                <a:cs typeface="Courier New" panose="02070309020205020404" pitchFamily="49" charset="0"/>
+              </a:rPr>
+              <a:t>= </a:t>
+            </a:r>
+            <a:r>
+              <a:rPr lang="en-US" sz="1100" i="1" dirty="0" err="1">
                 <a:solidFill>
                   <a:srgbClr val="00B050"/>
                 </a:solidFill>
                 <a:latin typeface="Courier New" panose="02070309020205020404" pitchFamily="49" charset="0"/>
                 <a:cs typeface="Courier New" panose="02070309020205020404" pitchFamily="49" charset="0"/>
               </a:rPr>
-              <a:t> </a:t>
-            </a:r>
-            <a:r>
-              <a:rPr lang="en-US" sz="1100" dirty="0">
-                <a:latin typeface="Courier New" panose="02070309020205020404" pitchFamily="49" charset="0"/>
-                <a:cs typeface="Courier New" panose="02070309020205020404" pitchFamily="49" charset="0"/>
-              </a:rPr>
-              <a:t>= </a:t>
-            </a:r>
-            <a:r>
-              <a:rPr lang="en-US" sz="1100" i="1" dirty="0" err="1" smtClean="0">
-                <a:solidFill>
-                  <a:srgbClr val="00B050"/>
-                </a:solidFill>
-                <a:latin typeface="Courier New" panose="02070309020205020404" pitchFamily="49" charset="0"/>
-                <a:cs typeface="Courier New" panose="02070309020205020404" pitchFamily="49" charset="0"/>
-              </a:rPr>
               <a:t>valueN</a:t>
             </a:r>
             <a:r>
-              <a:rPr lang="en-US" sz="1100" b="1" dirty="0" smtClean="0">
+              <a:rPr lang="en-US" sz="1100" b="1" dirty="0">
                 <a:latin typeface="Courier New" panose="02070309020205020404" pitchFamily="49" charset="0"/>
                 <a:cs typeface="Courier New" panose="02070309020205020404" pitchFamily="49" charset="0"/>
               </a:rPr>
@@ -11474,23 +12408,23 @@
               </a:lnSpc>
             </a:pPr>
             <a:r>
-              <a:rPr lang="es-MX" sz="1100" b="1" dirty="0" smtClean="0"/>
+              <a:rPr lang="es-MX" sz="1100" b="1" dirty="0"/>
               <a:t>SELECT: </a:t>
             </a:r>
             <a:r>
-              <a:rPr lang="es-MX" sz="1100" dirty="0" err="1" smtClean="0"/>
+              <a:rPr lang="es-MX" sz="1100" dirty="0" err="1"/>
               <a:t>Which</a:t>
             </a:r>
             <a:r>
-              <a:rPr lang="es-MX" sz="1100" dirty="0" smtClean="0"/>
+              <a:rPr lang="es-MX" sz="1100" dirty="0"/>
               <a:t> data do I </a:t>
             </a:r>
             <a:r>
-              <a:rPr lang="es-MX" sz="1100" dirty="0" err="1" smtClean="0"/>
+              <a:rPr lang="es-MX" sz="1100" dirty="0" err="1"/>
               <a:t>need</a:t>
             </a:r>
             <a:r>
-              <a:rPr lang="es-MX" sz="1100" dirty="0" smtClean="0"/>
+              <a:rPr lang="es-MX" sz="1100" dirty="0"/>
               <a:t>?</a:t>
             </a:r>
           </a:p>
@@ -11501,15 +12435,15 @@
               </a:lnSpc>
             </a:pPr>
             <a:r>
-              <a:rPr lang="es-MX" sz="1100" b="1" dirty="0" smtClean="0"/>
+              <a:rPr lang="es-MX" sz="1100" b="1" dirty="0"/>
               <a:t>FROM: </a:t>
             </a:r>
             <a:r>
-              <a:rPr lang="es-MX" sz="1100" dirty="0" err="1" smtClean="0"/>
+              <a:rPr lang="es-MX" sz="1100" dirty="0" err="1"/>
               <a:t>Where</a:t>
             </a:r>
             <a:r>
-              <a:rPr lang="es-MX" sz="1100" dirty="0" smtClean="0"/>
+              <a:rPr lang="es-MX" sz="1100" dirty="0"/>
               <a:t> are data?</a:t>
             </a:r>
           </a:p>
@@ -11520,54 +12454,53 @@
               </a:lnSpc>
             </a:pPr>
             <a:r>
-              <a:rPr lang="es-MX" sz="1100" b="1" dirty="0" smtClean="0"/>
+              <a:rPr lang="es-MX" sz="1100" b="1" dirty="0"/>
               <a:t>WHERE:</a:t>
             </a:r>
             <a:r>
-              <a:rPr lang="es-MX" sz="1100" dirty="0" smtClean="0"/>
+              <a:rPr lang="es-MX" sz="1100" dirty="0"/>
               <a:t> </a:t>
             </a:r>
             <a:r>
-              <a:rPr lang="es-MX" sz="1100" dirty="0" err="1" smtClean="0"/>
+              <a:rPr lang="es-MX" sz="1100" dirty="0" err="1"/>
               <a:t>Which</a:t>
             </a:r>
             <a:r>
-              <a:rPr lang="es-MX" sz="1100" dirty="0" smtClean="0"/>
+              <a:rPr lang="es-MX" sz="1100" dirty="0"/>
               <a:t> </a:t>
             </a:r>
             <a:r>
-              <a:rPr lang="es-MX" sz="1100" dirty="0" err="1" smtClean="0"/>
+              <a:rPr lang="es-MX" sz="1100" dirty="0" err="1"/>
               <a:t>requirements</a:t>
             </a:r>
             <a:r>
-              <a:rPr lang="es-MX" sz="1100" dirty="0" smtClean="0"/>
+              <a:rPr lang="es-MX" sz="1100" dirty="0"/>
               <a:t> </a:t>
             </a:r>
             <a:r>
-              <a:rPr lang="es-MX" sz="1100" dirty="0" err="1" smtClean="0"/>
+              <a:rPr lang="es-MX" sz="1100" dirty="0" err="1"/>
               <a:t>they</a:t>
             </a:r>
             <a:r>
-              <a:rPr lang="es-MX" sz="1100" dirty="0" smtClean="0"/>
+              <a:rPr lang="es-MX" sz="1100" dirty="0"/>
               <a:t> </a:t>
             </a:r>
             <a:r>
-              <a:rPr lang="es-MX" sz="1100" dirty="0" err="1" smtClean="0"/>
+              <a:rPr lang="es-MX" sz="1100" dirty="0" err="1"/>
               <a:t>have</a:t>
             </a:r>
             <a:r>
-              <a:rPr lang="es-MX" sz="1100" dirty="0" smtClean="0"/>
+              <a:rPr lang="es-MX" sz="1100" dirty="0"/>
               <a:t> to </a:t>
             </a:r>
             <a:r>
-              <a:rPr lang="es-MX" sz="1100" dirty="0" err="1" smtClean="0"/>
+              <a:rPr lang="es-MX" sz="1100" dirty="0" err="1"/>
               <a:t>accomplish</a:t>
             </a:r>
             <a:r>
-              <a:rPr lang="es-MX" sz="1100" dirty="0" smtClean="0"/>
+              <a:rPr lang="es-MX" sz="1100" dirty="0"/>
               <a:t>?</a:t>
             </a:r>
-            <a:endParaRPr lang="es-MX" sz="1100" dirty="0"/>
           </a:p>
         </p:txBody>
       </p:sp>
@@ -11606,47 +12539,38 @@
           <a:p>
             <a:r>
               <a:rPr lang="es-MX" sz="1100" b="1" dirty="0"/>
-              <a:t>LOGICAL OPERATORS</a:t>
-            </a:r>
-            <a:r>
-              <a:rPr lang="es-MX" sz="1100" b="1" dirty="0" smtClean="0"/>
-              <a:t>: </a:t>
-            </a:r>
-          </a:p>
-          <a:p>
-            <a:r>
-              <a:rPr lang="es-MX" sz="1100" dirty="0" smtClean="0"/>
+              <a:t>LOGICAL OPERATORS: </a:t>
+            </a:r>
+          </a:p>
+          <a:p>
+            <a:r>
+              <a:rPr lang="es-MX" sz="1100" dirty="0"/>
               <a:t>AND, OR, NOT.</a:t>
             </a:r>
           </a:p>
           <a:p>
-            <a:endParaRPr lang="es-MX" sz="1100" dirty="0" smtClean="0"/>
-          </a:p>
-          <a:p>
-            <a:r>
-              <a:rPr lang="es-MX" sz="1100" b="1" dirty="0" smtClean="0"/>
-              <a:t>NUMERICAL </a:t>
-            </a:r>
+            <a:endParaRPr lang="es-MX" sz="1100" dirty="0"/>
+          </a:p>
+          <a:p>
             <a:r>
               <a:rPr lang="es-MX" sz="1100" b="1" dirty="0"/>
-              <a:t>OPERATORS: </a:t>
-            </a:r>
-          </a:p>
-          <a:p>
-            <a:r>
-              <a:rPr lang="es-MX" sz="1100" dirty="0" smtClean="0"/>
+              <a:t>NUMERICAL OPERATORS: </a:t>
+            </a:r>
+          </a:p>
+          <a:p>
+            <a:r>
+              <a:rPr lang="es-MX" sz="1100" dirty="0"/>
               <a:t>=,  &lt;,  &lt;=,  &gt;,  &gt;=,  !=</a:t>
             </a:r>
+          </a:p>
+          <a:p>
             <a:endParaRPr lang="es-MX" sz="1100" dirty="0"/>
-          </a:p>
-          <a:p>
-            <a:endParaRPr lang="es-MX" sz="1100" dirty="0" smtClean="0"/>
           </a:p>
         </p:txBody>
       </p:sp>
       <p:grpSp>
         <p:nvGrpSpPr>
-          <p:cNvPr id="13" name="Group 12"/>
+          <p:cNvPr id="14" name="Group 13"/>
           <p:cNvGrpSpPr/>
           <p:nvPr/>
         </p:nvGrpSpPr>
@@ -11681,59 +12605,12 @@
             <a:lstStyle/>
             <a:p>
               <a:r>
-                <a:rPr lang="en-US" sz="900" dirty="0" smtClean="0">
+                <a:rPr lang="en-US" sz="900" dirty="0">
                   <a:latin typeface="+mn-lt"/>
                   <a:cs typeface="Courier New" panose="02070309020205020404" pitchFamily="49" charset="0"/>
                 </a:rPr>
                 <a:t>1. Get all Shipping Zones</a:t>
               </a:r>
-            </a:p>
-            <a:p>
-              <a:endParaRPr lang="en-US" sz="900" dirty="0" smtClean="0">
-                <a:latin typeface="Courier New" panose="02070309020205020404" pitchFamily="49" charset="0"/>
-                <a:cs typeface="Courier New" panose="02070309020205020404" pitchFamily="49" charset="0"/>
-              </a:endParaRPr>
-            </a:p>
-            <a:p>
-              <a:r>
-                <a:rPr lang="en-US" sz="900" dirty="0" smtClean="0">
-                  <a:latin typeface="Courier New" panose="02070309020205020404" pitchFamily="49" charset="0"/>
-                  <a:cs typeface="Courier New" panose="02070309020205020404" pitchFamily="49" charset="0"/>
-                </a:rPr>
-                <a:t>SELECT * FROM </a:t>
-              </a:r>
-              <a:r>
-                <a:rPr lang="en-US" sz="900" dirty="0" err="1" smtClean="0">
-                  <a:latin typeface="Courier New" panose="02070309020205020404" pitchFamily="49" charset="0"/>
-                  <a:cs typeface="Courier New" panose="02070309020205020404" pitchFamily="49" charset="0"/>
-                </a:rPr>
-                <a:t>shipping_zone</a:t>
-              </a:r>
-              <a:r>
-                <a:rPr lang="en-US" sz="900" dirty="0" smtClean="0">
-                  <a:latin typeface="Courier New" panose="02070309020205020404" pitchFamily="49" charset="0"/>
-                  <a:cs typeface="Courier New" panose="02070309020205020404" pitchFamily="49" charset="0"/>
-                </a:rPr>
-                <a:t>;</a:t>
-              </a:r>
-            </a:p>
-            <a:p>
-              <a:endParaRPr lang="en-US" sz="900" dirty="0" smtClean="0">
-                <a:latin typeface="Courier New" panose="02070309020205020404" pitchFamily="49" charset="0"/>
-                <a:cs typeface="Courier New" panose="02070309020205020404" pitchFamily="49" charset="0"/>
-              </a:endParaRPr>
-            </a:p>
-            <a:p>
-              <a:endParaRPr lang="en-US" sz="900" dirty="0" smtClean="0">
-                <a:latin typeface="Courier New" panose="02070309020205020404" pitchFamily="49" charset="0"/>
-                <a:cs typeface="Courier New" panose="02070309020205020404" pitchFamily="49" charset="0"/>
-              </a:endParaRPr>
-            </a:p>
-            <a:p>
-              <a:endParaRPr lang="en-US" sz="900" dirty="0" smtClean="0">
-                <a:latin typeface="Courier New" panose="02070309020205020404" pitchFamily="49" charset="0"/>
-                <a:cs typeface="Courier New" panose="02070309020205020404" pitchFamily="49" charset="0"/>
-              </a:endParaRPr>
             </a:p>
             <a:p>
               <a:endParaRPr lang="en-US" sz="900" dirty="0">
@@ -11742,10 +12619,27 @@
               </a:endParaRPr>
             </a:p>
             <a:p>
-              <a:endParaRPr lang="en-US" sz="900" dirty="0" smtClean="0">
-                <a:latin typeface="Courier New" panose="02070309020205020404" pitchFamily="49" charset="0"/>
-                <a:cs typeface="Courier New" panose="02070309020205020404" pitchFamily="49" charset="0"/>
-              </a:endParaRPr>
+              <a:r>
+                <a:rPr lang="en-US" sz="900" dirty="0">
+                  <a:latin typeface="Courier New" panose="02070309020205020404" pitchFamily="49" charset="0"/>
+                  <a:cs typeface="Courier New" panose="02070309020205020404" pitchFamily="49" charset="0"/>
+                </a:rPr>
+                <a:t>SELECT * FROM </a:t>
+              </a:r>
+              <a:r>
+                <a:rPr lang="en-US" sz="900" dirty="0" err="1">
+                  <a:latin typeface="Courier New" panose="02070309020205020404" pitchFamily="49" charset="0"/>
+                  <a:cs typeface="Courier New" panose="02070309020205020404" pitchFamily="49" charset="0"/>
+                </a:rPr>
+                <a:t>shipping_zone</a:t>
+              </a:r>
+              <a:r>
+                <a:rPr lang="en-US" sz="900" dirty="0">
+                  <a:latin typeface="Courier New" panose="02070309020205020404" pitchFamily="49" charset="0"/>
+                  <a:cs typeface="Courier New" panose="02070309020205020404" pitchFamily="49" charset="0"/>
+                </a:rPr>
+                <a:t>;</a:t>
+              </a:r>
             </a:p>
             <a:p>
               <a:endParaRPr lang="en-US" sz="900" dirty="0">
@@ -11754,75 +12648,105 @@
               </a:endParaRPr>
             </a:p>
             <a:p>
-              <a:endParaRPr lang="en-US" sz="900" dirty="0" smtClean="0">
-                <a:latin typeface="+mn-lt"/>
-                <a:cs typeface="Courier New" panose="02070309020205020404" pitchFamily="49" charset="0"/>
-              </a:endParaRPr>
-            </a:p>
-            <a:p>
-              <a:endParaRPr lang="en-US" sz="900" dirty="0" smtClean="0">
-                <a:latin typeface="+mn-lt"/>
-                <a:cs typeface="Courier New" panose="02070309020205020404" pitchFamily="49" charset="0"/>
-              </a:endParaRPr>
-            </a:p>
-            <a:p>
-              <a:r>
-                <a:rPr lang="en-US" sz="900" dirty="0" smtClean="0">
-                  <a:latin typeface="+mn-lt"/>
-                  <a:cs typeface="Courier New" panose="02070309020205020404" pitchFamily="49" charset="0"/>
-                </a:rPr>
-                <a:t>2. Get </a:t>
-              </a:r>
-              <a:r>
-                <a:rPr lang="en-US" sz="900" i="1" dirty="0" smtClean="0">
-                  <a:latin typeface="+mn-lt"/>
-                  <a:cs typeface="Courier New" panose="02070309020205020404" pitchFamily="49" charset="0"/>
-                </a:rPr>
-                <a:t>id</a:t>
-              </a:r>
-              <a:r>
-                <a:rPr lang="en-US" sz="900" dirty="0" smtClean="0">
-                  <a:latin typeface="+mn-lt"/>
-                  <a:cs typeface="Courier New" panose="02070309020205020404" pitchFamily="49" charset="0"/>
-                </a:rPr>
-                <a:t> and </a:t>
-              </a:r>
-              <a:r>
-                <a:rPr lang="en-US" sz="900" i="1" dirty="0" smtClean="0">
-                  <a:latin typeface="+mn-lt"/>
-                  <a:cs typeface="Courier New" panose="02070309020205020404" pitchFamily="49" charset="0"/>
-                </a:rPr>
-                <a:t>description</a:t>
-              </a:r>
-              <a:r>
-                <a:rPr lang="en-US" sz="900" dirty="0">
-                  <a:latin typeface="+mn-lt"/>
-                  <a:cs typeface="Courier New" panose="02070309020205020404" pitchFamily="49" charset="0"/>
-                </a:rPr>
-                <a:t> from </a:t>
-              </a:r>
-              <a:r>
-                <a:rPr lang="en-US" sz="900" i="1" dirty="0" smtClean="0">
-                  <a:latin typeface="+mn-lt"/>
-                  <a:cs typeface="Courier New" panose="02070309020205020404" pitchFamily="49" charset="0"/>
-                </a:rPr>
-                <a:t>States</a:t>
-              </a:r>
-              <a:r>
-                <a:rPr lang="en-US" sz="900" dirty="0" smtClean="0">
-                  <a:latin typeface="+mn-lt"/>
-                  <a:cs typeface="Courier New" panose="02070309020205020404" pitchFamily="49" charset="0"/>
-                </a:rPr>
-                <a:t> of Central Shipping Zone (CT).</a:t>
-              </a:r>
-            </a:p>
-            <a:p>
               <a:endParaRPr lang="en-US" sz="900" dirty="0">
                 <a:latin typeface="Courier New" panose="02070309020205020404" pitchFamily="49" charset="0"/>
                 <a:cs typeface="Courier New" panose="02070309020205020404" pitchFamily="49" charset="0"/>
               </a:endParaRPr>
             </a:p>
             <a:p>
+              <a:endParaRPr lang="en-US" sz="900" dirty="0">
+                <a:latin typeface="Courier New" panose="02070309020205020404" pitchFamily="49" charset="0"/>
+                <a:cs typeface="Courier New" panose="02070309020205020404" pitchFamily="49" charset="0"/>
+              </a:endParaRPr>
+            </a:p>
+            <a:p>
+              <a:endParaRPr lang="en-US" sz="900" dirty="0">
+                <a:latin typeface="Courier New" panose="02070309020205020404" pitchFamily="49" charset="0"/>
+                <a:cs typeface="Courier New" panose="02070309020205020404" pitchFamily="49" charset="0"/>
+              </a:endParaRPr>
+            </a:p>
+            <a:p>
+              <a:endParaRPr lang="en-US" sz="900" dirty="0">
+                <a:latin typeface="Courier New" panose="02070309020205020404" pitchFamily="49" charset="0"/>
+                <a:cs typeface="Courier New" panose="02070309020205020404" pitchFamily="49" charset="0"/>
+              </a:endParaRPr>
+            </a:p>
+            <a:p>
+              <a:endParaRPr lang="en-US" sz="900" dirty="0">
+                <a:latin typeface="Courier New" panose="02070309020205020404" pitchFamily="49" charset="0"/>
+                <a:cs typeface="Courier New" panose="02070309020205020404" pitchFamily="49" charset="0"/>
+              </a:endParaRPr>
+            </a:p>
+            <a:p>
+              <a:endParaRPr lang="en-US" sz="900" dirty="0">
+                <a:latin typeface="+mn-lt"/>
+                <a:cs typeface="Courier New" panose="02070309020205020404" pitchFamily="49" charset="0"/>
+              </a:endParaRPr>
+            </a:p>
+            <a:p>
+              <a:endParaRPr lang="en-US" sz="900" dirty="0">
+                <a:latin typeface="+mn-lt"/>
+                <a:cs typeface="Courier New" panose="02070309020205020404" pitchFamily="49" charset="0"/>
+              </a:endParaRPr>
+            </a:p>
+            <a:p>
+              <a:r>
+                <a:rPr lang="en-US" sz="900" dirty="0">
+                  <a:latin typeface="+mn-lt"/>
+                  <a:cs typeface="Courier New" panose="02070309020205020404" pitchFamily="49" charset="0"/>
+                </a:rPr>
+                <a:t>2. Get </a:t>
+              </a:r>
+              <a:r>
+                <a:rPr lang="en-US" sz="900" i="1" dirty="0">
+                  <a:latin typeface="+mn-lt"/>
+                  <a:cs typeface="Courier New" panose="02070309020205020404" pitchFamily="49" charset="0"/>
+                </a:rPr>
+                <a:t>id</a:t>
+              </a:r>
+              <a:r>
+                <a:rPr lang="en-US" sz="900" dirty="0">
+                  <a:latin typeface="+mn-lt"/>
+                  <a:cs typeface="Courier New" panose="02070309020205020404" pitchFamily="49" charset="0"/>
+                </a:rPr>
+                <a:t> and </a:t>
+              </a:r>
+              <a:r>
+                <a:rPr lang="en-US" sz="900" i="1" dirty="0">
+                  <a:latin typeface="+mn-lt"/>
+                  <a:cs typeface="Courier New" panose="02070309020205020404" pitchFamily="49" charset="0"/>
+                </a:rPr>
+                <a:t>description</a:t>
+              </a:r>
+              <a:r>
+                <a:rPr lang="en-US" sz="900" dirty="0">
+                  <a:latin typeface="+mn-lt"/>
+                  <a:cs typeface="Courier New" panose="02070309020205020404" pitchFamily="49" charset="0"/>
+                </a:rPr>
+                <a:t> from </a:t>
+              </a:r>
+              <a:r>
+                <a:rPr lang="en-US" sz="900" i="1" dirty="0">
+                  <a:latin typeface="+mn-lt"/>
+                  <a:cs typeface="Courier New" panose="02070309020205020404" pitchFamily="49" charset="0"/>
+                </a:rPr>
+                <a:t>States</a:t>
+              </a:r>
+              <a:r>
+                <a:rPr lang="en-US" sz="900" dirty="0">
+                  <a:latin typeface="+mn-lt"/>
+                  <a:cs typeface="Courier New" panose="02070309020205020404" pitchFamily="49" charset="0"/>
+                </a:rPr>
+                <a:t> of Central Shipping Zone (CT).</a:t>
+              </a:r>
+            </a:p>
+            <a:p>
+              <a:endParaRPr lang="en-US" sz="900" dirty="0">
+                <a:latin typeface="Courier New" panose="02070309020205020404" pitchFamily="49" charset="0"/>
+                <a:cs typeface="Courier New" panose="02070309020205020404" pitchFamily="49" charset="0"/>
+              </a:endParaRPr>
+            </a:p>
+            <a:p>
               <a:r>
                 <a:rPr lang="en-US" sz="900" dirty="0">
                   <a:latin typeface="Courier New" panose="02070309020205020404" pitchFamily="49" charset="0"/>
@@ -11874,14 +12798,7 @@
                   <a:latin typeface="Courier New" panose="02070309020205020404" pitchFamily="49" charset="0"/>
                   <a:cs typeface="Courier New" panose="02070309020205020404" pitchFamily="49" charset="0"/>
                 </a:rPr>
-                <a:t> = 'CT</a:t>
-              </a:r>
-              <a:r>
-                <a:rPr lang="en-US" sz="900" dirty="0" smtClean="0">
-                  <a:latin typeface="Courier New" panose="02070309020205020404" pitchFamily="49" charset="0"/>
-                  <a:cs typeface="Courier New" panose="02070309020205020404" pitchFamily="49" charset="0"/>
-                </a:rPr>
-                <a:t>';</a:t>
+                <a:t> = 'CT';</a:t>
               </a:r>
             </a:p>
             <a:p>
@@ -11891,131 +12808,110 @@
               </a:endParaRPr>
             </a:p>
             <a:p>
-              <a:endParaRPr lang="en-US" sz="900" dirty="0" smtClean="0">
-                <a:latin typeface="Courier New" panose="02070309020205020404" pitchFamily="49" charset="0"/>
-                <a:cs typeface="Courier New" panose="02070309020205020404" pitchFamily="49" charset="0"/>
-              </a:endParaRPr>
-            </a:p>
-            <a:p>
               <a:endParaRPr lang="en-US" sz="900" dirty="0">
                 <a:latin typeface="Courier New" panose="02070309020205020404" pitchFamily="49" charset="0"/>
                 <a:cs typeface="Courier New" panose="02070309020205020404" pitchFamily="49" charset="0"/>
               </a:endParaRPr>
             </a:p>
             <a:p>
-              <a:endParaRPr lang="en-US" sz="900" dirty="0" smtClean="0">
-                <a:latin typeface="Courier New" panose="02070309020205020404" pitchFamily="49" charset="0"/>
-                <a:cs typeface="Courier New" panose="02070309020205020404" pitchFamily="49" charset="0"/>
-              </a:endParaRPr>
-            </a:p>
-            <a:p>
               <a:endParaRPr lang="en-US" sz="900" dirty="0">
                 <a:latin typeface="Courier New" panose="02070309020205020404" pitchFamily="49" charset="0"/>
                 <a:cs typeface="Courier New" panose="02070309020205020404" pitchFamily="49" charset="0"/>
               </a:endParaRPr>
             </a:p>
             <a:p>
-              <a:endParaRPr lang="en-US" sz="900" dirty="0" smtClean="0">
-                <a:latin typeface="Courier New" panose="02070309020205020404" pitchFamily="49" charset="0"/>
-                <a:cs typeface="Courier New" panose="02070309020205020404" pitchFamily="49" charset="0"/>
-              </a:endParaRPr>
-            </a:p>
-            <a:p>
               <a:endParaRPr lang="en-US" sz="900" dirty="0">
                 <a:latin typeface="Courier New" panose="02070309020205020404" pitchFamily="49" charset="0"/>
                 <a:cs typeface="Courier New" panose="02070309020205020404" pitchFamily="49" charset="0"/>
               </a:endParaRPr>
             </a:p>
             <a:p>
-              <a:endParaRPr lang="en-US" sz="900" dirty="0" smtClean="0">
-                <a:latin typeface="Courier New" panose="02070309020205020404" pitchFamily="49" charset="0"/>
-                <a:cs typeface="Courier New" panose="02070309020205020404" pitchFamily="49" charset="0"/>
-              </a:endParaRPr>
-            </a:p>
-            <a:p>
-              <a:endParaRPr lang="en-US" sz="900" dirty="0" smtClean="0">
-                <a:latin typeface="Courier New" panose="02070309020205020404" pitchFamily="49" charset="0"/>
-                <a:cs typeface="Courier New" panose="02070309020205020404" pitchFamily="49" charset="0"/>
-              </a:endParaRPr>
-            </a:p>
-            <a:p>
               <a:endParaRPr lang="en-US" sz="900" dirty="0">
                 <a:latin typeface="Courier New" panose="02070309020205020404" pitchFamily="49" charset="0"/>
                 <a:cs typeface="Courier New" panose="02070309020205020404" pitchFamily="49" charset="0"/>
               </a:endParaRPr>
             </a:p>
             <a:p>
-              <a:r>
-                <a:rPr lang="en-US" sz="900" dirty="0" smtClean="0">
-                  <a:cs typeface="Courier New" panose="02070309020205020404" pitchFamily="49" charset="0"/>
-                </a:rPr>
-                <a:t>3. </a:t>
-              </a:r>
-              <a:r>
-                <a:rPr lang="en-US" sz="900" dirty="0">
-                  <a:cs typeface="Courier New" panose="02070309020205020404" pitchFamily="49" charset="0"/>
-                </a:rPr>
-                <a:t>Get </a:t>
-              </a:r>
-              <a:r>
-                <a:rPr lang="en-US" sz="900" i="1" dirty="0" smtClean="0">
-                  <a:cs typeface="Courier New" panose="02070309020205020404" pitchFamily="49" charset="0"/>
-                </a:rPr>
-                <a:t>Cities</a:t>
-              </a:r>
-              <a:r>
-                <a:rPr lang="en-US" sz="900" dirty="0" smtClean="0">
-                  <a:cs typeface="Courier New" panose="02070309020205020404" pitchFamily="49" charset="0"/>
-                </a:rPr>
-                <a:t> with </a:t>
-              </a:r>
-              <a:r>
-                <a:rPr lang="en-US" sz="900" i="1" dirty="0" smtClean="0">
-                  <a:cs typeface="Courier New" panose="02070309020205020404" pitchFamily="49" charset="0"/>
-                </a:rPr>
-                <a:t>id </a:t>
-              </a:r>
-              <a:r>
-                <a:rPr lang="en-US" sz="900" dirty="0" smtClean="0">
-                  <a:cs typeface="Courier New" panose="02070309020205020404" pitchFamily="49" charset="0"/>
-                </a:rPr>
-                <a:t>less than 150 and </a:t>
-              </a:r>
-              <a:r>
-                <a:rPr lang="en-US" sz="900" i="1" dirty="0" err="1" smtClean="0">
-                  <a:cs typeface="Courier New" panose="02070309020205020404" pitchFamily="49" charset="0"/>
-                </a:rPr>
-                <a:t>state_id</a:t>
-              </a:r>
-              <a:r>
-                <a:rPr lang="en-US" sz="900" dirty="0" smtClean="0">
-                  <a:cs typeface="Courier New" panose="02070309020205020404" pitchFamily="49" charset="0"/>
-                </a:rPr>
-                <a:t> </a:t>
-              </a:r>
-              <a:r>
-                <a:rPr lang="en-US" sz="900" dirty="0">
-                  <a:cs typeface="Courier New" panose="02070309020205020404" pitchFamily="49" charset="0"/>
-                </a:rPr>
-                <a:t>greater than </a:t>
-              </a:r>
-              <a:r>
-                <a:rPr lang="en-US" sz="900" dirty="0" smtClean="0">
-                  <a:cs typeface="Courier New" panose="02070309020205020404" pitchFamily="49" charset="0"/>
-                </a:rPr>
-                <a:t>15.</a:t>
-              </a:r>
-              <a:endParaRPr lang="en-US" sz="900" dirty="0">
-                <a:cs typeface="Courier New" panose="02070309020205020404" pitchFamily="49" charset="0"/>
-              </a:endParaRPr>
-            </a:p>
-            <a:p>
               <a:endParaRPr lang="en-US" sz="900" dirty="0">
                 <a:latin typeface="Courier New" panose="02070309020205020404" pitchFamily="49" charset="0"/>
                 <a:cs typeface="Courier New" panose="02070309020205020404" pitchFamily="49" charset="0"/>
               </a:endParaRPr>
             </a:p>
             <a:p>
+              <a:endParaRPr lang="en-US" sz="900" dirty="0">
+                <a:latin typeface="Courier New" panose="02070309020205020404" pitchFamily="49" charset="0"/>
+                <a:cs typeface="Courier New" panose="02070309020205020404" pitchFamily="49" charset="0"/>
+              </a:endParaRPr>
+            </a:p>
+            <a:p>
+              <a:endParaRPr lang="en-US" sz="900" dirty="0">
+                <a:latin typeface="Courier New" panose="02070309020205020404" pitchFamily="49" charset="0"/>
+                <a:cs typeface="Courier New" panose="02070309020205020404" pitchFamily="49" charset="0"/>
+              </a:endParaRPr>
+            </a:p>
+            <a:p>
+              <a:endParaRPr lang="en-US" sz="900" dirty="0">
+                <a:latin typeface="Courier New" panose="02070309020205020404" pitchFamily="49" charset="0"/>
+                <a:cs typeface="Courier New" panose="02070309020205020404" pitchFamily="49" charset="0"/>
+              </a:endParaRPr>
+            </a:p>
+            <a:p>
+              <a:endParaRPr lang="en-US" sz="900" dirty="0">
+                <a:latin typeface="Courier New" panose="02070309020205020404" pitchFamily="49" charset="0"/>
+                <a:cs typeface="Courier New" panose="02070309020205020404" pitchFamily="49" charset="0"/>
+              </a:endParaRPr>
+            </a:p>
+            <a:p>
+              <a:r>
+                <a:rPr lang="en-US" sz="900" dirty="0">
+                  <a:cs typeface="Courier New" panose="02070309020205020404" pitchFamily="49" charset="0"/>
+                </a:rPr>
+                <a:t>3. Get </a:t>
+              </a:r>
+              <a:r>
+                <a:rPr lang="en-US" sz="900" i="1" dirty="0">
+                  <a:cs typeface="Courier New" panose="02070309020205020404" pitchFamily="49" charset="0"/>
+                </a:rPr>
+                <a:t>Cities</a:t>
+              </a:r>
+              <a:r>
+                <a:rPr lang="en-US" sz="900" dirty="0">
+                  <a:cs typeface="Courier New" panose="02070309020205020404" pitchFamily="49" charset="0"/>
+                </a:rPr>
+                <a:t> with </a:t>
+              </a:r>
+              <a:r>
+                <a:rPr lang="en-US" sz="900" i="1" dirty="0">
+                  <a:cs typeface="Courier New" panose="02070309020205020404" pitchFamily="49" charset="0"/>
+                </a:rPr>
+                <a:t>id </a:t>
+              </a:r>
+              <a:r>
+                <a:rPr lang="en-US" sz="900" dirty="0">
+                  <a:cs typeface="Courier New" panose="02070309020205020404" pitchFamily="49" charset="0"/>
+                </a:rPr>
+                <a:t>less than 150 and </a:t>
+              </a:r>
+              <a:r>
+                <a:rPr lang="en-US" sz="900" i="1" dirty="0" err="1">
+                  <a:cs typeface="Courier New" panose="02070309020205020404" pitchFamily="49" charset="0"/>
+                </a:rPr>
+                <a:t>state_id</a:t>
+              </a:r>
+              <a:r>
+                <a:rPr lang="en-US" sz="900" dirty="0">
+                  <a:cs typeface="Courier New" panose="02070309020205020404" pitchFamily="49" charset="0"/>
+                </a:rPr>
+                <a:t> greater than 15.</a:t>
+              </a:r>
+            </a:p>
+            <a:p>
+              <a:endParaRPr lang="en-US" sz="900" dirty="0">
+                <a:latin typeface="Courier New" panose="02070309020205020404" pitchFamily="49" charset="0"/>
+                <a:cs typeface="Courier New" panose="02070309020205020404" pitchFamily="49" charset="0"/>
+              </a:endParaRPr>
+            </a:p>
+            <a:p>
               <a:r>
                 <a:rPr lang="en-US" sz="900" dirty="0">
                   <a:latin typeface="Courier New" panose="02070309020205020404" pitchFamily="49" charset="0"/>
@@ -12076,51 +12972,11 @@
                   <a:latin typeface="Courier New" panose="02070309020205020404" pitchFamily="49" charset="0"/>
                   <a:cs typeface="Courier New" panose="02070309020205020404" pitchFamily="49" charset="0"/>
                 </a:rPr>
-                <a:t> &gt; </a:t>
-              </a:r>
-              <a:r>
-                <a:rPr lang="en-US" sz="900" dirty="0" smtClean="0">
-                  <a:latin typeface="Courier New" panose="02070309020205020404" pitchFamily="49" charset="0"/>
-                  <a:cs typeface="Courier New" panose="02070309020205020404" pitchFamily="49" charset="0"/>
-                </a:rPr>
-                <a:t>15;</a:t>
-              </a:r>
-              <a:endParaRPr lang="en-US" sz="900" dirty="0">
-                <a:latin typeface="Courier New" panose="02070309020205020404" pitchFamily="49" charset="0"/>
-                <a:cs typeface="Courier New" panose="02070309020205020404" pitchFamily="49" charset="0"/>
-              </a:endParaRPr>
+                <a:t> &gt; 15;</a:t>
+              </a:r>
             </a:p>
           </p:txBody>
         </p:sp>
-        <p:pic>
-          <p:nvPicPr>
-            <p:cNvPr id="5" name="Picture 4"/>
-            <p:cNvPicPr>
-              <a:picLocks noChangeAspect="1"/>
-            </p:cNvPicPr>
-            <p:nvPr/>
-          </p:nvPicPr>
-          <p:blipFill>
-            <a:blip r:embed="rId2"/>
-            <a:stretch>
-              <a:fillRect/>
-            </a:stretch>
-          </p:blipFill>
-          <p:spPr>
-            <a:xfrm>
-              <a:off x="4788024" y="1406673"/>
-              <a:ext cx="3765301" cy="699517"/>
-            </a:xfrm>
-            <a:prstGeom prst="rect">
-              <a:avLst/>
-            </a:prstGeom>
-            <a:ln>
-              <a:solidFill>
-                <a:srgbClr val="318ABE"/>
-              </a:solidFill>
-            </a:ln>
-          </p:spPr>
-        </p:pic>
         <p:pic>
           <p:nvPicPr>
             <p:cNvPr id="11" name="Picture 10"/>
@@ -12130,7 +12986,7 @@
             <p:nvPr/>
           </p:nvPicPr>
           <p:blipFill>
-            <a:blip r:embed="rId3"/>
+            <a:blip r:embed="rId2"/>
             <a:stretch>
               <a:fillRect/>
             </a:stretch>
@@ -12159,7 +13015,7 @@
             <p:nvPr/>
           </p:nvPicPr>
           <p:blipFill>
-            <a:blip r:embed="rId4"/>
+            <a:blip r:embed="rId3"/>
             <a:stretch>
               <a:fillRect/>
             </a:stretch>
@@ -12179,6 +13035,35 @@
             </a:ln>
           </p:spPr>
         </p:pic>
+        <p:pic>
+          <p:nvPicPr>
+            <p:cNvPr id="9" name="Picture 8"/>
+            <p:cNvPicPr>
+              <a:picLocks noChangeAspect="1"/>
+            </p:cNvPicPr>
+            <p:nvPr/>
+          </p:nvPicPr>
+          <p:blipFill>
+            <a:blip r:embed="rId4"/>
+            <a:stretch>
+              <a:fillRect/>
+            </a:stretch>
+          </p:blipFill>
+          <p:spPr>
+            <a:xfrm>
+              <a:off x="4767437" y="1412776"/>
+              <a:ext cx="3909020" cy="690335"/>
+            </a:xfrm>
+            <a:prstGeom prst="rect">
+              <a:avLst/>
+            </a:prstGeom>
+            <a:ln>
+              <a:solidFill>
+                <a:srgbClr val="276B9B"/>
+              </a:solidFill>
+            </a:ln>
+          </p:spPr>
+        </p:pic>
       </p:grpSp>
     </p:spTree>
     <p:extLst>
@@ -12190,13 +13075,6 @@
   <p:clrMapOvr>
     <a:masterClrMapping/>
   </p:clrMapOvr>
-  <p:timing>
-    <p:tnLst>
-      <p:par>
-        <p:cTn id="1" dur="indefinite" restart="never" nodeType="tmRoot"/>
-      </p:par>
-    </p:tnLst>
-  </p:timing>
 </p:sld>
 </file>
 
@@ -12239,19 +13117,19 @@
           <a:p>
             <a:pPr algn="l"/>
             <a:r>
-              <a:rPr lang="es-419" sz="2400" dirty="0" err="1" smtClean="0">
+              <a:rPr lang="es-419" sz="2400" dirty="0" err="1">
                 <a:latin typeface="+mn-lt"/>
               </a:rPr>
               <a:t>Query</a:t>
             </a:r>
             <a:r>
-              <a:rPr lang="es-419" sz="2400" dirty="0" smtClean="0">
+              <a:rPr lang="es-419" sz="2400" dirty="0">
                 <a:latin typeface="+mn-lt"/>
               </a:rPr>
               <a:t> Basic </a:t>
             </a:r>
             <a:r>
-              <a:rPr lang="es-419" sz="2400" dirty="0" err="1" smtClean="0">
+              <a:rPr lang="es-419" sz="2400" dirty="0" err="1">
                 <a:latin typeface="+mn-lt"/>
               </a:rPr>
               <a:t>Structure</a:t>
@@ -12325,16 +13203,8 @@
           <a:lstStyle/>
           <a:p>
             <a:r>
-              <a:rPr lang="es-MX" sz="1100" b="1" dirty="0" smtClean="0"/>
-              <a:t>FIELD </a:t>
-            </a:r>
-            <a:r>
               <a:rPr lang="es-MX" sz="1100" b="1" dirty="0"/>
-              <a:t>CONTENT </a:t>
-            </a:r>
-            <a:r>
-              <a:rPr lang="es-MX" sz="1100" b="1" dirty="0" smtClean="0"/>
-              <a:t>SEARCH:</a:t>
+              <a:t>FIELD CONTENT SEARCH:</a:t>
             </a:r>
           </a:p>
           <a:p>
@@ -12350,700 +13220,27 @@
               <a:rPr lang="es-MX" sz="1100" dirty="0"/>
               <a:t> '%' and NULL.</a:t>
             </a:r>
-            <a:endParaRPr lang="es-MX" sz="1100" dirty="0" smtClean="0"/>
-          </a:p>
-          <a:p>
-            <a:endParaRPr lang="es-MX" sz="1100" dirty="0" smtClean="0"/>
+          </a:p>
+          <a:p>
+            <a:endParaRPr lang="es-MX" sz="1100" dirty="0"/>
           </a:p>
           <a:p>
             <a:r>
               <a:rPr lang="es-MX" sz="1100" b="1" dirty="0"/>
-              <a:t>RANGE SEARCH </a:t>
-            </a:r>
-            <a:r>
-              <a:rPr lang="es-MX" sz="1100" b="1" dirty="0" smtClean="0"/>
-              <a:t> </a:t>
-            </a:r>
-            <a:endParaRPr lang="es-MX" sz="1100" b="1" dirty="0"/>
-          </a:p>
-          <a:p>
-            <a:r>
-              <a:rPr lang="es-MX" sz="1100" dirty="0" smtClean="0"/>
+              <a:t>RANGE SEARCH  </a:t>
+            </a:r>
+          </a:p>
+          <a:p>
+            <a:r>
+              <a:rPr lang="es-MX" sz="1100" dirty="0"/>
               <a:t>BETWEEN – AND , IN ( )</a:t>
             </a:r>
+          </a:p>
+          <a:p>
             <a:endParaRPr lang="es-MX" sz="1100" dirty="0"/>
-          </a:p>
-          <a:p>
-            <a:endParaRPr lang="es-MX" sz="1100" dirty="0" smtClean="0"/>
           </a:p>
         </p:txBody>
       </p:sp>
-      <p:grpSp>
-        <p:nvGrpSpPr>
-          <p:cNvPr id="3" name="Group 2"/>
-          <p:cNvGrpSpPr/>
-          <p:nvPr/>
-        </p:nvGrpSpPr>
-        <p:grpSpPr>
-          <a:xfrm>
-            <a:off x="395536" y="1197907"/>
-            <a:ext cx="4680520" cy="4247317"/>
-            <a:chOff x="395536" y="1197907"/>
-            <a:chExt cx="4680520" cy="4247317"/>
-          </a:xfrm>
-        </p:grpSpPr>
-        <p:sp>
-          <p:nvSpPr>
-            <p:cNvPr id="8" name="TextBox 7"/>
-            <p:cNvSpPr txBox="1"/>
-            <p:nvPr/>
-          </p:nvSpPr>
-          <p:spPr>
-            <a:xfrm>
-              <a:off x="395536" y="1197907"/>
-              <a:ext cx="4680520" cy="4247317"/>
-            </a:xfrm>
-            <a:prstGeom prst="rect">
-              <a:avLst/>
-            </a:prstGeom>
-            <a:noFill/>
-          </p:spPr>
-          <p:txBody>
-            <a:bodyPr wrap="square" rtlCol="0">
-              <a:spAutoFit/>
-            </a:bodyPr>
-            <a:lstStyle/>
-            <a:p>
-              <a:r>
-                <a:rPr lang="en-US" sz="900" dirty="0" smtClean="0">
-                  <a:latin typeface="+mn-lt"/>
-                  <a:cs typeface="Courier New" panose="02070309020205020404" pitchFamily="49" charset="0"/>
-                </a:rPr>
-                <a:t>4. Get all </a:t>
-              </a:r>
-              <a:r>
-                <a:rPr lang="en-US" sz="900" i="1" dirty="0" smtClean="0">
-                  <a:latin typeface="+mn-lt"/>
-                  <a:cs typeface="Courier New" panose="02070309020205020404" pitchFamily="49" charset="0"/>
-                </a:rPr>
-                <a:t>States</a:t>
-              </a:r>
-              <a:r>
-                <a:rPr lang="en-US" sz="900" dirty="0" smtClean="0">
-                  <a:latin typeface="+mn-lt"/>
-                  <a:cs typeface="Courier New" panose="02070309020205020404" pitchFamily="49" charset="0"/>
-                </a:rPr>
-                <a:t> </a:t>
-              </a:r>
-              <a:r>
-                <a:rPr lang="en-US" sz="900" dirty="0" err="1" smtClean="0">
-                  <a:latin typeface="+mn-lt"/>
-                  <a:cs typeface="Courier New" panose="02070309020205020404" pitchFamily="49" charset="0"/>
-                </a:rPr>
-                <a:t>containin</a:t>
-              </a:r>
-              <a:r>
-                <a:rPr lang="es-419" sz="900" dirty="0" smtClean="0">
-                  <a:latin typeface="+mn-lt"/>
-                  <a:cs typeface="Courier New" panose="02070309020205020404" pitchFamily="49" charset="0"/>
-                </a:rPr>
-                <a:t>g</a:t>
-              </a:r>
-              <a:r>
-                <a:rPr lang="en-US" sz="900" dirty="0" smtClean="0">
-                  <a:latin typeface="+mn-lt"/>
-                  <a:cs typeface="Courier New" panose="02070309020205020404" pitchFamily="49" charset="0"/>
-                </a:rPr>
-                <a:t> </a:t>
-              </a:r>
-              <a:r>
-                <a:rPr lang="es-419" sz="900" dirty="0" smtClean="0">
-                  <a:cs typeface="Courier New" panose="02070309020205020404" pitchFamily="49" charset="0"/>
-                </a:rPr>
-                <a:t>“</a:t>
-              </a:r>
-              <a:r>
-                <a:rPr lang="en-US" sz="900" dirty="0" err="1" smtClean="0">
-                  <a:cs typeface="Courier New" panose="02070309020205020404" pitchFamily="49" charset="0"/>
-                </a:rPr>
-                <a:t>ch</a:t>
-              </a:r>
-              <a:r>
-                <a:rPr lang="es-419" sz="900" dirty="0" smtClean="0">
-                  <a:cs typeface="Courier New" panose="02070309020205020404" pitchFamily="49" charset="0"/>
-                </a:rPr>
-                <a:t>”</a:t>
-              </a:r>
-              <a:r>
-                <a:rPr lang="en-US" sz="900" dirty="0" smtClean="0">
-                  <a:cs typeface="Courier New" panose="02070309020205020404" pitchFamily="49" charset="0"/>
-                </a:rPr>
-                <a:t> </a:t>
-              </a:r>
-              <a:r>
-                <a:rPr lang="en-US" sz="900" dirty="0" smtClean="0">
-                  <a:latin typeface="+mn-lt"/>
-                  <a:cs typeface="Courier New" panose="02070309020205020404" pitchFamily="49" charset="0"/>
-                </a:rPr>
-                <a:t>as description</a:t>
-              </a:r>
-              <a:r>
-                <a:rPr lang="es-419" sz="900" dirty="0" smtClean="0">
-                  <a:latin typeface="+mn-lt"/>
-                  <a:cs typeface="Courier New" panose="02070309020205020404" pitchFamily="49" charset="0"/>
-                </a:rPr>
-                <a:t> </a:t>
-              </a:r>
-              <a:r>
-                <a:rPr lang="es-419" sz="900" dirty="0" err="1" smtClean="0">
-                  <a:latin typeface="+mn-lt"/>
-                  <a:cs typeface="Courier New" panose="02070309020205020404" pitchFamily="49" charset="0"/>
-                </a:rPr>
-                <a:t>or</a:t>
-              </a:r>
-              <a:r>
-                <a:rPr lang="es-419" sz="900" dirty="0" smtClean="0">
-                  <a:latin typeface="+mn-lt"/>
-                  <a:cs typeface="Courier New" panose="02070309020205020404" pitchFamily="49" charset="0"/>
-                </a:rPr>
-                <a:t> </a:t>
-              </a:r>
-              <a:r>
-                <a:rPr lang="es-419" sz="900" i="1" dirty="0" err="1" smtClean="0">
-                  <a:latin typeface="+mn-lt"/>
-                  <a:cs typeface="Courier New" panose="02070309020205020404" pitchFamily="49" charset="0"/>
-                </a:rPr>
-                <a:t>state_id</a:t>
-              </a:r>
-              <a:r>
-                <a:rPr lang="es-419" sz="900" dirty="0" smtClean="0">
-                  <a:latin typeface="+mn-lt"/>
-                  <a:cs typeface="Courier New" panose="02070309020205020404" pitchFamily="49" charset="0"/>
-                </a:rPr>
-                <a:t> </a:t>
-              </a:r>
-              <a:r>
-                <a:rPr lang="es-419" sz="900" dirty="0" err="1" smtClean="0">
-                  <a:latin typeface="+mn-lt"/>
-                  <a:cs typeface="Courier New" panose="02070309020205020404" pitchFamily="49" charset="0"/>
-                </a:rPr>
-                <a:t>between</a:t>
-              </a:r>
-              <a:r>
-                <a:rPr lang="es-419" sz="900" dirty="0" smtClean="0">
-                  <a:latin typeface="+mn-lt"/>
-                  <a:cs typeface="Courier New" panose="02070309020205020404" pitchFamily="49" charset="0"/>
-                </a:rPr>
-                <a:t> 1 and 10</a:t>
-              </a:r>
-              <a:r>
-                <a:rPr lang="en-US" sz="900" dirty="0" smtClean="0">
-                  <a:latin typeface="+mn-lt"/>
-                  <a:cs typeface="Courier New" panose="02070309020205020404" pitchFamily="49" charset="0"/>
-                </a:rPr>
-                <a:t>.</a:t>
-              </a:r>
-            </a:p>
-            <a:p>
-              <a:endParaRPr lang="en-US" sz="900" dirty="0" smtClean="0">
-                <a:latin typeface="Courier New" panose="02070309020205020404" pitchFamily="49" charset="0"/>
-                <a:cs typeface="Courier New" panose="02070309020205020404" pitchFamily="49" charset="0"/>
-              </a:endParaRPr>
-            </a:p>
-            <a:p>
-              <a:r>
-                <a:rPr lang="en-US" sz="900" dirty="0">
-                  <a:latin typeface="Courier New" panose="02070309020205020404" pitchFamily="49" charset="0"/>
-                  <a:cs typeface="Courier New" panose="02070309020205020404" pitchFamily="49" charset="0"/>
-                </a:rPr>
-                <a:t>SELECT *</a:t>
-              </a:r>
-            </a:p>
-            <a:p>
-              <a:r>
-                <a:rPr lang="en-US" sz="900" dirty="0">
-                  <a:latin typeface="Courier New" panose="02070309020205020404" pitchFamily="49" charset="0"/>
-                  <a:cs typeface="Courier New" panose="02070309020205020404" pitchFamily="49" charset="0"/>
-                </a:rPr>
-                <a:t>  FROM state</a:t>
-              </a:r>
-            </a:p>
-            <a:p>
-              <a:r>
-                <a:rPr lang="en-US" sz="900" dirty="0">
-                  <a:latin typeface="Courier New" panose="02070309020205020404" pitchFamily="49" charset="0"/>
-                  <a:cs typeface="Courier New" panose="02070309020205020404" pitchFamily="49" charset="0"/>
-                </a:rPr>
-                <a:t> WHERE description LIKE '%</a:t>
-              </a:r>
-              <a:r>
-                <a:rPr lang="en-US" sz="900" dirty="0" err="1">
-                  <a:latin typeface="Courier New" panose="02070309020205020404" pitchFamily="49" charset="0"/>
-                  <a:cs typeface="Courier New" panose="02070309020205020404" pitchFamily="49" charset="0"/>
-                </a:rPr>
-                <a:t>ch</a:t>
-              </a:r>
-              <a:r>
-                <a:rPr lang="en-US" sz="900" dirty="0">
-                  <a:latin typeface="Courier New" panose="02070309020205020404" pitchFamily="49" charset="0"/>
-                  <a:cs typeface="Courier New" panose="02070309020205020404" pitchFamily="49" charset="0"/>
-                </a:rPr>
-                <a:t>%'</a:t>
-              </a:r>
-            </a:p>
-            <a:p>
-              <a:r>
-                <a:rPr lang="en-US" sz="900" dirty="0">
-                  <a:latin typeface="Courier New" panose="02070309020205020404" pitchFamily="49" charset="0"/>
-                  <a:cs typeface="Courier New" panose="02070309020205020404" pitchFamily="49" charset="0"/>
-                </a:rPr>
-                <a:t>   </a:t>
-              </a:r>
-              <a:r>
-                <a:rPr lang="en-US" sz="900" dirty="0" smtClean="0">
-                  <a:latin typeface="Courier New" panose="02070309020205020404" pitchFamily="49" charset="0"/>
-                  <a:cs typeface="Courier New" panose="02070309020205020404" pitchFamily="49" charset="0"/>
-                </a:rPr>
-                <a:t> OR </a:t>
-              </a:r>
-              <a:r>
-                <a:rPr lang="en-US" sz="900" dirty="0" err="1">
-                  <a:latin typeface="Courier New" panose="02070309020205020404" pitchFamily="49" charset="0"/>
-                  <a:cs typeface="Courier New" panose="02070309020205020404" pitchFamily="49" charset="0"/>
-                </a:rPr>
-                <a:t>state_id</a:t>
-              </a:r>
-              <a:r>
-                <a:rPr lang="en-US" sz="900" dirty="0">
-                  <a:latin typeface="Courier New" panose="02070309020205020404" pitchFamily="49" charset="0"/>
-                  <a:cs typeface="Courier New" panose="02070309020205020404" pitchFamily="49" charset="0"/>
-                </a:rPr>
-                <a:t> BETWEEN 1 AND </a:t>
-              </a:r>
-              <a:r>
-                <a:rPr lang="es-419" sz="900" dirty="0" smtClean="0">
-                  <a:latin typeface="Courier New" panose="02070309020205020404" pitchFamily="49" charset="0"/>
-                  <a:cs typeface="Courier New" panose="02070309020205020404" pitchFamily="49" charset="0"/>
-                </a:rPr>
-                <a:t>10</a:t>
-              </a:r>
-              <a:r>
-                <a:rPr lang="en-US" sz="900" dirty="0" smtClean="0">
-                  <a:latin typeface="Courier New" panose="02070309020205020404" pitchFamily="49" charset="0"/>
-                  <a:cs typeface="Courier New" panose="02070309020205020404" pitchFamily="49" charset="0"/>
-                </a:rPr>
-                <a:t>;</a:t>
-              </a:r>
-            </a:p>
-            <a:p>
-              <a:endParaRPr lang="en-US" sz="900" dirty="0" smtClean="0">
-                <a:latin typeface="Courier New" panose="02070309020205020404" pitchFamily="49" charset="0"/>
-                <a:cs typeface="Courier New" panose="02070309020205020404" pitchFamily="49" charset="0"/>
-              </a:endParaRPr>
-            </a:p>
-            <a:p>
-              <a:endParaRPr lang="en-US" sz="900" dirty="0" smtClean="0">
-                <a:latin typeface="Courier New" panose="02070309020205020404" pitchFamily="49" charset="0"/>
-                <a:cs typeface="Courier New" panose="02070309020205020404" pitchFamily="49" charset="0"/>
-              </a:endParaRPr>
-            </a:p>
-            <a:p>
-              <a:endParaRPr lang="en-US" sz="900" dirty="0" smtClean="0">
-                <a:latin typeface="Courier New" panose="02070309020205020404" pitchFamily="49" charset="0"/>
-                <a:cs typeface="Courier New" panose="02070309020205020404" pitchFamily="49" charset="0"/>
-              </a:endParaRPr>
-            </a:p>
-            <a:p>
-              <a:endParaRPr lang="en-US" sz="900" dirty="0">
-                <a:latin typeface="Courier New" panose="02070309020205020404" pitchFamily="49" charset="0"/>
-                <a:cs typeface="Courier New" panose="02070309020205020404" pitchFamily="49" charset="0"/>
-              </a:endParaRPr>
-            </a:p>
-            <a:p>
-              <a:endParaRPr lang="en-US" sz="900" dirty="0" smtClean="0">
-                <a:latin typeface="Courier New" panose="02070309020205020404" pitchFamily="49" charset="0"/>
-                <a:cs typeface="Courier New" panose="02070309020205020404" pitchFamily="49" charset="0"/>
-              </a:endParaRPr>
-            </a:p>
-            <a:p>
-              <a:endParaRPr lang="en-US" sz="900" dirty="0">
-                <a:latin typeface="Courier New" panose="02070309020205020404" pitchFamily="49" charset="0"/>
-                <a:cs typeface="Courier New" panose="02070309020205020404" pitchFamily="49" charset="0"/>
-              </a:endParaRPr>
-            </a:p>
-            <a:p>
-              <a:endParaRPr lang="en-US" sz="900" dirty="0" smtClean="0">
-                <a:latin typeface="+mn-lt"/>
-                <a:cs typeface="Courier New" panose="02070309020205020404" pitchFamily="49" charset="0"/>
-              </a:endParaRPr>
-            </a:p>
-            <a:p>
-              <a:endParaRPr lang="en-US" sz="900" dirty="0" smtClean="0">
-                <a:latin typeface="+mn-lt"/>
-                <a:cs typeface="Courier New" panose="02070309020205020404" pitchFamily="49" charset="0"/>
-              </a:endParaRPr>
-            </a:p>
-            <a:p>
-              <a:endParaRPr lang="en-US" sz="900" dirty="0" smtClean="0">
-                <a:latin typeface="+mn-lt"/>
-                <a:cs typeface="Courier New" panose="02070309020205020404" pitchFamily="49" charset="0"/>
-              </a:endParaRPr>
-            </a:p>
-            <a:p>
-              <a:endParaRPr lang="en-US" sz="900" dirty="0" smtClean="0">
-                <a:latin typeface="+mn-lt"/>
-                <a:cs typeface="Courier New" panose="02070309020205020404" pitchFamily="49" charset="0"/>
-              </a:endParaRPr>
-            </a:p>
-            <a:p>
-              <a:endParaRPr lang="en-US" sz="900" dirty="0" smtClean="0">
-                <a:latin typeface="+mn-lt"/>
-                <a:cs typeface="Courier New" panose="02070309020205020404" pitchFamily="49" charset="0"/>
-              </a:endParaRPr>
-            </a:p>
-            <a:p>
-              <a:endParaRPr lang="en-US" sz="900" dirty="0" smtClean="0">
-                <a:latin typeface="+mn-lt"/>
-                <a:cs typeface="Courier New" panose="02070309020205020404" pitchFamily="49" charset="0"/>
-              </a:endParaRPr>
-            </a:p>
-            <a:p>
-              <a:endParaRPr lang="en-US" sz="900" dirty="0" smtClean="0">
-                <a:latin typeface="+mn-lt"/>
-                <a:cs typeface="Courier New" panose="02070309020205020404" pitchFamily="49" charset="0"/>
-              </a:endParaRPr>
-            </a:p>
-            <a:p>
-              <a:r>
-                <a:rPr lang="en-US" sz="900" dirty="0" smtClean="0">
-                  <a:latin typeface="+mn-lt"/>
-                  <a:cs typeface="Courier New" panose="02070309020205020404" pitchFamily="49" charset="0"/>
-                </a:rPr>
-                <a:t>5. Get </a:t>
-              </a:r>
-              <a:r>
-                <a:rPr lang="en-US" sz="900" i="1" dirty="0" smtClean="0">
-                  <a:latin typeface="+mn-lt"/>
-                  <a:cs typeface="Courier New" panose="02070309020205020404" pitchFamily="49" charset="0"/>
-                </a:rPr>
-                <a:t>id</a:t>
-              </a:r>
-              <a:r>
-                <a:rPr lang="en-US" sz="900" dirty="0" smtClean="0">
-                  <a:latin typeface="+mn-lt"/>
-                  <a:cs typeface="Courier New" panose="02070309020205020404" pitchFamily="49" charset="0"/>
-                </a:rPr>
-                <a:t> and </a:t>
-              </a:r>
-              <a:r>
-                <a:rPr lang="en-US" sz="900" i="1" dirty="0" smtClean="0">
-                  <a:latin typeface="+mn-lt"/>
-                  <a:cs typeface="Courier New" panose="02070309020205020404" pitchFamily="49" charset="0"/>
-                </a:rPr>
-                <a:t>description</a:t>
-              </a:r>
-              <a:r>
-                <a:rPr lang="en-US" sz="900" dirty="0">
-                  <a:latin typeface="+mn-lt"/>
-                  <a:cs typeface="Courier New" panose="02070309020205020404" pitchFamily="49" charset="0"/>
-                </a:rPr>
-                <a:t> from </a:t>
-              </a:r>
-              <a:r>
-                <a:rPr lang="es-419" sz="900" i="1" dirty="0" err="1" smtClean="0">
-                  <a:latin typeface="+mn-lt"/>
-                  <a:cs typeface="Courier New" panose="02070309020205020404" pitchFamily="49" charset="0"/>
-                </a:rPr>
-                <a:t>Item</a:t>
-              </a:r>
-              <a:r>
-                <a:rPr lang="en-US" sz="900" i="1" dirty="0" smtClean="0">
-                  <a:latin typeface="+mn-lt"/>
-                  <a:cs typeface="Courier New" panose="02070309020205020404" pitchFamily="49" charset="0"/>
-                </a:rPr>
-                <a:t>s</a:t>
-              </a:r>
-              <a:r>
-                <a:rPr lang="en-US" sz="900" dirty="0" smtClean="0">
-                  <a:latin typeface="+mn-lt"/>
-                  <a:cs typeface="Courier New" panose="02070309020205020404" pitchFamily="49" charset="0"/>
-                </a:rPr>
-                <a:t> </a:t>
-              </a:r>
-              <a:r>
-                <a:rPr lang="es-419" sz="900" dirty="0" err="1" smtClean="0">
-                  <a:latin typeface="+mn-lt"/>
-                  <a:cs typeface="Courier New" panose="02070309020205020404" pitchFamily="49" charset="0"/>
-                </a:rPr>
-                <a:t>starting</a:t>
-              </a:r>
-              <a:r>
-                <a:rPr lang="es-419" sz="900" dirty="0" smtClean="0">
-                  <a:latin typeface="+mn-lt"/>
-                  <a:cs typeface="Courier New" panose="02070309020205020404" pitchFamily="49" charset="0"/>
-                </a:rPr>
-                <a:t> </a:t>
-              </a:r>
-              <a:r>
-                <a:rPr lang="es-419" sz="900" dirty="0" err="1" smtClean="0">
-                  <a:latin typeface="+mn-lt"/>
-                  <a:cs typeface="Courier New" panose="02070309020205020404" pitchFamily="49" charset="0"/>
-                </a:rPr>
-                <a:t>with</a:t>
-              </a:r>
-              <a:r>
-                <a:rPr lang="es-419" sz="900" dirty="0" smtClean="0">
-                  <a:latin typeface="+mn-lt"/>
-                  <a:cs typeface="Courier New" panose="02070309020205020404" pitchFamily="49" charset="0"/>
-                </a:rPr>
-                <a:t> “</a:t>
-              </a:r>
-              <a:r>
-                <a:rPr lang="es-419" sz="900" dirty="0" err="1" smtClean="0">
-                  <a:latin typeface="+mn-lt"/>
-                  <a:cs typeface="Courier New" panose="02070309020205020404" pitchFamily="49" charset="0"/>
-                </a:rPr>
-                <a:t>Sams</a:t>
-              </a:r>
-              <a:r>
-                <a:rPr lang="es-419" sz="900" dirty="0" smtClean="0">
-                  <a:latin typeface="+mn-lt"/>
-                  <a:cs typeface="Courier New" panose="02070309020205020404" pitchFamily="49" charset="0"/>
-                </a:rPr>
-                <a:t>” and </a:t>
-              </a:r>
-              <a:r>
-                <a:rPr lang="es-419" sz="900" dirty="0" err="1" smtClean="0">
-                  <a:latin typeface="+mn-lt"/>
-                  <a:cs typeface="Courier New" panose="02070309020205020404" pitchFamily="49" charset="0"/>
-                </a:rPr>
-                <a:t>with</a:t>
-              </a:r>
-              <a:r>
-                <a:rPr lang="es-419" sz="900" dirty="0" smtClean="0">
-                  <a:latin typeface="+mn-lt"/>
-                  <a:cs typeface="Courier New" panose="02070309020205020404" pitchFamily="49" charset="0"/>
-                </a:rPr>
-                <a:t> no </a:t>
-              </a:r>
-              <a:r>
-                <a:rPr lang="es-419" sz="900" i="1" dirty="0" err="1" smtClean="0">
-                  <a:latin typeface="+mn-lt"/>
-                  <a:cs typeface="Courier New" panose="02070309020205020404" pitchFamily="49" charset="0"/>
-                </a:rPr>
-                <a:t>features</a:t>
-              </a:r>
-              <a:r>
-                <a:rPr lang="es-419" sz="900" dirty="0" smtClean="0">
-                  <a:latin typeface="+mn-lt"/>
-                  <a:cs typeface="Courier New" panose="02070309020205020404" pitchFamily="49" charset="0"/>
-                </a:rPr>
-                <a:t>.</a:t>
-              </a:r>
-            </a:p>
-            <a:p>
-              <a:endParaRPr lang="en-US" sz="900" dirty="0" smtClean="0">
-                <a:latin typeface="+mn-lt"/>
-                <a:cs typeface="Courier New" panose="02070309020205020404" pitchFamily="49" charset="0"/>
-              </a:endParaRPr>
-            </a:p>
-            <a:p>
-              <a:r>
-                <a:rPr lang="en-US" sz="900" dirty="0">
-                  <a:latin typeface="Courier New" panose="02070309020205020404" pitchFamily="49" charset="0"/>
-                  <a:cs typeface="Courier New" panose="02070309020205020404" pitchFamily="49" charset="0"/>
-                </a:rPr>
-                <a:t>SELECT </a:t>
-              </a:r>
-              <a:r>
-                <a:rPr lang="en-US" sz="900" dirty="0" err="1">
-                  <a:latin typeface="Courier New" panose="02070309020205020404" pitchFamily="49" charset="0"/>
-                  <a:cs typeface="Courier New" panose="02070309020205020404" pitchFamily="49" charset="0"/>
-                </a:rPr>
-                <a:t>item_id</a:t>
-              </a:r>
-              <a:endParaRPr lang="en-US" sz="900" dirty="0">
-                <a:latin typeface="Courier New" panose="02070309020205020404" pitchFamily="49" charset="0"/>
-                <a:cs typeface="Courier New" panose="02070309020205020404" pitchFamily="49" charset="0"/>
-              </a:endParaRPr>
-            </a:p>
-            <a:p>
-              <a:r>
-                <a:rPr lang="en-US" sz="900" dirty="0">
-                  <a:latin typeface="Courier New" panose="02070309020205020404" pitchFamily="49" charset="0"/>
-                  <a:cs typeface="Courier New" panose="02070309020205020404" pitchFamily="49" charset="0"/>
-                </a:rPr>
-                <a:t>     , description</a:t>
-              </a:r>
-            </a:p>
-            <a:p>
-              <a:r>
-                <a:rPr lang="en-US" sz="900" dirty="0">
-                  <a:latin typeface="Courier New" panose="02070309020205020404" pitchFamily="49" charset="0"/>
-                  <a:cs typeface="Courier New" panose="02070309020205020404" pitchFamily="49" charset="0"/>
-                </a:rPr>
-                <a:t>     , features</a:t>
-              </a:r>
-            </a:p>
-            <a:p>
-              <a:r>
-                <a:rPr lang="en-US" sz="900" dirty="0">
-                  <a:latin typeface="Courier New" panose="02070309020205020404" pitchFamily="49" charset="0"/>
-                  <a:cs typeface="Courier New" panose="02070309020205020404" pitchFamily="49" charset="0"/>
-                </a:rPr>
-                <a:t> </a:t>
-              </a:r>
-              <a:r>
-                <a:rPr lang="en-US" sz="900" dirty="0" smtClean="0">
-                  <a:latin typeface="Courier New" panose="02070309020205020404" pitchFamily="49" charset="0"/>
-                  <a:cs typeface="Courier New" panose="02070309020205020404" pitchFamily="49" charset="0"/>
-                </a:rPr>
-                <a:t> FROM </a:t>
-              </a:r>
-              <a:r>
-                <a:rPr lang="en-US" sz="900" dirty="0">
-                  <a:latin typeface="Courier New" panose="02070309020205020404" pitchFamily="49" charset="0"/>
-                  <a:cs typeface="Courier New" panose="02070309020205020404" pitchFamily="49" charset="0"/>
-                </a:rPr>
-                <a:t>item</a:t>
-              </a:r>
-            </a:p>
-            <a:p>
-              <a:r>
-                <a:rPr lang="en-US" sz="900" dirty="0" smtClean="0">
-                  <a:latin typeface="Courier New" panose="02070309020205020404" pitchFamily="49" charset="0"/>
-                  <a:cs typeface="Courier New" panose="02070309020205020404" pitchFamily="49" charset="0"/>
-                </a:rPr>
-                <a:t> WHERE </a:t>
-              </a:r>
-              <a:r>
-                <a:rPr lang="en-US" sz="900" dirty="0">
-                  <a:latin typeface="Courier New" panose="02070309020205020404" pitchFamily="49" charset="0"/>
-                  <a:cs typeface="Courier New" panose="02070309020205020404" pitchFamily="49" charset="0"/>
-                </a:rPr>
-                <a:t>description LIKE '</a:t>
-              </a:r>
-              <a:r>
-                <a:rPr lang="en-US" sz="900" dirty="0" err="1">
-                  <a:latin typeface="Courier New" panose="02070309020205020404" pitchFamily="49" charset="0"/>
-                  <a:cs typeface="Courier New" panose="02070309020205020404" pitchFamily="49" charset="0"/>
-                </a:rPr>
-                <a:t>Sams</a:t>
-              </a:r>
-              <a:r>
-                <a:rPr lang="en-US" sz="900" dirty="0">
-                  <a:latin typeface="Courier New" panose="02070309020205020404" pitchFamily="49" charset="0"/>
-                  <a:cs typeface="Courier New" panose="02070309020205020404" pitchFamily="49" charset="0"/>
-                </a:rPr>
-                <a:t>%'</a:t>
-              </a:r>
-            </a:p>
-            <a:p>
-              <a:r>
-                <a:rPr lang="en-US" sz="900" dirty="0" smtClean="0">
-                  <a:latin typeface="Courier New" panose="02070309020205020404" pitchFamily="49" charset="0"/>
-                  <a:cs typeface="Courier New" panose="02070309020205020404" pitchFamily="49" charset="0"/>
-                </a:rPr>
-                <a:t>   </a:t>
-              </a:r>
-              <a:r>
-                <a:rPr lang="en-US" sz="900" dirty="0">
-                  <a:latin typeface="Courier New" panose="02070309020205020404" pitchFamily="49" charset="0"/>
-                  <a:cs typeface="Courier New" panose="02070309020205020404" pitchFamily="49" charset="0"/>
-                </a:rPr>
-                <a:t>AND features IS </a:t>
-              </a:r>
-              <a:r>
-                <a:rPr lang="en-US" sz="900" dirty="0" smtClean="0">
-                  <a:latin typeface="Courier New" panose="02070309020205020404" pitchFamily="49" charset="0"/>
-                  <a:cs typeface="Courier New" panose="02070309020205020404" pitchFamily="49" charset="0"/>
-                </a:rPr>
-                <a:t>NULL;</a:t>
-              </a:r>
-              <a:endParaRPr lang="en-US" sz="900" dirty="0">
-                <a:latin typeface="Courier New" panose="02070309020205020404" pitchFamily="49" charset="0"/>
-                <a:cs typeface="Courier New" panose="02070309020205020404" pitchFamily="49" charset="0"/>
-              </a:endParaRPr>
-            </a:p>
-            <a:p>
-              <a:endParaRPr lang="en-US" sz="900" dirty="0" smtClean="0">
-                <a:latin typeface="Courier New" panose="02070309020205020404" pitchFamily="49" charset="0"/>
-                <a:cs typeface="Courier New" panose="02070309020205020404" pitchFamily="49" charset="0"/>
-              </a:endParaRPr>
-            </a:p>
-            <a:p>
-              <a:endParaRPr lang="en-US" sz="900" dirty="0">
-                <a:latin typeface="Courier New" panose="02070309020205020404" pitchFamily="49" charset="0"/>
-                <a:cs typeface="Courier New" panose="02070309020205020404" pitchFamily="49" charset="0"/>
-              </a:endParaRPr>
-            </a:p>
-            <a:p>
-              <a:endParaRPr lang="en-US" sz="900" dirty="0" smtClean="0">
-                <a:latin typeface="Courier New" panose="02070309020205020404" pitchFamily="49" charset="0"/>
-                <a:cs typeface="Courier New" panose="02070309020205020404" pitchFamily="49" charset="0"/>
-              </a:endParaRPr>
-            </a:p>
-          </p:txBody>
-        </p:sp>
-        <p:pic>
-          <p:nvPicPr>
-            <p:cNvPr id="9" name="Picture 8"/>
-            <p:cNvPicPr>
-              <a:picLocks noChangeAspect="1"/>
-            </p:cNvPicPr>
-            <p:nvPr/>
-          </p:nvPicPr>
-          <p:blipFill>
-            <a:blip r:embed="rId2"/>
-            <a:stretch>
-              <a:fillRect/>
-            </a:stretch>
-          </p:blipFill>
-          <p:spPr>
-            <a:xfrm>
-              <a:off x="467544" y="2249357"/>
-              <a:ext cx="3168351" cy="1107635"/>
-            </a:xfrm>
-            <a:prstGeom prst="rect">
-              <a:avLst/>
-            </a:prstGeom>
-            <a:ln>
-              <a:solidFill>
-                <a:srgbClr val="318ABE"/>
-              </a:solidFill>
-            </a:ln>
-          </p:spPr>
-        </p:pic>
-        <p:pic>
-          <p:nvPicPr>
-            <p:cNvPr id="4" name="Picture 3"/>
-            <p:cNvPicPr>
-              <a:picLocks noChangeAspect="1"/>
-            </p:cNvPicPr>
-            <p:nvPr/>
-          </p:nvPicPr>
-          <p:blipFill>
-            <a:blip r:embed="rId3"/>
-            <a:stretch>
-              <a:fillRect/>
-            </a:stretch>
-          </p:blipFill>
-          <p:spPr>
-            <a:xfrm>
-              <a:off x="395536" y="5057345"/>
-              <a:ext cx="4176464" cy="387879"/>
-            </a:xfrm>
-            <a:prstGeom prst="rect">
-              <a:avLst/>
-            </a:prstGeom>
-            <a:ln>
-              <a:solidFill>
-                <a:srgbClr val="276B9B"/>
-              </a:solidFill>
-            </a:ln>
-          </p:spPr>
-        </p:pic>
-      </p:grpSp>
       <p:grpSp>
         <p:nvGrpSpPr>
           <p:cNvPr id="5" name="Group 4"/>
@@ -13087,16 +13284,10 @@
                 <a:t>6</a:t>
               </a:r>
               <a:r>
-                <a:rPr lang="en-US" sz="900" dirty="0" smtClean="0">
-                  <a:cs typeface="Courier New" panose="02070309020205020404" pitchFamily="49" charset="0"/>
-                </a:rPr>
-                <a:t>. </a:t>
-              </a:r>
-              <a:r>
                 <a:rPr lang="en-US" sz="900" dirty="0">
                   <a:cs typeface="Courier New" panose="02070309020205020404" pitchFamily="49" charset="0"/>
                 </a:rPr>
-                <a:t>Get </a:t>
+                <a:t>. Get </a:t>
               </a:r>
               <a:r>
                 <a:rPr lang="en-US" sz="900" i="1" dirty="0">
@@ -13141,55 +13332,55 @@
                 <a:t> </a:t>
               </a:r>
               <a:r>
-                <a:rPr lang="es-419" sz="900" dirty="0" err="1" smtClean="0">
+                <a:rPr lang="es-419" sz="900" dirty="0" err="1">
                   <a:cs typeface="Courier New" panose="02070309020205020404" pitchFamily="49" charset="0"/>
                 </a:rPr>
                 <a:t>with</a:t>
               </a:r>
               <a:r>
-                <a:rPr lang="es-419" sz="900" dirty="0" smtClean="0">
+                <a:rPr lang="es-419" sz="900" dirty="0">
                   <a:cs typeface="Courier New" panose="02070309020205020404" pitchFamily="49" charset="0"/>
                 </a:rPr>
                 <a:t> </a:t>
               </a:r>
               <a:r>
-                <a:rPr lang="es-419" sz="900" i="1" dirty="0" err="1" smtClean="0">
+                <a:rPr lang="es-419" sz="900" i="1" dirty="0" err="1">
                   <a:cs typeface="Courier New" panose="02070309020205020404" pitchFamily="49" charset="0"/>
                 </a:rPr>
                 <a:t>price</a:t>
               </a:r>
               <a:r>
-                <a:rPr lang="es-419" sz="900" dirty="0" smtClean="0">
+                <a:rPr lang="es-419" sz="900" dirty="0">
                   <a:cs typeface="Courier New" panose="02070309020205020404" pitchFamily="49" charset="0"/>
                 </a:rPr>
                 <a:t> in a </a:t>
               </a:r>
               <a:r>
-                <a:rPr lang="es-419" sz="900" dirty="0" err="1" smtClean="0">
+                <a:rPr lang="es-419" sz="900" dirty="0" err="1">
                   <a:cs typeface="Courier New" panose="02070309020205020404" pitchFamily="49" charset="0"/>
                 </a:rPr>
                 <a:t>range</a:t>
               </a:r>
               <a:r>
-                <a:rPr lang="es-419" sz="900" dirty="0" smtClean="0">
+                <a:rPr lang="es-419" sz="900" dirty="0">
                   <a:cs typeface="Courier New" panose="02070309020205020404" pitchFamily="49" charset="0"/>
                 </a:rPr>
                 <a:t> ($ 1,500 - $ 7,500) and </a:t>
               </a:r>
               <a:r>
-                <a:rPr lang="es-419" sz="900" i="1" dirty="0" smtClean="0">
+                <a:rPr lang="es-419" sz="900" i="1" dirty="0">
                   <a:cs typeface="Courier New" panose="02070309020205020404" pitchFamily="49" charset="0"/>
                 </a:rPr>
                 <a:t>id</a:t>
               </a:r>
               <a:r>
-                <a:rPr lang="es-419" sz="900" dirty="0" smtClean="0">
+                <a:rPr lang="es-419" sz="900" dirty="0">
                   <a:cs typeface="Courier New" panose="02070309020205020404" pitchFamily="49" charset="0"/>
                 </a:rPr>
                 <a:t> </a:t>
               </a:r>
               <a:r>
-                <a:rPr lang="es-419" sz="900" dirty="0" err="1" smtClean="0">
+                <a:rPr lang="es-419" sz="900" dirty="0" err="1">
                   <a:cs typeface="Courier New" panose="02070309020205020404" pitchFamily="49" charset="0"/>
                 </a:rPr>
                 <a:t>among</a:t>
@@ -13198,21 +13389,15 @@
                 <a:rPr lang="es-419" sz="900" dirty="0">
                   <a:cs typeface="Courier New" panose="02070309020205020404" pitchFamily="49" charset="0"/>
                 </a:rPr>
-                <a:t> </a:t>
-              </a:r>
-              <a:r>
-                <a:rPr lang="es-419" sz="900" dirty="0" smtClean="0">
-                  <a:cs typeface="Courier New" panose="02070309020205020404" pitchFamily="49" charset="0"/>
-                </a:rPr>
-                <a:t>2,6,20,28,40,45,60 and 70.</a:t>
-              </a:r>
-              <a:endParaRPr lang="en-US" sz="900" dirty="0" smtClean="0">
+                <a:t> 2,6,20,28,40,45,60 and 70.</a:t>
+              </a:r>
+              <a:endParaRPr lang="en-US" sz="900" dirty="0">
                 <a:latin typeface="+mn-lt"/>
                 <a:cs typeface="Courier New" panose="02070309020205020404" pitchFamily="49" charset="0"/>
               </a:endParaRPr>
             </a:p>
             <a:p>
-              <a:endParaRPr lang="en-US" sz="900" dirty="0" smtClean="0">
+              <a:endParaRPr lang="en-US" sz="900" dirty="0">
                 <a:latin typeface="Courier New" panose="02070309020205020404" pitchFamily="49" charset="0"/>
                 <a:cs typeface="Courier New" panose="02070309020205020404" pitchFamily="49" charset="0"/>
               </a:endParaRPr>
@@ -13272,29 +13457,15 @@
                   <a:latin typeface="Courier New" panose="02070309020205020404" pitchFamily="49" charset="0"/>
                   <a:cs typeface="Courier New" panose="02070309020205020404" pitchFamily="49" charset="0"/>
                 </a:rPr>
-                <a:t> </a:t>
-              </a:r>
-              <a:r>
-                <a:rPr lang="en-US" sz="900" dirty="0" smtClean="0">
-                  <a:latin typeface="Courier New" panose="02070309020205020404" pitchFamily="49" charset="0"/>
-                  <a:cs typeface="Courier New" panose="02070309020205020404" pitchFamily="49" charset="0"/>
-                </a:rPr>
-                <a:t> FROM </a:t>
-              </a:r>
+                <a:t>  FROM item</a:t>
+              </a:r>
+            </a:p>
+            <a:p>
               <a:r>
                 <a:rPr lang="en-US" sz="900" dirty="0">
                   <a:latin typeface="Courier New" panose="02070309020205020404" pitchFamily="49" charset="0"/>
                   <a:cs typeface="Courier New" panose="02070309020205020404" pitchFamily="49" charset="0"/>
                 </a:rPr>
-                <a:t>item</a:t>
-              </a:r>
-            </a:p>
-            <a:p>
-              <a:r>
-                <a:rPr lang="en-US" sz="900" dirty="0" smtClean="0">
-                  <a:latin typeface="Courier New" panose="02070309020205020404" pitchFamily="49" charset="0"/>
-                  <a:cs typeface="Courier New" panose="02070309020205020404" pitchFamily="49" charset="0"/>
-                </a:rPr>
                 <a:t> WHERE </a:t>
               </a:r>
               <a:r>
@@ -13318,14 +13489,7 @@
                   <a:latin typeface="Courier New" panose="02070309020205020404" pitchFamily="49" charset="0"/>
                   <a:cs typeface="Courier New" panose="02070309020205020404" pitchFamily="49" charset="0"/>
                 </a:rPr>
-                <a:t>  </a:t>
-              </a:r>
-              <a:r>
-                <a:rPr lang="en-US" sz="900" dirty="0" smtClean="0">
-                  <a:latin typeface="Courier New" panose="02070309020205020404" pitchFamily="49" charset="0"/>
-                  <a:cs typeface="Courier New" panose="02070309020205020404" pitchFamily="49" charset="0"/>
-                </a:rPr>
-                <a:t> AND </a:t>
+                <a:t>   AND </a:t>
               </a:r>
               <a:r>
                 <a:rPr lang="en-US" sz="900" dirty="0" err="1">
@@ -13339,33 +13503,8 @@
                   <a:latin typeface="Courier New" panose="02070309020205020404" pitchFamily="49" charset="0"/>
                   <a:cs typeface="Courier New" panose="02070309020205020404" pitchFamily="49" charset="0"/>
                 </a:rPr>
-                <a:t> IN (2,6,20,28,40,45,60,70</a:t>
-              </a:r>
-              <a:r>
-                <a:rPr lang="en-US" sz="900" dirty="0" smtClean="0">
-                  <a:latin typeface="Courier New" panose="02070309020205020404" pitchFamily="49" charset="0"/>
-                  <a:cs typeface="Courier New" panose="02070309020205020404" pitchFamily="49" charset="0"/>
-                </a:rPr>
-                <a:t>);</a:t>
-              </a:r>
-            </a:p>
-            <a:p>
-              <a:endParaRPr lang="en-US" sz="900" dirty="0" smtClean="0">
-                <a:latin typeface="Courier New" panose="02070309020205020404" pitchFamily="49" charset="0"/>
-                <a:cs typeface="Courier New" panose="02070309020205020404" pitchFamily="49" charset="0"/>
-              </a:endParaRPr>
-            </a:p>
-            <a:p>
-              <a:endParaRPr lang="en-US" sz="900" dirty="0" smtClean="0">
-                <a:latin typeface="Courier New" panose="02070309020205020404" pitchFamily="49" charset="0"/>
-                <a:cs typeface="Courier New" panose="02070309020205020404" pitchFamily="49" charset="0"/>
-              </a:endParaRPr>
-            </a:p>
-            <a:p>
-              <a:endParaRPr lang="en-US" sz="900" dirty="0" smtClean="0">
-                <a:latin typeface="Courier New" panose="02070309020205020404" pitchFamily="49" charset="0"/>
-                <a:cs typeface="Courier New" panose="02070309020205020404" pitchFamily="49" charset="0"/>
-              </a:endParaRPr>
+                <a:t> IN (2,6,20,28,40,45,60,70);</a:t>
+              </a:r>
             </a:p>
             <a:p>
               <a:endParaRPr lang="en-US" sz="900" dirty="0">
@@ -13374,49 +13513,67 @@
               </a:endParaRPr>
             </a:p>
             <a:p>
-              <a:endParaRPr lang="en-US" sz="900" dirty="0" smtClean="0">
-                <a:latin typeface="Courier New" panose="02070309020205020404" pitchFamily="49" charset="0"/>
-                <a:cs typeface="Courier New" panose="02070309020205020404" pitchFamily="49" charset="0"/>
-              </a:endParaRPr>
-            </a:p>
-            <a:p>
               <a:endParaRPr lang="en-US" sz="900" dirty="0">
                 <a:latin typeface="Courier New" panose="02070309020205020404" pitchFamily="49" charset="0"/>
                 <a:cs typeface="Courier New" panose="02070309020205020404" pitchFamily="49" charset="0"/>
               </a:endParaRPr>
             </a:p>
             <a:p>
-              <a:endParaRPr lang="en-US" sz="900" dirty="0" smtClean="0">
-                <a:latin typeface="+mn-lt"/>
-                <a:cs typeface="Courier New" panose="02070309020205020404" pitchFamily="49" charset="0"/>
-              </a:endParaRPr>
-            </a:p>
-            <a:p>
-              <a:endParaRPr lang="en-US" sz="900" dirty="0" smtClean="0">
-                <a:latin typeface="+mn-lt"/>
-                <a:cs typeface="Courier New" panose="02070309020205020404" pitchFamily="49" charset="0"/>
-              </a:endParaRPr>
-            </a:p>
-            <a:p>
-              <a:endParaRPr lang="en-US" sz="900" dirty="0" smtClean="0">
-                <a:latin typeface="+mn-lt"/>
-                <a:cs typeface="Courier New" panose="02070309020205020404" pitchFamily="49" charset="0"/>
-              </a:endParaRPr>
-            </a:p>
-            <a:p>
-              <a:endParaRPr lang="en-US" sz="900" dirty="0" smtClean="0">
-                <a:latin typeface="Courier New" panose="02070309020205020404" pitchFamily="49" charset="0"/>
-                <a:cs typeface="Courier New" panose="02070309020205020404" pitchFamily="49" charset="0"/>
-              </a:endParaRPr>
-            </a:p>
-            <a:p>
               <a:endParaRPr lang="en-US" sz="900" dirty="0">
                 <a:latin typeface="Courier New" panose="02070309020205020404" pitchFamily="49" charset="0"/>
                 <a:cs typeface="Courier New" panose="02070309020205020404" pitchFamily="49" charset="0"/>
               </a:endParaRPr>
             </a:p>
             <a:p>
-              <a:endParaRPr lang="en-US" sz="900" dirty="0" smtClean="0">
+              <a:endParaRPr lang="en-US" sz="900" dirty="0">
+                <a:latin typeface="Courier New" panose="02070309020205020404" pitchFamily="49" charset="0"/>
+                <a:cs typeface="Courier New" panose="02070309020205020404" pitchFamily="49" charset="0"/>
+              </a:endParaRPr>
+            </a:p>
+            <a:p>
+              <a:endParaRPr lang="en-US" sz="900" dirty="0">
+                <a:latin typeface="Courier New" panose="02070309020205020404" pitchFamily="49" charset="0"/>
+                <a:cs typeface="Courier New" panose="02070309020205020404" pitchFamily="49" charset="0"/>
+              </a:endParaRPr>
+            </a:p>
+            <a:p>
+              <a:endParaRPr lang="en-US" sz="900" dirty="0">
+                <a:latin typeface="Courier New" panose="02070309020205020404" pitchFamily="49" charset="0"/>
+                <a:cs typeface="Courier New" panose="02070309020205020404" pitchFamily="49" charset="0"/>
+              </a:endParaRPr>
+            </a:p>
+            <a:p>
+              <a:endParaRPr lang="en-US" sz="900" dirty="0">
+                <a:latin typeface="+mn-lt"/>
+                <a:cs typeface="Courier New" panose="02070309020205020404" pitchFamily="49" charset="0"/>
+              </a:endParaRPr>
+            </a:p>
+            <a:p>
+              <a:endParaRPr lang="en-US" sz="900" dirty="0">
+                <a:latin typeface="+mn-lt"/>
+                <a:cs typeface="Courier New" panose="02070309020205020404" pitchFamily="49" charset="0"/>
+              </a:endParaRPr>
+            </a:p>
+            <a:p>
+              <a:endParaRPr lang="en-US" sz="900" dirty="0">
+                <a:latin typeface="+mn-lt"/>
+                <a:cs typeface="Courier New" panose="02070309020205020404" pitchFamily="49" charset="0"/>
+              </a:endParaRPr>
+            </a:p>
+            <a:p>
+              <a:endParaRPr lang="en-US" sz="900" dirty="0">
+                <a:latin typeface="Courier New" panose="02070309020205020404" pitchFamily="49" charset="0"/>
+                <a:cs typeface="Courier New" panose="02070309020205020404" pitchFamily="49" charset="0"/>
+              </a:endParaRPr>
+            </a:p>
+            <a:p>
+              <a:endParaRPr lang="en-US" sz="900" dirty="0">
+                <a:latin typeface="Courier New" panose="02070309020205020404" pitchFamily="49" charset="0"/>
+                <a:cs typeface="Courier New" panose="02070309020205020404" pitchFamily="49" charset="0"/>
+              </a:endParaRPr>
+            </a:p>
+            <a:p>
+              <a:endParaRPr lang="en-US" sz="900" dirty="0">
                 <a:latin typeface="Courier New" panose="02070309020205020404" pitchFamily="49" charset="0"/>
                 <a:cs typeface="Courier New" panose="02070309020205020404" pitchFamily="49" charset="0"/>
               </a:endParaRPr>
@@ -13432,7 +13589,7 @@
             <p:nvPr/>
           </p:nvPicPr>
           <p:blipFill>
-            <a:blip r:embed="rId4"/>
+            <a:blip r:embed="rId2"/>
             <a:stretch>
               <a:fillRect/>
             </a:stretch>
@@ -13453,6 +13610,672 @@
           </p:spPr>
         </p:pic>
       </p:grpSp>
+      <p:grpSp>
+        <p:nvGrpSpPr>
+          <p:cNvPr id="17" name="Group 16"/>
+          <p:cNvGrpSpPr/>
+          <p:nvPr/>
+        </p:nvGrpSpPr>
+        <p:grpSpPr>
+          <a:xfrm>
+            <a:off x="281062" y="1197907"/>
+            <a:ext cx="4729356" cy="4895389"/>
+            <a:chOff x="281062" y="1197907"/>
+            <a:chExt cx="4729356" cy="4895389"/>
+          </a:xfrm>
+        </p:grpSpPr>
+        <p:sp>
+          <p:nvSpPr>
+            <p:cNvPr id="8" name="TextBox 7"/>
+            <p:cNvSpPr txBox="1"/>
+            <p:nvPr/>
+          </p:nvSpPr>
+          <p:spPr>
+            <a:xfrm>
+              <a:off x="329898" y="1197907"/>
+              <a:ext cx="4680520" cy="4247317"/>
+            </a:xfrm>
+            <a:prstGeom prst="rect">
+              <a:avLst/>
+            </a:prstGeom>
+            <a:noFill/>
+          </p:spPr>
+          <p:txBody>
+            <a:bodyPr wrap="square" rtlCol="0">
+              <a:spAutoFit/>
+            </a:bodyPr>
+            <a:lstStyle/>
+            <a:p>
+              <a:r>
+                <a:rPr lang="en-US" sz="900" dirty="0">
+                  <a:latin typeface="+mn-lt"/>
+                  <a:cs typeface="Courier New" panose="02070309020205020404" pitchFamily="49" charset="0"/>
+                </a:rPr>
+                <a:t>4. Get all </a:t>
+              </a:r>
+              <a:r>
+                <a:rPr lang="en-US" sz="900" i="1" dirty="0">
+                  <a:latin typeface="+mn-lt"/>
+                  <a:cs typeface="Courier New" panose="02070309020205020404" pitchFamily="49" charset="0"/>
+                </a:rPr>
+                <a:t>States</a:t>
+              </a:r>
+              <a:r>
+                <a:rPr lang="en-US" sz="900" dirty="0">
+                  <a:latin typeface="+mn-lt"/>
+                  <a:cs typeface="Courier New" panose="02070309020205020404" pitchFamily="49" charset="0"/>
+                </a:rPr>
+                <a:t> </a:t>
+              </a:r>
+              <a:r>
+                <a:rPr lang="en-US" sz="900" dirty="0" err="1">
+                  <a:latin typeface="+mn-lt"/>
+                  <a:cs typeface="Courier New" panose="02070309020205020404" pitchFamily="49" charset="0"/>
+                </a:rPr>
+                <a:t>containin</a:t>
+              </a:r>
+              <a:r>
+                <a:rPr lang="es-419" sz="900" dirty="0">
+                  <a:latin typeface="+mn-lt"/>
+                  <a:cs typeface="Courier New" panose="02070309020205020404" pitchFamily="49" charset="0"/>
+                </a:rPr>
+                <a:t>g</a:t>
+              </a:r>
+              <a:r>
+                <a:rPr lang="en-US" sz="900" dirty="0">
+                  <a:latin typeface="+mn-lt"/>
+                  <a:cs typeface="Courier New" panose="02070309020205020404" pitchFamily="49" charset="0"/>
+                </a:rPr>
+                <a:t> </a:t>
+              </a:r>
+              <a:r>
+                <a:rPr lang="es-419" sz="900" dirty="0">
+                  <a:cs typeface="Courier New" panose="02070309020205020404" pitchFamily="49" charset="0"/>
+                </a:rPr>
+                <a:t>“</a:t>
+              </a:r>
+              <a:r>
+                <a:rPr lang="en-US" sz="900" dirty="0" err="1">
+                  <a:cs typeface="Courier New" panose="02070309020205020404" pitchFamily="49" charset="0"/>
+                </a:rPr>
+                <a:t>ch</a:t>
+              </a:r>
+              <a:r>
+                <a:rPr lang="es-419" sz="900" dirty="0">
+                  <a:cs typeface="Courier New" panose="02070309020205020404" pitchFamily="49" charset="0"/>
+                </a:rPr>
+                <a:t>”</a:t>
+              </a:r>
+              <a:r>
+                <a:rPr lang="en-US" sz="900" dirty="0">
+                  <a:cs typeface="Courier New" panose="02070309020205020404" pitchFamily="49" charset="0"/>
+                </a:rPr>
+                <a:t> </a:t>
+              </a:r>
+              <a:r>
+                <a:rPr lang="en-US" sz="900" dirty="0">
+                  <a:latin typeface="+mn-lt"/>
+                  <a:cs typeface="Courier New" panose="02070309020205020404" pitchFamily="49" charset="0"/>
+                </a:rPr>
+                <a:t>as description</a:t>
+              </a:r>
+              <a:r>
+                <a:rPr lang="es-419" sz="900" dirty="0">
+                  <a:latin typeface="+mn-lt"/>
+                  <a:cs typeface="Courier New" panose="02070309020205020404" pitchFamily="49" charset="0"/>
+                </a:rPr>
+                <a:t> </a:t>
+              </a:r>
+              <a:r>
+                <a:rPr lang="es-419" sz="900" dirty="0" err="1">
+                  <a:latin typeface="+mn-lt"/>
+                  <a:cs typeface="Courier New" panose="02070309020205020404" pitchFamily="49" charset="0"/>
+                </a:rPr>
+                <a:t>or</a:t>
+              </a:r>
+              <a:r>
+                <a:rPr lang="es-419" sz="900" dirty="0">
+                  <a:latin typeface="+mn-lt"/>
+                  <a:cs typeface="Courier New" panose="02070309020205020404" pitchFamily="49" charset="0"/>
+                </a:rPr>
+                <a:t> </a:t>
+              </a:r>
+              <a:r>
+                <a:rPr lang="es-419" sz="900" i="1" dirty="0" err="1">
+                  <a:latin typeface="+mn-lt"/>
+                  <a:cs typeface="Courier New" panose="02070309020205020404" pitchFamily="49" charset="0"/>
+                </a:rPr>
+                <a:t>state_id</a:t>
+              </a:r>
+              <a:r>
+                <a:rPr lang="es-419" sz="900" dirty="0">
+                  <a:latin typeface="+mn-lt"/>
+                  <a:cs typeface="Courier New" panose="02070309020205020404" pitchFamily="49" charset="0"/>
+                </a:rPr>
+                <a:t> </a:t>
+              </a:r>
+              <a:r>
+                <a:rPr lang="es-419" sz="900" dirty="0" err="1">
+                  <a:latin typeface="+mn-lt"/>
+                  <a:cs typeface="Courier New" panose="02070309020205020404" pitchFamily="49" charset="0"/>
+                </a:rPr>
+                <a:t>between</a:t>
+              </a:r>
+              <a:r>
+                <a:rPr lang="es-419" sz="900" dirty="0">
+                  <a:latin typeface="+mn-lt"/>
+                  <a:cs typeface="Courier New" panose="02070309020205020404" pitchFamily="49" charset="0"/>
+                </a:rPr>
+                <a:t> 1 and 10</a:t>
+              </a:r>
+              <a:r>
+                <a:rPr lang="en-US" sz="900" dirty="0">
+                  <a:latin typeface="+mn-lt"/>
+                  <a:cs typeface="Courier New" panose="02070309020205020404" pitchFamily="49" charset="0"/>
+                </a:rPr>
+                <a:t>.</a:t>
+              </a:r>
+            </a:p>
+            <a:p>
+              <a:endParaRPr lang="en-US" sz="900" dirty="0">
+                <a:latin typeface="Courier New" panose="02070309020205020404" pitchFamily="49" charset="0"/>
+                <a:cs typeface="Courier New" panose="02070309020205020404" pitchFamily="49" charset="0"/>
+              </a:endParaRPr>
+            </a:p>
+            <a:p>
+              <a:r>
+                <a:rPr lang="en-US" sz="900" dirty="0">
+                  <a:latin typeface="Courier New" panose="02070309020205020404" pitchFamily="49" charset="0"/>
+                  <a:cs typeface="Courier New" panose="02070309020205020404" pitchFamily="49" charset="0"/>
+                </a:rPr>
+                <a:t>SELECT *</a:t>
+              </a:r>
+            </a:p>
+            <a:p>
+              <a:r>
+                <a:rPr lang="en-US" sz="900" dirty="0">
+                  <a:latin typeface="Courier New" panose="02070309020205020404" pitchFamily="49" charset="0"/>
+                  <a:cs typeface="Courier New" panose="02070309020205020404" pitchFamily="49" charset="0"/>
+                </a:rPr>
+                <a:t>  FROM state</a:t>
+              </a:r>
+            </a:p>
+            <a:p>
+              <a:r>
+                <a:rPr lang="en-US" sz="900" dirty="0">
+                  <a:latin typeface="Courier New" panose="02070309020205020404" pitchFamily="49" charset="0"/>
+                  <a:cs typeface="Courier New" panose="02070309020205020404" pitchFamily="49" charset="0"/>
+                </a:rPr>
+                <a:t> WHERE description LIKE '%</a:t>
+              </a:r>
+              <a:r>
+                <a:rPr lang="en-US" sz="900" dirty="0" err="1">
+                  <a:latin typeface="Courier New" panose="02070309020205020404" pitchFamily="49" charset="0"/>
+                  <a:cs typeface="Courier New" panose="02070309020205020404" pitchFamily="49" charset="0"/>
+                </a:rPr>
+                <a:t>ch</a:t>
+              </a:r>
+              <a:r>
+                <a:rPr lang="en-US" sz="900" dirty="0">
+                  <a:latin typeface="Courier New" panose="02070309020205020404" pitchFamily="49" charset="0"/>
+                  <a:cs typeface="Courier New" panose="02070309020205020404" pitchFamily="49" charset="0"/>
+                </a:rPr>
+                <a:t>%'</a:t>
+              </a:r>
+            </a:p>
+            <a:p>
+              <a:r>
+                <a:rPr lang="en-US" sz="900" dirty="0">
+                  <a:latin typeface="Courier New" panose="02070309020205020404" pitchFamily="49" charset="0"/>
+                  <a:cs typeface="Courier New" panose="02070309020205020404" pitchFamily="49" charset="0"/>
+                </a:rPr>
+                <a:t>    OR </a:t>
+              </a:r>
+              <a:r>
+                <a:rPr lang="en-US" sz="900" dirty="0" err="1">
+                  <a:latin typeface="Courier New" panose="02070309020205020404" pitchFamily="49" charset="0"/>
+                  <a:cs typeface="Courier New" panose="02070309020205020404" pitchFamily="49" charset="0"/>
+                </a:rPr>
+                <a:t>state_id</a:t>
+              </a:r>
+              <a:r>
+                <a:rPr lang="en-US" sz="900" dirty="0">
+                  <a:latin typeface="Courier New" panose="02070309020205020404" pitchFamily="49" charset="0"/>
+                  <a:cs typeface="Courier New" panose="02070309020205020404" pitchFamily="49" charset="0"/>
+                </a:rPr>
+                <a:t> BETWEEN 1 AND </a:t>
+              </a:r>
+              <a:r>
+                <a:rPr lang="es-419" sz="900" dirty="0">
+                  <a:latin typeface="Courier New" panose="02070309020205020404" pitchFamily="49" charset="0"/>
+                  <a:cs typeface="Courier New" panose="02070309020205020404" pitchFamily="49" charset="0"/>
+                </a:rPr>
+                <a:t>10</a:t>
+              </a:r>
+              <a:r>
+                <a:rPr lang="en-US" sz="900" dirty="0">
+                  <a:latin typeface="Courier New" panose="02070309020205020404" pitchFamily="49" charset="0"/>
+                  <a:cs typeface="Courier New" panose="02070309020205020404" pitchFamily="49" charset="0"/>
+                </a:rPr>
+                <a:t>;</a:t>
+              </a:r>
+            </a:p>
+            <a:p>
+              <a:endParaRPr lang="en-US" sz="900" dirty="0">
+                <a:latin typeface="Courier New" panose="02070309020205020404" pitchFamily="49" charset="0"/>
+                <a:cs typeface="Courier New" panose="02070309020205020404" pitchFamily="49" charset="0"/>
+              </a:endParaRPr>
+            </a:p>
+            <a:p>
+              <a:endParaRPr lang="en-US" sz="900" dirty="0">
+                <a:latin typeface="Courier New" panose="02070309020205020404" pitchFamily="49" charset="0"/>
+                <a:cs typeface="Courier New" panose="02070309020205020404" pitchFamily="49" charset="0"/>
+              </a:endParaRPr>
+            </a:p>
+            <a:p>
+              <a:endParaRPr lang="en-US" sz="900" dirty="0">
+                <a:latin typeface="Courier New" panose="02070309020205020404" pitchFamily="49" charset="0"/>
+                <a:cs typeface="Courier New" panose="02070309020205020404" pitchFamily="49" charset="0"/>
+              </a:endParaRPr>
+            </a:p>
+            <a:p>
+              <a:endParaRPr lang="en-US" sz="900" dirty="0">
+                <a:latin typeface="Courier New" panose="02070309020205020404" pitchFamily="49" charset="0"/>
+                <a:cs typeface="Courier New" panose="02070309020205020404" pitchFamily="49" charset="0"/>
+              </a:endParaRPr>
+            </a:p>
+            <a:p>
+              <a:endParaRPr lang="en-US" sz="900" dirty="0">
+                <a:latin typeface="Courier New" panose="02070309020205020404" pitchFamily="49" charset="0"/>
+                <a:cs typeface="Courier New" panose="02070309020205020404" pitchFamily="49" charset="0"/>
+              </a:endParaRPr>
+            </a:p>
+            <a:p>
+              <a:endParaRPr lang="en-US" sz="900" dirty="0">
+                <a:latin typeface="Courier New" panose="02070309020205020404" pitchFamily="49" charset="0"/>
+                <a:cs typeface="Courier New" panose="02070309020205020404" pitchFamily="49" charset="0"/>
+              </a:endParaRPr>
+            </a:p>
+            <a:p>
+              <a:endParaRPr lang="en-US" sz="900" dirty="0">
+                <a:latin typeface="+mn-lt"/>
+                <a:cs typeface="Courier New" panose="02070309020205020404" pitchFamily="49" charset="0"/>
+              </a:endParaRPr>
+            </a:p>
+            <a:p>
+              <a:endParaRPr lang="en-US" sz="900" dirty="0">
+                <a:latin typeface="+mn-lt"/>
+                <a:cs typeface="Courier New" panose="02070309020205020404" pitchFamily="49" charset="0"/>
+              </a:endParaRPr>
+            </a:p>
+            <a:p>
+              <a:endParaRPr lang="en-US" sz="900" dirty="0">
+                <a:latin typeface="+mn-lt"/>
+                <a:cs typeface="Courier New" panose="02070309020205020404" pitchFamily="49" charset="0"/>
+              </a:endParaRPr>
+            </a:p>
+            <a:p>
+              <a:endParaRPr lang="en-US" sz="900" dirty="0">
+                <a:latin typeface="+mn-lt"/>
+                <a:cs typeface="Courier New" panose="02070309020205020404" pitchFamily="49" charset="0"/>
+              </a:endParaRPr>
+            </a:p>
+            <a:p>
+              <a:endParaRPr lang="en-US" sz="900" dirty="0">
+                <a:latin typeface="+mn-lt"/>
+                <a:cs typeface="Courier New" panose="02070309020205020404" pitchFamily="49" charset="0"/>
+              </a:endParaRPr>
+            </a:p>
+            <a:p>
+              <a:endParaRPr lang="en-US" sz="900" dirty="0">
+                <a:latin typeface="+mn-lt"/>
+                <a:cs typeface="Courier New" panose="02070309020205020404" pitchFamily="49" charset="0"/>
+              </a:endParaRPr>
+            </a:p>
+            <a:p>
+              <a:endParaRPr lang="en-US" sz="900" dirty="0">
+                <a:latin typeface="+mn-lt"/>
+                <a:cs typeface="Courier New" panose="02070309020205020404" pitchFamily="49" charset="0"/>
+              </a:endParaRPr>
+            </a:p>
+            <a:p>
+              <a:r>
+                <a:rPr lang="en-US" sz="900" dirty="0">
+                  <a:latin typeface="+mn-lt"/>
+                  <a:cs typeface="Courier New" panose="02070309020205020404" pitchFamily="49" charset="0"/>
+                </a:rPr>
+                <a:t>5. Get </a:t>
+              </a:r>
+              <a:r>
+                <a:rPr lang="en-US" sz="900" i="1" dirty="0">
+                  <a:latin typeface="+mn-lt"/>
+                  <a:cs typeface="Courier New" panose="02070309020205020404" pitchFamily="49" charset="0"/>
+                </a:rPr>
+                <a:t>id</a:t>
+              </a:r>
+              <a:r>
+                <a:rPr lang="en-US" sz="900" dirty="0">
+                  <a:latin typeface="+mn-lt"/>
+                  <a:cs typeface="Courier New" panose="02070309020205020404" pitchFamily="49" charset="0"/>
+                </a:rPr>
+                <a:t> and </a:t>
+              </a:r>
+              <a:r>
+                <a:rPr lang="en-US" sz="900" i="1" dirty="0">
+                  <a:latin typeface="+mn-lt"/>
+                  <a:cs typeface="Courier New" panose="02070309020205020404" pitchFamily="49" charset="0"/>
+                </a:rPr>
+                <a:t>description</a:t>
+              </a:r>
+              <a:r>
+                <a:rPr lang="en-US" sz="900" dirty="0">
+                  <a:latin typeface="+mn-lt"/>
+                  <a:cs typeface="Courier New" panose="02070309020205020404" pitchFamily="49" charset="0"/>
+                </a:rPr>
+                <a:t> from </a:t>
+              </a:r>
+              <a:r>
+                <a:rPr lang="es-419" sz="900" i="1" dirty="0" err="1">
+                  <a:latin typeface="+mn-lt"/>
+                  <a:cs typeface="Courier New" panose="02070309020205020404" pitchFamily="49" charset="0"/>
+                </a:rPr>
+                <a:t>Item</a:t>
+              </a:r>
+              <a:r>
+                <a:rPr lang="en-US" sz="900" i="1" dirty="0">
+                  <a:latin typeface="+mn-lt"/>
+                  <a:cs typeface="Courier New" panose="02070309020205020404" pitchFamily="49" charset="0"/>
+                </a:rPr>
+                <a:t>s</a:t>
+              </a:r>
+              <a:r>
+                <a:rPr lang="en-US" sz="900" dirty="0">
+                  <a:latin typeface="+mn-lt"/>
+                  <a:cs typeface="Courier New" panose="02070309020205020404" pitchFamily="49" charset="0"/>
+                </a:rPr>
+                <a:t> </a:t>
+              </a:r>
+              <a:r>
+                <a:rPr lang="es-419" sz="900" dirty="0" err="1">
+                  <a:latin typeface="+mn-lt"/>
+                  <a:cs typeface="Courier New" panose="02070309020205020404" pitchFamily="49" charset="0"/>
+                </a:rPr>
+                <a:t>starting</a:t>
+              </a:r>
+              <a:r>
+                <a:rPr lang="es-419" sz="900" dirty="0">
+                  <a:latin typeface="+mn-lt"/>
+                  <a:cs typeface="Courier New" panose="02070309020205020404" pitchFamily="49" charset="0"/>
+                </a:rPr>
+                <a:t> </a:t>
+              </a:r>
+              <a:r>
+                <a:rPr lang="es-419" sz="900" dirty="0" err="1">
+                  <a:latin typeface="+mn-lt"/>
+                  <a:cs typeface="Courier New" panose="02070309020205020404" pitchFamily="49" charset="0"/>
+                </a:rPr>
+                <a:t>with</a:t>
+              </a:r>
+              <a:r>
+                <a:rPr lang="es-419" sz="900" dirty="0">
+                  <a:latin typeface="+mn-lt"/>
+                  <a:cs typeface="Courier New" panose="02070309020205020404" pitchFamily="49" charset="0"/>
+                </a:rPr>
+                <a:t> “</a:t>
+              </a:r>
+              <a:r>
+                <a:rPr lang="es-419" sz="900" dirty="0" err="1">
+                  <a:latin typeface="+mn-lt"/>
+                  <a:cs typeface="Courier New" panose="02070309020205020404" pitchFamily="49" charset="0"/>
+                </a:rPr>
+                <a:t>Sams</a:t>
+              </a:r>
+              <a:r>
+                <a:rPr lang="es-419" sz="900" dirty="0">
+                  <a:latin typeface="+mn-lt"/>
+                  <a:cs typeface="Courier New" panose="02070309020205020404" pitchFamily="49" charset="0"/>
+                </a:rPr>
+                <a:t>” and </a:t>
+              </a:r>
+              <a:r>
+                <a:rPr lang="es-419" sz="900" dirty="0" err="1">
+                  <a:latin typeface="+mn-lt"/>
+                  <a:cs typeface="Courier New" panose="02070309020205020404" pitchFamily="49" charset="0"/>
+                </a:rPr>
+                <a:t>measured</a:t>
+              </a:r>
+              <a:r>
+                <a:rPr lang="es-419" sz="900" dirty="0">
+                  <a:latin typeface="+mn-lt"/>
+                  <a:cs typeface="Courier New" panose="02070309020205020404" pitchFamily="49" charset="0"/>
+                </a:rPr>
+                <a:t> in “</a:t>
+              </a:r>
+              <a:r>
+                <a:rPr lang="es-419" sz="900" i="1" dirty="0" err="1">
+                  <a:latin typeface="+mn-lt"/>
+                  <a:cs typeface="Courier New" panose="02070309020205020404" pitchFamily="49" charset="0"/>
+                </a:rPr>
+                <a:t>pce</a:t>
+              </a:r>
+              <a:r>
+                <a:rPr lang="es-419" sz="900" i="1" dirty="0">
+                  <a:latin typeface="+mn-lt"/>
+                  <a:cs typeface="Courier New" panose="02070309020205020404" pitchFamily="49" charset="0"/>
+                </a:rPr>
+                <a:t>” </a:t>
+              </a:r>
+              <a:r>
+                <a:rPr lang="es-419" sz="900" dirty="0">
+                  <a:latin typeface="+mn-lt"/>
+                  <a:cs typeface="Courier New" panose="02070309020205020404" pitchFamily="49" charset="0"/>
+                </a:rPr>
+                <a:t>.</a:t>
+              </a:r>
+            </a:p>
+            <a:p>
+              <a:endParaRPr lang="en-US" sz="900" dirty="0">
+                <a:latin typeface="+mn-lt"/>
+                <a:cs typeface="Courier New" panose="02070309020205020404" pitchFamily="49" charset="0"/>
+              </a:endParaRPr>
+            </a:p>
+            <a:p>
+              <a:r>
+                <a:rPr lang="en-US" sz="900" dirty="0">
+                  <a:latin typeface="Courier New" panose="02070309020205020404" pitchFamily="49" charset="0"/>
+                  <a:cs typeface="Courier New" panose="02070309020205020404" pitchFamily="49" charset="0"/>
+                </a:rPr>
+                <a:t>SELECT </a:t>
+              </a:r>
+              <a:r>
+                <a:rPr lang="en-US" sz="900" dirty="0" err="1">
+                  <a:latin typeface="Courier New" panose="02070309020205020404" pitchFamily="49" charset="0"/>
+                  <a:cs typeface="Courier New" panose="02070309020205020404" pitchFamily="49" charset="0"/>
+                </a:rPr>
+                <a:t>item_id</a:t>
+              </a:r>
+              <a:endParaRPr lang="en-US" sz="900" dirty="0">
+                <a:latin typeface="Courier New" panose="02070309020205020404" pitchFamily="49" charset="0"/>
+                <a:cs typeface="Courier New" panose="02070309020205020404" pitchFamily="49" charset="0"/>
+              </a:endParaRPr>
+            </a:p>
+            <a:p>
+              <a:r>
+                <a:rPr lang="en-US" sz="900" dirty="0">
+                  <a:latin typeface="Courier New" panose="02070309020205020404" pitchFamily="49" charset="0"/>
+                  <a:cs typeface="Courier New" panose="02070309020205020404" pitchFamily="49" charset="0"/>
+                </a:rPr>
+                <a:t>     , description</a:t>
+              </a:r>
+            </a:p>
+            <a:p>
+              <a:r>
+                <a:rPr lang="en-US" sz="900" dirty="0">
+                  <a:latin typeface="Courier New" panose="02070309020205020404" pitchFamily="49" charset="0"/>
+                  <a:cs typeface="Courier New" panose="02070309020205020404" pitchFamily="49" charset="0"/>
+                </a:rPr>
+                <a:t>     , </a:t>
+              </a:r>
+              <a:r>
+                <a:rPr lang="en-US" sz="900" dirty="0" err="1">
+                  <a:latin typeface="Courier New" panose="02070309020205020404" pitchFamily="49" charset="0"/>
+                  <a:cs typeface="Courier New" panose="02070309020205020404" pitchFamily="49" charset="0"/>
+                </a:rPr>
+                <a:t>uom_id</a:t>
+              </a:r>
+              <a:endParaRPr lang="en-US" sz="900" dirty="0">
+                <a:latin typeface="Courier New" panose="02070309020205020404" pitchFamily="49" charset="0"/>
+                <a:cs typeface="Courier New" panose="02070309020205020404" pitchFamily="49" charset="0"/>
+              </a:endParaRPr>
+            </a:p>
+            <a:p>
+              <a:r>
+                <a:rPr lang="en-US" sz="900" dirty="0">
+                  <a:latin typeface="Courier New" panose="02070309020205020404" pitchFamily="49" charset="0"/>
+                  <a:cs typeface="Courier New" panose="02070309020205020404" pitchFamily="49" charset="0"/>
+                </a:rPr>
+                <a:t>  FROM item</a:t>
+              </a:r>
+            </a:p>
+            <a:p>
+              <a:r>
+                <a:rPr lang="en-US" sz="900" dirty="0">
+                  <a:latin typeface="Courier New" panose="02070309020205020404" pitchFamily="49" charset="0"/>
+                  <a:cs typeface="Courier New" panose="02070309020205020404" pitchFamily="49" charset="0"/>
+                </a:rPr>
+                <a:t> WHERE description LIKE '</a:t>
+              </a:r>
+              <a:r>
+                <a:rPr lang="en-US" sz="900" dirty="0" err="1">
+                  <a:latin typeface="Courier New" panose="02070309020205020404" pitchFamily="49" charset="0"/>
+                  <a:cs typeface="Courier New" panose="02070309020205020404" pitchFamily="49" charset="0"/>
+                </a:rPr>
+                <a:t>Sams</a:t>
+              </a:r>
+              <a:r>
+                <a:rPr lang="en-US" sz="900" dirty="0">
+                  <a:latin typeface="Courier New" panose="02070309020205020404" pitchFamily="49" charset="0"/>
+                  <a:cs typeface="Courier New" panose="02070309020205020404" pitchFamily="49" charset="0"/>
+                </a:rPr>
+                <a:t>%'</a:t>
+              </a:r>
+            </a:p>
+            <a:p>
+              <a:r>
+                <a:rPr lang="en-US" sz="900" dirty="0">
+                  <a:latin typeface="Courier New" panose="02070309020205020404" pitchFamily="49" charset="0"/>
+                  <a:cs typeface="Courier New" panose="02070309020205020404" pitchFamily="49" charset="0"/>
+                </a:rPr>
+                <a:t>   AND </a:t>
+              </a:r>
+              <a:r>
+                <a:rPr lang="en-US" sz="900" dirty="0" err="1">
+                  <a:latin typeface="Courier New" panose="02070309020205020404" pitchFamily="49" charset="0"/>
+                  <a:cs typeface="Courier New" panose="02070309020205020404" pitchFamily="49" charset="0"/>
+                </a:rPr>
+                <a:t>uom_id</a:t>
+              </a:r>
+              <a:r>
+                <a:rPr lang="en-US" sz="900" dirty="0">
+                  <a:latin typeface="Courier New" panose="02070309020205020404" pitchFamily="49" charset="0"/>
+                  <a:cs typeface="Courier New" panose="02070309020205020404" pitchFamily="49" charset="0"/>
+                </a:rPr>
+                <a:t> = '</a:t>
+              </a:r>
+              <a:r>
+                <a:rPr lang="en-US" sz="900" dirty="0" err="1">
+                  <a:latin typeface="Courier New" panose="02070309020205020404" pitchFamily="49" charset="0"/>
+                  <a:cs typeface="Courier New" panose="02070309020205020404" pitchFamily="49" charset="0"/>
+                </a:rPr>
+                <a:t>pce</a:t>
+              </a:r>
+              <a:r>
+                <a:rPr lang="en-US" sz="900" dirty="0">
+                  <a:latin typeface="Courier New" panose="02070309020205020404" pitchFamily="49" charset="0"/>
+                  <a:cs typeface="Courier New" panose="02070309020205020404" pitchFamily="49" charset="0"/>
+                </a:rPr>
+                <a:t>';</a:t>
+              </a:r>
+            </a:p>
+            <a:p>
+              <a:endParaRPr lang="en-US" sz="900" dirty="0">
+                <a:latin typeface="Courier New" panose="02070309020205020404" pitchFamily="49" charset="0"/>
+                <a:cs typeface="Courier New" panose="02070309020205020404" pitchFamily="49" charset="0"/>
+              </a:endParaRPr>
+            </a:p>
+            <a:p>
+              <a:endParaRPr lang="en-US" sz="900" dirty="0">
+                <a:latin typeface="Courier New" panose="02070309020205020404" pitchFamily="49" charset="0"/>
+                <a:cs typeface="Courier New" panose="02070309020205020404" pitchFamily="49" charset="0"/>
+              </a:endParaRPr>
+            </a:p>
+            <a:p>
+              <a:endParaRPr lang="en-US" sz="900" dirty="0">
+                <a:latin typeface="Courier New" panose="02070309020205020404" pitchFamily="49" charset="0"/>
+                <a:cs typeface="Courier New" panose="02070309020205020404" pitchFamily="49" charset="0"/>
+              </a:endParaRPr>
+            </a:p>
+          </p:txBody>
+        </p:sp>
+        <p:pic>
+          <p:nvPicPr>
+            <p:cNvPr id="9" name="Picture 8"/>
+            <p:cNvPicPr>
+              <a:picLocks noChangeAspect="1"/>
+            </p:cNvPicPr>
+            <p:nvPr/>
+          </p:nvPicPr>
+          <p:blipFill>
+            <a:blip r:embed="rId3"/>
+            <a:stretch>
+              <a:fillRect/>
+            </a:stretch>
+          </p:blipFill>
+          <p:spPr>
+            <a:xfrm>
+              <a:off x="401906" y="2249357"/>
+              <a:ext cx="3168351" cy="1107635"/>
+            </a:xfrm>
+            <a:prstGeom prst="rect">
+              <a:avLst/>
+            </a:prstGeom>
+            <a:ln>
+              <a:solidFill>
+                <a:srgbClr val="318ABE"/>
+              </a:solidFill>
+            </a:ln>
+          </p:spPr>
+        </p:pic>
+        <p:pic>
+          <p:nvPicPr>
+            <p:cNvPr id="16" name="Picture 15"/>
+            <p:cNvPicPr>
+              <a:picLocks noChangeAspect="1"/>
+            </p:cNvPicPr>
+            <p:nvPr/>
+          </p:nvPicPr>
+          <p:blipFill>
+            <a:blip r:embed="rId4"/>
+            <a:stretch>
+              <a:fillRect/>
+            </a:stretch>
+          </p:blipFill>
+          <p:spPr>
+            <a:xfrm>
+              <a:off x="281062" y="5128614"/>
+              <a:ext cx="4513332" cy="964682"/>
+            </a:xfrm>
+            <a:prstGeom prst="rect">
+              <a:avLst/>
+            </a:prstGeom>
+            <a:ln>
+              <a:solidFill>
+                <a:srgbClr val="3F358B"/>
+              </a:solidFill>
+            </a:ln>
+          </p:spPr>
+        </p:pic>
+      </p:grpSp>
     </p:spTree>
     <p:extLst>
       <p:ext uri="{BB962C8B-B14F-4D97-AF65-F5344CB8AC3E}">
@@ -13463,13 +14286,6 @@
   <p:clrMapOvr>
     <a:masterClrMapping/>
   </p:clrMapOvr>
-  <p:timing>
-    <p:tnLst>
-      <p:par>
-        <p:cTn id="1" dur="indefinite" restart="never" nodeType="tmRoot"/>
-      </p:par>
-    </p:tnLst>
-  </p:timing>
 </p:sld>
 </file>
 
@@ -13512,19 +14328,19 @@
           <a:p>
             <a:pPr algn="l"/>
             <a:r>
-              <a:rPr lang="es-419" sz="2400" dirty="0" err="1" smtClean="0">
+              <a:rPr lang="es-419" sz="2400" dirty="0" err="1">
                 <a:latin typeface="+mn-lt"/>
               </a:rPr>
               <a:t>Query</a:t>
             </a:r>
             <a:r>
-              <a:rPr lang="es-419" sz="2400" dirty="0" smtClean="0">
+              <a:rPr lang="es-419" sz="2400" dirty="0">
                 <a:latin typeface="+mn-lt"/>
               </a:rPr>
               <a:t> Basic </a:t>
             </a:r>
             <a:r>
-              <a:rPr lang="es-419" sz="2400" dirty="0" err="1" smtClean="0">
+              <a:rPr lang="es-419" sz="2400" dirty="0" err="1">
                 <a:latin typeface="+mn-lt"/>
               </a:rPr>
               <a:t>Structure</a:t>
@@ -13602,7 +14418,7 @@
                 <a:spcPct val="150000"/>
               </a:lnSpc>
             </a:pPr>
-            <a:endParaRPr lang="es-419" sz="1100" b="1" dirty="0" smtClean="0"/>
+            <a:endParaRPr lang="es-419" sz="1100" b="1" dirty="0"/>
           </a:p>
           <a:p>
             <a:pPr>
@@ -13611,19 +14427,19 @@
               </a:lnSpc>
             </a:pPr>
             <a:r>
-              <a:rPr lang="es-419" sz="1100" b="1" dirty="0" smtClean="0"/>
+              <a:rPr lang="es-419" sz="1100" b="1" dirty="0"/>
               <a:t>DISTINCT</a:t>
             </a:r>
             <a:r>
-              <a:rPr lang="es-MX" sz="1100" b="1" dirty="0" smtClean="0"/>
+              <a:rPr lang="es-MX" sz="1100" b="1" dirty="0"/>
               <a:t>: </a:t>
             </a:r>
             <a:r>
-              <a:rPr lang="es-419" sz="1100" dirty="0" err="1" smtClean="0"/>
+              <a:rPr lang="es-419" sz="1100" dirty="0" err="1"/>
               <a:t>Avoids</a:t>
             </a:r>
             <a:r>
-              <a:rPr lang="es-419" sz="1100" dirty="0" smtClean="0"/>
+              <a:rPr lang="es-419" sz="1100" dirty="0"/>
               <a:t> </a:t>
             </a:r>
             <a:r>
@@ -13638,7 +14454,7 @@
               <a:rPr lang="es-419" sz="1100" dirty="0" err="1"/>
               <a:t>results</a:t>
             </a:r>
-            <a:endParaRPr lang="es-MX" sz="1100" dirty="0" smtClean="0"/>
+            <a:endParaRPr lang="es-MX" sz="1100" dirty="0"/>
           </a:p>
           <a:p>
             <a:pPr>
@@ -13647,11 +14463,11 @@
               </a:lnSpc>
             </a:pPr>
             <a:r>
-              <a:rPr lang="es-419" sz="1100" b="1" dirty="0" smtClean="0"/>
+              <a:rPr lang="es-419" sz="1100" b="1" dirty="0"/>
               <a:t>GRUP BY</a:t>
             </a:r>
             <a:r>
-              <a:rPr lang="es-MX" sz="1100" b="1" dirty="0" smtClean="0"/>
+              <a:rPr lang="es-MX" sz="1100" b="1" dirty="0"/>
               <a:t>: </a:t>
             </a:r>
             <a:r>
@@ -13659,11 +14475,11 @@
               <a:t>To </a:t>
             </a:r>
             <a:r>
-              <a:rPr lang="es-419" sz="1100" dirty="0" err="1" smtClean="0"/>
+              <a:rPr lang="es-419" sz="1100" dirty="0" err="1"/>
               <a:t>group</a:t>
             </a:r>
             <a:r>
-              <a:rPr lang="es-419" sz="1100" dirty="0" smtClean="0"/>
+              <a:rPr lang="es-419" sz="1100" dirty="0"/>
               <a:t> </a:t>
             </a:r>
             <a:r>
@@ -13675,18 +14491,18 @@
               <a:t> </a:t>
             </a:r>
             <a:r>
-              <a:rPr lang="es-419" sz="1100" dirty="0" err="1" smtClean="0"/>
+              <a:rPr lang="es-419" sz="1100" dirty="0" err="1"/>
               <a:t>results</a:t>
             </a:r>
             <a:r>
-              <a:rPr lang="es-419" sz="1100" dirty="0" smtClean="0"/>
+              <a:rPr lang="es-419" sz="1100" dirty="0"/>
               <a:t> in a single </a:t>
             </a:r>
             <a:r>
-              <a:rPr lang="es-419" sz="1100" dirty="0" err="1" smtClean="0"/>
+              <a:rPr lang="es-419" sz="1100" dirty="0" err="1"/>
               <a:t>result</a:t>
             </a:r>
-            <a:endParaRPr lang="es-MX" sz="1100" dirty="0" smtClean="0"/>
+            <a:endParaRPr lang="es-MX" sz="1100" dirty="0"/>
           </a:p>
           <a:p>
             <a:pPr>
@@ -13695,15 +14511,15 @@
               </a:lnSpc>
             </a:pPr>
             <a:r>
-              <a:rPr lang="es-419" sz="1100" b="1" dirty="0" smtClean="0"/>
+              <a:rPr lang="es-419" sz="1100" b="1" dirty="0"/>
               <a:t>ORDER BY</a:t>
             </a:r>
             <a:r>
-              <a:rPr lang="es-MX" sz="1100" b="1" dirty="0" smtClean="0"/>
+              <a:rPr lang="es-MX" sz="1100" b="1" dirty="0"/>
               <a:t>:</a:t>
             </a:r>
             <a:r>
-              <a:rPr lang="es-MX" sz="1100" dirty="0" smtClean="0"/>
+              <a:rPr lang="es-MX" sz="1100" dirty="0"/>
               <a:t> </a:t>
             </a:r>
             <a:r>
@@ -13711,34 +14527,34 @@
               <a:t>To </a:t>
             </a:r>
             <a:r>
-              <a:rPr lang="es-419" sz="1100" dirty="0" err="1" smtClean="0"/>
+              <a:rPr lang="es-419" sz="1100" dirty="0" err="1"/>
               <a:t>sort</a:t>
             </a:r>
             <a:r>
-              <a:rPr lang="es-419" sz="1100" dirty="0" smtClean="0"/>
+              <a:rPr lang="es-419" sz="1100" dirty="0"/>
               <a:t> </a:t>
             </a:r>
             <a:r>
-              <a:rPr lang="es-419" sz="1100" dirty="0" err="1" smtClean="0"/>
+              <a:rPr lang="es-419" sz="1100" dirty="0" err="1"/>
               <a:t>the</a:t>
             </a:r>
             <a:r>
-              <a:rPr lang="es-419" sz="1100" dirty="0" smtClean="0"/>
+              <a:rPr lang="es-419" sz="1100" dirty="0"/>
               <a:t> </a:t>
             </a:r>
             <a:r>
-              <a:rPr lang="es-419" sz="1100" dirty="0" err="1" smtClean="0"/>
+              <a:rPr lang="es-419" sz="1100" dirty="0" err="1"/>
               <a:t>the</a:t>
             </a:r>
             <a:r>
-              <a:rPr lang="es-419" sz="1100" dirty="0" smtClean="0"/>
+              <a:rPr lang="es-419" sz="1100" dirty="0"/>
               <a:t> </a:t>
             </a:r>
             <a:r>
-              <a:rPr lang="es-419" sz="1100" dirty="0" err="1" smtClean="0"/>
+              <a:rPr lang="es-419" sz="1100" dirty="0" err="1"/>
               <a:t>result</a:t>
             </a:r>
-            <a:endParaRPr lang="es-419" sz="1100" dirty="0" smtClean="0"/>
+            <a:endParaRPr lang="es-419" sz="1100" dirty="0"/>
           </a:p>
           <a:p>
             <a:pPr>
@@ -13787,92 +14603,78 @@
             <a:lstStyle/>
             <a:p>
               <a:r>
-                <a:rPr lang="en-US" sz="900" dirty="0" smtClean="0">
+                <a:rPr lang="en-US" sz="900" dirty="0">
                   <a:latin typeface="+mn-lt"/>
                   <a:cs typeface="Courier New" panose="02070309020205020404" pitchFamily="49" charset="0"/>
                 </a:rPr>
                 <a:t>7. Get all </a:t>
               </a:r>
               <a:r>
-                <a:rPr lang="es-419" sz="900" dirty="0" err="1" smtClean="0">
+                <a:rPr lang="es-419" sz="900" dirty="0" err="1">
                   <a:latin typeface="+mn-lt"/>
                   <a:cs typeface="Courier New" panose="02070309020205020404" pitchFamily="49" charset="0"/>
                 </a:rPr>
                 <a:t>distinct</a:t>
               </a:r>
               <a:r>
-                <a:rPr lang="en-US" sz="900" dirty="0" smtClean="0">
+                <a:rPr lang="en-US" sz="900" dirty="0">
                   <a:latin typeface="+mn-lt"/>
                   <a:cs typeface="Courier New" panose="02070309020205020404" pitchFamily="49" charset="0"/>
                 </a:rPr>
                 <a:t> </a:t>
               </a:r>
               <a:r>
-                <a:rPr lang="en-US" sz="900" i="1" dirty="0" err="1" smtClean="0">
+                <a:rPr lang="en-US" sz="900" i="1" dirty="0" err="1">
                   <a:latin typeface="+mn-lt"/>
                   <a:cs typeface="Courier New" panose="02070309020205020404" pitchFamily="49" charset="0"/>
                 </a:rPr>
                 <a:t>uom_id</a:t>
               </a:r>
               <a:r>
-                <a:rPr lang="en-US" sz="900" i="1" dirty="0" smtClean="0">
+                <a:rPr lang="en-US" sz="900" i="1" dirty="0">
                   <a:latin typeface="+mn-lt"/>
                   <a:cs typeface="Courier New" panose="02070309020205020404" pitchFamily="49" charset="0"/>
                 </a:rPr>
                 <a:t>, price</a:t>
               </a:r>
               <a:r>
-                <a:rPr lang="en-US" sz="900" dirty="0" smtClean="0">
+                <a:rPr lang="en-US" sz="900" dirty="0">
                   <a:latin typeface="+mn-lt"/>
                   <a:cs typeface="Courier New" panose="02070309020205020404" pitchFamily="49" charset="0"/>
                 </a:rPr>
                 <a:t> from </a:t>
               </a:r>
               <a:r>
-                <a:rPr lang="en-US" sz="900" i="1" dirty="0" smtClean="0">
+                <a:rPr lang="en-US" sz="900" i="1" dirty="0">
                   <a:latin typeface="+mn-lt"/>
                   <a:cs typeface="Courier New" panose="02070309020205020404" pitchFamily="49" charset="0"/>
                 </a:rPr>
                 <a:t>Items</a:t>
               </a:r>
               <a:r>
-                <a:rPr lang="en-US" sz="900" dirty="0" smtClean="0">
+                <a:rPr lang="en-US" sz="900" dirty="0">
                   <a:latin typeface="+mn-lt"/>
                   <a:cs typeface="Courier New" panose="02070309020205020404" pitchFamily="49" charset="0"/>
                 </a:rPr>
                 <a:t> where </a:t>
               </a:r>
               <a:r>
-                <a:rPr lang="en-US" sz="900" i="1" dirty="0" smtClean="0">
+                <a:rPr lang="en-US" sz="900" i="1" dirty="0">
                   <a:latin typeface="+mn-lt"/>
                   <a:cs typeface="Courier New" panose="02070309020205020404" pitchFamily="49" charset="0"/>
                 </a:rPr>
                 <a:t>price</a:t>
               </a:r>
               <a:r>
-                <a:rPr lang="en-US" sz="900" dirty="0" smtClean="0">
-                  <a:latin typeface="+mn-lt"/>
-                  <a:cs typeface="Courier New" panose="02070309020205020404" pitchFamily="49" charset="0"/>
-                </a:rPr>
-                <a:t> are </a:t>
-              </a:r>
-              <a:r>
                 <a:rPr lang="en-US" sz="900" dirty="0">
                   <a:latin typeface="+mn-lt"/>
                   <a:cs typeface="Courier New" panose="02070309020205020404" pitchFamily="49" charset="0"/>
                 </a:rPr>
-                <a:t>l</a:t>
-              </a:r>
-              <a:r>
-                <a:rPr lang="en-US" sz="900" dirty="0" smtClean="0">
-                  <a:latin typeface="+mn-lt"/>
-                  <a:cs typeface="Courier New" panose="02070309020205020404" pitchFamily="49" charset="0"/>
-                </a:rPr>
-                <a:t>ess than 500.</a:t>
-              </a:r>
-            </a:p>
-            <a:p>
-              <a:endParaRPr lang="en-US" sz="900" dirty="0" smtClean="0">
+                <a:t> are less than 500.</a:t>
+              </a:r>
+            </a:p>
+            <a:p>
+              <a:endParaRPr lang="en-US" sz="900" dirty="0">
                 <a:latin typeface="Courier New" panose="02070309020205020404" pitchFamily="49" charset="0"/>
                 <a:cs typeface="Courier New" panose="02070309020205020404" pitchFamily="49" charset="0"/>
               </a:endParaRPr>
@@ -13917,29 +14719,15 @@
                   <a:latin typeface="Courier New" panose="02070309020205020404" pitchFamily="49" charset="0"/>
                   <a:cs typeface="Courier New" panose="02070309020205020404" pitchFamily="49" charset="0"/>
                 </a:rPr>
-                <a:t> </a:t>
-              </a:r>
-              <a:r>
-                <a:rPr lang="en-US" sz="900" dirty="0" smtClean="0">
-                  <a:latin typeface="Courier New" panose="02070309020205020404" pitchFamily="49" charset="0"/>
-                  <a:cs typeface="Courier New" panose="02070309020205020404" pitchFamily="49" charset="0"/>
-                </a:rPr>
-                <a:t> FROM </a:t>
-              </a:r>
+                <a:t>  FROM item</a:t>
+              </a:r>
+            </a:p>
+            <a:p>
               <a:r>
                 <a:rPr lang="en-US" sz="900" dirty="0">
                   <a:latin typeface="Courier New" panose="02070309020205020404" pitchFamily="49" charset="0"/>
                   <a:cs typeface="Courier New" panose="02070309020205020404" pitchFamily="49" charset="0"/>
                 </a:rPr>
-                <a:t>item</a:t>
-              </a:r>
-            </a:p>
-            <a:p>
-              <a:r>
-                <a:rPr lang="en-US" sz="900" dirty="0" smtClean="0">
-                  <a:latin typeface="Courier New" panose="02070309020205020404" pitchFamily="49" charset="0"/>
-                  <a:cs typeface="Courier New" panose="02070309020205020404" pitchFamily="49" charset="0"/>
-                </a:rPr>
                 <a:t> WHERE </a:t>
               </a:r>
               <a:r>
@@ -13954,33 +14742,8 @@
                   <a:latin typeface="Courier New" panose="02070309020205020404" pitchFamily="49" charset="0"/>
                   <a:cs typeface="Courier New" panose="02070309020205020404" pitchFamily="49" charset="0"/>
                 </a:rPr>
-                <a:t> &lt; </a:t>
-              </a:r>
-              <a:r>
-                <a:rPr lang="en-US" sz="900" dirty="0" smtClean="0">
-                  <a:latin typeface="Courier New" panose="02070309020205020404" pitchFamily="49" charset="0"/>
-                  <a:cs typeface="Courier New" panose="02070309020205020404" pitchFamily="49" charset="0"/>
-                </a:rPr>
-                <a:t>500;</a:t>
-              </a:r>
-            </a:p>
-            <a:p>
-              <a:endParaRPr lang="en-US" sz="900" dirty="0" smtClean="0">
-                <a:latin typeface="Courier New" panose="02070309020205020404" pitchFamily="49" charset="0"/>
-                <a:cs typeface="Courier New" panose="02070309020205020404" pitchFamily="49" charset="0"/>
-              </a:endParaRPr>
-            </a:p>
-            <a:p>
-              <a:endParaRPr lang="en-US" sz="900" dirty="0" smtClean="0">
-                <a:latin typeface="Courier New" panose="02070309020205020404" pitchFamily="49" charset="0"/>
-                <a:cs typeface="Courier New" panose="02070309020205020404" pitchFamily="49" charset="0"/>
-              </a:endParaRPr>
-            </a:p>
-            <a:p>
-              <a:endParaRPr lang="en-US" sz="900" dirty="0" smtClean="0">
-                <a:latin typeface="Courier New" panose="02070309020205020404" pitchFamily="49" charset="0"/>
-                <a:cs typeface="Courier New" panose="02070309020205020404" pitchFamily="49" charset="0"/>
-              </a:endParaRPr>
+                <a:t> &lt; 500;</a:t>
+              </a:r>
             </a:p>
             <a:p>
               <a:endParaRPr lang="en-US" sz="900" dirty="0">
@@ -13989,44 +14752,32 @@
               </a:endParaRPr>
             </a:p>
             <a:p>
-              <a:endParaRPr lang="en-US" sz="900" dirty="0" smtClean="0">
-                <a:latin typeface="Courier New" panose="02070309020205020404" pitchFamily="49" charset="0"/>
-                <a:cs typeface="Courier New" panose="02070309020205020404" pitchFamily="49" charset="0"/>
-              </a:endParaRPr>
-            </a:p>
-            <a:p>
               <a:endParaRPr lang="en-US" sz="900" dirty="0">
                 <a:latin typeface="Courier New" panose="02070309020205020404" pitchFamily="49" charset="0"/>
                 <a:cs typeface="Courier New" panose="02070309020205020404" pitchFamily="49" charset="0"/>
               </a:endParaRPr>
             </a:p>
             <a:p>
-              <a:endParaRPr lang="en-US" sz="900" dirty="0" smtClean="0">
-                <a:latin typeface="+mn-lt"/>
+              <a:endParaRPr lang="en-US" sz="900" dirty="0">
+                <a:latin typeface="Courier New" panose="02070309020205020404" pitchFamily="49" charset="0"/>
                 <a:cs typeface="Courier New" panose="02070309020205020404" pitchFamily="49" charset="0"/>
               </a:endParaRPr>
             </a:p>
             <a:p>
-              <a:endParaRPr lang="en-US" sz="900" dirty="0" smtClean="0">
-                <a:latin typeface="+mn-lt"/>
+              <a:endParaRPr lang="en-US" sz="900" dirty="0">
+                <a:latin typeface="Courier New" panose="02070309020205020404" pitchFamily="49" charset="0"/>
                 <a:cs typeface="Courier New" panose="02070309020205020404" pitchFamily="49" charset="0"/>
               </a:endParaRPr>
             </a:p>
             <a:p>
-              <a:endParaRPr lang="en-US" sz="900" dirty="0" smtClean="0">
-                <a:latin typeface="+mn-lt"/>
+              <a:endParaRPr lang="en-US" sz="900" dirty="0">
+                <a:latin typeface="Courier New" panose="02070309020205020404" pitchFamily="49" charset="0"/>
                 <a:cs typeface="Courier New" panose="02070309020205020404" pitchFamily="49" charset="0"/>
               </a:endParaRPr>
             </a:p>
             <a:p>
-              <a:endParaRPr lang="en-US" sz="900" dirty="0" smtClean="0">
-                <a:latin typeface="+mn-lt"/>
-                <a:cs typeface="Courier New" panose="02070309020205020404" pitchFamily="49" charset="0"/>
-              </a:endParaRPr>
-            </a:p>
-            <a:p>
-              <a:endParaRPr lang="en-US" sz="900" dirty="0" smtClean="0">
-                <a:latin typeface="+mn-lt"/>
+              <a:endParaRPr lang="en-US" sz="900" dirty="0">
+                <a:latin typeface="Courier New" panose="02070309020205020404" pitchFamily="49" charset="0"/>
                 <a:cs typeface="Courier New" panose="02070309020205020404" pitchFamily="49" charset="0"/>
               </a:endParaRPr>
             </a:p>
@@ -14037,20 +14788,50 @@
               </a:endParaRPr>
             </a:p>
             <a:p>
-              <a:endParaRPr lang="en-US" sz="900" dirty="0" smtClean="0">
+              <a:endParaRPr lang="en-US" sz="900" dirty="0">
                 <a:latin typeface="+mn-lt"/>
                 <a:cs typeface="Courier New" panose="02070309020205020404" pitchFamily="49" charset="0"/>
               </a:endParaRPr>
             </a:p>
             <a:p>
-              <a:endParaRPr lang="en-US" sz="900" dirty="0" smtClean="0">
+              <a:endParaRPr lang="en-US" sz="900" dirty="0">
                 <a:latin typeface="+mn-lt"/>
                 <a:cs typeface="Courier New" panose="02070309020205020404" pitchFamily="49" charset="0"/>
               </a:endParaRPr>
             </a:p>
             <a:p>
-              <a:r>
-                <a:rPr lang="en-US" sz="900" dirty="0" smtClean="0">
+              <a:endParaRPr lang="en-US" sz="900" dirty="0">
+                <a:latin typeface="+mn-lt"/>
+                <a:cs typeface="Courier New" panose="02070309020205020404" pitchFamily="49" charset="0"/>
+              </a:endParaRPr>
+            </a:p>
+            <a:p>
+              <a:endParaRPr lang="en-US" sz="900" dirty="0">
+                <a:latin typeface="+mn-lt"/>
+                <a:cs typeface="Courier New" panose="02070309020205020404" pitchFamily="49" charset="0"/>
+              </a:endParaRPr>
+            </a:p>
+            <a:p>
+              <a:endParaRPr lang="en-US" sz="900" dirty="0">
+                <a:latin typeface="+mn-lt"/>
+                <a:cs typeface="Courier New" panose="02070309020205020404" pitchFamily="49" charset="0"/>
+              </a:endParaRPr>
+            </a:p>
+            <a:p>
+              <a:endParaRPr lang="en-US" sz="900" dirty="0">
+                <a:latin typeface="+mn-lt"/>
+                <a:cs typeface="Courier New" panose="02070309020205020404" pitchFamily="49" charset="0"/>
+              </a:endParaRPr>
+            </a:p>
+            <a:p>
+              <a:endParaRPr lang="en-US" sz="900" dirty="0">
+                <a:latin typeface="+mn-lt"/>
+                <a:cs typeface="Courier New" panose="02070309020205020404" pitchFamily="49" charset="0"/>
+              </a:endParaRPr>
+            </a:p>
+            <a:p>
+              <a:r>
+                <a:rPr lang="en-US" sz="900" dirty="0">
                   <a:latin typeface="+mn-lt"/>
                   <a:cs typeface="Courier New" panose="02070309020205020404" pitchFamily="49" charset="0"/>
                 </a:rPr>
@@ -14096,13 +14877,7 @@
                 <a:rPr lang="en-US" sz="900" dirty="0">
                   <a:cs typeface="Courier New" panose="02070309020205020404" pitchFamily="49" charset="0"/>
                 </a:rPr>
-                <a:t> are less than </a:t>
-              </a:r>
-              <a:r>
-                <a:rPr lang="en-US" sz="900" dirty="0" smtClean="0">
-                  <a:cs typeface="Courier New" panose="02070309020205020404" pitchFamily="49" charset="0"/>
-                </a:rPr>
-                <a:t>500, ordered first by </a:t>
+                <a:t> are less than 500, ordered first by </a:t>
               </a:r>
               <a:r>
                 <a:rPr lang="en-US" sz="900" i="1" dirty="0" err="1">
@@ -14111,7 +14886,7 @@
                 <a:t>uom_id</a:t>
               </a:r>
               <a:r>
-                <a:rPr lang="en-US" sz="900" dirty="0" smtClean="0">
+                <a:rPr lang="en-US" sz="900" dirty="0">
                   <a:cs typeface="Courier New" panose="02070309020205020404" pitchFamily="49" charset="0"/>
                 </a:rPr>
                 <a:t>, and then by </a:t>
@@ -14123,7 +14898,7 @@
                 <a:t>price</a:t>
               </a:r>
               <a:r>
-                <a:rPr lang="es-419" sz="900" dirty="0" smtClean="0">
+                <a:rPr lang="es-419" sz="900" dirty="0">
                   <a:latin typeface="+mn-lt"/>
                   <a:cs typeface="Courier New" panose="02070309020205020404" pitchFamily="49" charset="0"/>
                 </a:rPr>
@@ -14131,7 +14906,7 @@
               </a:r>
             </a:p>
             <a:p>
-              <a:endParaRPr lang="en-US" sz="900" dirty="0" smtClean="0">
+              <a:endParaRPr lang="en-US" sz="900" dirty="0">
                 <a:latin typeface="+mn-lt"/>
                 <a:cs typeface="Courier New" panose="02070309020205020404" pitchFamily="49" charset="0"/>
               </a:endParaRPr>
@@ -14240,19 +15015,19 @@
               </a:r>
             </a:p>
             <a:p>
-              <a:endParaRPr lang="en-US" sz="900" dirty="0" smtClean="0">
-                <a:latin typeface="Courier New" panose="02070309020205020404" pitchFamily="49" charset="0"/>
-                <a:cs typeface="Courier New" panose="02070309020205020404" pitchFamily="49" charset="0"/>
-              </a:endParaRPr>
-            </a:p>
-            <a:p>
               <a:endParaRPr lang="en-US" sz="900" dirty="0">
                 <a:latin typeface="Courier New" panose="02070309020205020404" pitchFamily="49" charset="0"/>
                 <a:cs typeface="Courier New" panose="02070309020205020404" pitchFamily="49" charset="0"/>
               </a:endParaRPr>
             </a:p>
             <a:p>
-              <a:endParaRPr lang="en-US" sz="900" dirty="0" smtClean="0">
+              <a:endParaRPr lang="en-US" sz="900" dirty="0">
+                <a:latin typeface="Courier New" panose="02070309020205020404" pitchFamily="49" charset="0"/>
+                <a:cs typeface="Courier New" panose="02070309020205020404" pitchFamily="49" charset="0"/>
+              </a:endParaRPr>
+            </a:p>
+            <a:p>
+              <a:endParaRPr lang="en-US" sz="900" dirty="0">
                 <a:latin typeface="Courier New" panose="02070309020205020404" pitchFamily="49" charset="0"/>
                 <a:cs typeface="Courier New" panose="02070309020205020404" pitchFamily="49" charset="0"/>
               </a:endParaRPr>
@@ -14328,13 +15103,6 @@
   <p:clrMapOvr>
     <a:masterClrMapping/>
   </p:clrMapOvr>
-  <p:timing>
-    <p:tnLst>
-      <p:par>
-        <p:cTn id="1" dur="indefinite" restart="never" nodeType="tmRoot"/>
-      </p:par>
-    </p:tnLst>
-  </p:timing>
 </p:sld>
 </file>
 
@@ -14377,34 +15145,28 @@
           <a:p>
             <a:pPr algn="l"/>
             <a:r>
-              <a:rPr lang="es-419" sz="2400" dirty="0" err="1" smtClean="0">
+              <a:rPr lang="es-419" sz="2400" dirty="0" err="1">
                 <a:latin typeface="+mn-lt"/>
               </a:rPr>
               <a:t>Agregate</a:t>
             </a:r>
             <a:r>
-              <a:rPr lang="es-419" sz="2400" dirty="0" smtClean="0">
+              <a:rPr lang="es-419" sz="2400" dirty="0">
                 <a:latin typeface="+mn-lt"/>
               </a:rPr>
               <a:t> </a:t>
             </a:r>
             <a:r>
-              <a:rPr lang="es-419" sz="2400" dirty="0" err="1" smtClean="0">
+              <a:rPr lang="es-419" sz="2400" dirty="0" err="1">
                 <a:latin typeface="+mn-lt"/>
               </a:rPr>
               <a:t>Functions</a:t>
             </a:r>
             <a:r>
-              <a:rPr lang="es-419" sz="2400" dirty="0" smtClean="0">
-                <a:latin typeface="+mn-lt"/>
-              </a:rPr>
-              <a:t> and </a:t>
-            </a:r>
-            <a:r>
               <a:rPr lang="es-419" sz="2400" dirty="0">
                 <a:latin typeface="+mn-lt"/>
               </a:rPr>
-              <a:t>Aliases</a:t>
+              <a:t> and Aliases</a:t>
             </a:r>
             <a:endParaRPr lang="es-MX" sz="2400" dirty="0">
               <a:latin typeface="+mn-lt"/>
@@ -14480,12 +15242,8 @@
               </a:lnSpc>
             </a:pPr>
             <a:r>
-              <a:rPr lang="en-US" sz="1100" dirty="0" smtClean="0"/>
-              <a:t>Only </a:t>
-            </a:r>
-            <a:r>
               <a:rPr lang="en-US" sz="1100" dirty="0"/>
-              <a:t>"</a:t>
+              <a:t>Only "</a:t>
             </a:r>
             <a:r>
               <a:rPr lang="en-US" sz="1100" i="1" dirty="0"/>
@@ -14496,56 +15254,40 @@
               <a:t>" </a:t>
             </a:r>
             <a:r>
-              <a:rPr lang="es-419" sz="1100" dirty="0" err="1" smtClean="0"/>
+              <a:rPr lang="es-419" sz="1100" dirty="0" err="1"/>
               <a:t>columns</a:t>
             </a:r>
             <a:r>
-              <a:rPr lang="es-419" sz="1100" dirty="0" smtClean="0"/>
+              <a:rPr lang="es-419" sz="1100" dirty="0"/>
               <a:t> </a:t>
             </a:r>
             <a:r>
-              <a:rPr lang="en-US" sz="1100" dirty="0" smtClean="0"/>
-              <a:t>and </a:t>
-            </a:r>
-            <a:r>
               <a:rPr lang="en-US" sz="1100" dirty="0"/>
-              <a:t>Summarized </a:t>
-            </a:r>
-            <a:r>
-              <a:rPr lang="es-419" sz="1100" dirty="0" err="1" smtClean="0"/>
+              <a:t>and Summarized </a:t>
+            </a:r>
+            <a:r>
+              <a:rPr lang="es-419" sz="1100" dirty="0" err="1"/>
               <a:t>expression</a:t>
             </a:r>
             <a:r>
-              <a:rPr lang="en-US" sz="1100" dirty="0" smtClean="0"/>
+              <a:rPr lang="en-US" sz="1100" dirty="0"/>
               <a:t>s(</a:t>
             </a:r>
             <a:r>
-              <a:rPr lang="en-US" sz="1100" b="1" dirty="0" smtClean="0"/>
-              <a:t>COUNT</a:t>
-            </a:r>
-            <a:r>
               <a:rPr lang="en-US" sz="1100" b="1" dirty="0"/>
-              <a:t>, SUM, AVG, MAX, MIN</a:t>
+              <a:t>COUNT, SUM, AVG, MAX, MIN</a:t>
             </a:r>
             <a:r>
               <a:rPr lang="en-US" sz="1100" dirty="0"/>
               <a:t>) </a:t>
             </a:r>
             <a:r>
-              <a:rPr lang="es-419" sz="1100" dirty="0" err="1" smtClean="0"/>
+              <a:rPr lang="es-419" sz="1100" dirty="0" err="1"/>
               <a:t>should</a:t>
             </a:r>
             <a:r>
-              <a:rPr lang="en-US" sz="1100" dirty="0" smtClean="0"/>
-              <a:t> </a:t>
-            </a:r>
-            <a:r>
               <a:rPr lang="en-US" sz="1100" dirty="0"/>
-              <a:t>belong to SELECT </a:t>
-            </a:r>
-            <a:r>
-              <a:rPr lang="en-US" sz="1100" dirty="0" smtClean="0"/>
-              <a:t>clause</a:t>
+              <a:t> belong to SELECT clause</a:t>
             </a:r>
           </a:p>
         </p:txBody>
@@ -14587,263 +15329,263 @@
             <a:lstStyle/>
             <a:p>
               <a:r>
-                <a:rPr lang="en-US" sz="900" dirty="0" smtClean="0">
+                <a:rPr lang="en-US" sz="900" dirty="0">
                   <a:latin typeface="+mn-lt"/>
                   <a:cs typeface="Courier New" panose="02070309020205020404" pitchFamily="49" charset="0"/>
                 </a:rPr>
                 <a:t>9. Get </a:t>
               </a:r>
               <a:r>
-                <a:rPr lang="es-419" sz="900" i="1" dirty="0" err="1" smtClean="0">
+                <a:rPr lang="es-419" sz="900" i="1" dirty="0" err="1">
                   <a:latin typeface="+mn-lt"/>
                   <a:cs typeface="Courier New" panose="02070309020205020404" pitchFamily="49" charset="0"/>
                 </a:rPr>
                 <a:t>total_carts</a:t>
               </a:r>
               <a:r>
-                <a:rPr lang="es-419" sz="900" dirty="0" smtClean="0">
+                <a:rPr lang="es-419" sz="900" dirty="0">
                   <a:latin typeface="+mn-lt"/>
                   <a:cs typeface="Courier New" panose="02070309020205020404" pitchFamily="49" charset="0"/>
                 </a:rPr>
                 <a:t> </a:t>
               </a:r>
               <a:r>
-                <a:rPr lang="es-419" sz="900" dirty="0" err="1" smtClean="0">
+                <a:rPr lang="es-419" sz="900" dirty="0" err="1">
                   <a:latin typeface="+mn-lt"/>
                   <a:cs typeface="Courier New" panose="02070309020205020404" pitchFamily="49" charset="0"/>
                 </a:rPr>
                 <a:t>containing</a:t>
               </a:r>
               <a:r>
-                <a:rPr lang="es-419" sz="900" dirty="0" smtClean="0">
+                <a:rPr lang="es-419" sz="900" dirty="0">
                   <a:latin typeface="+mn-lt"/>
                   <a:cs typeface="Courier New" panose="02070309020205020404" pitchFamily="49" charset="0"/>
                 </a:rPr>
                 <a:t> </a:t>
               </a:r>
               <a:r>
-                <a:rPr lang="es-419" sz="900" dirty="0" err="1" smtClean="0">
+                <a:rPr lang="es-419" sz="900" dirty="0" err="1">
                   <a:latin typeface="+mn-lt"/>
                   <a:cs typeface="Courier New" panose="02070309020205020404" pitchFamily="49" charset="0"/>
                 </a:rPr>
                 <a:t>an</a:t>
               </a:r>
               <a:r>
-                <a:rPr lang="es-419" sz="900" dirty="0" smtClean="0">
+                <a:rPr lang="es-419" sz="900" dirty="0">
                   <a:latin typeface="+mn-lt"/>
                   <a:cs typeface="Courier New" panose="02070309020205020404" pitchFamily="49" charset="0"/>
                 </a:rPr>
                 <a:t> </a:t>
               </a:r>
               <a:r>
-                <a:rPr lang="es-419" sz="900" dirty="0" err="1" smtClean="0">
+                <a:rPr lang="es-419" sz="900" dirty="0" err="1">
                   <a:latin typeface="+mn-lt"/>
                   <a:cs typeface="Courier New" panose="02070309020205020404" pitchFamily="49" charset="0"/>
                 </a:rPr>
                 <a:t>item</a:t>
               </a:r>
               <a:r>
-                <a:rPr lang="en-US" sz="900" i="1" dirty="0" smtClean="0">
+                <a:rPr lang="en-US" sz="900" i="1" dirty="0">
                   <a:latin typeface="+mn-lt"/>
                   <a:cs typeface="Courier New" panose="02070309020205020404" pitchFamily="49" charset="0"/>
                 </a:rPr>
                 <a:t>, </a:t>
               </a:r>
               <a:r>
-                <a:rPr lang="es-419" sz="900" i="1" dirty="0" err="1" smtClean="0">
+                <a:rPr lang="es-419" sz="900" i="1" dirty="0" err="1">
                   <a:latin typeface="+mn-lt"/>
                   <a:cs typeface="Courier New" panose="02070309020205020404" pitchFamily="49" charset="0"/>
                 </a:rPr>
                 <a:t>total_ítems</a:t>
               </a:r>
               <a:r>
-                <a:rPr lang="es-419" sz="900" dirty="0" smtClean="0">
+                <a:rPr lang="es-419" sz="900" dirty="0">
                   <a:latin typeface="+mn-lt"/>
                   <a:cs typeface="Courier New" panose="02070309020205020404" pitchFamily="49" charset="0"/>
                 </a:rPr>
                 <a:t> and </a:t>
               </a:r>
               <a:r>
-                <a:rPr lang="es-419" sz="900" i="1" dirty="0" err="1" smtClean="0">
+                <a:rPr lang="es-419" sz="900" i="1" dirty="0" err="1">
                   <a:latin typeface="+mn-lt"/>
                   <a:cs typeface="Courier New" panose="02070309020205020404" pitchFamily="49" charset="0"/>
                 </a:rPr>
                 <a:t>average</a:t>
               </a:r>
               <a:r>
-                <a:rPr lang="es-419" sz="900" i="1" dirty="0" smtClean="0">
+                <a:rPr lang="es-419" sz="900" i="1" dirty="0">
                   <a:latin typeface="+mn-lt"/>
                   <a:cs typeface="Courier New" panose="02070309020205020404" pitchFamily="49" charset="0"/>
                 </a:rPr>
                 <a:t> of ítem </a:t>
               </a:r>
               <a:r>
-                <a:rPr lang="es-419" sz="900" i="1" dirty="0" err="1" smtClean="0">
+                <a:rPr lang="es-419" sz="900" i="1" dirty="0" err="1">
                   <a:latin typeface="+mn-lt"/>
                   <a:cs typeface="Courier New" panose="02070309020205020404" pitchFamily="49" charset="0"/>
                 </a:rPr>
                 <a:t>by</a:t>
               </a:r>
               <a:r>
-                <a:rPr lang="es-419" sz="900" i="1" dirty="0" smtClean="0">
+                <a:rPr lang="es-419" sz="900" i="1" dirty="0">
                   <a:latin typeface="+mn-lt"/>
                   <a:cs typeface="Courier New" panose="02070309020205020404" pitchFamily="49" charset="0"/>
                 </a:rPr>
                 <a:t> </a:t>
               </a:r>
               <a:r>
-                <a:rPr lang="es-419" sz="900" i="1" dirty="0" err="1" smtClean="0">
+                <a:rPr lang="es-419" sz="900" i="1" dirty="0" err="1">
                   <a:latin typeface="+mn-lt"/>
                   <a:cs typeface="Courier New" panose="02070309020205020404" pitchFamily="49" charset="0"/>
                 </a:rPr>
                 <a:t>carts</a:t>
               </a:r>
               <a:r>
-                <a:rPr lang="es-419" sz="900" dirty="0" smtClean="0">
+                <a:rPr lang="es-419" sz="900" dirty="0">
                   <a:latin typeface="+mn-lt"/>
                   <a:cs typeface="Courier New" panose="02070309020205020404" pitchFamily="49" charset="0"/>
                 </a:rPr>
                 <a:t>; </a:t>
               </a:r>
               <a:r>
-                <a:rPr lang="es-419" sz="900" dirty="0" err="1" smtClean="0">
+                <a:rPr lang="es-419" sz="900" dirty="0" err="1">
                   <a:latin typeface="+mn-lt"/>
                   <a:cs typeface="Courier New" panose="02070309020205020404" pitchFamily="49" charset="0"/>
                 </a:rPr>
                 <a:t>all</a:t>
               </a:r>
               <a:r>
-                <a:rPr lang="en-US" sz="900" dirty="0" smtClean="0">
+                <a:rPr lang="en-US" sz="900" dirty="0">
                   <a:latin typeface="+mn-lt"/>
                   <a:cs typeface="Courier New" panose="02070309020205020404" pitchFamily="49" charset="0"/>
                 </a:rPr>
                 <a:t> from</a:t>
               </a:r>
               <a:r>
-                <a:rPr lang="es-419" sz="900" dirty="0" smtClean="0">
+                <a:rPr lang="es-419" sz="900" dirty="0">
                   <a:latin typeface="+mn-lt"/>
                   <a:cs typeface="Courier New" panose="02070309020205020404" pitchFamily="49" charset="0"/>
                 </a:rPr>
                 <a:t> </a:t>
               </a:r>
               <a:r>
-                <a:rPr lang="es-419" sz="900" dirty="0" err="1" smtClean="0">
+                <a:rPr lang="es-419" sz="900" dirty="0" err="1">
                   <a:latin typeface="+mn-lt"/>
                   <a:cs typeface="Courier New" panose="02070309020205020404" pitchFamily="49" charset="0"/>
                 </a:rPr>
                 <a:t>each</a:t>
               </a:r>
               <a:r>
-                <a:rPr lang="es-419" sz="900" dirty="0" smtClean="0">
+                <a:rPr lang="es-419" sz="900" dirty="0">
                   <a:latin typeface="+mn-lt"/>
                   <a:cs typeface="Courier New" panose="02070309020205020404" pitchFamily="49" charset="0"/>
                 </a:rPr>
                 <a:t> ítem in</a:t>
               </a:r>
               <a:r>
-                <a:rPr lang="en-US" sz="900" dirty="0" smtClean="0">
+                <a:rPr lang="en-US" sz="900" dirty="0">
                   <a:latin typeface="+mn-lt"/>
                   <a:cs typeface="Courier New" panose="02070309020205020404" pitchFamily="49" charset="0"/>
                 </a:rPr>
                 <a:t> </a:t>
               </a:r>
               <a:r>
-                <a:rPr lang="es-419" sz="900" i="1" dirty="0" err="1" smtClean="0">
+                <a:rPr lang="es-419" sz="900" i="1" dirty="0" err="1">
                   <a:latin typeface="+mn-lt"/>
                   <a:cs typeface="Courier New" panose="02070309020205020404" pitchFamily="49" charset="0"/>
                 </a:rPr>
                 <a:t>CartILine</a:t>
               </a:r>
               <a:r>
-                <a:rPr lang="es-419" sz="900" dirty="0" smtClean="0">
+                <a:rPr lang="es-419" sz="900" dirty="0">
                   <a:latin typeface="+mn-lt"/>
                   <a:cs typeface="Courier New" panose="02070309020205020404" pitchFamily="49" charset="0"/>
                 </a:rPr>
                 <a:t>. </a:t>
               </a:r>
               <a:r>
-                <a:rPr lang="es-419" sz="900" dirty="0" err="1" smtClean="0">
+                <a:rPr lang="es-419" sz="900" dirty="0" err="1">
                   <a:latin typeface="+mn-lt"/>
                   <a:cs typeface="Courier New" panose="02070309020205020404" pitchFamily="49" charset="0"/>
                 </a:rPr>
                 <a:t>Sort</a:t>
               </a:r>
               <a:r>
-                <a:rPr lang="es-419" sz="900" dirty="0" smtClean="0">
+                <a:rPr lang="es-419" sz="900" dirty="0">
                   <a:latin typeface="+mn-lt"/>
                   <a:cs typeface="Courier New" panose="02070309020205020404" pitchFamily="49" charset="0"/>
                 </a:rPr>
                 <a:t> </a:t>
               </a:r>
               <a:r>
-                <a:rPr lang="es-419" sz="900" dirty="0" err="1" smtClean="0">
+                <a:rPr lang="es-419" sz="900" dirty="0" err="1">
                   <a:latin typeface="+mn-lt"/>
                   <a:cs typeface="Courier New" panose="02070309020205020404" pitchFamily="49" charset="0"/>
                 </a:rPr>
                 <a:t>the</a:t>
               </a:r>
               <a:r>
-                <a:rPr lang="es-419" sz="900" dirty="0" smtClean="0">
+                <a:rPr lang="es-419" sz="900" dirty="0">
                   <a:latin typeface="+mn-lt"/>
                   <a:cs typeface="Courier New" panose="02070309020205020404" pitchFamily="49" charset="0"/>
                 </a:rPr>
                 <a:t> </a:t>
               </a:r>
               <a:r>
-                <a:rPr lang="es-419" sz="900" dirty="0" err="1" smtClean="0">
+                <a:rPr lang="es-419" sz="900" dirty="0" err="1">
                   <a:latin typeface="+mn-lt"/>
                   <a:cs typeface="Courier New" panose="02070309020205020404" pitchFamily="49" charset="0"/>
                 </a:rPr>
                 <a:t>result</a:t>
               </a:r>
               <a:r>
-                <a:rPr lang="es-419" sz="900" dirty="0" smtClean="0">
+                <a:rPr lang="es-419" sz="900" dirty="0">
                   <a:latin typeface="+mn-lt"/>
                   <a:cs typeface="Courier New" panose="02070309020205020404" pitchFamily="49" charset="0"/>
                 </a:rPr>
                 <a:t> </a:t>
               </a:r>
               <a:r>
-                <a:rPr lang="es-419" sz="900" dirty="0" err="1" smtClean="0">
+                <a:rPr lang="es-419" sz="900" dirty="0" err="1">
                   <a:latin typeface="+mn-lt"/>
                   <a:cs typeface="Courier New" panose="02070309020205020404" pitchFamily="49" charset="0"/>
                 </a:rPr>
                 <a:t>by</a:t>
               </a:r>
               <a:r>
-                <a:rPr lang="es-419" sz="900" dirty="0" smtClean="0">
+                <a:rPr lang="es-419" sz="900" dirty="0">
                   <a:latin typeface="+mn-lt"/>
                   <a:cs typeface="Courier New" panose="02070309020205020404" pitchFamily="49" charset="0"/>
                 </a:rPr>
                 <a:t> </a:t>
               </a:r>
               <a:r>
-                <a:rPr lang="es-419" sz="900" i="1" dirty="0" err="1" smtClean="0">
+                <a:rPr lang="es-419" sz="900" i="1" dirty="0" err="1">
                   <a:latin typeface="+mn-lt"/>
                   <a:cs typeface="Courier New" panose="02070309020205020404" pitchFamily="49" charset="0"/>
                 </a:rPr>
                 <a:t>ittem_id</a:t>
               </a:r>
               <a:r>
-                <a:rPr lang="es-419" sz="900" dirty="0" smtClean="0">
+                <a:rPr lang="es-419" sz="900" dirty="0">
                   <a:latin typeface="+mn-lt"/>
                   <a:cs typeface="Courier New" panose="02070309020205020404" pitchFamily="49" charset="0"/>
                 </a:rPr>
                 <a:t>.</a:t>
               </a:r>
-              <a:endParaRPr lang="en-US" sz="900" dirty="0" smtClean="0">
+              <a:endParaRPr lang="en-US" sz="900" dirty="0">
                 <a:latin typeface="+mn-lt"/>
                 <a:cs typeface="Courier New" panose="02070309020205020404" pitchFamily="49" charset="0"/>
               </a:endParaRPr>
             </a:p>
             <a:p>
-              <a:endParaRPr lang="en-US" sz="900" dirty="0" smtClean="0">
+              <a:endParaRPr lang="en-US" sz="900" dirty="0">
                 <a:latin typeface="Courier New" panose="02070309020205020404" pitchFamily="49" charset="0"/>
                 <a:cs typeface="Courier New" panose="02070309020205020404" pitchFamily="49" charset="0"/>
               </a:endParaRPr>
             </a:p>
             <a:p>
-              <a:endParaRPr lang="en-US" sz="900" dirty="0" smtClean="0">
+              <a:endParaRPr lang="en-US" sz="900" dirty="0">
                 <a:latin typeface="Courier New" panose="02070309020205020404" pitchFamily="49" charset="0"/>
                 <a:cs typeface="Courier New" panose="02070309020205020404" pitchFamily="49" charset="0"/>
               </a:endParaRPr>
@@ -14931,21 +15673,21 @@
                 <a:t>     , AVG(quantity) AS </a:t>
               </a:r>
               <a:r>
-                <a:rPr lang="es-419" sz="900" dirty="0" err="1" smtClean="0">
+                <a:rPr lang="es-419" sz="900" dirty="0" err="1">
                   <a:latin typeface="Courier New" panose="02070309020205020404" pitchFamily="49" charset="0"/>
                   <a:cs typeface="Courier New" panose="02070309020205020404" pitchFamily="49" charset="0"/>
                 </a:rPr>
                 <a:t>items</a:t>
               </a:r>
               <a:r>
-                <a:rPr lang="en-US" sz="900" dirty="0" smtClean="0">
+                <a:rPr lang="en-US" sz="900" dirty="0">
                   <a:latin typeface="Courier New" panose="02070309020205020404" pitchFamily="49" charset="0"/>
                   <a:cs typeface="Courier New" panose="02070309020205020404" pitchFamily="49" charset="0"/>
                 </a:rPr>
                 <a:t>_</a:t>
               </a:r>
               <a:r>
-                <a:rPr lang="en-US" sz="900" dirty="0" err="1" smtClean="0">
+                <a:rPr lang="en-US" sz="900" dirty="0" err="1">
                   <a:latin typeface="Courier New" panose="02070309020205020404" pitchFamily="49" charset="0"/>
                   <a:cs typeface="Courier New" panose="02070309020205020404" pitchFamily="49" charset="0"/>
                 </a:rPr>
@@ -15005,14 +15747,14 @@
                 <a:t> ORDER BY </a:t>
               </a:r>
               <a:r>
-                <a:rPr lang="en-US" sz="900" dirty="0" err="1" smtClean="0">
+                <a:rPr lang="en-US" sz="900" dirty="0" err="1">
                   <a:latin typeface="Courier New" panose="02070309020205020404" pitchFamily="49" charset="0"/>
                   <a:cs typeface="Courier New" panose="02070309020205020404" pitchFamily="49" charset="0"/>
                 </a:rPr>
                 <a:t>item_id</a:t>
               </a:r>
               <a:r>
-                <a:rPr lang="en-US" sz="900" dirty="0" smtClean="0">
+                <a:rPr lang="en-US" sz="900" dirty="0">
                   <a:latin typeface="Courier New" panose="02070309020205020404" pitchFamily="49" charset="0"/>
                   <a:cs typeface="Courier New" panose="02070309020205020404" pitchFamily="49" charset="0"/>
                 </a:rPr>
@@ -15088,175 +15830,169 @@
             <a:lstStyle/>
             <a:p>
               <a:r>
-                <a:rPr lang="en-US" sz="900" dirty="0" smtClean="0">
-                  <a:cs typeface="Courier New" panose="02070309020205020404" pitchFamily="49" charset="0"/>
-                </a:rPr>
-                <a:t>10. </a:t>
-              </a:r>
-              <a:r>
                 <a:rPr lang="en-US" sz="900" dirty="0">
                   <a:cs typeface="Courier New" panose="02070309020205020404" pitchFamily="49" charset="0"/>
                 </a:rPr>
-                <a:t>Get </a:t>
-              </a:r>
-              <a:r>
-                <a:rPr lang="es-419" sz="900" dirty="0" err="1" smtClean="0">
+                <a:t>10. Get </a:t>
+              </a:r>
+              <a:r>
+                <a:rPr lang="es-419" sz="900" dirty="0" err="1">
                   <a:cs typeface="Courier New" panose="02070309020205020404" pitchFamily="49" charset="0"/>
                 </a:rPr>
                 <a:t>the</a:t>
               </a:r>
               <a:r>
-                <a:rPr lang="es-419" sz="900" dirty="0" smtClean="0">
+                <a:rPr lang="es-419" sz="900" dirty="0">
                   <a:cs typeface="Courier New" panose="02070309020205020404" pitchFamily="49" charset="0"/>
                 </a:rPr>
                 <a:t> </a:t>
               </a:r>
               <a:r>
-                <a:rPr lang="es-419" sz="900" i="1" dirty="0" err="1" smtClean="0">
+                <a:rPr lang="es-419" sz="900" i="1" dirty="0" err="1">
                   <a:cs typeface="Courier New" panose="02070309020205020404" pitchFamily="49" charset="0"/>
                 </a:rPr>
                 <a:t>least</a:t>
               </a:r>
               <a:r>
-                <a:rPr lang="es-419" sz="900" dirty="0" smtClean="0">
+                <a:rPr lang="es-419" sz="900" dirty="0">
                   <a:cs typeface="Courier New" panose="02070309020205020404" pitchFamily="49" charset="0"/>
                 </a:rPr>
                 <a:t> and </a:t>
               </a:r>
               <a:r>
-                <a:rPr lang="es-419" sz="900" dirty="0" err="1" smtClean="0">
+                <a:rPr lang="es-419" sz="900" dirty="0" err="1">
                   <a:cs typeface="Courier New" panose="02070309020205020404" pitchFamily="49" charset="0"/>
                 </a:rPr>
                 <a:t>the</a:t>
               </a:r>
               <a:r>
-                <a:rPr lang="en-US" sz="900" dirty="0" smtClean="0">
+                <a:rPr lang="en-US" sz="900" dirty="0">
                   <a:cs typeface="Courier New" panose="02070309020205020404" pitchFamily="49" charset="0"/>
                 </a:rPr>
                 <a:t> </a:t>
               </a:r>
               <a:r>
-                <a:rPr lang="es-419" sz="900" i="1" dirty="0" err="1" smtClean="0">
+                <a:rPr lang="es-419" sz="900" i="1" dirty="0" err="1">
                   <a:cs typeface="Courier New" panose="02070309020205020404" pitchFamily="49" charset="0"/>
                 </a:rPr>
                 <a:t>greatest</a:t>
               </a:r>
               <a:r>
-                <a:rPr lang="es-419" sz="900" dirty="0" smtClean="0">
+                <a:rPr lang="es-419" sz="900" dirty="0">
                   <a:cs typeface="Courier New" panose="02070309020205020404" pitchFamily="49" charset="0"/>
                 </a:rPr>
                 <a:t> </a:t>
               </a:r>
               <a:r>
-                <a:rPr lang="es-419" sz="900" dirty="0" err="1" smtClean="0">
+                <a:rPr lang="es-419" sz="900" dirty="0" err="1">
                   <a:cs typeface="Courier New" panose="02070309020205020404" pitchFamily="49" charset="0"/>
                 </a:rPr>
                 <a:t>amounts</a:t>
               </a:r>
               <a:r>
-                <a:rPr lang="es-419" sz="900" dirty="0" smtClean="0">
+                <a:rPr lang="es-419" sz="900" dirty="0">
                   <a:cs typeface="Courier New" panose="02070309020205020404" pitchFamily="49" charset="0"/>
                 </a:rPr>
                 <a:t> f</a:t>
               </a:r>
               <a:r>
-                <a:rPr lang="en-US" sz="900" dirty="0" smtClean="0">
+                <a:rPr lang="en-US" sz="900" dirty="0">
                   <a:cs typeface="Courier New" panose="02070309020205020404" pitchFamily="49" charset="0"/>
                 </a:rPr>
                 <a:t>rom</a:t>
               </a:r>
               <a:r>
-                <a:rPr lang="es-419" sz="900" dirty="0" smtClean="0">
+                <a:rPr lang="es-419" sz="900" dirty="0">
                   <a:cs typeface="Courier New" panose="02070309020205020404" pitchFamily="49" charset="0"/>
                 </a:rPr>
                 <a:t> </a:t>
               </a:r>
               <a:r>
-                <a:rPr lang="es-419" sz="900" dirty="0" err="1" smtClean="0">
+                <a:rPr lang="es-419" sz="900" dirty="0" err="1">
                   <a:cs typeface="Courier New" panose="02070309020205020404" pitchFamily="49" charset="0"/>
                 </a:rPr>
                 <a:t>each</a:t>
               </a:r>
               <a:r>
-                <a:rPr lang="es-419" sz="900" dirty="0" smtClean="0">
+                <a:rPr lang="es-419" sz="900" dirty="0">
                   <a:cs typeface="Courier New" panose="02070309020205020404" pitchFamily="49" charset="0"/>
                 </a:rPr>
                 <a:t> </a:t>
               </a:r>
               <a:r>
-                <a:rPr lang="es-419" sz="900" i="1" dirty="0" err="1" smtClean="0">
+                <a:rPr lang="es-419" sz="900" i="1" dirty="0" err="1">
                   <a:cs typeface="Courier New" panose="02070309020205020404" pitchFamily="49" charset="0"/>
                 </a:rPr>
                 <a:t>ship_to_id</a:t>
               </a:r>
               <a:r>
-                <a:rPr lang="es-419" sz="900" dirty="0" smtClean="0">
+                <a:rPr lang="es-419" sz="900" dirty="0">
                   <a:cs typeface="Courier New" panose="02070309020205020404" pitchFamily="49" charset="0"/>
                 </a:rPr>
                 <a:t> and </a:t>
               </a:r>
               <a:r>
-                <a:rPr lang="es-419" sz="900" i="1" dirty="0" err="1" smtClean="0">
+                <a:rPr lang="es-419" sz="900" i="1" dirty="0" err="1">
                   <a:cs typeface="Courier New" panose="02070309020205020404" pitchFamily="49" charset="0"/>
                 </a:rPr>
                 <a:t>status_id</a:t>
               </a:r>
               <a:r>
-                <a:rPr lang="es-419" sz="900" dirty="0" smtClean="0">
+                <a:rPr lang="es-419" sz="900" dirty="0">
                   <a:cs typeface="Courier New" panose="02070309020205020404" pitchFamily="49" charset="0"/>
                 </a:rPr>
                 <a:t> </a:t>
               </a:r>
               <a:r>
-                <a:rPr lang="es-419" sz="900" dirty="0" err="1" smtClean="0">
+                <a:rPr lang="es-419" sz="900" dirty="0" err="1">
                   <a:cs typeface="Courier New" panose="02070309020205020404" pitchFamily="49" charset="0"/>
                 </a:rPr>
                 <a:t>from</a:t>
               </a:r>
               <a:r>
-                <a:rPr lang="es-419" sz="900" dirty="0" smtClean="0">
+                <a:rPr lang="es-419" sz="900" dirty="0">
                   <a:cs typeface="Courier New" panose="02070309020205020404" pitchFamily="49" charset="0"/>
                 </a:rPr>
                 <a:t> </a:t>
               </a:r>
               <a:r>
-                <a:rPr lang="en-US" sz="900" dirty="0" smtClean="0">
+                <a:rPr lang="en-US" sz="900" dirty="0">
                   <a:cs typeface="Courier New" panose="02070309020205020404" pitchFamily="49" charset="0"/>
                 </a:rPr>
                 <a:t> </a:t>
               </a:r>
               <a:r>
-                <a:rPr lang="es-419" sz="900" i="1" dirty="0" err="1" smtClean="0">
+                <a:rPr lang="es-419" sz="900" i="1" dirty="0" err="1">
                   <a:cs typeface="Courier New" panose="02070309020205020404" pitchFamily="49" charset="0"/>
                 </a:rPr>
                 <a:t>Cart</a:t>
               </a:r>
               <a:r>
-                <a:rPr lang="en-US" sz="900" i="1" dirty="0" smtClean="0">
+                <a:rPr lang="en-US" sz="900" i="1" dirty="0">
                   <a:cs typeface="Courier New" panose="02070309020205020404" pitchFamily="49" charset="0"/>
                 </a:rPr>
                 <a:t>s</a:t>
               </a:r>
               <a:r>
-                <a:rPr lang="en-US" sz="900" dirty="0" smtClean="0">
+                <a:rPr lang="en-US" sz="900" dirty="0">
                   <a:cs typeface="Courier New" panose="02070309020205020404" pitchFamily="49" charset="0"/>
                 </a:rPr>
                 <a:t> </a:t>
               </a:r>
               <a:r>
-                <a:rPr lang="es-419" sz="900" dirty="0" smtClean="0">
+                <a:rPr lang="es-419" sz="900" dirty="0">
                   <a:cs typeface="Courier New" panose="02070309020205020404" pitchFamily="49" charset="0"/>
                 </a:rPr>
                 <a:t>and </a:t>
               </a:r>
               <a:r>
-                <a:rPr lang="es-419" sz="900" dirty="0" err="1" smtClean="0">
+                <a:rPr lang="es-419" sz="900" dirty="0" err="1">
                   <a:cs typeface="Courier New" panose="02070309020205020404" pitchFamily="49" charset="0"/>
                 </a:rPr>
                 <a:t>sort</a:t>
               </a:r>
               <a:r>
-                <a:rPr lang="es-419" sz="900" dirty="0" smtClean="0">
+                <a:rPr lang="es-419" sz="900" dirty="0">
                   <a:cs typeface="Courier New" panose="02070309020205020404" pitchFamily="49" charset="0"/>
                 </a:rPr>
                 <a:t> </a:t>
@@ -15298,7 +16034,7 @@
                 <a:t> </a:t>
               </a:r>
               <a:r>
-                <a:rPr lang="es-419" sz="900" i="1" dirty="0" err="1" smtClean="0">
+                <a:rPr lang="es-419" sz="900" i="1" dirty="0" err="1">
                   <a:cs typeface="Courier New" panose="02070309020205020404" pitchFamily="49" charset="0"/>
                 </a:rPr>
                 <a:t>ship_to_id</a:t>
@@ -15307,32 +16043,23 @@
                 <a:rPr lang="es-419" sz="900" dirty="0">
                   <a:cs typeface="Courier New" panose="02070309020205020404" pitchFamily="49" charset="0"/>
                 </a:rPr>
-                <a:t> </a:t>
-              </a:r>
-              <a:r>
-                <a:rPr lang="es-419" sz="900" dirty="0" smtClean="0">
-                  <a:cs typeface="Courier New" panose="02070309020205020404" pitchFamily="49" charset="0"/>
-                </a:rPr>
-                <a:t>and </a:t>
-              </a:r>
-              <a:r>
-                <a:rPr lang="es-419" sz="900" i="1" dirty="0" err="1" smtClean="0">
+                <a:t> and </a:t>
+              </a:r>
+              <a:r>
+                <a:rPr lang="es-419" sz="900" i="1" dirty="0" err="1">
                   <a:cs typeface="Courier New" panose="02070309020205020404" pitchFamily="49" charset="0"/>
                 </a:rPr>
                 <a:t>status_id</a:t>
               </a:r>
               <a:r>
-                <a:rPr lang="es-419" sz="900" dirty="0" smtClean="0">
+                <a:rPr lang="es-419" sz="900" dirty="0">
                   <a:cs typeface="Courier New" panose="02070309020205020404" pitchFamily="49" charset="0"/>
                 </a:rPr>
                 <a:t>.</a:t>
               </a:r>
-              <a:endParaRPr lang="es-419" sz="900" dirty="0">
-                <a:cs typeface="Courier New" panose="02070309020205020404" pitchFamily="49" charset="0"/>
-              </a:endParaRPr>
-            </a:p>
-            <a:p>
-              <a:endParaRPr lang="en-US" sz="900" dirty="0" smtClean="0">
+            </a:p>
+            <a:p>
+              <a:endParaRPr lang="en-US" sz="900" dirty="0">
                 <a:cs typeface="Courier New" panose="02070309020205020404" pitchFamily="49" charset="0"/>
               </a:endParaRPr>
             </a:p>
@@ -15507,23 +16234,19 @@
                 <a:t> ORDER BY </a:t>
               </a:r>
               <a:r>
-                <a:rPr lang="en-US" sz="900" dirty="0" err="1" smtClean="0">
+                <a:rPr lang="en-US" sz="900" dirty="0" err="1">
                   <a:latin typeface="Courier New" panose="02070309020205020404" pitchFamily="49" charset="0"/>
                   <a:cs typeface="Courier New" panose="02070309020205020404" pitchFamily="49" charset="0"/>
                 </a:rPr>
                 <a:t>ship_to_id</a:t>
               </a:r>
               <a:r>
-                <a:rPr lang="en-US" sz="900" dirty="0" smtClean="0">
+                <a:rPr lang="en-US" sz="900" dirty="0">
                   <a:latin typeface="Courier New" panose="02070309020205020404" pitchFamily="49" charset="0"/>
                   <a:cs typeface="Courier New" panose="02070309020205020404" pitchFamily="49" charset="0"/>
                 </a:rPr>
                 <a:t>;</a:t>
               </a:r>
-              <a:endParaRPr lang="en-US" sz="900" dirty="0">
-                <a:latin typeface="Courier New" panose="02070309020205020404" pitchFamily="49" charset="0"/>
-                <a:cs typeface="Courier New" panose="02070309020205020404" pitchFamily="49" charset="0"/>
-              </a:endParaRPr>
             </a:p>
           </p:txBody>
         </p:sp>
@@ -15567,13 +16290,6 @@
   <p:clrMapOvr>
     <a:masterClrMapping/>
   </p:clrMapOvr>
-  <p:timing>
-    <p:tnLst>
-      <p:par>
-        <p:cTn id="1" dur="indefinite" restart="never" nodeType="tmRoot"/>
-      </p:par>
-    </p:tnLst>
-  </p:timing>
 </p:sld>
 </file>
 
@@ -15616,7 +16332,7 @@
           <a:p>
             <a:pPr algn="l"/>
             <a:r>
-              <a:rPr lang="es-419" sz="2400" dirty="0" err="1" smtClean="0">
+              <a:rPr lang="es-419" sz="2400" dirty="0" err="1">
                 <a:latin typeface="+mn-lt"/>
               </a:rPr>
               <a:t>Having</a:t>
@@ -15696,23 +16412,11 @@
             </a:pPr>
             <a:r>
               <a:rPr lang="en-US" sz="1100" dirty="0"/>
-              <a:t>Lets us to set filters on results of Aggregate functions in a </a:t>
-            </a:r>
-            <a:r>
-              <a:rPr lang="en-US" sz="1100" dirty="0" smtClean="0"/>
-              <a:t>Query</a:t>
-            </a:r>
-            <a:r>
-              <a:rPr lang="en-US" sz="1100" dirty="0"/>
-              <a:t>. </a:t>
+              <a:t>Lets us to set filters on results of Aggregate functions in a Query. </a:t>
             </a:r>
             <a:r>
               <a:rPr lang="en-US" sz="1100" b="1" dirty="0"/>
-              <a:t>Only "Summary Columns" can belong Having </a:t>
-            </a:r>
-            <a:r>
-              <a:rPr lang="en-US" sz="1100" b="1" dirty="0" smtClean="0"/>
-              <a:t>clause</a:t>
+              <a:t>Only "Summary Columns" can belong Having clause</a:t>
             </a:r>
           </a:p>
         </p:txBody>
@@ -15754,105 +16458,105 @@
             <a:lstStyle/>
             <a:p>
               <a:r>
-                <a:rPr lang="es-419" sz="900" dirty="0" smtClean="0">
+                <a:rPr lang="es-419" sz="900" dirty="0">
                   <a:latin typeface="+mn-lt"/>
                   <a:cs typeface="Courier New" panose="02070309020205020404" pitchFamily="49" charset="0"/>
                 </a:rPr>
                 <a:t>11</a:t>
               </a:r>
               <a:r>
-                <a:rPr lang="en-US" sz="900" dirty="0" smtClean="0">
+                <a:rPr lang="en-US" sz="900" dirty="0">
                   <a:latin typeface="+mn-lt"/>
                   <a:cs typeface="Courier New" panose="02070309020205020404" pitchFamily="49" charset="0"/>
                 </a:rPr>
                 <a:t>. Get </a:t>
               </a:r>
               <a:r>
-                <a:rPr lang="es-419" sz="900" i="1" dirty="0" err="1" smtClean="0">
+                <a:rPr lang="es-419" sz="900" i="1" dirty="0" err="1">
                   <a:latin typeface="+mn-lt"/>
                   <a:cs typeface="Courier New" panose="02070309020205020404" pitchFamily="49" charset="0"/>
                 </a:rPr>
                 <a:t>cart_id</a:t>
               </a:r>
               <a:r>
-                <a:rPr lang="es-419" sz="900" dirty="0" smtClean="0">
+                <a:rPr lang="es-419" sz="900" dirty="0">
                   <a:latin typeface="+mn-lt"/>
                   <a:cs typeface="Courier New" panose="02070309020205020404" pitchFamily="49" charset="0"/>
                 </a:rPr>
                 <a:t> and</a:t>
               </a:r>
               <a:r>
-                <a:rPr lang="en-US" sz="900" i="1" dirty="0" smtClean="0">
+                <a:rPr lang="en-US" sz="900" i="1" dirty="0">
                   <a:latin typeface="+mn-lt"/>
                   <a:cs typeface="Courier New" panose="02070309020205020404" pitchFamily="49" charset="0"/>
                 </a:rPr>
                 <a:t> </a:t>
               </a:r>
               <a:r>
-                <a:rPr lang="es-419" sz="900" i="1" dirty="0" err="1" smtClean="0">
+                <a:rPr lang="es-419" sz="900" i="1" dirty="0" err="1">
                   <a:latin typeface="+mn-lt"/>
                   <a:cs typeface="Courier New" panose="02070309020205020404" pitchFamily="49" charset="0"/>
                 </a:rPr>
                 <a:t>total_ítems</a:t>
               </a:r>
               <a:r>
-                <a:rPr lang="es-419" sz="900" dirty="0" smtClean="0">
+                <a:rPr lang="es-419" sz="900" dirty="0">
                   <a:latin typeface="+mn-lt"/>
                   <a:cs typeface="Courier New" panose="02070309020205020404" pitchFamily="49" charset="0"/>
                 </a:rPr>
                 <a:t> </a:t>
               </a:r>
               <a:r>
-                <a:rPr lang="en-US" sz="900" dirty="0" err="1" smtClean="0">
+                <a:rPr lang="en-US" sz="900" dirty="0" err="1">
                   <a:latin typeface="+mn-lt"/>
                   <a:cs typeface="Courier New" panose="02070309020205020404" pitchFamily="49" charset="0"/>
                 </a:rPr>
                 <a:t>fo</a:t>
               </a:r>
               <a:r>
-                <a:rPr lang="es-419" sz="900" dirty="0" smtClean="0">
+                <a:rPr lang="es-419" sz="900" dirty="0">
                   <a:latin typeface="+mn-lt"/>
                   <a:cs typeface="Courier New" panose="02070309020205020404" pitchFamily="49" charset="0"/>
                 </a:rPr>
                 <a:t>r </a:t>
               </a:r>
               <a:r>
-                <a:rPr lang="es-419" sz="900" dirty="0" err="1" smtClean="0">
+                <a:rPr lang="es-419" sz="900" dirty="0" err="1">
                   <a:latin typeface="+mn-lt"/>
                   <a:cs typeface="Courier New" panose="02070309020205020404" pitchFamily="49" charset="0"/>
                 </a:rPr>
                 <a:t>each</a:t>
               </a:r>
               <a:r>
-                <a:rPr lang="es-419" sz="900" dirty="0" smtClean="0">
+                <a:rPr lang="es-419" sz="900" dirty="0">
                   <a:latin typeface="+mn-lt"/>
                   <a:cs typeface="Courier New" panose="02070309020205020404" pitchFamily="49" charset="0"/>
                 </a:rPr>
                 <a:t> </a:t>
               </a:r>
               <a:r>
-                <a:rPr lang="es-419" sz="900" dirty="0" err="1" smtClean="0">
+                <a:rPr lang="es-419" sz="900" dirty="0" err="1">
                   <a:latin typeface="+mn-lt"/>
                   <a:cs typeface="Courier New" panose="02070309020205020404" pitchFamily="49" charset="0"/>
                 </a:rPr>
                 <a:t>Cart</a:t>
               </a:r>
               <a:r>
-                <a:rPr lang="es-419" sz="900" dirty="0" smtClean="0">
+                <a:rPr lang="es-419" sz="900" dirty="0">
                   <a:latin typeface="+mn-lt"/>
                   <a:cs typeface="Courier New" panose="02070309020205020404" pitchFamily="49" charset="0"/>
                 </a:rPr>
                 <a:t> in</a:t>
               </a:r>
               <a:r>
-                <a:rPr lang="en-US" sz="900" dirty="0" smtClean="0">
+                <a:rPr lang="en-US" sz="900" dirty="0">
                   <a:latin typeface="+mn-lt"/>
                   <a:cs typeface="Courier New" panose="02070309020205020404" pitchFamily="49" charset="0"/>
                 </a:rPr>
                 <a:t> </a:t>
               </a:r>
               <a:r>
-                <a:rPr lang="es-419" sz="900" i="1" dirty="0" err="1" smtClean="0">
+                <a:rPr lang="es-419" sz="900" i="1" dirty="0" err="1">
                   <a:latin typeface="+mn-lt"/>
                   <a:cs typeface="Courier New" panose="02070309020205020404" pitchFamily="49" charset="0"/>
                 </a:rPr>
@@ -15866,88 +16570,88 @@
                 <a:t> </a:t>
               </a:r>
               <a:r>
-                <a:rPr lang="es-419" sz="900" dirty="0" err="1" smtClean="0">
+                <a:rPr lang="es-419" sz="900" dirty="0" err="1">
                   <a:latin typeface="+mn-lt"/>
                   <a:cs typeface="Courier New" panose="02070309020205020404" pitchFamily="49" charset="0"/>
                 </a:rPr>
                 <a:t>where</a:t>
               </a:r>
               <a:r>
-                <a:rPr lang="es-419" sz="900" dirty="0" smtClean="0">
+                <a:rPr lang="es-419" sz="900" dirty="0">
                   <a:latin typeface="+mn-lt"/>
                   <a:cs typeface="Courier New" panose="02070309020205020404" pitchFamily="49" charset="0"/>
                 </a:rPr>
                 <a:t> </a:t>
               </a:r>
               <a:r>
-                <a:rPr lang="es-419" sz="900" i="1" dirty="0" err="1" smtClean="0">
+                <a:rPr lang="es-419" sz="900" i="1" dirty="0" err="1">
                   <a:latin typeface="+mn-lt"/>
                   <a:cs typeface="Courier New" panose="02070309020205020404" pitchFamily="49" charset="0"/>
                 </a:rPr>
                 <a:t>total_ítems</a:t>
               </a:r>
               <a:r>
-                <a:rPr lang="es-419" sz="900" dirty="0" smtClean="0">
+                <a:rPr lang="es-419" sz="900" dirty="0">
                   <a:latin typeface="+mn-lt"/>
                   <a:cs typeface="Courier New" panose="02070309020205020404" pitchFamily="49" charset="0"/>
                 </a:rPr>
                 <a:t> </a:t>
               </a:r>
               <a:r>
-                <a:rPr lang="es-419" sz="900" dirty="0" err="1" smtClean="0">
+                <a:rPr lang="es-419" sz="900" dirty="0" err="1">
                   <a:latin typeface="+mn-lt"/>
                   <a:cs typeface="Courier New" panose="02070309020205020404" pitchFamily="49" charset="0"/>
                 </a:rPr>
                 <a:t>is</a:t>
               </a:r>
               <a:r>
-                <a:rPr lang="es-419" sz="900" dirty="0" smtClean="0">
+                <a:rPr lang="es-419" sz="900" dirty="0">
                   <a:latin typeface="+mn-lt"/>
                   <a:cs typeface="Courier New" panose="02070309020205020404" pitchFamily="49" charset="0"/>
                 </a:rPr>
                 <a:t> </a:t>
               </a:r>
               <a:r>
-                <a:rPr lang="es-419" sz="900" dirty="0" err="1" smtClean="0">
+                <a:rPr lang="es-419" sz="900" dirty="0" err="1">
                   <a:latin typeface="+mn-lt"/>
                   <a:cs typeface="Courier New" panose="02070309020205020404" pitchFamily="49" charset="0"/>
                 </a:rPr>
                 <a:t>greater</a:t>
               </a:r>
               <a:r>
-                <a:rPr lang="es-419" sz="900" dirty="0" smtClean="0">
+                <a:rPr lang="es-419" sz="900" dirty="0">
                   <a:latin typeface="+mn-lt"/>
                   <a:cs typeface="Courier New" panose="02070309020205020404" pitchFamily="49" charset="0"/>
                 </a:rPr>
                 <a:t> </a:t>
               </a:r>
               <a:r>
-                <a:rPr lang="es-419" sz="900" dirty="0" err="1" smtClean="0">
+                <a:rPr lang="es-419" sz="900" dirty="0" err="1">
                   <a:latin typeface="+mn-lt"/>
                   <a:cs typeface="Courier New" panose="02070309020205020404" pitchFamily="49" charset="0"/>
                 </a:rPr>
                 <a:t>than</a:t>
               </a:r>
               <a:r>
-                <a:rPr lang="es-419" sz="900" dirty="0" smtClean="0">
+                <a:rPr lang="es-419" sz="900" dirty="0">
                   <a:latin typeface="+mn-lt"/>
                   <a:cs typeface="Courier New" panose="02070309020205020404" pitchFamily="49" charset="0"/>
                 </a:rPr>
                 <a:t> 4.</a:t>
               </a:r>
-              <a:endParaRPr lang="en-US" sz="900" dirty="0" smtClean="0">
+              <a:endParaRPr lang="en-US" sz="900" dirty="0">
                 <a:latin typeface="+mn-lt"/>
                 <a:cs typeface="Courier New" panose="02070309020205020404" pitchFamily="49" charset="0"/>
               </a:endParaRPr>
             </a:p>
             <a:p>
-              <a:endParaRPr lang="en-US" sz="900" dirty="0" smtClean="0">
+              <a:endParaRPr lang="en-US" sz="900" dirty="0">
                 <a:latin typeface="Courier New" panose="02070309020205020404" pitchFamily="49" charset="0"/>
                 <a:cs typeface="Courier New" panose="02070309020205020404" pitchFamily="49" charset="0"/>
               </a:endParaRPr>
             </a:p>
             <a:p>
-              <a:endParaRPr lang="en-US" sz="900" dirty="0" smtClean="0">
+              <a:endParaRPr lang="en-US" sz="900" dirty="0">
                 <a:latin typeface="Courier New" panose="02070309020205020404" pitchFamily="49" charset="0"/>
                 <a:cs typeface="Courier New" panose="02070309020205020404" pitchFamily="49" charset="0"/>
               </a:endParaRPr>
@@ -16038,49 +16742,31 @@
                   <a:latin typeface="Courier New" panose="02070309020205020404" pitchFamily="49" charset="0"/>
                   <a:cs typeface="Courier New" panose="02070309020205020404" pitchFamily="49" charset="0"/>
                 </a:rPr>
-                <a:t>HAVING </a:t>
-              </a:r>
-              <a:r>
-                <a:rPr lang="en-US" sz="900" dirty="0" smtClean="0">
-                  <a:latin typeface="Courier New" panose="02070309020205020404" pitchFamily="49" charset="0"/>
-                  <a:cs typeface="Courier New" panose="02070309020205020404" pitchFamily="49" charset="0"/>
-                </a:rPr>
-                <a:t>SUM(quantity) </a:t>
-              </a:r>
+                <a:t>HAVING SUM(quantity) &gt; 4</a:t>
+              </a:r>
+            </a:p>
+            <a:p>
               <a:r>
                 <a:rPr lang="en-US" sz="900" dirty="0">
                   <a:latin typeface="Courier New" panose="02070309020205020404" pitchFamily="49" charset="0"/>
                   <a:cs typeface="Courier New" panose="02070309020205020404" pitchFamily="49" charset="0"/>
                 </a:rPr>
-                <a:t>&gt; 4</a:t>
-              </a:r>
-            </a:p>
-            <a:p>
+                <a:t> ORDER BY </a:t>
+              </a:r>
+              <a:r>
+                <a:rPr lang="en-US" sz="900" dirty="0" err="1">
+                  <a:latin typeface="Courier New" panose="02070309020205020404" pitchFamily="49" charset="0"/>
+                  <a:cs typeface="Courier New" panose="02070309020205020404" pitchFamily="49" charset="0"/>
+                </a:rPr>
+                <a:t>cart_id</a:t>
+              </a:r>
               <a:r>
                 <a:rPr lang="en-US" sz="900" dirty="0">
                   <a:latin typeface="Courier New" panose="02070309020205020404" pitchFamily="49" charset="0"/>
                   <a:cs typeface="Courier New" panose="02070309020205020404" pitchFamily="49" charset="0"/>
                 </a:rPr>
-                <a:t> ORDER BY </a:t>
-              </a:r>
-              <a:r>
-                <a:rPr lang="en-US" sz="900" dirty="0" err="1">
-                  <a:latin typeface="Courier New" panose="02070309020205020404" pitchFamily="49" charset="0"/>
-                  <a:cs typeface="Courier New" panose="02070309020205020404" pitchFamily="49" charset="0"/>
-                </a:rPr>
-                <a:t>cart_id</a:t>
-              </a:r>
-              <a:r>
-                <a:rPr lang="en-US" sz="900" dirty="0">
-                  <a:latin typeface="Courier New" panose="02070309020205020404" pitchFamily="49" charset="0"/>
-                  <a:cs typeface="Courier New" panose="02070309020205020404" pitchFamily="49" charset="0"/>
-                </a:rPr>
                 <a:t>;</a:t>
               </a:r>
-              <a:endParaRPr lang="en-US" sz="900" dirty="0" smtClean="0">
-                <a:latin typeface="Courier New" panose="02070309020205020404" pitchFamily="49" charset="0"/>
-                <a:cs typeface="Courier New" panose="02070309020205020404" pitchFamily="49" charset="0"/>
-              </a:endParaRPr>
             </a:p>
           </p:txBody>
         </p:sp>
@@ -16151,187 +16837,187 @@
             <a:lstStyle/>
             <a:p>
               <a:r>
-                <a:rPr lang="en-US" sz="900" dirty="0" smtClean="0">
+                <a:rPr lang="en-US" sz="900" dirty="0">
                   <a:cs typeface="Courier New" panose="02070309020205020404" pitchFamily="49" charset="0"/>
                 </a:rPr>
                 <a:t>1</a:t>
               </a:r>
               <a:r>
-                <a:rPr lang="es-419" sz="900" dirty="0" smtClean="0">
+                <a:rPr lang="es-419" sz="900" dirty="0">
                   <a:cs typeface="Courier New" panose="02070309020205020404" pitchFamily="49" charset="0"/>
                 </a:rPr>
                 <a:t>2</a:t>
               </a:r>
               <a:r>
-                <a:rPr lang="en-US" sz="900" dirty="0" smtClean="0">
+                <a:rPr lang="en-US" sz="900" dirty="0">
                   <a:cs typeface="Courier New" panose="02070309020205020404" pitchFamily="49" charset="0"/>
                 </a:rPr>
                 <a:t>. Get the number of </a:t>
               </a:r>
               <a:r>
-                <a:rPr lang="es-MX" sz="900" dirty="0" err="1" smtClean="0">
+                <a:rPr lang="es-MX" sz="900" dirty="0" err="1">
                   <a:cs typeface="Courier New" panose="02070309020205020404" pitchFamily="49" charset="0"/>
                 </a:rPr>
                 <a:t>carts</a:t>
               </a:r>
               <a:r>
-                <a:rPr lang="es-MX" sz="900" dirty="0" smtClean="0">
+                <a:rPr lang="es-MX" sz="900" dirty="0">
                   <a:cs typeface="Courier New" panose="02070309020205020404" pitchFamily="49" charset="0"/>
                 </a:rPr>
                 <a:t> </a:t>
               </a:r>
               <a:r>
-                <a:rPr lang="es-MX" sz="900" dirty="0" err="1" smtClean="0">
+                <a:rPr lang="es-MX" sz="900" dirty="0" err="1">
                   <a:cs typeface="Courier New" panose="02070309020205020404" pitchFamily="49" charset="0"/>
                 </a:rPr>
                 <a:t>by</a:t>
               </a:r>
               <a:r>
-                <a:rPr lang="es-MX" sz="900" dirty="0" smtClean="0">
+                <a:rPr lang="es-MX" sz="900" dirty="0">
                   <a:cs typeface="Courier New" panose="02070309020205020404" pitchFamily="49" charset="0"/>
                 </a:rPr>
                 <a:t> </a:t>
               </a:r>
               <a:r>
-                <a:rPr lang="es-MX" sz="900" i="1" dirty="0" err="1" smtClean="0">
+                <a:rPr lang="es-MX" sz="900" i="1" dirty="0" err="1">
                   <a:cs typeface="Courier New" panose="02070309020205020404" pitchFamily="49" charset="0"/>
                 </a:rPr>
                 <a:t>ShipTo</a:t>
               </a:r>
               <a:r>
-                <a:rPr lang="es-MX" sz="900" dirty="0" smtClean="0">
+                <a:rPr lang="es-MX" sz="900" dirty="0">
                   <a:cs typeface="Courier New" panose="02070309020205020404" pitchFamily="49" charset="0"/>
                 </a:rPr>
                 <a:t> and </a:t>
               </a:r>
               <a:r>
-                <a:rPr lang="es-MX" sz="900" i="1" dirty="0" smtClean="0">
+                <a:rPr lang="es-MX" sz="900" i="1" dirty="0">
                   <a:cs typeface="Courier New" panose="02070309020205020404" pitchFamily="49" charset="0"/>
                 </a:rPr>
                 <a:t>Status</a:t>
               </a:r>
               <a:r>
-                <a:rPr lang="es-MX" sz="900" dirty="0" smtClean="0">
+                <a:rPr lang="es-MX" sz="900" dirty="0">
                   <a:cs typeface="Courier New" panose="02070309020205020404" pitchFamily="49" charset="0"/>
                 </a:rPr>
                 <a:t> </a:t>
               </a:r>
               <a:r>
-                <a:rPr lang="es-MX" sz="900" dirty="0" err="1" smtClean="0">
+                <a:rPr lang="es-MX" sz="900" dirty="0" err="1">
                   <a:cs typeface="Courier New" panose="02070309020205020404" pitchFamily="49" charset="0"/>
                 </a:rPr>
                 <a:t>from</a:t>
               </a:r>
               <a:r>
-                <a:rPr lang="es-MX" sz="900" dirty="0" smtClean="0">
+                <a:rPr lang="es-MX" sz="900" dirty="0">
                   <a:cs typeface="Courier New" panose="02070309020205020404" pitchFamily="49" charset="0"/>
                 </a:rPr>
                 <a:t> </a:t>
               </a:r>
               <a:r>
-                <a:rPr lang="es-MX" sz="900" i="1" dirty="0" err="1" smtClean="0">
+                <a:rPr lang="es-MX" sz="900" i="1" dirty="0" err="1">
                   <a:cs typeface="Courier New" panose="02070309020205020404" pitchFamily="49" charset="0"/>
                 </a:rPr>
                 <a:t>Carts</a:t>
               </a:r>
               <a:r>
-                <a:rPr lang="es-MX" sz="900" dirty="0" smtClean="0">
+                <a:rPr lang="es-MX" sz="900" dirty="0">
                   <a:cs typeface="Courier New" panose="02070309020205020404" pitchFamily="49" charset="0"/>
                 </a:rPr>
                 <a:t> “NOT-CANCELED” and </a:t>
               </a:r>
               <a:r>
-                <a:rPr lang="es-MX" sz="900" dirty="0" err="1" smtClean="0">
+                <a:rPr lang="es-MX" sz="900" dirty="0" err="1">
                   <a:cs typeface="Courier New" panose="02070309020205020404" pitchFamily="49" charset="0"/>
                 </a:rPr>
                 <a:t>the</a:t>
               </a:r>
               <a:r>
-                <a:rPr lang="es-MX" sz="900" dirty="0" smtClean="0">
+                <a:rPr lang="es-MX" sz="900" dirty="0">
                   <a:cs typeface="Courier New" panose="02070309020205020404" pitchFamily="49" charset="0"/>
                 </a:rPr>
                 <a:t> 50% of sum of </a:t>
               </a:r>
               <a:r>
-                <a:rPr lang="es-MX" sz="900" dirty="0" err="1" smtClean="0">
+                <a:rPr lang="es-MX" sz="900" dirty="0" err="1">
                   <a:cs typeface="Courier New" panose="02070309020205020404" pitchFamily="49" charset="0"/>
                 </a:rPr>
                 <a:t>cart_amount</a:t>
               </a:r>
               <a:r>
-                <a:rPr lang="es-MX" sz="900" dirty="0" smtClean="0">
+                <a:rPr lang="es-MX" sz="900" dirty="0">
                   <a:cs typeface="Courier New" panose="02070309020205020404" pitchFamily="49" charset="0"/>
                 </a:rPr>
                 <a:t> </a:t>
               </a:r>
               <a:r>
-                <a:rPr lang="es-MX" sz="900" dirty="0" err="1" smtClean="0">
+                <a:rPr lang="es-MX" sz="900" dirty="0" err="1">
                   <a:cs typeface="Courier New" panose="02070309020205020404" pitchFamily="49" charset="0"/>
                 </a:rPr>
                 <a:t>on</a:t>
               </a:r>
               <a:r>
-                <a:rPr lang="es-MX" sz="900" dirty="0" smtClean="0">
+                <a:rPr lang="es-MX" sz="900" dirty="0">
                   <a:cs typeface="Courier New" panose="02070309020205020404" pitchFamily="49" charset="0"/>
                 </a:rPr>
                 <a:t> </a:t>
               </a:r>
               <a:r>
-                <a:rPr lang="es-MX" sz="900" dirty="0" err="1" smtClean="0">
+                <a:rPr lang="es-MX" sz="900" dirty="0" err="1">
                   <a:cs typeface="Courier New" panose="02070309020205020404" pitchFamily="49" charset="0"/>
                 </a:rPr>
                 <a:t>each</a:t>
               </a:r>
               <a:r>
-                <a:rPr lang="es-MX" sz="900" dirty="0" smtClean="0">
+                <a:rPr lang="es-MX" sz="900" dirty="0">
                   <a:cs typeface="Courier New" panose="02070309020205020404" pitchFamily="49" charset="0"/>
                 </a:rPr>
                 <a:t> </a:t>
               </a:r>
               <a:r>
-                <a:rPr lang="es-MX" sz="900" dirty="0" err="1" smtClean="0">
+                <a:rPr lang="es-MX" sz="900" dirty="0" err="1">
                   <a:cs typeface="Courier New" panose="02070309020205020404" pitchFamily="49" charset="0"/>
                 </a:rPr>
                 <a:t>group</a:t>
               </a:r>
               <a:r>
-                <a:rPr lang="es-MX" sz="900" dirty="0" smtClean="0">
+                <a:rPr lang="es-MX" sz="900" dirty="0">
                   <a:cs typeface="Courier New" panose="02070309020205020404" pitchFamily="49" charset="0"/>
                 </a:rPr>
                 <a:t> </a:t>
               </a:r>
               <a:r>
-                <a:rPr lang="es-MX" sz="900" dirty="0" err="1" smtClean="0">
+                <a:rPr lang="es-MX" sz="900" dirty="0" err="1">
                   <a:cs typeface="Courier New" panose="02070309020205020404" pitchFamily="49" charset="0"/>
                 </a:rPr>
                 <a:t>is</a:t>
               </a:r>
               <a:r>
-                <a:rPr lang="es-MX" sz="900" dirty="0" smtClean="0">
+                <a:rPr lang="es-MX" sz="900" dirty="0">
                   <a:cs typeface="Courier New" panose="02070309020205020404" pitchFamily="49" charset="0"/>
                 </a:rPr>
                 <a:t> </a:t>
               </a:r>
               <a:r>
-                <a:rPr lang="es-MX" sz="900" dirty="0" err="1" smtClean="0">
+                <a:rPr lang="es-MX" sz="900" dirty="0" err="1">
                   <a:cs typeface="Courier New" panose="02070309020205020404" pitchFamily="49" charset="0"/>
                 </a:rPr>
                 <a:t>greater</a:t>
               </a:r>
               <a:r>
-                <a:rPr lang="es-MX" sz="900" dirty="0" smtClean="0">
+                <a:rPr lang="es-MX" sz="900" dirty="0">
                   <a:cs typeface="Courier New" panose="02070309020205020404" pitchFamily="49" charset="0"/>
                 </a:rPr>
                 <a:t> </a:t>
               </a:r>
               <a:r>
-                <a:rPr lang="es-MX" sz="900" dirty="0" err="1" smtClean="0">
+                <a:rPr lang="es-MX" sz="900" dirty="0" err="1">
                   <a:cs typeface="Courier New" panose="02070309020205020404" pitchFamily="49" charset="0"/>
                 </a:rPr>
                 <a:t>than</a:t>
               </a:r>
               <a:r>
-                <a:rPr lang="es-MX" sz="900" dirty="0" smtClean="0">
+                <a:rPr lang="es-MX" sz="900" dirty="0">
                   <a:cs typeface="Courier New" panose="02070309020205020404" pitchFamily="49" charset="0"/>
                 </a:rPr>
                 <a:t> $ 4,000.</a:t>
@@ -16341,7 +17027,7 @@
               </a:endParaRPr>
             </a:p>
             <a:p>
-              <a:endParaRPr lang="en-US" sz="900" dirty="0" smtClean="0">
+              <a:endParaRPr lang="en-US" sz="900" dirty="0">
                 <a:cs typeface="Courier New" panose="02070309020205020404" pitchFamily="49" charset="0"/>
               </a:endParaRPr>
             </a:p>
@@ -16548,49 +17234,31 @@
                   <a:latin typeface="Courier New" panose="02070309020205020404" pitchFamily="49" charset="0"/>
                   <a:cs typeface="Courier New" panose="02070309020205020404" pitchFamily="49" charset="0"/>
                 </a:rPr>
-                <a:t>HAVING </a:t>
-              </a:r>
-              <a:r>
-                <a:rPr lang="en-US" sz="900" dirty="0" smtClean="0">
-                  <a:latin typeface="Courier New" panose="02070309020205020404" pitchFamily="49" charset="0"/>
-                  <a:cs typeface="Courier New" panose="02070309020205020404" pitchFamily="49" charset="0"/>
-                </a:rPr>
-                <a:t>carts_amount_50 </a:t>
-              </a:r>
+                <a:t>HAVING carts_amount_50 &gt; 4000</a:t>
+              </a:r>
+            </a:p>
+            <a:p>
               <a:r>
                 <a:rPr lang="en-US" sz="900" dirty="0">
                   <a:latin typeface="Courier New" panose="02070309020205020404" pitchFamily="49" charset="0"/>
                   <a:cs typeface="Courier New" panose="02070309020205020404" pitchFamily="49" charset="0"/>
                 </a:rPr>
-                <a:t>&gt; 4000</a:t>
-              </a:r>
-            </a:p>
-            <a:p>
+                <a:t> ORDER BY </a:t>
+              </a:r>
+              <a:r>
+                <a:rPr lang="en-US" sz="900" dirty="0" err="1">
+                  <a:latin typeface="Courier New" panose="02070309020205020404" pitchFamily="49" charset="0"/>
+                  <a:cs typeface="Courier New" panose="02070309020205020404" pitchFamily="49" charset="0"/>
+                </a:rPr>
+                <a:t>ship_to_id</a:t>
+              </a:r>
               <a:r>
                 <a:rPr lang="en-US" sz="900" dirty="0">
                   <a:latin typeface="Courier New" panose="02070309020205020404" pitchFamily="49" charset="0"/>
                   <a:cs typeface="Courier New" panose="02070309020205020404" pitchFamily="49" charset="0"/>
                 </a:rPr>
-                <a:t> ORDER BY </a:t>
-              </a:r>
-              <a:r>
-                <a:rPr lang="en-US" sz="900" dirty="0" err="1">
-                  <a:latin typeface="Courier New" panose="02070309020205020404" pitchFamily="49" charset="0"/>
-                  <a:cs typeface="Courier New" panose="02070309020205020404" pitchFamily="49" charset="0"/>
-                </a:rPr>
-                <a:t>ship_to_id</a:t>
-              </a:r>
-              <a:r>
-                <a:rPr lang="en-US" sz="900" dirty="0" smtClean="0">
-                  <a:latin typeface="Courier New" panose="02070309020205020404" pitchFamily="49" charset="0"/>
-                  <a:cs typeface="Courier New" panose="02070309020205020404" pitchFamily="49" charset="0"/>
-                </a:rPr>
                 <a:t>;</a:t>
               </a:r>
-              <a:endParaRPr lang="en-US" sz="900" dirty="0">
-                <a:latin typeface="Courier New" panose="02070309020205020404" pitchFamily="49" charset="0"/>
-                <a:cs typeface="Courier New" panose="02070309020205020404" pitchFamily="49" charset="0"/>
-              </a:endParaRPr>
             </a:p>
           </p:txBody>
         </p:sp>
@@ -16634,13 +17302,6 @@
   <p:clrMapOvr>
     <a:masterClrMapping/>
   </p:clrMapOvr>
-  <p:timing>
-    <p:tnLst>
-      <p:par>
-        <p:cTn id="1" dur="indefinite" restart="never" nodeType="tmRoot"/>
-      </p:par>
-    </p:tnLst>
-  </p:timing>
 </p:sld>
 </file>
 
@@ -16683,19 +17344,19 @@
           <a:p>
             <a:pPr algn="l"/>
             <a:r>
-              <a:rPr lang="es-419" sz="2400" dirty="0" err="1" smtClean="0">
+              <a:rPr lang="es-419" sz="2400" dirty="0" err="1">
                 <a:latin typeface="+mn-lt"/>
               </a:rPr>
               <a:t>MySQL</a:t>
             </a:r>
             <a:r>
-              <a:rPr lang="es-419" sz="2400" dirty="0" smtClean="0">
+              <a:rPr lang="es-419" sz="2400" dirty="0">
                 <a:latin typeface="+mn-lt"/>
               </a:rPr>
               <a:t> </a:t>
             </a:r>
             <a:r>
-              <a:rPr lang="es-419" sz="2400" dirty="0" err="1" smtClean="0">
+              <a:rPr lang="es-419" sz="2400" dirty="0" err="1">
                 <a:latin typeface="+mn-lt"/>
               </a:rPr>
               <a:t>Functions</a:t>
@@ -16769,7 +17430,7 @@
           <a:lstStyle/>
           <a:p>
             <a:r>
-              <a:rPr lang="es-419" sz="1100" b="1" dirty="0" smtClean="0"/>
+              <a:rPr lang="es-419" sz="1100" b="1" dirty="0"/>
               <a:t>STRING FUNCTIONS:</a:t>
             </a:r>
           </a:p>
@@ -16779,35 +17440,35 @@
               <a:buChar char="•"/>
             </a:pPr>
             <a:r>
-              <a:rPr lang="es-419" sz="1100" b="1" dirty="0" smtClean="0">
+              <a:rPr lang="es-419" sz="1100" b="1" dirty="0">
                 <a:latin typeface="Courier New" panose="02070309020205020404" pitchFamily="49" charset="0"/>
                 <a:cs typeface="Courier New" panose="02070309020205020404" pitchFamily="49" charset="0"/>
               </a:rPr>
               <a:t>CONCAT(</a:t>
             </a:r>
             <a:r>
-              <a:rPr lang="es-419" sz="1100" dirty="0" smtClean="0">
+              <a:rPr lang="es-419" sz="1100" dirty="0">
                 <a:latin typeface="Courier New" panose="02070309020205020404" pitchFamily="49" charset="0"/>
                 <a:cs typeface="Courier New" panose="02070309020205020404" pitchFamily="49" charset="0"/>
               </a:rPr>
               <a:t>string1, string2, </a:t>
             </a:r>
             <a:r>
-              <a:rPr lang="es-419" sz="1100" dirty="0" err="1" smtClean="0">
+              <a:rPr lang="es-419" sz="1100" dirty="0" err="1">
                 <a:latin typeface="Courier New" panose="02070309020205020404" pitchFamily="49" charset="0"/>
                 <a:cs typeface="Courier New" panose="02070309020205020404" pitchFamily="49" charset="0"/>
               </a:rPr>
               <a:t>stringN</a:t>
             </a:r>
             <a:r>
-              <a:rPr lang="es-419" sz="1100" dirty="0" smtClean="0">
+              <a:rPr lang="es-419" sz="1100" dirty="0">
                 <a:latin typeface="Courier New" panose="02070309020205020404" pitchFamily="49" charset="0"/>
                 <a:cs typeface="Courier New" panose="02070309020205020404" pitchFamily="49" charset="0"/>
               </a:rPr>
               <a:t>, …</a:t>
             </a:r>
             <a:r>
-              <a:rPr lang="es-419" sz="1100" b="1" dirty="0" smtClean="0">
+              <a:rPr lang="es-419" sz="1100" b="1" dirty="0">
                 <a:latin typeface="Courier New" panose="02070309020205020404" pitchFamily="49" charset="0"/>
                 <a:cs typeface="Courier New" panose="02070309020205020404" pitchFamily="49" charset="0"/>
               </a:rPr>
@@ -16820,27 +17481,27 @@
               <a:buChar char="•"/>
             </a:pPr>
             <a:r>
-              <a:rPr lang="es-419" sz="1100" b="1" dirty="0" smtClean="0">
+              <a:rPr lang="es-419" sz="1100" b="1" dirty="0">
                 <a:latin typeface="Courier New" panose="02070309020205020404" pitchFamily="49" charset="0"/>
                 <a:cs typeface="Courier New" panose="02070309020205020404" pitchFamily="49" charset="0"/>
               </a:rPr>
               <a:t>LENGTH(</a:t>
             </a:r>
             <a:r>
-              <a:rPr lang="es-419" sz="1100" dirty="0" err="1" smtClean="0">
+              <a:rPr lang="es-419" sz="1100" dirty="0" err="1">
                 <a:latin typeface="Courier New" panose="02070309020205020404" pitchFamily="49" charset="0"/>
                 <a:cs typeface="Courier New" panose="02070309020205020404" pitchFamily="49" charset="0"/>
               </a:rPr>
               <a:t>string</a:t>
             </a:r>
             <a:r>
-              <a:rPr lang="es-419" sz="1100" b="1" dirty="0" smtClean="0">
+              <a:rPr lang="es-419" sz="1100" b="1" dirty="0">
                 <a:latin typeface="Courier New" panose="02070309020205020404" pitchFamily="49" charset="0"/>
                 <a:cs typeface="Courier New" panose="02070309020205020404" pitchFamily="49" charset="0"/>
               </a:rPr>
               <a:t>)</a:t>
             </a:r>
-            <a:endParaRPr lang="es-419" sz="1100" dirty="0" smtClean="0">
+            <a:endParaRPr lang="es-419" sz="1100" dirty="0">
               <a:latin typeface="Courier New" panose="02070309020205020404" pitchFamily="49" charset="0"/>
               <a:cs typeface="Courier New" panose="02070309020205020404" pitchFamily="49" charset="0"/>
             </a:endParaRPr>
@@ -16851,49 +17512,49 @@
               <a:buChar char="•"/>
             </a:pPr>
             <a:r>
-              <a:rPr lang="es-419" sz="1100" b="1" dirty="0" smtClean="0">
+              <a:rPr lang="es-419" sz="1100" b="1" dirty="0">
                 <a:latin typeface="Courier New" panose="02070309020205020404" pitchFamily="49" charset="0"/>
                 <a:cs typeface="Courier New" panose="02070309020205020404" pitchFamily="49" charset="0"/>
               </a:rPr>
               <a:t>SUBSTR(</a:t>
             </a:r>
             <a:r>
-              <a:rPr lang="es-419" sz="1100" dirty="0" err="1" smtClean="0">
+              <a:rPr lang="es-419" sz="1100" dirty="0" err="1">
                 <a:latin typeface="Courier New" panose="02070309020205020404" pitchFamily="49" charset="0"/>
                 <a:cs typeface="Courier New" panose="02070309020205020404" pitchFamily="49" charset="0"/>
               </a:rPr>
               <a:t>string</a:t>
             </a:r>
             <a:r>
-              <a:rPr lang="es-419" sz="1100" dirty="0" smtClean="0">
+              <a:rPr lang="es-419" sz="1100" dirty="0">
                 <a:latin typeface="Courier New" panose="02070309020205020404" pitchFamily="49" charset="0"/>
                 <a:cs typeface="Courier New" panose="02070309020205020404" pitchFamily="49" charset="0"/>
               </a:rPr>
               <a:t>, </a:t>
             </a:r>
             <a:r>
-              <a:rPr lang="es-419" sz="1100" dirty="0" err="1" smtClean="0">
+              <a:rPr lang="es-419" sz="1100" dirty="0" err="1">
                 <a:latin typeface="Courier New" panose="02070309020205020404" pitchFamily="49" charset="0"/>
                 <a:cs typeface="Courier New" panose="02070309020205020404" pitchFamily="49" charset="0"/>
               </a:rPr>
               <a:t>index_init</a:t>
             </a:r>
             <a:r>
-              <a:rPr lang="es-419" sz="1100" dirty="0" smtClean="0">
+              <a:rPr lang="es-419" sz="1100" dirty="0">
                 <a:latin typeface="Courier New" panose="02070309020205020404" pitchFamily="49" charset="0"/>
                 <a:cs typeface="Courier New" panose="02070309020205020404" pitchFamily="49" charset="0"/>
               </a:rPr>
               <a:t>, </a:t>
             </a:r>
             <a:r>
-              <a:rPr lang="es-419" sz="1100" dirty="0" err="1" smtClean="0">
+              <a:rPr lang="es-419" sz="1100" dirty="0" err="1">
                 <a:latin typeface="Courier New" panose="02070309020205020404" pitchFamily="49" charset="0"/>
                 <a:cs typeface="Courier New" panose="02070309020205020404" pitchFamily="49" charset="0"/>
               </a:rPr>
               <a:t>nun_characters</a:t>
             </a:r>
             <a:r>
-              <a:rPr lang="es-419" sz="1100" b="1" dirty="0" smtClean="0">
+              <a:rPr lang="es-419" sz="1100" b="1" dirty="0">
                 <a:latin typeface="Courier New" panose="02070309020205020404" pitchFamily="49" charset="0"/>
                 <a:cs typeface="Courier New" panose="02070309020205020404" pitchFamily="49" charset="0"/>
               </a:rPr>
@@ -16906,69 +17567,69 @@
               <a:buChar char="•"/>
             </a:pPr>
             <a:r>
-              <a:rPr lang="es-MX" sz="1100" b="1" dirty="0" smtClean="0">
+              <a:rPr lang="es-MX" sz="1100" b="1" dirty="0">
                 <a:latin typeface="Courier New" panose="02070309020205020404" pitchFamily="49" charset="0"/>
                 <a:cs typeface="Courier New" panose="02070309020205020404" pitchFamily="49" charset="0"/>
               </a:rPr>
               <a:t>REPLACE(</a:t>
             </a:r>
             <a:r>
-              <a:rPr lang="es-419" sz="1100" dirty="0" err="1" smtClean="0">
+              <a:rPr lang="es-419" sz="1100" dirty="0" err="1">
                 <a:latin typeface="Courier New" panose="02070309020205020404" pitchFamily="49" charset="0"/>
                 <a:cs typeface="Courier New" panose="02070309020205020404" pitchFamily="49" charset="0"/>
               </a:rPr>
               <a:t>string</a:t>
             </a:r>
             <a:r>
-              <a:rPr lang="es-MX" sz="1100" dirty="0" smtClean="0">
+              <a:rPr lang="es-MX" sz="1100" dirty="0">
                 <a:latin typeface="Courier New" panose="02070309020205020404" pitchFamily="49" charset="0"/>
                 <a:cs typeface="Courier New" panose="02070309020205020404" pitchFamily="49" charset="0"/>
               </a:rPr>
               <a:t>,</a:t>
             </a:r>
             <a:r>
-              <a:rPr lang="es-419" sz="1100" dirty="0" smtClean="0">
+              <a:rPr lang="es-419" sz="1100" dirty="0">
                 <a:latin typeface="Courier New" panose="02070309020205020404" pitchFamily="49" charset="0"/>
                 <a:cs typeface="Courier New" panose="02070309020205020404" pitchFamily="49" charset="0"/>
               </a:rPr>
               <a:t> </a:t>
             </a:r>
             <a:r>
-              <a:rPr lang="es-419" sz="1100" dirty="0" err="1" smtClean="0">
+              <a:rPr lang="es-419" sz="1100" dirty="0" err="1">
                 <a:latin typeface="Courier New" panose="02070309020205020404" pitchFamily="49" charset="0"/>
                 <a:cs typeface="Courier New" panose="02070309020205020404" pitchFamily="49" charset="0"/>
               </a:rPr>
               <a:t>to_replace</a:t>
             </a:r>
             <a:r>
-              <a:rPr lang="es-MX" sz="1100" dirty="0" smtClean="0">
+              <a:rPr lang="es-MX" sz="1100" dirty="0">
                 <a:latin typeface="Courier New" panose="02070309020205020404" pitchFamily="49" charset="0"/>
                 <a:cs typeface="Courier New" panose="02070309020205020404" pitchFamily="49" charset="0"/>
               </a:rPr>
               <a:t>,</a:t>
             </a:r>
             <a:r>
-              <a:rPr lang="es-419" sz="1100" dirty="0" smtClean="0">
+              <a:rPr lang="es-419" sz="1100" dirty="0">
                 <a:latin typeface="Courier New" panose="02070309020205020404" pitchFamily="49" charset="0"/>
                 <a:cs typeface="Courier New" panose="02070309020205020404" pitchFamily="49" charset="0"/>
               </a:rPr>
               <a:t> </a:t>
             </a:r>
             <a:r>
-              <a:rPr lang="es-419" sz="1100" dirty="0" err="1" smtClean="0">
+              <a:rPr lang="es-419" sz="1100" dirty="0" err="1">
                 <a:latin typeface="Courier New" panose="02070309020205020404" pitchFamily="49" charset="0"/>
                 <a:cs typeface="Courier New" panose="02070309020205020404" pitchFamily="49" charset="0"/>
               </a:rPr>
               <a:t>replacement</a:t>
             </a:r>
             <a:r>
-              <a:rPr lang="es-MX" sz="1100" b="1" dirty="0" smtClean="0">
+              <a:rPr lang="es-MX" sz="1100" b="1" dirty="0">
                 <a:latin typeface="Courier New" panose="02070309020205020404" pitchFamily="49" charset="0"/>
                 <a:cs typeface="Courier New" panose="02070309020205020404" pitchFamily="49" charset="0"/>
               </a:rPr>
               <a:t>)</a:t>
             </a:r>
-            <a:endParaRPr lang="es-419" sz="1100" b="1" dirty="0" smtClean="0">
+            <a:endParaRPr lang="es-419" sz="1100" b="1" dirty="0">
               <a:latin typeface="Courier New" panose="02070309020205020404" pitchFamily="49" charset="0"/>
               <a:cs typeface="Courier New" panose="02070309020205020404" pitchFamily="49" charset="0"/>
             </a:endParaRPr>
@@ -16980,49 +17641,49 @@
               </a:lnSpc>
             </a:pPr>
             <a:r>
-              <a:rPr lang="es-419" sz="1100" b="1" dirty="0" smtClean="0">
+              <a:rPr lang="es-419" sz="1100" b="1" dirty="0">
                 <a:latin typeface="Courier New" panose="02070309020205020404" pitchFamily="49" charset="0"/>
                 <a:cs typeface="Courier New" panose="02070309020205020404" pitchFamily="49" charset="0"/>
               </a:rPr>
               <a:t>IF (</a:t>
             </a:r>
             <a:r>
-              <a:rPr lang="es-419" sz="1100" dirty="0" err="1" smtClean="0">
+              <a:rPr lang="es-419" sz="1100" dirty="0" err="1">
                 <a:latin typeface="Courier New" panose="02070309020205020404" pitchFamily="49" charset="0"/>
                 <a:cs typeface="Courier New" panose="02070309020205020404" pitchFamily="49" charset="0"/>
               </a:rPr>
               <a:t>contidion</a:t>
             </a:r>
             <a:r>
-              <a:rPr lang="es-419" sz="1100" dirty="0" smtClean="0">
+              <a:rPr lang="es-419" sz="1100" dirty="0">
                 <a:latin typeface="Courier New" panose="02070309020205020404" pitchFamily="49" charset="0"/>
                 <a:cs typeface="Courier New" panose="02070309020205020404" pitchFamily="49" charset="0"/>
               </a:rPr>
               <a:t>, </a:t>
             </a:r>
             <a:r>
-              <a:rPr lang="es-419" sz="1100" dirty="0" err="1" smtClean="0">
+              <a:rPr lang="es-419" sz="1100" dirty="0" err="1">
                 <a:latin typeface="Courier New" panose="02070309020205020404" pitchFamily="49" charset="0"/>
                 <a:cs typeface="Courier New" panose="02070309020205020404" pitchFamily="49" charset="0"/>
               </a:rPr>
               <a:t>vaule_true</a:t>
             </a:r>
             <a:r>
-              <a:rPr lang="es-419" sz="1100" dirty="0" smtClean="0">
+              <a:rPr lang="es-419" sz="1100" dirty="0">
                 <a:latin typeface="Courier New" panose="02070309020205020404" pitchFamily="49" charset="0"/>
                 <a:cs typeface="Courier New" panose="02070309020205020404" pitchFamily="49" charset="0"/>
               </a:rPr>
               <a:t>, </a:t>
             </a:r>
             <a:r>
-              <a:rPr lang="es-419" sz="1100" dirty="0" err="1" smtClean="0">
+              <a:rPr lang="es-419" sz="1100" dirty="0" err="1">
                 <a:latin typeface="Courier New" panose="02070309020205020404" pitchFamily="49" charset="0"/>
                 <a:cs typeface="Courier New" panose="02070309020205020404" pitchFamily="49" charset="0"/>
               </a:rPr>
               <a:t>vaue_false</a:t>
             </a:r>
             <a:r>
-              <a:rPr lang="es-419" sz="1100" b="1" dirty="0" smtClean="0">
+              <a:rPr lang="es-419" sz="1100" b="1" dirty="0">
                 <a:latin typeface="Courier New" panose="02070309020205020404" pitchFamily="49" charset="0"/>
                 <a:cs typeface="Courier New" panose="02070309020205020404" pitchFamily="49" charset="0"/>
               </a:rPr>
@@ -17068,70 +17729,70 @@
             <a:lstStyle/>
             <a:p>
               <a:r>
-                <a:rPr lang="es-419" sz="900" dirty="0" smtClean="0">
+                <a:rPr lang="es-419" sz="900" dirty="0">
                   <a:latin typeface="+mn-lt"/>
                   <a:cs typeface="Courier New" panose="02070309020205020404" pitchFamily="49" charset="0"/>
                 </a:rPr>
                 <a:t>14</a:t>
               </a:r>
               <a:r>
-                <a:rPr lang="en-US" sz="900" dirty="0" smtClean="0">
+                <a:rPr lang="en-US" sz="900" dirty="0">
                   <a:latin typeface="+mn-lt"/>
                   <a:cs typeface="Courier New" panose="02070309020205020404" pitchFamily="49" charset="0"/>
                 </a:rPr>
                 <a:t>. Get </a:t>
               </a:r>
               <a:r>
-                <a:rPr lang="es-419" sz="900" i="1" dirty="0" err="1" smtClean="0">
+                <a:rPr lang="es-419" sz="900" i="1" dirty="0" err="1">
                   <a:latin typeface="+mn-lt"/>
                   <a:cs typeface="Courier New" panose="02070309020205020404" pitchFamily="49" charset="0"/>
                 </a:rPr>
                 <a:t>item_id</a:t>
               </a:r>
               <a:r>
-                <a:rPr lang="es-419" sz="900" dirty="0" smtClean="0">
+                <a:rPr lang="es-419" sz="900" dirty="0">
                   <a:latin typeface="+mn-lt"/>
                   <a:cs typeface="Courier New" panose="02070309020205020404" pitchFamily="49" charset="0"/>
                 </a:rPr>
                 <a:t> and</a:t>
               </a:r>
               <a:r>
-                <a:rPr lang="en-US" sz="900" i="1" dirty="0" smtClean="0">
+                <a:rPr lang="en-US" sz="900" i="1" dirty="0">
                   <a:latin typeface="+mn-lt"/>
                   <a:cs typeface="Courier New" panose="02070309020205020404" pitchFamily="49" charset="0"/>
                 </a:rPr>
                 <a:t> </a:t>
               </a:r>
               <a:r>
-                <a:rPr lang="es-419" sz="900" i="1" dirty="0" err="1" smtClean="0">
+                <a:rPr lang="es-419" sz="900" i="1" dirty="0" err="1">
                   <a:latin typeface="+mn-lt"/>
                   <a:cs typeface="Courier New" panose="02070309020205020404" pitchFamily="49" charset="0"/>
                 </a:rPr>
                 <a:t>uom_id</a:t>
               </a:r>
               <a:r>
-                <a:rPr lang="es-419" sz="900" dirty="0" smtClean="0">
+                <a:rPr lang="es-419" sz="900" dirty="0">
                   <a:latin typeface="+mn-lt"/>
                   <a:cs typeface="Courier New" panose="02070309020205020404" pitchFamily="49" charset="0"/>
                 </a:rPr>
                 <a:t> </a:t>
               </a:r>
               <a:r>
-                <a:rPr lang="en-US" sz="900" dirty="0" smtClean="0">
+                <a:rPr lang="en-US" sz="900" dirty="0">
                   <a:latin typeface="+mn-lt"/>
                   <a:cs typeface="Courier New" panose="02070309020205020404" pitchFamily="49" charset="0"/>
                 </a:rPr>
                 <a:t>c</a:t>
               </a:r>
               <a:r>
-                <a:rPr lang="es-419" sz="900" dirty="0" err="1" smtClean="0">
+                <a:rPr lang="es-419" sz="900" dirty="0" err="1">
                   <a:latin typeface="+mn-lt"/>
                   <a:cs typeface="Courier New" panose="02070309020205020404" pitchFamily="49" charset="0"/>
                 </a:rPr>
                 <a:t>oncatenated</a:t>
               </a:r>
               <a:r>
-                <a:rPr lang="es-419" sz="900" dirty="0" smtClean="0">
+                <a:rPr lang="es-419" sz="900" dirty="0">
                   <a:latin typeface="+mn-lt"/>
                   <a:cs typeface="Courier New" panose="02070309020205020404" pitchFamily="49" charset="0"/>
                 </a:rPr>
@@ -17150,156 +17811,156 @@
                 <a:t> </a:t>
               </a:r>
               <a:r>
-                <a:rPr lang="es-419" sz="900" dirty="0" err="1" smtClean="0">
+                <a:rPr lang="es-419" sz="900" dirty="0" err="1">
                   <a:cs typeface="Courier New" panose="02070309020205020404" pitchFamily="49" charset="0"/>
                 </a:rPr>
                 <a:t>from</a:t>
               </a:r>
               <a:r>
-                <a:rPr lang="es-419" sz="900" dirty="0" smtClean="0">
+                <a:rPr lang="es-419" sz="900" dirty="0">
                   <a:cs typeface="Courier New" panose="02070309020205020404" pitchFamily="49" charset="0"/>
                 </a:rPr>
                 <a:t> </a:t>
               </a:r>
               <a:r>
-                <a:rPr lang="es-419" sz="900" i="1" dirty="0" err="1" smtClean="0">
+                <a:rPr lang="es-419" sz="900" i="1" dirty="0" err="1">
                   <a:latin typeface="+mn-lt"/>
                   <a:cs typeface="Courier New" panose="02070309020205020404" pitchFamily="49" charset="0"/>
                 </a:rPr>
                 <a:t>Items</a:t>
               </a:r>
               <a:r>
-                <a:rPr lang="es-419" sz="900" dirty="0" smtClean="0">
+                <a:rPr lang="es-419" sz="900" dirty="0">
                   <a:latin typeface="+mn-lt"/>
                   <a:cs typeface="Courier New" panose="02070309020205020404" pitchFamily="49" charset="0"/>
                 </a:rPr>
                 <a:t> </a:t>
               </a:r>
               <a:r>
-                <a:rPr lang="es-419" sz="900" dirty="0" err="1" smtClean="0">
+                <a:rPr lang="es-419" sz="900" dirty="0" err="1">
                   <a:latin typeface="+mn-lt"/>
                   <a:cs typeface="Courier New" panose="02070309020205020404" pitchFamily="49" charset="0"/>
                 </a:rPr>
                 <a:t>where</a:t>
               </a:r>
               <a:r>
-                <a:rPr lang="es-419" sz="900" dirty="0" smtClean="0">
+                <a:rPr lang="es-419" sz="900" dirty="0">
                   <a:latin typeface="+mn-lt"/>
                   <a:cs typeface="Courier New" panose="02070309020205020404" pitchFamily="49" charset="0"/>
                 </a:rPr>
                 <a:t> </a:t>
               </a:r>
               <a:r>
-                <a:rPr lang="es-419" sz="900" dirty="0" err="1" smtClean="0">
+                <a:rPr lang="es-419" sz="900" dirty="0" err="1">
                   <a:latin typeface="+mn-lt"/>
                   <a:cs typeface="Courier New" panose="02070309020205020404" pitchFamily="49" charset="0"/>
                 </a:rPr>
                 <a:t>length</a:t>
               </a:r>
               <a:r>
-                <a:rPr lang="es-419" sz="900" dirty="0" smtClean="0">
+                <a:rPr lang="es-419" sz="900" dirty="0">
                   <a:latin typeface="+mn-lt"/>
                   <a:cs typeface="Courier New" panose="02070309020205020404" pitchFamily="49" charset="0"/>
                 </a:rPr>
                 <a:t> of </a:t>
               </a:r>
               <a:r>
-                <a:rPr lang="es-419" sz="900" i="1" dirty="0" err="1" smtClean="0">
+                <a:rPr lang="es-419" sz="900" i="1" dirty="0" err="1">
                   <a:latin typeface="+mn-lt"/>
                   <a:cs typeface="Courier New" panose="02070309020205020404" pitchFamily="49" charset="0"/>
                 </a:rPr>
                 <a:t>description</a:t>
               </a:r>
               <a:r>
-                <a:rPr lang="es-419" sz="900" dirty="0" smtClean="0">
+                <a:rPr lang="es-419" sz="900" dirty="0">
                   <a:latin typeface="+mn-lt"/>
                   <a:cs typeface="Courier New" panose="02070309020205020404" pitchFamily="49" charset="0"/>
                 </a:rPr>
                 <a:t> </a:t>
               </a:r>
               <a:r>
-                <a:rPr lang="es-419" sz="900" dirty="0" err="1" smtClean="0">
+                <a:rPr lang="es-419" sz="900" dirty="0" err="1">
                   <a:latin typeface="+mn-lt"/>
                   <a:cs typeface="Courier New" panose="02070309020205020404" pitchFamily="49" charset="0"/>
                 </a:rPr>
                 <a:t>is</a:t>
               </a:r>
               <a:r>
-                <a:rPr lang="es-419" sz="900" dirty="0" smtClean="0">
+                <a:rPr lang="es-419" sz="900" dirty="0">
                   <a:latin typeface="+mn-lt"/>
                   <a:cs typeface="Courier New" panose="02070309020205020404" pitchFamily="49" charset="0"/>
                 </a:rPr>
                 <a:t> </a:t>
               </a:r>
               <a:r>
-                <a:rPr lang="es-419" sz="900" dirty="0" err="1" smtClean="0">
+                <a:rPr lang="es-419" sz="900" dirty="0" err="1">
                   <a:latin typeface="+mn-lt"/>
                   <a:cs typeface="Courier New" panose="02070309020205020404" pitchFamily="49" charset="0"/>
                 </a:rPr>
                 <a:t>less</a:t>
               </a:r>
               <a:r>
-                <a:rPr lang="es-419" sz="900" dirty="0" smtClean="0">
+                <a:rPr lang="es-419" sz="900" dirty="0">
                   <a:latin typeface="+mn-lt"/>
                   <a:cs typeface="Courier New" panose="02070309020205020404" pitchFamily="49" charset="0"/>
                 </a:rPr>
                 <a:t> </a:t>
               </a:r>
               <a:r>
-                <a:rPr lang="es-419" sz="900" dirty="0" err="1" smtClean="0">
+                <a:rPr lang="es-419" sz="900" dirty="0" err="1">
                   <a:latin typeface="+mn-lt"/>
                   <a:cs typeface="Courier New" panose="02070309020205020404" pitchFamily="49" charset="0"/>
                 </a:rPr>
                 <a:t>than</a:t>
               </a:r>
               <a:r>
-                <a:rPr lang="es-419" sz="900" dirty="0" smtClean="0">
+                <a:rPr lang="es-419" sz="900" dirty="0">
                   <a:latin typeface="+mn-lt"/>
                   <a:cs typeface="Courier New" panose="02070309020205020404" pitchFamily="49" charset="0"/>
                 </a:rPr>
                 <a:t> 25 </a:t>
               </a:r>
               <a:r>
-                <a:rPr lang="es-419" sz="900" dirty="0" err="1" smtClean="0">
+                <a:rPr lang="es-419" sz="900" dirty="0" err="1">
                   <a:latin typeface="+mn-lt"/>
                   <a:cs typeface="Courier New" panose="02070309020205020404" pitchFamily="49" charset="0"/>
                 </a:rPr>
                 <a:t>characters</a:t>
               </a:r>
               <a:r>
-                <a:rPr lang="es-419" sz="900" dirty="0" smtClean="0">
+                <a:rPr lang="es-419" sz="900" dirty="0">
                   <a:latin typeface="+mn-lt"/>
                   <a:cs typeface="Courier New" panose="02070309020205020404" pitchFamily="49" charset="0"/>
                 </a:rPr>
                 <a:t>.</a:t>
               </a:r>
-              <a:endParaRPr lang="en-US" sz="900" dirty="0" smtClean="0">
+              <a:endParaRPr lang="en-US" sz="900" dirty="0">
                 <a:latin typeface="+mn-lt"/>
                 <a:cs typeface="Courier New" panose="02070309020205020404" pitchFamily="49" charset="0"/>
               </a:endParaRPr>
             </a:p>
             <a:p>
-              <a:endParaRPr lang="en-US" sz="900" dirty="0" smtClean="0">
+              <a:endParaRPr lang="en-US" sz="900" dirty="0">
                 <a:latin typeface="Courier New" panose="02070309020205020404" pitchFamily="49" charset="0"/>
                 <a:cs typeface="Courier New" panose="02070309020205020404" pitchFamily="49" charset="0"/>
               </a:endParaRPr>
             </a:p>
             <a:p>
-              <a:endParaRPr lang="en-US" sz="900" dirty="0" smtClean="0">
+              <a:endParaRPr lang="en-US" sz="900" dirty="0">
                 <a:latin typeface="Courier New" panose="02070309020205020404" pitchFamily="49" charset="0"/>
                 <a:cs typeface="Courier New" panose="02070309020205020404" pitchFamily="49" charset="0"/>
               </a:endParaRPr>
             </a:p>
             <a:p>
               <a:r>
-                <a:rPr lang="es-419" sz="900" dirty="0" smtClean="0">
+                <a:rPr lang="es-419" sz="900" dirty="0">
                   <a:latin typeface="Courier New" panose="02070309020205020404" pitchFamily="49" charset="0"/>
                   <a:cs typeface="Courier New" panose="02070309020205020404" pitchFamily="49" charset="0"/>
                 </a:rPr>
                 <a:t>S</a:t>
               </a:r>
               <a:r>
-                <a:rPr lang="en-US" sz="900" dirty="0" smtClean="0">
+                <a:rPr lang="en-US" sz="900" dirty="0">
                   <a:latin typeface="Courier New" panose="02070309020205020404" pitchFamily="49" charset="0"/>
                   <a:cs typeface="Courier New" panose="02070309020205020404" pitchFamily="49" charset="0"/>
                 </a:rPr>
@@ -17323,61 +17984,56 @@
                   <a:latin typeface="Courier New" panose="02070309020205020404" pitchFamily="49" charset="0"/>
                   <a:cs typeface="Courier New" panose="02070309020205020404" pitchFamily="49" charset="0"/>
                 </a:rPr>
-                <a:t>     </a:t>
-              </a:r>
-              <a:r>
-                <a:rPr lang="en-US" sz="900" dirty="0" smtClean="0">
+                <a:t>     , CONCAT(</a:t>
+              </a:r>
+              <a:r>
+                <a:rPr lang="en-US" sz="900" dirty="0" err="1">
                   <a:latin typeface="Courier New" panose="02070309020205020404" pitchFamily="49" charset="0"/>
                   <a:cs typeface="Courier New" panose="02070309020205020404" pitchFamily="49" charset="0"/>
                 </a:rPr>
-                <a:t>, </a:t>
+                <a:t>uom_id</a:t>
               </a:r>
               <a:r>
                 <a:rPr lang="en-US" sz="900" dirty="0">
                   <a:latin typeface="Courier New" panose="02070309020205020404" pitchFamily="49" charset="0"/>
                   <a:cs typeface="Courier New" panose="02070309020205020404" pitchFamily="49" charset="0"/>
                 </a:rPr>
-                <a:t>CONCAT(</a:t>
+                <a:t>, ' - ', description) </a:t>
+              </a:r>
+              <a:r>
+                <a:rPr lang="es-419" sz="900" dirty="0">
+                  <a:latin typeface="Courier New" panose="02070309020205020404" pitchFamily="49" charset="0"/>
+                  <a:cs typeface="Courier New" panose="02070309020205020404" pitchFamily="49" charset="0"/>
+                </a:rPr>
+                <a:t>AS </a:t>
               </a:r>
               <a:r>
                 <a:rPr lang="en-US" sz="900" dirty="0" err="1">
                   <a:latin typeface="Courier New" panose="02070309020205020404" pitchFamily="49" charset="0"/>
                   <a:cs typeface="Courier New" panose="02070309020205020404" pitchFamily="49" charset="0"/>
                 </a:rPr>
-                <a:t>uom_id</a:t>
-              </a:r>
+                <a:t>desc</a:t>
+              </a:r>
+              <a:r>
+                <a:rPr lang="es-419" sz="900" dirty="0">
+                  <a:latin typeface="Courier New" panose="02070309020205020404" pitchFamily="49" charset="0"/>
+                  <a:cs typeface="Courier New" panose="02070309020205020404" pitchFamily="49" charset="0"/>
+                </a:rPr>
+                <a:t>r</a:t>
+              </a:r>
+              <a:endParaRPr lang="en-US" sz="900" dirty="0">
+                <a:latin typeface="Courier New" panose="02070309020205020404" pitchFamily="49" charset="0"/>
+                <a:cs typeface="Courier New" panose="02070309020205020404" pitchFamily="49" charset="0"/>
+              </a:endParaRPr>
+            </a:p>
+            <a:p>
               <a:r>
                 <a:rPr lang="en-US" sz="900" dirty="0">
                   <a:latin typeface="Courier New" panose="02070309020205020404" pitchFamily="49" charset="0"/>
                   <a:cs typeface="Courier New" panose="02070309020205020404" pitchFamily="49" charset="0"/>
                 </a:rPr>
-                <a:t>, ' - ', description) </a:t>
-              </a:r>
-              <a:r>
-                <a:rPr lang="es-419" sz="900" dirty="0" smtClean="0">
-                  <a:latin typeface="Courier New" panose="02070309020205020404" pitchFamily="49" charset="0"/>
-                  <a:cs typeface="Courier New" panose="02070309020205020404" pitchFamily="49" charset="0"/>
-                </a:rPr>
-                <a:t>AS </a:t>
-              </a:r>
-              <a:r>
-                <a:rPr lang="en-US" sz="900" dirty="0" err="1" smtClean="0">
-                  <a:latin typeface="Courier New" panose="02070309020205020404" pitchFamily="49" charset="0"/>
-                  <a:cs typeface="Courier New" panose="02070309020205020404" pitchFamily="49" charset="0"/>
-                </a:rPr>
-                <a:t>desc</a:t>
-              </a:r>
-              <a:r>
-                <a:rPr lang="es-419" sz="900" dirty="0" smtClean="0">
-                  <a:latin typeface="Courier New" panose="02070309020205020404" pitchFamily="49" charset="0"/>
-                  <a:cs typeface="Courier New" panose="02070309020205020404" pitchFamily="49" charset="0"/>
-                </a:rPr>
-                <a:t>r</a:t>
-              </a:r>
-              <a:endParaRPr lang="en-US" sz="900" dirty="0">
-                <a:latin typeface="Courier New" panose="02070309020205020404" pitchFamily="49" charset="0"/>
-                <a:cs typeface="Courier New" panose="02070309020205020404" pitchFamily="49" charset="0"/>
-              </a:endParaRPr>
+                <a:t>  FROM item</a:t>
+              </a:r>
             </a:p>
             <a:p>
               <a:r>
@@ -17385,25 +18041,9 @@
                   <a:latin typeface="Courier New" panose="02070309020205020404" pitchFamily="49" charset="0"/>
                   <a:cs typeface="Courier New" panose="02070309020205020404" pitchFamily="49" charset="0"/>
                 </a:rPr>
-                <a:t>  FROM item</a:t>
-              </a:r>
-            </a:p>
-            <a:p>
-              <a:r>
-                <a:rPr lang="en-US" sz="900" dirty="0">
-                  <a:latin typeface="Courier New" panose="02070309020205020404" pitchFamily="49" charset="0"/>
-                  <a:cs typeface="Courier New" panose="02070309020205020404" pitchFamily="49" charset="0"/>
-                </a:rPr>
-                <a:t> WHERE LENGTH(description) &lt; </a:t>
-              </a:r>
-              <a:r>
-                <a:rPr lang="en-US" sz="900" dirty="0" smtClean="0">
-                  <a:latin typeface="Courier New" panose="02070309020205020404" pitchFamily="49" charset="0"/>
-                  <a:cs typeface="Courier New" panose="02070309020205020404" pitchFamily="49" charset="0"/>
-                </a:rPr>
-                <a:t>25;</a:t>
-              </a:r>
-              <a:endParaRPr lang="es-419" sz="900" dirty="0" smtClean="0">
+                <a:t> WHERE LENGTH(description) &lt; 25;</a:t>
+              </a:r>
+              <a:endParaRPr lang="es-419" sz="900" dirty="0">
                 <a:latin typeface="Courier New" panose="02070309020205020404" pitchFamily="49" charset="0"/>
                 <a:cs typeface="Courier New" panose="02070309020205020404" pitchFamily="49" charset="0"/>
               </a:endParaRPr>
@@ -17786,13 +18426,6 @@
   <p:clrMapOvr>
     <a:masterClrMapping/>
   </p:clrMapOvr>
-  <p:timing>
-    <p:tnLst>
-      <p:par>
-        <p:cTn id="1" dur="indefinite" restart="never" nodeType="tmRoot"/>
-      </p:par>
-    </p:tnLst>
-  </p:timing>
 </p:sld>
 </file>
 
@@ -17835,19 +18468,19 @@
           <a:p>
             <a:pPr algn="l"/>
             <a:r>
-              <a:rPr lang="es-419" sz="2400" dirty="0" err="1" smtClean="0">
+              <a:rPr lang="es-419" sz="2400" dirty="0" err="1">
                 <a:latin typeface="+mn-lt"/>
               </a:rPr>
               <a:t>MySQL</a:t>
             </a:r>
             <a:r>
-              <a:rPr lang="es-419" sz="2400" dirty="0" smtClean="0">
+              <a:rPr lang="es-419" sz="2400" dirty="0">
                 <a:latin typeface="+mn-lt"/>
               </a:rPr>
               <a:t> </a:t>
             </a:r>
             <a:r>
-              <a:rPr lang="es-419" sz="2400" dirty="0" err="1" smtClean="0">
+              <a:rPr lang="es-419" sz="2400" dirty="0" err="1">
                 <a:latin typeface="+mn-lt"/>
               </a:rPr>
               <a:t>Functions</a:t>
@@ -17895,7 +18528,7 @@
         </p:nvSpPr>
         <p:spPr>
           <a:xfrm>
-            <a:off x="323528" y="1052736"/>
+            <a:off x="323528" y="908720"/>
             <a:ext cx="4248472" cy="1316168"/>
           </a:xfrm>
           <a:prstGeom prst="roundRect">
@@ -17926,12 +18559,8 @@
               </a:lnSpc>
             </a:pPr>
             <a:r>
-              <a:rPr lang="es-419" sz="1100" b="1" dirty="0" smtClean="0"/>
-              <a:t>DATE / TIME </a:t>
-            </a:r>
-            <a:r>
               <a:rPr lang="es-419" sz="1100" b="1" dirty="0"/>
-              <a:t>FUNCTIONS:</a:t>
+              <a:t>DATE / TIME FUNCTIONS:</a:t>
             </a:r>
           </a:p>
           <a:p>
@@ -17940,153 +18569,145 @@
               <a:buChar char="•"/>
             </a:pPr>
             <a:r>
-              <a:rPr lang="es-419" sz="1100" b="1" dirty="0" smtClean="0">
+              <a:rPr lang="es-419" sz="1100" b="1" dirty="0">
                 <a:latin typeface="Courier New" panose="02070309020205020404" pitchFamily="49" charset="0"/>
                 <a:cs typeface="Courier New" panose="02070309020205020404" pitchFamily="49" charset="0"/>
               </a:rPr>
               <a:t>CURRENT_DATE(), LOCALTIME()</a:t>
+            </a:r>
+          </a:p>
+          <a:p>
+            <a:pPr marL="171450" indent="-171450">
+              <a:buFont typeface="Arial" panose="020B0604020202020204" pitchFamily="34" charset="0"/>
+              <a:buChar char="•"/>
+            </a:pPr>
+            <a:r>
+              <a:rPr lang="es-419" sz="1100" b="1" dirty="0">
+                <a:latin typeface="Courier New" panose="02070309020205020404" pitchFamily="49" charset="0"/>
+                <a:cs typeface="Courier New" panose="02070309020205020404" pitchFamily="49" charset="0"/>
+              </a:rPr>
+              <a:t>DATE_FORMAT(</a:t>
+            </a:r>
+            <a:r>
+              <a:rPr lang="es-419" sz="1100" dirty="0">
+                <a:latin typeface="Courier New" panose="02070309020205020404" pitchFamily="49" charset="0"/>
+                <a:cs typeface="Courier New" panose="02070309020205020404" pitchFamily="49" charset="0"/>
+              </a:rPr>
+              <a:t>date, </a:t>
+            </a:r>
+            <a:r>
+              <a:rPr lang="es-419" sz="1100" dirty="0" err="1">
+                <a:latin typeface="Courier New" panose="02070309020205020404" pitchFamily="49" charset="0"/>
+                <a:cs typeface="Courier New" panose="02070309020205020404" pitchFamily="49" charset="0"/>
+                <a:hlinkClick r:id="rId2"/>
+              </a:rPr>
+              <a:t>format</a:t>
+            </a:r>
+            <a:r>
+              <a:rPr lang="es-419" sz="1100" b="1" dirty="0">
+                <a:latin typeface="Courier New" panose="02070309020205020404" pitchFamily="49" charset="0"/>
+                <a:cs typeface="Courier New" panose="02070309020205020404" pitchFamily="49" charset="0"/>
+              </a:rPr>
+              <a:t>)</a:t>
+            </a:r>
+            <a:endParaRPr lang="es-419" sz="1100" dirty="0">
+              <a:latin typeface="Courier New" panose="02070309020205020404" pitchFamily="49" charset="0"/>
+              <a:cs typeface="Courier New" panose="02070309020205020404" pitchFamily="49" charset="0"/>
+            </a:endParaRPr>
+          </a:p>
+          <a:p>
+            <a:pPr marL="171450" indent="-171450">
+              <a:buFont typeface="Arial" panose="020B0604020202020204" pitchFamily="34" charset="0"/>
+              <a:buChar char="•"/>
+            </a:pPr>
+            <a:r>
+              <a:rPr lang="es-419" sz="1100" b="1" dirty="0">
+                <a:latin typeface="Courier New" panose="02070309020205020404" pitchFamily="49" charset="0"/>
+                <a:cs typeface="Courier New" panose="02070309020205020404" pitchFamily="49" charset="0"/>
+              </a:rPr>
+              <a:t>DATE_ADD(</a:t>
+            </a:r>
+            <a:r>
+              <a:rPr lang="es-419" sz="1100" dirty="0">
+                <a:latin typeface="Courier New" panose="02070309020205020404" pitchFamily="49" charset="0"/>
+                <a:cs typeface="Courier New" panose="02070309020205020404" pitchFamily="49" charset="0"/>
+              </a:rPr>
+              <a:t>date, INTERVAL n (DAY|MONTH|YEAR)</a:t>
+            </a:r>
+            <a:r>
+              <a:rPr lang="es-419" sz="1100" b="1" dirty="0">
+                <a:latin typeface="Courier New" panose="02070309020205020404" pitchFamily="49" charset="0"/>
+                <a:cs typeface="Courier New" panose="02070309020205020404" pitchFamily="49" charset="0"/>
+              </a:rPr>
+              <a:t>) </a:t>
+            </a:r>
+          </a:p>
+          <a:p>
+            <a:pPr marL="171450" indent="-171450">
+              <a:buFont typeface="Arial" panose="020B0604020202020204" pitchFamily="34" charset="0"/>
+              <a:buChar char="•"/>
+            </a:pPr>
+            <a:r>
+              <a:rPr lang="es-419" sz="1100" b="1" dirty="0">
+                <a:latin typeface="Courier New" panose="02070309020205020404" pitchFamily="49" charset="0"/>
+                <a:cs typeface="Courier New" panose="02070309020205020404" pitchFamily="49" charset="0"/>
+              </a:rPr>
+              <a:t>DATEDIFF</a:t>
+            </a:r>
+            <a:r>
+              <a:rPr lang="es-MX" sz="1100" b="1" dirty="0">
+                <a:latin typeface="Courier New" panose="02070309020205020404" pitchFamily="49" charset="0"/>
+                <a:cs typeface="Courier New" panose="02070309020205020404" pitchFamily="49" charset="0"/>
+              </a:rPr>
+              <a:t>(</a:t>
+            </a:r>
+            <a:r>
+              <a:rPr lang="es-419" sz="1100" dirty="0">
+                <a:latin typeface="Courier New" panose="02070309020205020404" pitchFamily="49" charset="0"/>
+                <a:cs typeface="Courier New" panose="02070309020205020404" pitchFamily="49" charset="0"/>
+              </a:rPr>
+              <a:t>date1</a:t>
+            </a:r>
+            <a:r>
+              <a:rPr lang="es-MX" sz="1100" dirty="0">
+                <a:latin typeface="Courier New" panose="02070309020205020404" pitchFamily="49" charset="0"/>
+                <a:cs typeface="Courier New" panose="02070309020205020404" pitchFamily="49" charset="0"/>
+              </a:rPr>
+              <a:t>,</a:t>
+            </a:r>
+            <a:r>
+              <a:rPr lang="es-419" sz="1100" dirty="0">
+                <a:latin typeface="Courier New" panose="02070309020205020404" pitchFamily="49" charset="0"/>
+                <a:cs typeface="Courier New" panose="02070309020205020404" pitchFamily="49" charset="0"/>
+              </a:rPr>
+              <a:t> date2</a:t>
+            </a:r>
+            <a:r>
+              <a:rPr lang="es-MX" sz="1100" b="1" dirty="0">
+                <a:latin typeface="Courier New" panose="02070309020205020404" pitchFamily="49" charset="0"/>
+                <a:cs typeface="Courier New" panose="02070309020205020404" pitchFamily="49" charset="0"/>
+              </a:rPr>
+              <a:t>)</a:t>
             </a:r>
             <a:endParaRPr lang="es-419" sz="1100" b="1" dirty="0">
               <a:latin typeface="Courier New" panose="02070309020205020404" pitchFamily="49" charset="0"/>
               <a:cs typeface="Courier New" panose="02070309020205020404" pitchFamily="49" charset="0"/>
             </a:endParaRPr>
           </a:p>
-          <a:p>
-            <a:pPr marL="171450" indent="-171450">
-              <a:buFont typeface="Arial" panose="020B0604020202020204" pitchFamily="34" charset="0"/>
-              <a:buChar char="•"/>
-            </a:pPr>
-            <a:r>
-              <a:rPr lang="es-419" sz="1100" b="1" dirty="0" smtClean="0">
-                <a:latin typeface="Courier New" panose="02070309020205020404" pitchFamily="49" charset="0"/>
-                <a:cs typeface="Courier New" panose="02070309020205020404" pitchFamily="49" charset="0"/>
-              </a:rPr>
-              <a:t>DATE_FORMAT(</a:t>
-            </a:r>
-            <a:r>
-              <a:rPr lang="es-419" sz="1100" dirty="0" smtClean="0">
-                <a:latin typeface="Courier New" panose="02070309020205020404" pitchFamily="49" charset="0"/>
-                <a:cs typeface="Courier New" panose="02070309020205020404" pitchFamily="49" charset="0"/>
-              </a:rPr>
-              <a:t>date, </a:t>
-            </a:r>
-            <a:r>
-              <a:rPr lang="es-419" sz="1100" dirty="0" err="1" smtClean="0">
-                <a:latin typeface="Courier New" panose="02070309020205020404" pitchFamily="49" charset="0"/>
-                <a:cs typeface="Courier New" panose="02070309020205020404" pitchFamily="49" charset="0"/>
-                <a:hlinkClick r:id="rId2"/>
-              </a:rPr>
-              <a:t>format</a:t>
-            </a:r>
-            <a:r>
-              <a:rPr lang="es-419" sz="1100" b="1" dirty="0" smtClean="0">
-                <a:latin typeface="Courier New" panose="02070309020205020404" pitchFamily="49" charset="0"/>
-                <a:cs typeface="Courier New" panose="02070309020205020404" pitchFamily="49" charset="0"/>
-              </a:rPr>
-              <a:t>)</a:t>
-            </a:r>
-            <a:endParaRPr lang="es-419" sz="1100" dirty="0">
-              <a:latin typeface="Courier New" panose="02070309020205020404" pitchFamily="49" charset="0"/>
-              <a:cs typeface="Courier New" panose="02070309020205020404" pitchFamily="49" charset="0"/>
-            </a:endParaRPr>
-          </a:p>
-          <a:p>
-            <a:pPr marL="171450" indent="-171450">
-              <a:buFont typeface="Arial" panose="020B0604020202020204" pitchFamily="34" charset="0"/>
-              <a:buChar char="•"/>
-            </a:pPr>
-            <a:r>
-              <a:rPr lang="es-419" sz="1100" b="1" dirty="0" smtClean="0">
-                <a:latin typeface="Courier New" panose="02070309020205020404" pitchFamily="49" charset="0"/>
-                <a:cs typeface="Courier New" panose="02070309020205020404" pitchFamily="49" charset="0"/>
-              </a:rPr>
-              <a:t>DATE_ADD(</a:t>
-            </a:r>
-            <a:r>
-              <a:rPr lang="es-419" sz="1100" dirty="0" smtClean="0">
-                <a:latin typeface="Courier New" panose="02070309020205020404" pitchFamily="49" charset="0"/>
-                <a:cs typeface="Courier New" panose="02070309020205020404" pitchFamily="49" charset="0"/>
-              </a:rPr>
-              <a:t>date, INTERVAL n (DAY|MONTH|YEAR)</a:t>
-            </a:r>
-            <a:r>
-              <a:rPr lang="es-419" sz="1100" b="1" dirty="0" smtClean="0">
-                <a:latin typeface="Courier New" panose="02070309020205020404" pitchFamily="49" charset="0"/>
-                <a:cs typeface="Courier New" panose="02070309020205020404" pitchFamily="49" charset="0"/>
-              </a:rPr>
-              <a:t>) </a:t>
-            </a:r>
-            <a:endParaRPr lang="es-419" sz="1100" b="1" dirty="0">
-              <a:latin typeface="Courier New" panose="02070309020205020404" pitchFamily="49" charset="0"/>
-              <a:cs typeface="Courier New" panose="02070309020205020404" pitchFamily="49" charset="0"/>
-            </a:endParaRPr>
-          </a:p>
-          <a:p>
-            <a:pPr marL="171450" indent="-171450">
-              <a:buFont typeface="Arial" panose="020B0604020202020204" pitchFamily="34" charset="0"/>
-              <a:buChar char="•"/>
-            </a:pPr>
-            <a:r>
-              <a:rPr lang="es-419" sz="1100" b="1" dirty="0" smtClean="0">
-                <a:latin typeface="Courier New" panose="02070309020205020404" pitchFamily="49" charset="0"/>
-                <a:cs typeface="Courier New" panose="02070309020205020404" pitchFamily="49" charset="0"/>
-              </a:rPr>
-              <a:t>DATEDIFF</a:t>
-            </a:r>
-            <a:r>
-              <a:rPr lang="es-MX" sz="1100" b="1" dirty="0" smtClean="0">
-                <a:latin typeface="Courier New" panose="02070309020205020404" pitchFamily="49" charset="0"/>
-                <a:cs typeface="Courier New" panose="02070309020205020404" pitchFamily="49" charset="0"/>
-              </a:rPr>
-              <a:t>(</a:t>
-            </a:r>
-            <a:r>
-              <a:rPr lang="es-419" sz="1100" dirty="0" smtClean="0">
-                <a:latin typeface="Courier New" panose="02070309020205020404" pitchFamily="49" charset="0"/>
-                <a:cs typeface="Courier New" panose="02070309020205020404" pitchFamily="49" charset="0"/>
-              </a:rPr>
-              <a:t>date1</a:t>
-            </a:r>
-            <a:r>
-              <a:rPr lang="es-MX" sz="1100" dirty="0" smtClean="0">
-                <a:latin typeface="Courier New" panose="02070309020205020404" pitchFamily="49" charset="0"/>
-                <a:cs typeface="Courier New" panose="02070309020205020404" pitchFamily="49" charset="0"/>
-              </a:rPr>
-              <a:t>,</a:t>
-            </a:r>
-            <a:r>
-              <a:rPr lang="es-419" sz="1100" dirty="0" smtClean="0">
-                <a:latin typeface="Courier New" panose="02070309020205020404" pitchFamily="49" charset="0"/>
-                <a:cs typeface="Courier New" panose="02070309020205020404" pitchFamily="49" charset="0"/>
-              </a:rPr>
-              <a:t> date2</a:t>
-            </a:r>
-            <a:r>
-              <a:rPr lang="es-MX" sz="1100" b="1" dirty="0" smtClean="0">
-                <a:latin typeface="Courier New" panose="02070309020205020404" pitchFamily="49" charset="0"/>
-                <a:cs typeface="Courier New" panose="02070309020205020404" pitchFamily="49" charset="0"/>
-              </a:rPr>
-              <a:t>)</a:t>
-            </a:r>
-            <a:endParaRPr lang="es-419" sz="1100" b="1" dirty="0" smtClean="0">
-              <a:latin typeface="Courier New" panose="02070309020205020404" pitchFamily="49" charset="0"/>
-              <a:cs typeface="Courier New" panose="02070309020205020404" pitchFamily="49" charset="0"/>
-            </a:endParaRPr>
-          </a:p>
         </p:txBody>
       </p:sp>
       <p:grpSp>
         <p:nvGrpSpPr>
-          <p:cNvPr id="5" name="Group 4"/>
+          <p:cNvPr id="4" name="Group 3"/>
           <p:cNvGrpSpPr/>
           <p:nvPr/>
         </p:nvGrpSpPr>
         <p:grpSpPr>
           <a:xfrm>
-            <a:off x="395536" y="2852936"/>
-            <a:ext cx="5976664" cy="3384376"/>
-            <a:chOff x="395536" y="2852936"/>
-            <a:chExt cx="5976664" cy="3384376"/>
+            <a:off x="395536" y="2420888"/>
+            <a:ext cx="5976664" cy="4021018"/>
+            <a:chOff x="395536" y="2420888"/>
+            <a:chExt cx="5976664" cy="4021018"/>
           </a:xfrm>
         </p:grpSpPr>
         <p:sp>
@@ -18097,7 +18718,7 @@
           </p:nvSpPr>
           <p:spPr>
             <a:xfrm>
-              <a:off x="395536" y="2852936"/>
+              <a:off x="395536" y="2420888"/>
               <a:ext cx="5976664" cy="2031325"/>
             </a:xfrm>
             <a:prstGeom prst="rect">
@@ -18112,154 +18733,154 @@
             <a:lstStyle/>
             <a:p>
               <a:r>
-                <a:rPr lang="es-419" sz="900" dirty="0" smtClean="0">
+                <a:rPr lang="es-419" sz="900" dirty="0">
                   <a:latin typeface="+mn-lt"/>
                   <a:cs typeface="Courier New" panose="02070309020205020404" pitchFamily="49" charset="0"/>
                 </a:rPr>
                 <a:t>16</a:t>
               </a:r>
               <a:r>
-                <a:rPr lang="en-US" sz="900" dirty="0" smtClean="0">
+                <a:rPr lang="en-US" sz="900" dirty="0">
                   <a:latin typeface="+mn-lt"/>
                   <a:cs typeface="Courier New" panose="02070309020205020404" pitchFamily="49" charset="0"/>
                 </a:rPr>
                 <a:t>. </a:t>
               </a:r>
               <a:r>
-                <a:rPr lang="es-419" sz="900" dirty="0" err="1" smtClean="0">
+                <a:rPr lang="es-419" sz="900" dirty="0" err="1">
                   <a:latin typeface="+mn-lt"/>
                   <a:cs typeface="Courier New" panose="02070309020205020404" pitchFamily="49" charset="0"/>
                 </a:rPr>
                 <a:t>Create</a:t>
               </a:r>
               <a:r>
-                <a:rPr lang="es-419" sz="900" dirty="0" smtClean="0">
+                <a:rPr lang="es-419" sz="900" dirty="0">
                   <a:latin typeface="+mn-lt"/>
                   <a:cs typeface="Courier New" panose="02070309020205020404" pitchFamily="49" charset="0"/>
                 </a:rPr>
                 <a:t> a </a:t>
               </a:r>
               <a:r>
-                <a:rPr lang="es-419" sz="900" dirty="0" err="1" smtClean="0">
+                <a:rPr lang="es-419" sz="900" dirty="0" err="1">
                   <a:latin typeface="+mn-lt"/>
                   <a:cs typeface="Courier New" panose="02070309020205020404" pitchFamily="49" charset="0"/>
                 </a:rPr>
                 <a:t>report</a:t>
               </a:r>
               <a:r>
-                <a:rPr lang="es-419" sz="900" dirty="0" smtClean="0">
+                <a:rPr lang="es-419" sz="900" dirty="0">
                   <a:latin typeface="+mn-lt"/>
                   <a:cs typeface="Courier New" panose="02070309020205020404" pitchFamily="49" charset="0"/>
                 </a:rPr>
                 <a:t> </a:t>
               </a:r>
               <a:r>
-                <a:rPr lang="es-419" sz="900" dirty="0" err="1" smtClean="0">
+                <a:rPr lang="es-419" sz="900" dirty="0" err="1">
                   <a:latin typeface="+mn-lt"/>
                   <a:cs typeface="Courier New" panose="02070309020205020404" pitchFamily="49" charset="0"/>
                 </a:rPr>
                 <a:t>with</a:t>
               </a:r>
               <a:r>
-                <a:rPr lang="es-419" sz="900" dirty="0" smtClean="0">
+                <a:rPr lang="es-419" sz="900" dirty="0">
                   <a:latin typeface="+mn-lt"/>
                   <a:cs typeface="Courier New" panose="02070309020205020404" pitchFamily="49" charset="0"/>
                 </a:rPr>
                 <a:t> </a:t>
               </a:r>
               <a:r>
-                <a:rPr lang="es-419" sz="900" dirty="0" err="1" smtClean="0">
+                <a:rPr lang="es-419" sz="900" dirty="0" err="1">
                   <a:latin typeface="+mn-lt"/>
                   <a:cs typeface="Courier New" panose="02070309020205020404" pitchFamily="49" charset="0"/>
                 </a:rPr>
                 <a:t>the</a:t>
               </a:r>
               <a:r>
-                <a:rPr lang="es-419" sz="900" dirty="0" smtClean="0">
+                <a:rPr lang="es-419" sz="900" dirty="0">
                   <a:latin typeface="+mn-lt"/>
                   <a:cs typeface="Courier New" panose="02070309020205020404" pitchFamily="49" charset="0"/>
                 </a:rPr>
                 <a:t> </a:t>
               </a:r>
               <a:r>
-                <a:rPr lang="es-419" sz="900" dirty="0" err="1" smtClean="0">
+                <a:rPr lang="es-419" sz="900" dirty="0" err="1">
                   <a:latin typeface="+mn-lt"/>
                   <a:cs typeface="Courier New" panose="02070309020205020404" pitchFamily="49" charset="0"/>
                 </a:rPr>
                 <a:t>relevant</a:t>
               </a:r>
               <a:r>
-                <a:rPr lang="en-US" sz="900" dirty="0" smtClean="0">
+                <a:rPr lang="en-US" sz="900" dirty="0">
                   <a:latin typeface="+mn-lt"/>
                   <a:cs typeface="Courier New" panose="02070309020205020404" pitchFamily="49" charset="0"/>
                 </a:rPr>
                 <a:t> </a:t>
               </a:r>
               <a:r>
-                <a:rPr lang="es-419" sz="900" i="1" dirty="0" smtClean="0">
+                <a:rPr lang="es-419" sz="900" i="1" dirty="0">
                   <a:latin typeface="+mn-lt"/>
                   <a:cs typeface="Courier New" panose="02070309020205020404" pitchFamily="49" charset="0"/>
                 </a:rPr>
                 <a:t>dates </a:t>
               </a:r>
               <a:r>
-                <a:rPr lang="es-419" sz="900" i="1" dirty="0" err="1" smtClean="0">
+                <a:rPr lang="es-419" sz="900" i="1" dirty="0" err="1">
                   <a:latin typeface="+mn-lt"/>
                   <a:cs typeface="Courier New" panose="02070309020205020404" pitchFamily="49" charset="0"/>
                 </a:rPr>
                 <a:t>with</a:t>
               </a:r>
               <a:r>
-                <a:rPr lang="es-419" sz="900" i="1" dirty="0" smtClean="0">
+                <a:rPr lang="es-419" sz="900" i="1" dirty="0">
                   <a:latin typeface="+mn-lt"/>
                   <a:cs typeface="Courier New" panose="02070309020205020404" pitchFamily="49" charset="0"/>
                 </a:rPr>
                 <a:t> </a:t>
               </a:r>
               <a:r>
-                <a:rPr lang="es-419" sz="900" i="1" dirty="0" err="1" smtClean="0">
+                <a:rPr lang="es-419" sz="900" i="1" dirty="0" err="1">
                   <a:latin typeface="+mn-lt"/>
                   <a:cs typeface="Courier New" panose="02070309020205020404" pitchFamily="49" charset="0"/>
                 </a:rPr>
                 <a:t>format</a:t>
               </a:r>
               <a:r>
-                <a:rPr lang="es-419" sz="900" i="1" dirty="0" smtClean="0">
+                <a:rPr lang="es-419" sz="900" i="1" dirty="0">
                   <a:latin typeface="+mn-lt"/>
                   <a:cs typeface="Courier New" panose="02070309020205020404" pitchFamily="49" charset="0"/>
                 </a:rPr>
                 <a:t> “YYYY-MM-DD</a:t>
               </a:r>
               <a:r>
-                <a:rPr lang="es-419" sz="900" dirty="0" smtClean="0">
+                <a:rPr lang="es-419" sz="900" dirty="0">
                   <a:latin typeface="+mn-lt"/>
                   <a:cs typeface="Courier New" panose="02070309020205020404" pitchFamily="49" charset="0"/>
                 </a:rPr>
                 <a:t>”</a:t>
               </a:r>
               <a:r>
-                <a:rPr lang="es-419" sz="900" i="1" dirty="0" smtClean="0">
+                <a:rPr lang="es-419" sz="900" i="1" dirty="0">
                   <a:latin typeface="+mn-lt"/>
                   <a:cs typeface="Courier New" panose="02070309020205020404" pitchFamily="49" charset="0"/>
                 </a:rPr>
                 <a:t> </a:t>
               </a:r>
               <a:r>
-                <a:rPr lang="es-419" sz="900" dirty="0" err="1" smtClean="0">
+                <a:rPr lang="es-419" sz="900" dirty="0" err="1">
                   <a:latin typeface="+mn-lt"/>
                   <a:cs typeface="Courier New" panose="02070309020205020404" pitchFamily="49" charset="0"/>
                 </a:rPr>
                 <a:t>from</a:t>
               </a:r>
               <a:r>
-                <a:rPr lang="es-419" sz="900" dirty="0" smtClean="0">
+                <a:rPr lang="es-419" sz="900" dirty="0">
                   <a:latin typeface="+mn-lt"/>
                   <a:cs typeface="Courier New" panose="02070309020205020404" pitchFamily="49" charset="0"/>
                 </a:rPr>
                 <a:t> </a:t>
               </a:r>
               <a:r>
-                <a:rPr lang="es-419" sz="900" i="1" dirty="0" err="1" smtClean="0">
+                <a:rPr lang="es-419" sz="900" i="1" dirty="0" err="1">
                   <a:latin typeface="+mn-lt"/>
                   <a:cs typeface="Courier New" panose="02070309020205020404" pitchFamily="49" charset="0"/>
                 </a:rPr>
@@ -18270,344 +18891,323 @@
                   <a:latin typeface="+mn-lt"/>
                   <a:cs typeface="Courier New" panose="02070309020205020404" pitchFamily="49" charset="0"/>
                 </a:rPr>
+                <a:t> “</a:t>
+              </a:r>
+              <a:r>
+                <a:rPr lang="es-419" sz="900" i="1" dirty="0" err="1">
+                  <a:latin typeface="+mn-lt"/>
+                  <a:cs typeface="Courier New" panose="02070309020205020404" pitchFamily="49" charset="0"/>
+                </a:rPr>
+                <a:t>Delivered</a:t>
+              </a:r>
+              <a:r>
+                <a:rPr lang="es-419" sz="900" dirty="0">
+                  <a:latin typeface="+mn-lt"/>
+                  <a:cs typeface="Courier New" panose="02070309020205020404" pitchFamily="49" charset="0"/>
+                </a:rPr>
+                <a:t>” and “</a:t>
+              </a:r>
+              <a:r>
+                <a:rPr lang="es-419" sz="900" i="1" dirty="0" err="1">
+                  <a:latin typeface="+mn-lt"/>
+                  <a:cs typeface="Courier New" panose="02070309020205020404" pitchFamily="49" charset="0"/>
+                </a:rPr>
+                <a:t>Partially</a:t>
+              </a:r>
+              <a:r>
+                <a:rPr lang="es-419" sz="900" i="1" dirty="0">
+                  <a:latin typeface="+mn-lt"/>
+                  <a:cs typeface="Courier New" panose="02070309020205020404" pitchFamily="49" charset="0"/>
+                </a:rPr>
                 <a:t> </a:t>
               </a:r>
               <a:r>
-                <a:rPr lang="es-419" sz="900" dirty="0" smtClean="0">
-                  <a:latin typeface="+mn-lt"/>
-                  <a:cs typeface="Courier New" panose="02070309020205020404" pitchFamily="49" charset="0"/>
-                </a:rPr>
-                <a:t>“</a:t>
-              </a:r>
-              <a:r>
-                <a:rPr lang="es-419" sz="900" i="1" dirty="0" err="1" smtClean="0">
+                <a:rPr lang="es-419" sz="900" i="1" dirty="0" err="1">
                   <a:latin typeface="+mn-lt"/>
                   <a:cs typeface="Courier New" panose="02070309020205020404" pitchFamily="49" charset="0"/>
                 </a:rPr>
                 <a:t>Delivered</a:t>
               </a:r>
               <a:r>
-                <a:rPr lang="es-419" sz="900" dirty="0" smtClean="0">
-                  <a:latin typeface="+mn-lt"/>
-                  <a:cs typeface="Courier New" panose="02070309020205020404" pitchFamily="49" charset="0"/>
-                </a:rPr>
-                <a:t>” and “</a:t>
-              </a:r>
-              <a:r>
-                <a:rPr lang="es-419" sz="900" i="1" dirty="0" err="1" smtClean="0">
-                  <a:latin typeface="+mn-lt"/>
-                  <a:cs typeface="Courier New" panose="02070309020205020404" pitchFamily="49" charset="0"/>
-                </a:rPr>
-                <a:t>Partially</a:t>
-              </a:r>
-              <a:r>
-                <a:rPr lang="es-419" sz="900" i="1" dirty="0" smtClean="0">
+                <a:rPr lang="es-419" sz="900" dirty="0">
+                  <a:latin typeface="+mn-lt"/>
+                  <a:cs typeface="Courier New" panose="02070309020205020404" pitchFamily="49" charset="0"/>
+                </a:rPr>
+                <a:t>”, </a:t>
+              </a:r>
+              <a:r>
+                <a:rPr lang="es-419" sz="900" dirty="0" err="1">
+                  <a:latin typeface="+mn-lt"/>
+                  <a:cs typeface="Courier New" panose="02070309020205020404" pitchFamily="49" charset="0"/>
+                </a:rPr>
+                <a:t>created</a:t>
+              </a:r>
+              <a:r>
+                <a:rPr lang="es-419" sz="900" dirty="0">
                   <a:latin typeface="+mn-lt"/>
                   <a:cs typeface="Courier New" panose="02070309020205020404" pitchFamily="49" charset="0"/>
                 </a:rPr>
                 <a:t> </a:t>
               </a:r>
               <a:r>
-                <a:rPr lang="es-419" sz="900" i="1" dirty="0" err="1" smtClean="0">
-                  <a:latin typeface="+mn-lt"/>
-                  <a:cs typeface="Courier New" panose="02070309020205020404" pitchFamily="49" charset="0"/>
-                </a:rPr>
-                <a:t>Delivered</a:t>
-              </a:r>
-              <a:r>
-                <a:rPr lang="es-419" sz="900" dirty="0" smtClean="0">
-                  <a:latin typeface="+mn-lt"/>
-                  <a:cs typeface="Courier New" panose="02070309020205020404" pitchFamily="49" charset="0"/>
-                </a:rPr>
-                <a:t>”, </a:t>
-              </a:r>
-              <a:r>
-                <a:rPr lang="es-419" sz="900" dirty="0" err="1" smtClean="0">
-                  <a:latin typeface="+mn-lt"/>
-                  <a:cs typeface="Courier New" panose="02070309020205020404" pitchFamily="49" charset="0"/>
-                </a:rPr>
-                <a:t>created</a:t>
-              </a:r>
-              <a:r>
-                <a:rPr lang="es-419" sz="900" dirty="0" smtClean="0">
-                  <a:latin typeface="+mn-lt"/>
-                  <a:cs typeface="Courier New" panose="02070309020205020404" pitchFamily="49" charset="0"/>
-                </a:rPr>
-                <a:t> in </a:t>
-              </a:r>
-              <a:r>
-                <a:rPr lang="es-419" sz="900" dirty="0" err="1" smtClean="0">
+                <a:rPr lang="es-419" sz="900" dirty="0" err="1">
+                  <a:latin typeface="+mn-lt"/>
+                  <a:cs typeface="Courier New" panose="02070309020205020404" pitchFamily="49" charset="0"/>
+                </a:rPr>
+                <a:t>last</a:t>
+              </a:r>
+              <a:r>
+                <a:rPr lang="es-419" sz="900" dirty="0">
+                  <a:latin typeface="+mn-lt"/>
+                  <a:cs typeface="Courier New" panose="02070309020205020404" pitchFamily="49" charset="0"/>
+                </a:rPr>
+                <a:t> 2 </a:t>
+              </a:r>
+              <a:r>
+                <a:rPr lang="es-419" sz="900" dirty="0" err="1">
+                  <a:latin typeface="+mn-lt"/>
+                  <a:cs typeface="Courier New" panose="02070309020205020404" pitchFamily="49" charset="0"/>
+                </a:rPr>
+                <a:t>year</a:t>
+              </a:r>
+              <a:r>
+                <a:rPr lang="es-419" sz="900" dirty="0">
+                  <a:latin typeface="+mn-lt"/>
+                  <a:cs typeface="Courier New" panose="02070309020205020404" pitchFamily="49" charset="0"/>
+                </a:rPr>
+                <a:t>. </a:t>
+              </a:r>
+              <a:r>
+                <a:rPr lang="es-419" sz="900" dirty="0" err="1">
+                  <a:latin typeface="+mn-lt"/>
+                  <a:cs typeface="Courier New" panose="02070309020205020404" pitchFamily="49" charset="0"/>
+                </a:rPr>
+                <a:t>Include</a:t>
+              </a:r>
+              <a:r>
+                <a:rPr lang="es-419" sz="900" dirty="0">
+                  <a:latin typeface="+mn-lt"/>
+                  <a:cs typeface="Courier New" panose="02070309020205020404" pitchFamily="49" charset="0"/>
+                </a:rPr>
+                <a:t> </a:t>
+              </a:r>
+              <a:r>
+                <a:rPr lang="es-419" sz="900" dirty="0" err="1">
                   <a:latin typeface="+mn-lt"/>
                   <a:cs typeface="Courier New" panose="02070309020205020404" pitchFamily="49" charset="0"/>
                 </a:rPr>
                 <a:t>the</a:t>
               </a:r>
               <a:r>
-                <a:rPr lang="es-419" sz="900" dirty="0" smtClean="0">
+                <a:rPr lang="es-419" sz="900" dirty="0">
                   <a:latin typeface="+mn-lt"/>
                   <a:cs typeface="Courier New" panose="02070309020205020404" pitchFamily="49" charset="0"/>
                 </a:rPr>
                 <a:t> </a:t>
               </a:r>
               <a:r>
-                <a:rPr lang="es-419" sz="900" dirty="0" err="1" smtClean="0">
-                  <a:latin typeface="+mn-lt"/>
-                  <a:cs typeface="Courier New" panose="02070309020205020404" pitchFamily="49" charset="0"/>
-                </a:rPr>
-                <a:t>last</a:t>
-              </a:r>
-              <a:r>
-                <a:rPr lang="es-419" sz="900" dirty="0" smtClean="0">
+                <a:rPr lang="es-419" sz="900" dirty="0" err="1">
+                  <a:latin typeface="+mn-lt"/>
+                  <a:cs typeface="Courier New" panose="02070309020205020404" pitchFamily="49" charset="0"/>
+                </a:rPr>
+                <a:t>Delivery</a:t>
+              </a:r>
+              <a:r>
+                <a:rPr lang="es-419" sz="900" dirty="0">
                   <a:latin typeface="+mn-lt"/>
                   <a:cs typeface="Courier New" panose="02070309020205020404" pitchFamily="49" charset="0"/>
                 </a:rPr>
                 <a:t> </a:t>
               </a:r>
               <a:r>
-                <a:rPr lang="es-419" sz="900" dirty="0" err="1" smtClean="0">
-                  <a:latin typeface="+mn-lt"/>
-                  <a:cs typeface="Courier New" panose="02070309020205020404" pitchFamily="49" charset="0"/>
-                </a:rPr>
-                <a:t>year</a:t>
-              </a:r>
-              <a:r>
-                <a:rPr lang="es-419" sz="900" dirty="0" smtClean="0">
-                  <a:latin typeface="+mn-lt"/>
-                  <a:cs typeface="Courier New" panose="02070309020205020404" pitchFamily="49" charset="0"/>
-                </a:rPr>
-                <a:t>. </a:t>
-              </a:r>
-              <a:r>
-                <a:rPr lang="es-419" sz="900" dirty="0" err="1" smtClean="0">
-                  <a:latin typeface="+mn-lt"/>
-                  <a:cs typeface="Courier New" panose="02070309020205020404" pitchFamily="49" charset="0"/>
-                </a:rPr>
-                <a:t>Include</a:t>
-              </a:r>
-              <a:r>
-                <a:rPr lang="es-419" sz="900" dirty="0" smtClean="0">
+                <a:rPr lang="es-419" sz="900" dirty="0" err="1">
+                  <a:latin typeface="+mn-lt"/>
+                  <a:cs typeface="Courier New" panose="02070309020205020404" pitchFamily="49" charset="0"/>
+                </a:rPr>
+                <a:t>Span</a:t>
+              </a:r>
+              <a:r>
+                <a:rPr lang="es-419" sz="900" dirty="0">
+                  <a:latin typeface="+mn-lt"/>
+                  <a:cs typeface="Courier New" panose="02070309020205020404" pitchFamily="49" charset="0"/>
+                </a:rPr>
+                <a:t> (in </a:t>
+              </a:r>
+              <a:r>
+                <a:rPr lang="es-419" sz="900" dirty="0" err="1">
+                  <a:latin typeface="+mn-lt"/>
+                  <a:cs typeface="Courier New" panose="02070309020205020404" pitchFamily="49" charset="0"/>
+                </a:rPr>
+                <a:t>days</a:t>
+              </a:r>
+              <a:r>
+                <a:rPr lang="es-419" sz="900" dirty="0">
+                  <a:latin typeface="+mn-lt"/>
+                  <a:cs typeface="Courier New" panose="02070309020205020404" pitchFamily="49" charset="0"/>
+                </a:rPr>
+                <a:t>) </a:t>
+              </a:r>
+              <a:r>
+                <a:rPr lang="es-419" sz="900" dirty="0" err="1">
+                  <a:latin typeface="+mn-lt"/>
+                  <a:cs typeface="Courier New" panose="02070309020205020404" pitchFamily="49" charset="0"/>
+                </a:rPr>
+                <a:t>between</a:t>
+              </a:r>
+              <a:r>
+                <a:rPr lang="es-419" sz="900" dirty="0">
                   <a:latin typeface="+mn-lt"/>
                   <a:cs typeface="Courier New" panose="02070309020205020404" pitchFamily="49" charset="0"/>
                 </a:rPr>
                 <a:t> </a:t>
               </a:r>
               <a:r>
-                <a:rPr lang="es-419" sz="900" dirty="0" err="1" smtClean="0">
-                  <a:latin typeface="+mn-lt"/>
-                  <a:cs typeface="Courier New" panose="02070309020205020404" pitchFamily="49" charset="0"/>
-                </a:rPr>
-                <a:t>the</a:t>
-              </a:r>
-              <a:r>
-                <a:rPr lang="es-419" sz="900" dirty="0" smtClean="0">
+                <a:rPr lang="es-419" sz="900" i="1" dirty="0" err="1">
+                  <a:latin typeface="+mn-lt"/>
+                  <a:cs typeface="Courier New" panose="02070309020205020404" pitchFamily="49" charset="0"/>
+                </a:rPr>
+                <a:t>scheduled_date</a:t>
+              </a:r>
+              <a:r>
+                <a:rPr lang="es-419" sz="900" dirty="0">
+                  <a:latin typeface="+mn-lt"/>
+                  <a:cs typeface="Courier New" panose="02070309020205020404" pitchFamily="49" charset="0"/>
+                </a:rPr>
+                <a:t> and </a:t>
+              </a:r>
+              <a:r>
+                <a:rPr lang="es-419" sz="900" i="1" dirty="0" err="1">
+                  <a:latin typeface="+mn-lt"/>
+                  <a:cs typeface="Courier New" panose="02070309020205020404" pitchFamily="49" charset="0"/>
+                </a:rPr>
+                <a:t>delivery_date</a:t>
+              </a:r>
+              <a:r>
+                <a:rPr lang="es-419" sz="900" dirty="0">
+                  <a:latin typeface="+mn-lt"/>
+                  <a:cs typeface="Courier New" panose="02070309020205020404" pitchFamily="49" charset="0"/>
+                </a:rPr>
+                <a:t>, and a </a:t>
+              </a:r>
+              <a:r>
+                <a:rPr lang="es-419" sz="900" i="1" dirty="0" err="1">
+                  <a:latin typeface="+mn-lt"/>
+                  <a:cs typeface="Courier New" panose="02070309020205020404" pitchFamily="49" charset="0"/>
+                </a:rPr>
+                <a:t>ontime_delivery_flag</a:t>
+              </a:r>
+              <a:r>
+                <a:rPr lang="es-419" sz="900" dirty="0">
                   <a:latin typeface="+mn-lt"/>
                   <a:cs typeface="Courier New" panose="02070309020205020404" pitchFamily="49" charset="0"/>
                 </a:rPr>
                 <a:t> </a:t>
               </a:r>
               <a:r>
-                <a:rPr lang="es-419" sz="900" dirty="0" err="1" smtClean="0">
-                  <a:latin typeface="+mn-lt"/>
-                  <a:cs typeface="Courier New" panose="02070309020205020404" pitchFamily="49" charset="0"/>
-                </a:rPr>
-                <a:t>Delivery</a:t>
-              </a:r>
-              <a:r>
-                <a:rPr lang="es-419" sz="900" dirty="0" smtClean="0">
+                <a:rPr lang="es-419" sz="900" dirty="0" err="1">
+                  <a:latin typeface="+mn-lt"/>
+                  <a:cs typeface="Courier New" panose="02070309020205020404" pitchFamily="49" charset="0"/>
+                </a:rPr>
+                <a:t>showing</a:t>
+              </a:r>
+              <a:r>
+                <a:rPr lang="es-419" sz="900" dirty="0">
                   <a:latin typeface="+mn-lt"/>
                   <a:cs typeface="Courier New" panose="02070309020205020404" pitchFamily="49" charset="0"/>
                 </a:rPr>
                 <a:t> </a:t>
               </a:r>
               <a:r>
-                <a:rPr lang="es-419" sz="900" dirty="0" err="1" smtClean="0">
-                  <a:latin typeface="+mn-lt"/>
-                  <a:cs typeface="Courier New" panose="02070309020205020404" pitchFamily="49" charset="0"/>
-                </a:rPr>
-                <a:t>Span</a:t>
-              </a:r>
-              <a:r>
-                <a:rPr lang="es-419" sz="900" dirty="0" smtClean="0">
-                  <a:latin typeface="+mn-lt"/>
-                  <a:cs typeface="Courier New" panose="02070309020205020404" pitchFamily="49" charset="0"/>
-                </a:rPr>
-                <a:t> (in </a:t>
-              </a:r>
-              <a:r>
-                <a:rPr lang="es-419" sz="900" dirty="0" err="1" smtClean="0">
-                  <a:latin typeface="+mn-lt"/>
-                  <a:cs typeface="Courier New" panose="02070309020205020404" pitchFamily="49" charset="0"/>
-                </a:rPr>
-                <a:t>days</a:t>
-              </a:r>
-              <a:r>
-                <a:rPr lang="es-419" sz="900" dirty="0" smtClean="0">
-                  <a:latin typeface="+mn-lt"/>
-                  <a:cs typeface="Courier New" panose="02070309020205020404" pitchFamily="49" charset="0"/>
-                </a:rPr>
-                <a:t>) </a:t>
-              </a:r>
-              <a:r>
-                <a:rPr lang="es-419" sz="900" dirty="0" err="1" smtClean="0">
-                  <a:latin typeface="+mn-lt"/>
-                  <a:cs typeface="Courier New" panose="02070309020205020404" pitchFamily="49" charset="0"/>
-                </a:rPr>
-                <a:t>between</a:t>
-              </a:r>
-              <a:r>
-                <a:rPr lang="es-419" sz="900" dirty="0" smtClean="0">
+                <a:rPr lang="es-419" sz="900" dirty="0" err="1">
+                  <a:latin typeface="+mn-lt"/>
+                  <a:cs typeface="Courier New" panose="02070309020205020404" pitchFamily="49" charset="0"/>
+                </a:rPr>
+                <a:t>if</a:t>
+              </a:r>
+              <a:r>
+                <a:rPr lang="es-419" sz="900" dirty="0">
                   <a:latin typeface="+mn-lt"/>
                   <a:cs typeface="Courier New" panose="02070309020205020404" pitchFamily="49" charset="0"/>
                 </a:rPr>
                 <a:t> </a:t>
               </a:r>
               <a:r>
-                <a:rPr lang="es-419" sz="900" i="1" dirty="0" err="1" smtClean="0">
-                  <a:latin typeface="+mn-lt"/>
-                  <a:cs typeface="Courier New" panose="02070309020205020404" pitchFamily="49" charset="0"/>
-                </a:rPr>
-                <a:t>scheduled_date</a:t>
-              </a:r>
-              <a:r>
-                <a:rPr lang="es-419" sz="900" dirty="0" smtClean="0">
-                  <a:latin typeface="+mn-lt"/>
-                  <a:cs typeface="Courier New" panose="02070309020205020404" pitchFamily="49" charset="0"/>
-                </a:rPr>
-                <a:t> and </a:t>
-              </a:r>
-              <a:r>
-                <a:rPr lang="es-419" sz="900" i="1" dirty="0" err="1" smtClean="0">
-                  <a:latin typeface="+mn-lt"/>
-                  <a:cs typeface="Courier New" panose="02070309020205020404" pitchFamily="49" charset="0"/>
-                </a:rPr>
-                <a:t>delivery_date</a:t>
-              </a:r>
-              <a:r>
-                <a:rPr lang="es-419" sz="900" dirty="0" smtClean="0">
-                  <a:latin typeface="+mn-lt"/>
-                  <a:cs typeface="Courier New" panose="02070309020205020404" pitchFamily="49" charset="0"/>
-                </a:rPr>
-                <a:t>, and a </a:t>
-              </a:r>
-              <a:r>
-                <a:rPr lang="es-419" sz="900" i="1" dirty="0" err="1" smtClean="0">
-                  <a:latin typeface="+mn-lt"/>
-                  <a:cs typeface="Courier New" panose="02070309020205020404" pitchFamily="49" charset="0"/>
-                </a:rPr>
-                <a:t>ontime_delivery_flag</a:t>
-              </a:r>
-              <a:r>
-                <a:rPr lang="es-419" sz="900" dirty="0" smtClean="0">
+                <a:rPr lang="es-419" sz="900" dirty="0" err="1">
+                  <a:latin typeface="+mn-lt"/>
+                  <a:cs typeface="Courier New" panose="02070309020205020404" pitchFamily="49" charset="0"/>
+                </a:rPr>
+                <a:t>Orders</a:t>
+              </a:r>
+              <a:r>
+                <a:rPr lang="es-419" sz="900" dirty="0">
                   <a:latin typeface="+mn-lt"/>
                   <a:cs typeface="Courier New" panose="02070309020205020404" pitchFamily="49" charset="0"/>
                 </a:rPr>
                 <a:t> </a:t>
               </a:r>
               <a:r>
-                <a:rPr lang="es-419" sz="900" dirty="0" err="1" smtClean="0">
-                  <a:latin typeface="+mn-lt"/>
-                  <a:cs typeface="Courier New" panose="02070309020205020404" pitchFamily="49" charset="0"/>
-                </a:rPr>
-                <a:t>showing</a:t>
-              </a:r>
-              <a:r>
-                <a:rPr lang="es-419" sz="900" dirty="0" smtClean="0">
+                <a:rPr lang="es-419" sz="900" dirty="0" err="1">
+                  <a:latin typeface="+mn-lt"/>
+                  <a:cs typeface="Courier New" panose="02070309020205020404" pitchFamily="49" charset="0"/>
+                </a:rPr>
+                <a:t>were</a:t>
+              </a:r>
+              <a:r>
+                <a:rPr lang="es-419" sz="900" dirty="0">
                   <a:latin typeface="+mn-lt"/>
                   <a:cs typeface="Courier New" panose="02070309020205020404" pitchFamily="49" charset="0"/>
                 </a:rPr>
                 <a:t> </a:t>
               </a:r>
               <a:r>
-                <a:rPr lang="es-419" sz="900" dirty="0" err="1" smtClean="0">
-                  <a:latin typeface="+mn-lt"/>
-                  <a:cs typeface="Courier New" panose="02070309020205020404" pitchFamily="49" charset="0"/>
-                </a:rPr>
-                <a:t>if</a:t>
-              </a:r>
-              <a:r>
-                <a:rPr lang="es-419" sz="900" dirty="0" smtClean="0">
+                <a:rPr lang="es-419" sz="900" i="1" dirty="0" err="1">
+                  <a:latin typeface="+mn-lt"/>
+                  <a:cs typeface="Courier New" panose="02070309020205020404" pitchFamily="49" charset="0"/>
+                </a:rPr>
+                <a:t>delivered_ontime</a:t>
+              </a:r>
+              <a:r>
+                <a:rPr lang="es-419" sz="900" dirty="0">
+                  <a:latin typeface="+mn-lt"/>
+                  <a:cs typeface="Courier New" panose="02070309020205020404" pitchFamily="49" charset="0"/>
+                </a:rPr>
+                <a:t> (Y) </a:t>
+              </a:r>
+              <a:r>
+                <a:rPr lang="es-419" sz="900" dirty="0" err="1">
+                  <a:latin typeface="+mn-lt"/>
+                  <a:cs typeface="Courier New" panose="02070309020205020404" pitchFamily="49" charset="0"/>
+                </a:rPr>
+                <a:t>or</a:t>
+              </a:r>
+              <a:r>
+                <a:rPr lang="es-419" sz="900" dirty="0">
                   <a:latin typeface="+mn-lt"/>
                   <a:cs typeface="Courier New" panose="02070309020205020404" pitchFamily="49" charset="0"/>
                 </a:rPr>
                 <a:t> </a:t>
               </a:r>
               <a:r>
-                <a:rPr lang="es-419" sz="900" dirty="0" err="1" smtClean="0">
-                  <a:latin typeface="+mn-lt"/>
-                  <a:cs typeface="Courier New" panose="02070309020205020404" pitchFamily="49" charset="0"/>
-                </a:rPr>
-                <a:t>Orders</a:t>
+                <a:rPr lang="es-419" sz="900" dirty="0" err="1">
+                  <a:latin typeface="+mn-lt"/>
+                  <a:cs typeface="Courier New" panose="02070309020205020404" pitchFamily="49" charset="0"/>
+                </a:rPr>
+                <a:t>not</a:t>
               </a:r>
               <a:r>
                 <a:rPr lang="es-419" sz="900" dirty="0">
                   <a:latin typeface="+mn-lt"/>
                   <a:cs typeface="Courier New" panose="02070309020205020404" pitchFamily="49" charset="0"/>
                 </a:rPr>
-                <a:t> </a:t>
-              </a:r>
-              <a:r>
-                <a:rPr lang="es-419" sz="900" dirty="0" err="1" smtClean="0">
-                  <a:latin typeface="+mn-lt"/>
-                  <a:cs typeface="Courier New" panose="02070309020205020404" pitchFamily="49" charset="0"/>
-                </a:rPr>
-                <a:t>were</a:t>
-              </a:r>
-              <a:r>
-                <a:rPr lang="es-419" sz="900" dirty="0" smtClean="0">
-                  <a:latin typeface="+mn-lt"/>
-                  <a:cs typeface="Courier New" panose="02070309020205020404" pitchFamily="49" charset="0"/>
-                </a:rPr>
-                <a:t> </a:t>
-              </a:r>
-              <a:r>
-                <a:rPr lang="es-419" sz="900" i="1" dirty="0" err="1" smtClean="0">
-                  <a:latin typeface="+mn-lt"/>
-                  <a:cs typeface="Courier New" panose="02070309020205020404" pitchFamily="49" charset="0"/>
-                </a:rPr>
-                <a:t>delivered_ontime</a:t>
-              </a:r>
-              <a:r>
-                <a:rPr lang="es-419" sz="900" dirty="0" smtClean="0">
-                  <a:latin typeface="+mn-lt"/>
-                  <a:cs typeface="Courier New" panose="02070309020205020404" pitchFamily="49" charset="0"/>
-                </a:rPr>
-                <a:t> (Y) </a:t>
-              </a:r>
-              <a:r>
-                <a:rPr lang="es-419" sz="900" dirty="0" err="1" smtClean="0">
-                  <a:latin typeface="+mn-lt"/>
-                  <a:cs typeface="Courier New" panose="02070309020205020404" pitchFamily="49" charset="0"/>
-                </a:rPr>
-                <a:t>or</a:t>
-              </a:r>
-              <a:r>
-                <a:rPr lang="es-419" sz="900" dirty="0" smtClean="0">
-                  <a:latin typeface="+mn-lt"/>
-                  <a:cs typeface="Courier New" panose="02070309020205020404" pitchFamily="49" charset="0"/>
-                </a:rPr>
-                <a:t> </a:t>
-              </a:r>
-              <a:r>
-                <a:rPr lang="es-419" sz="900" dirty="0" err="1" smtClean="0">
-                  <a:latin typeface="+mn-lt"/>
-                  <a:cs typeface="Courier New" panose="02070309020205020404" pitchFamily="49" charset="0"/>
-                </a:rPr>
-                <a:t>not</a:t>
-              </a:r>
-              <a:r>
-                <a:rPr lang="es-419" sz="900" dirty="0" smtClean="0">
-                  <a:latin typeface="+mn-lt"/>
-                  <a:cs typeface="Courier New" panose="02070309020205020404" pitchFamily="49" charset="0"/>
-                </a:rPr>
                 <a:t> (N).</a:t>
               </a:r>
-              <a:endParaRPr lang="en-US" sz="900" dirty="0" smtClean="0">
+              <a:endParaRPr lang="en-US" sz="900" dirty="0">
                 <a:latin typeface="+mn-lt"/>
                 <a:cs typeface="Courier New" panose="02070309020205020404" pitchFamily="49" charset="0"/>
               </a:endParaRPr>
             </a:p>
             <a:p>
-              <a:endParaRPr lang="en-US" sz="900" dirty="0" smtClean="0">
+              <a:endParaRPr lang="en-US" sz="900" dirty="0">
                 <a:latin typeface="Courier New" panose="02070309020205020404" pitchFamily="49" charset="0"/>
                 <a:cs typeface="Courier New" panose="02070309020205020404" pitchFamily="49" charset="0"/>
               </a:endParaRPr>
@@ -18812,63 +19412,49 @@
                 <a:t>delivery_date</a:t>
               </a:r>
               <a:r>
-                <a:rPr lang="en-US" sz="900" dirty="0" smtClean="0">
-                  <a:latin typeface="Courier New" panose="02070309020205020404" pitchFamily="49" charset="0"/>
-                  <a:cs typeface="Courier New" panose="02070309020205020404" pitchFamily="49" charset="0"/>
-                </a:rPr>
-                <a:t>)</a:t>
-              </a:r>
-              <a:r>
-                <a:rPr lang="es-419" sz="900" dirty="0" smtClean="0">
-                  <a:latin typeface="Courier New" panose="02070309020205020404" pitchFamily="49" charset="0"/>
-                  <a:cs typeface="Courier New" panose="02070309020205020404" pitchFamily="49" charset="0"/>
-                </a:rPr>
-                <a:t> </a:t>
-              </a:r>
-              <a:r>
-                <a:rPr lang="en-US" sz="900" dirty="0" smtClean="0">
-                  <a:latin typeface="Courier New" panose="02070309020205020404" pitchFamily="49" charset="0"/>
-                  <a:cs typeface="Courier New" panose="02070309020205020404" pitchFamily="49" charset="0"/>
-                </a:rPr>
-                <a:t>&gt;=</a:t>
-              </a:r>
-              <a:r>
-                <a:rPr lang="es-419" sz="900" dirty="0" smtClean="0">
-                  <a:latin typeface="Courier New" panose="02070309020205020404" pitchFamily="49" charset="0"/>
-                  <a:cs typeface="Courier New" panose="02070309020205020404" pitchFamily="49" charset="0"/>
-                </a:rPr>
-                <a:t> </a:t>
-              </a:r>
-              <a:r>
-                <a:rPr lang="en-US" sz="900" dirty="0" smtClean="0">
-                  <a:latin typeface="Courier New" panose="02070309020205020404" pitchFamily="49" charset="0"/>
-                  <a:cs typeface="Courier New" panose="02070309020205020404" pitchFamily="49" charset="0"/>
-                </a:rPr>
-                <a:t>0, </a:t>
-              </a:r>
-              <a:r>
                 <a:rPr lang="en-US" sz="900" dirty="0">
                   <a:latin typeface="Courier New" panose="02070309020205020404" pitchFamily="49" charset="0"/>
                   <a:cs typeface="Courier New" panose="02070309020205020404" pitchFamily="49" charset="0"/>
                 </a:rPr>
-                <a:t>'Y', 'N</a:t>
-              </a:r>
-              <a:r>
-                <a:rPr lang="en-US" sz="900" dirty="0" smtClean="0">
+                <a:t>)</a:t>
+              </a:r>
+              <a:r>
+                <a:rPr lang="es-419" sz="900" dirty="0">
                   <a:latin typeface="Courier New" panose="02070309020205020404" pitchFamily="49" charset="0"/>
                   <a:cs typeface="Courier New" panose="02070309020205020404" pitchFamily="49" charset="0"/>
                 </a:rPr>
-                <a:t>')</a:t>
-              </a:r>
-              <a:r>
-                <a:rPr lang="es-419" sz="900" dirty="0" smtClean="0">
+                <a:t> </a:t>
+              </a:r>
+              <a:r>
+                <a:rPr lang="en-US" sz="900" dirty="0">
                   <a:latin typeface="Courier New" panose="02070309020205020404" pitchFamily="49" charset="0"/>
                   <a:cs typeface="Courier New" panose="02070309020205020404" pitchFamily="49" charset="0"/>
                 </a:rPr>
+                <a:t>&gt;=</a:t>
+              </a:r>
+              <a:r>
+                <a:rPr lang="es-419" sz="900" dirty="0">
+                  <a:latin typeface="Courier New" panose="02070309020205020404" pitchFamily="49" charset="0"/>
+                  <a:cs typeface="Courier New" panose="02070309020205020404" pitchFamily="49" charset="0"/>
+                </a:rPr>
+                <a:t> </a:t>
+              </a:r>
+              <a:r>
+                <a:rPr lang="en-US" sz="900" dirty="0">
+                  <a:latin typeface="Courier New" panose="02070309020205020404" pitchFamily="49" charset="0"/>
+                  <a:cs typeface="Courier New" panose="02070309020205020404" pitchFamily="49" charset="0"/>
+                </a:rPr>
+                <a:t>0, 'Y', 'N')</a:t>
+              </a:r>
+              <a:r>
+                <a:rPr lang="es-419" sz="900" dirty="0">
+                  <a:latin typeface="Courier New" panose="02070309020205020404" pitchFamily="49" charset="0"/>
+                  <a:cs typeface="Courier New" panose="02070309020205020404" pitchFamily="49" charset="0"/>
+                </a:rPr>
                 <a:t> AS</a:t>
               </a:r>
               <a:r>
-                <a:rPr lang="en-US" sz="900" dirty="0" smtClean="0">
+                <a:rPr lang="en-US" sz="900" dirty="0">
                   <a:latin typeface="Courier New" panose="02070309020205020404" pitchFamily="49" charset="0"/>
                   <a:cs typeface="Courier New" panose="02070309020205020404" pitchFamily="49" charset="0"/>
                 </a:rPr>
@@ -18938,16 +19524,9 @@
                   <a:latin typeface="Courier New" panose="02070309020205020404" pitchFamily="49" charset="0"/>
                   <a:cs typeface="Courier New" panose="02070309020205020404" pitchFamily="49" charset="0"/>
                 </a:rPr>
-                <a:t> &gt; DATE_ADD(CURRENT_DATE, INTERVAL -1 YEAR</a:t>
-              </a:r>
-              <a:r>
-                <a:rPr lang="en-US" sz="900" dirty="0" smtClean="0">
-                  <a:latin typeface="Courier New" panose="02070309020205020404" pitchFamily="49" charset="0"/>
-                  <a:cs typeface="Courier New" panose="02070309020205020404" pitchFamily="49" charset="0"/>
-                </a:rPr>
-                <a:t>);</a:t>
-              </a:r>
-              <a:endParaRPr lang="es-419" sz="900" dirty="0" smtClean="0">
+                <a:t> &gt; DATE_ADD(CURRENT_DATE, INTERVAL -2 YEAR);</a:t>
+              </a:r>
+              <a:endParaRPr lang="es-419" sz="900" dirty="0">
                 <a:latin typeface="Courier New" panose="02070309020205020404" pitchFamily="49" charset="0"/>
                 <a:cs typeface="Courier New" panose="02070309020205020404" pitchFamily="49" charset="0"/>
               </a:endParaRPr>
@@ -18962,7 +19541,7 @@
         </p:sp>
         <p:pic>
           <p:nvPicPr>
-            <p:cNvPr id="17" name="Picture 16"/>
+            <p:cNvPr id="3" name="Picture 2"/>
             <p:cNvPicPr>
               <a:picLocks noChangeAspect="1"/>
             </p:cNvPicPr>
@@ -18976,15 +19555,15 @@
           </p:blipFill>
           <p:spPr>
             <a:xfrm>
-              <a:off x="611559" y="4941168"/>
-              <a:ext cx="4516867" cy="1296144"/>
+              <a:off x="831304" y="4391802"/>
+              <a:ext cx="4676800" cy="2050104"/>
             </a:xfrm>
             <a:prstGeom prst="rect">
               <a:avLst/>
             </a:prstGeom>
             <a:ln>
               <a:solidFill>
-                <a:srgbClr val="276B9B"/>
+                <a:schemeClr val="accent2"/>
               </a:solidFill>
             </a:ln>
           </p:spPr>
@@ -19000,13 +19579,6 @@
   <p:clrMapOvr>
     <a:masterClrMapping/>
   </p:clrMapOvr>
-  <p:timing>
-    <p:tnLst>
-      <p:par>
-        <p:cTn id="1" dur="indefinite" restart="never" nodeType="tmRoot"/>
-      </p:par>
-    </p:tnLst>
-  </p:timing>
 </p:sld>
 </file>
 
@@ -20039,11 +20611,12 @@
 </file>
 
 <file path=customXml/item1.xml><?xml version="1.0" encoding="utf-8"?>
-<p:properties xmlns:p="http://schemas.microsoft.com/office/2006/metadata/properties" xmlns:xsi="http://www.w3.org/2001/XMLSchema-instance" xmlns:pc="http://schemas.microsoft.com/office/infopath/2007/PartnerControls">
-  <documentManagement>
-    <Data_x0020_Classification1 xmlns="90e5e253-50b2-47e0-ab40-088f51eedbac">Public</Data_x0020_Classification1>
-  </documentManagement>
-</p:properties>
+<?mso-contentType ?>
+<FormTemplates xmlns="http://schemas.microsoft.com/sharepoint/v3/contenttype/forms">
+  <Display>DocumentLibraryForm</Display>
+  <Edit>DocumentLibraryForm</Edit>
+  <New>DocumentLibraryForm</New>
+</FormTemplates>
 </file>
 
 <file path=customXml/item2.xml><?xml version="1.0" encoding="utf-8"?>
@@ -20178,26 +20751,17 @@
 </file>
 
 <file path=customXml/item3.xml><?xml version="1.0" encoding="utf-8"?>
-<?mso-contentType ?>
-<FormTemplates xmlns="http://schemas.microsoft.com/sharepoint/v3/contenttype/forms">
-  <Display>DocumentLibraryForm</Display>
-  <Edit>DocumentLibraryForm</Edit>
-  <New>DocumentLibraryForm</New>
-</FormTemplates>
+<p:properties xmlns:p="http://schemas.microsoft.com/office/2006/metadata/properties" xmlns:xsi="http://www.w3.org/2001/XMLSchema-instance" xmlns:pc="http://schemas.microsoft.com/office/infopath/2007/PartnerControls">
+  <documentManagement>
+    <Data_x0020_Classification1 xmlns="90e5e253-50b2-47e0-ab40-088f51eedbac">Public</Data_x0020_Classification1>
+  </documentManagement>
+</p:properties>
 </file>
 
 <file path=customXml/itemProps1.xml><?xml version="1.0" encoding="utf-8"?>
-<ds:datastoreItem xmlns:ds="http://schemas.openxmlformats.org/officeDocument/2006/customXml" ds:itemID="{F878CFFA-FA4D-496F-B8D2-C7DD46C2A279}">
+<ds:datastoreItem xmlns:ds="http://schemas.openxmlformats.org/officeDocument/2006/customXml" ds:itemID="{9D25E79C-CB22-414C-9E48-01ED10321A76}">
   <ds:schemaRefs>
-    <ds:schemaRef ds:uri="http://schemas.microsoft.com/office/2006/documentManagement/types"/>
-    <ds:schemaRef ds:uri="http://schemas.microsoft.com/office/2006/metadata/properties"/>
-    <ds:schemaRef ds:uri="http://purl.org/dc/elements/1.1/"/>
-    <ds:schemaRef ds:uri="90e5e253-50b2-47e0-ab40-088f51eedbac"/>
-    <ds:schemaRef ds:uri="http://purl.org/dc/terms/"/>
-    <ds:schemaRef ds:uri="http://www.w3.org/XML/1998/namespace"/>
-    <ds:schemaRef ds:uri="http://purl.org/dc/dcmitype/"/>
-    <ds:schemaRef ds:uri="http://schemas.microsoft.com/office/infopath/2007/PartnerControls"/>
-    <ds:schemaRef ds:uri="http://schemas.openxmlformats.org/package/2006/metadata/core-properties"/>
+    <ds:schemaRef ds:uri="http://schemas.microsoft.com/sharepoint/v3/contenttype/forms"/>
   </ds:schemaRefs>
 </ds:datastoreItem>
 </file>
@@ -20221,9 +20785,17 @@
 </file>
 
 <file path=customXml/itemProps3.xml><?xml version="1.0" encoding="utf-8"?>
-<ds:datastoreItem xmlns:ds="http://schemas.openxmlformats.org/officeDocument/2006/customXml" ds:itemID="{9D25E79C-CB22-414C-9E48-01ED10321A76}">
+<ds:datastoreItem xmlns:ds="http://schemas.openxmlformats.org/officeDocument/2006/customXml" ds:itemID="{F878CFFA-FA4D-496F-B8D2-C7DD46C2A279}">
   <ds:schemaRefs>
-    <ds:schemaRef ds:uri="http://schemas.microsoft.com/sharepoint/v3/contenttype/forms"/>
+    <ds:schemaRef ds:uri="http://schemas.microsoft.com/office/2006/documentManagement/types"/>
+    <ds:schemaRef ds:uri="http://schemas.microsoft.com/office/2006/metadata/properties"/>
+    <ds:schemaRef ds:uri="http://purl.org/dc/elements/1.1/"/>
+    <ds:schemaRef ds:uri="90e5e253-50b2-47e0-ab40-088f51eedbac"/>
+    <ds:schemaRef ds:uri="http://purl.org/dc/terms/"/>
+    <ds:schemaRef ds:uri="http://www.w3.org/XML/1998/namespace"/>
+    <ds:schemaRef ds:uri="http://purl.org/dc/dcmitype/"/>
+    <ds:schemaRef ds:uri="http://schemas.microsoft.com/office/infopath/2007/PartnerControls"/>
+    <ds:schemaRef ds:uri="http://schemas.openxmlformats.org/package/2006/metadata/core-properties"/>
   </ds:schemaRefs>
 </ds:datastoreItem>
 </file>
--- a/SQL-master/SQL [2] Query buildings.pptx
+++ b/SQL-master/SQL [2] Query buildings.pptx
@@ -289,7 +289,7 @@
           <a:p>
             <a:fld id="{E23C31A4-E588-4D7D-8556-3E7A80E3618E}" type="datetimeFigureOut">
               <a:rPr lang="es-MX" smtClean="0"/>
-              <a:t>22/11/2016</a:t>
+              <a:t>23/11/2016</a:t>
             </a:fld>
             <a:endParaRPr lang="es-MX"/>
           </a:p>
@@ -467,7 +467,7 @@
               <a:pPr>
                 <a:defRPr/>
               </a:pPr>
-              <a:t>22/11/2016</a:t>
+              <a:t>23/11/2016</a:t>
             </a:fld>
             <a:endParaRPr lang="es-MX" dirty="0"/>
           </a:p>
@@ -7562,7 +7562,7 @@
           <a:noFill/>
           <a:extLst>
             <a:ext uri="{909E8E84-426E-40dd-AFC4-6F175D3DCCD1}">
-              <a14:hiddenFill xmlns:a14="http://schemas.microsoft.com/office/drawing/2010/main" xmlns="">
+              <a14:hiddenFill xmlns="" xmlns:a14="http://schemas.microsoft.com/office/drawing/2010/main">
                 <a:solidFill>
                   <a:srgbClr val="FFFFFF"/>
                 </a:solidFill>
@@ -7823,7 +7823,7 @@
           <a:noFill/>
           <a:extLst>
             <a:ext uri="{909E8E84-426E-40dd-AFC4-6F175D3DCCD1}">
-              <a14:hiddenFill xmlns:a14="http://schemas.microsoft.com/office/drawing/2010/main" xmlns="">
+              <a14:hiddenFill xmlns="" xmlns:a14="http://schemas.microsoft.com/office/drawing/2010/main">
                 <a:solidFill>
                   <a:srgbClr val="FFFFFF"/>
                 </a:solidFill>
@@ -9176,7 +9176,7 @@
           <a:noFill/>
           <a:extLst>
             <a:ext uri="{909E8E84-426E-40dd-AFC4-6F175D3DCCD1}">
-              <a14:hiddenFill xmlns:a14="http://schemas.microsoft.com/office/drawing/2010/main" xmlns="">
+              <a14:hiddenFill xmlns="" xmlns:a14="http://schemas.microsoft.com/office/drawing/2010/main">
                 <a:solidFill>
                   <a:srgbClr val="FFFFFF"/>
                 </a:solidFill>
@@ -9888,14 +9888,14 @@
           </a:ln>
           <a:extLst>
             <a:ext uri="{909E8E84-426E-40dd-AFC4-6F175D3DCCD1}">
-              <a14:hiddenFill xmlns:a14="http://schemas.microsoft.com/office/drawing/2010/main" xmlns="">
+              <a14:hiddenFill xmlns="" xmlns:a14="http://schemas.microsoft.com/office/drawing/2010/main">
                 <a:solidFill>
                   <a:srgbClr val="FFFFFF"/>
                 </a:solidFill>
               </a14:hiddenFill>
             </a:ext>
             <a:ext uri="{91240B29-F687-4f45-9708-019B960494DF}">
-              <a14:hiddenLine xmlns:a14="http://schemas.microsoft.com/office/drawing/2010/main" xmlns="" w="9525">
+              <a14:hiddenLine xmlns="" xmlns:a14="http://schemas.microsoft.com/office/drawing/2010/main" w="9525">
                 <a:solidFill>
                   <a:srgbClr val="000000"/>
                 </a:solidFill>
@@ -9971,14 +9971,14 @@
           </a:ln>
           <a:extLst>
             <a:ext uri="{909E8E84-426E-40dd-AFC4-6F175D3DCCD1}">
-              <a14:hiddenFill xmlns:a14="http://schemas.microsoft.com/office/drawing/2010/main" xmlns="">
+              <a14:hiddenFill xmlns="" xmlns:a14="http://schemas.microsoft.com/office/drawing/2010/main">
                 <a:solidFill>
                   <a:srgbClr val="FFFFFF"/>
                 </a:solidFill>
               </a14:hiddenFill>
             </a:ext>
             <a:ext uri="{91240B29-F687-4f45-9708-019B960494DF}">
-              <a14:hiddenLine xmlns:a14="http://schemas.microsoft.com/office/drawing/2010/main" xmlns="" w="9525">
+              <a14:hiddenLine xmlns="" xmlns:a14="http://schemas.microsoft.com/office/drawing/2010/main" w="9525">
                 <a:solidFill>
                   <a:srgbClr val="000000"/>
                 </a:solidFill>
@@ -10037,7 +10037,7 @@
           <a:noFill/>
           <a:extLst>
             <a:ext uri="{909E8E84-426E-40dd-AFC4-6F175D3DCCD1}">
-              <a14:hiddenFill xmlns:a14="http://schemas.microsoft.com/office/drawing/2010/main" xmlns="">
+              <a14:hiddenFill xmlns="" xmlns:a14="http://schemas.microsoft.com/office/drawing/2010/main">
                 <a:solidFill>
                   <a:srgbClr val="FFFFFF"/>
                 </a:solidFill>
@@ -14389,7 +14389,7 @@
         <p:spPr>
           <a:xfrm>
             <a:off x="251520" y="950046"/>
-            <a:ext cx="3744416" cy="1038794"/>
+            <a:ext cx="3816424" cy="1038794"/>
           </a:xfrm>
           <a:prstGeom prst="roundRect">
             <a:avLst/>
@@ -14464,7 +14464,7 @@
             </a:pPr>
             <a:r>
               <a:rPr lang="es-419" sz="1100" b="1" dirty="0"/>
-              <a:t>GRUP BY</a:t>
+              <a:t>GROUP BY</a:t>
             </a:r>
             <a:r>
               <a:rPr lang="es-MX" sz="1100" b="1" dirty="0"/>
@@ -15802,9 +15802,9 @@
         <p:grpSpPr>
           <a:xfrm>
             <a:off x="4572000" y="1772816"/>
-            <a:ext cx="3744416" cy="3528392"/>
+            <a:ext cx="3744416" cy="3346307"/>
             <a:chOff x="4572000" y="1772816"/>
-            <a:chExt cx="3744416" cy="3528392"/>
+            <a:chExt cx="3744416" cy="3346307"/>
           </a:xfrm>
         </p:grpSpPr>
         <p:sp>
@@ -15816,7 +15816,7 @@
           <p:spPr>
             <a:xfrm>
               <a:off x="4572000" y="1772816"/>
-              <a:ext cx="3744416" cy="1754326"/>
+              <a:ext cx="3744416" cy="1615827"/>
             </a:xfrm>
             <a:prstGeom prst="rect">
               <a:avLst/>
@@ -16200,18 +16200,12 @@
                 </a:rPr>
                 <a:t>ship_to_id</a:t>
               </a:r>
-              <a:endParaRPr lang="en-US" sz="900" dirty="0">
-                <a:latin typeface="Courier New" panose="02070309020205020404" pitchFamily="49" charset="0"/>
-                <a:cs typeface="Courier New" panose="02070309020205020404" pitchFamily="49" charset="0"/>
-              </a:endParaRPr>
-            </a:p>
-            <a:p>
               <a:r>
                 <a:rPr lang="en-US" sz="900" dirty="0">
                   <a:latin typeface="Courier New" panose="02070309020205020404" pitchFamily="49" charset="0"/>
                   <a:cs typeface="Courier New" panose="02070309020205020404" pitchFamily="49" charset="0"/>
                 </a:rPr>
-                <a:t>     , </a:t>
+                <a:t>, </a:t>
               </a:r>
               <a:r>
                 <a:rPr lang="en-US" sz="900" dirty="0" err="1">
@@ -16266,7 +16260,7 @@
           </p:blipFill>
           <p:spPr>
             <a:xfrm>
-              <a:off x="4704934" y="3683093"/>
+              <a:off x="4704934" y="3501008"/>
               <a:ext cx="3107426" cy="1618115"/>
             </a:xfrm>
             <a:prstGeom prst="rect">
@@ -16823,7 +16817,7 @@
           <p:spPr>
             <a:xfrm>
               <a:off x="4572000" y="1772816"/>
-              <a:ext cx="3744416" cy="2308324"/>
+              <a:ext cx="3744416" cy="2169825"/>
             </a:xfrm>
             <a:prstGeom prst="rect">
               <a:avLst/>
@@ -17203,18 +17197,12 @@
                 </a:rPr>
                 <a:t>ship_to_id</a:t>
               </a:r>
-              <a:endParaRPr lang="en-US" sz="900" dirty="0">
-                <a:latin typeface="Courier New" panose="02070309020205020404" pitchFamily="49" charset="0"/>
-                <a:cs typeface="Courier New" panose="02070309020205020404" pitchFamily="49" charset="0"/>
-              </a:endParaRPr>
-            </a:p>
-            <a:p>
               <a:r>
                 <a:rPr lang="en-US" sz="900" dirty="0">
                   <a:latin typeface="Courier New" panose="02070309020205020404" pitchFamily="49" charset="0"/>
                   <a:cs typeface="Courier New" panose="02070309020205020404" pitchFamily="49" charset="0"/>
                 </a:rPr>
-                <a:t>     , </a:t>
+                <a:t>, </a:t>
               </a:r>
               <a:r>
                 <a:rPr lang="en-US" sz="900" dirty="0" err="1">
@@ -17652,7 +17640,7 @@
                 <a:latin typeface="Courier New" panose="02070309020205020404" pitchFamily="49" charset="0"/>
                 <a:cs typeface="Courier New" panose="02070309020205020404" pitchFamily="49" charset="0"/>
               </a:rPr>
-              <a:t>contidion</a:t>
+              <a:t>condidyon</a:t>
             </a:r>
             <a:r>
               <a:rPr lang="es-419" sz="1100" dirty="0">
@@ -17666,7 +17654,7 @@
                 <a:latin typeface="Courier New" panose="02070309020205020404" pitchFamily="49" charset="0"/>
                 <a:cs typeface="Courier New" panose="02070309020205020404" pitchFamily="49" charset="0"/>
               </a:rPr>
-              <a:t>vaule_true</a:t>
+              <a:t>value_true</a:t>
             </a:r>
             <a:r>
               <a:rPr lang="es-419" sz="1100" dirty="0">
@@ -17680,7 +17668,7 @@
                 <a:latin typeface="Courier New" panose="02070309020205020404" pitchFamily="49" charset="0"/>
                 <a:cs typeface="Courier New" panose="02070309020205020404" pitchFamily="49" charset="0"/>
               </a:rPr>
-              <a:t>vaue_false</a:t>
+              <a:t>value_false</a:t>
             </a:r>
             <a:r>
               <a:rPr lang="es-419" sz="1100" b="1" dirty="0">
@@ -20611,15 +20599,6 @@
 </file>
 
 <file path=customXml/item1.xml><?xml version="1.0" encoding="utf-8"?>
-<?mso-contentType ?>
-<FormTemplates xmlns="http://schemas.microsoft.com/sharepoint/v3/contenttype/forms">
-  <Display>DocumentLibraryForm</Display>
-  <Edit>DocumentLibraryForm</Edit>
-  <New>DocumentLibraryForm</New>
-</FormTemplates>
-</file>
-
-<file path=customXml/item2.xml><?xml version="1.0" encoding="utf-8"?>
 <ct:contentTypeSchema xmlns:ct="http://schemas.microsoft.com/office/2006/metadata/contentType" xmlns:ma="http://schemas.microsoft.com/office/2006/metadata/properties/metaAttributes" ct:_="" ma:_="" ma:contentTypeName="Document" ma:contentTypeID="0x010100BF73FF7AA600A74DA303202E068F3B98" ma:contentTypeVersion="0" ma:contentTypeDescription="Create a new document." ma:contentTypeScope="" ma:versionID="15e34d513bc1c5922fdc1b75015e707c">
   <xsd:schema xmlns:xsd="http://www.w3.org/2001/XMLSchema" xmlns:xs="http://www.w3.org/2001/XMLSchema" xmlns:p="http://schemas.microsoft.com/office/2006/metadata/properties" xmlns:ns2="90e5e253-50b2-47e0-ab40-088f51eedbac" targetNamespace="http://schemas.microsoft.com/office/2006/metadata/properties" ma:root="true" ma:fieldsID="7895aa71ad85a7a2616823a07b65eac8" ns2:_="">
     <xsd:import namespace="90e5e253-50b2-47e0-ab40-088f51eedbac"/>
@@ -20750,6 +20729,15 @@
 </ct:contentTypeSchema>
 </file>
 
+<file path=customXml/item2.xml><?xml version="1.0" encoding="utf-8"?>
+<?mso-contentType ?>
+<FormTemplates xmlns="http://schemas.microsoft.com/sharepoint/v3/contenttype/forms">
+  <Display>DocumentLibraryForm</Display>
+  <Edit>DocumentLibraryForm</Edit>
+  <New>DocumentLibraryForm</New>
+</FormTemplates>
+</file>
+
 <file path=customXml/item3.xml><?xml version="1.0" encoding="utf-8"?>
 <p:properties xmlns:p="http://schemas.microsoft.com/office/2006/metadata/properties" xmlns:xsi="http://www.w3.org/2001/XMLSchema-instance" xmlns:pc="http://schemas.microsoft.com/office/infopath/2007/PartnerControls">
   <documentManagement>
@@ -20759,14 +20747,6 @@
 </file>
 
 <file path=customXml/itemProps1.xml><?xml version="1.0" encoding="utf-8"?>
-<ds:datastoreItem xmlns:ds="http://schemas.openxmlformats.org/officeDocument/2006/customXml" ds:itemID="{9D25E79C-CB22-414C-9E48-01ED10321A76}">
-  <ds:schemaRefs>
-    <ds:schemaRef ds:uri="http://schemas.microsoft.com/sharepoint/v3/contenttype/forms"/>
-  </ds:schemaRefs>
-</ds:datastoreItem>
-</file>
-
-<file path=customXml/itemProps2.xml><?xml version="1.0" encoding="utf-8"?>
 <ds:datastoreItem xmlns:ds="http://schemas.openxmlformats.org/officeDocument/2006/customXml" ds:itemID="{42AE7D4F-FA53-4617-A082-86779C2B9BEF}">
   <ds:schemaRefs>
     <ds:schemaRef ds:uri="http://schemas.microsoft.com/office/2006/metadata/contentType"/>
@@ -20780,6 +20760,14 @@
     <ds:schemaRef ds:uri="http://purl.org/dc/elements/1.1/"/>
     <ds:schemaRef ds:uri="http://purl.org/dc/terms/"/>
     <ds:schemaRef ds:uri="http://schemas.microsoft.com/internal/obd"/>
+  </ds:schemaRefs>
+</ds:datastoreItem>
+</file>
+
+<file path=customXml/itemProps2.xml><?xml version="1.0" encoding="utf-8"?>
+<ds:datastoreItem xmlns:ds="http://schemas.openxmlformats.org/officeDocument/2006/customXml" ds:itemID="{9D25E79C-CB22-414C-9E48-01ED10321A76}">
+  <ds:schemaRefs>
+    <ds:schemaRef ds:uri="http://schemas.microsoft.com/sharepoint/v3/contenttype/forms"/>
   </ds:schemaRefs>
 </ds:datastoreItem>
 </file>
